--- a/RampV02Presentation.pptx
+++ b/RampV02Presentation.pptx
@@ -7,20 +7,19 @@
   <p:sldIdLst>
     <p:sldId id="257" r:id="rId2"/>
     <p:sldId id="272" r:id="rId3"/>
-    <p:sldId id="258" r:id="rId4"/>
+    <p:sldId id="275" r:id="rId4"/>
     <p:sldId id="259" r:id="rId5"/>
-    <p:sldId id="260" r:id="rId6"/>
-    <p:sldId id="261" r:id="rId7"/>
-    <p:sldId id="262" r:id="rId8"/>
-    <p:sldId id="270" r:id="rId9"/>
-    <p:sldId id="263" r:id="rId10"/>
-    <p:sldId id="264" r:id="rId11"/>
-    <p:sldId id="265" r:id="rId12"/>
-    <p:sldId id="266" r:id="rId13"/>
-    <p:sldId id="267" r:id="rId14"/>
-    <p:sldId id="268" r:id="rId15"/>
-    <p:sldId id="269" r:id="rId16"/>
-    <p:sldId id="271" r:id="rId17"/>
+    <p:sldId id="262" r:id="rId6"/>
+    <p:sldId id="270" r:id="rId7"/>
+    <p:sldId id="263" r:id="rId8"/>
+    <p:sldId id="264" r:id="rId9"/>
+    <p:sldId id="265" r:id="rId10"/>
+    <p:sldId id="266" r:id="rId11"/>
+    <p:sldId id="267" r:id="rId12"/>
+    <p:sldId id="268" r:id="rId13"/>
+    <p:sldId id="274" r:id="rId14"/>
+    <p:sldId id="276" r:id="rId15"/>
+    <p:sldId id="277" r:id="rId16"/>
   </p:sldIdLst>
   <p:sldSz cx="12192000" cy="6858000"/>
   <p:notesSz cx="6858000" cy="9144000"/>
@@ -119,6 +118,11 @@
       </a:defRPr>
     </a:lvl9pPr>
   </p:defaultTextStyle>
+  <p:extLst>
+    <p:ext uri="{EFAFB233-063F-42B5-8137-9DF3F51BA10A}">
+      <p15:sldGuideLst xmlns:p15="http://schemas.microsoft.com/office/powerpoint/2012/main"/>
+    </p:ext>
+  </p:extLst>
 </p:presentation>
 </file>
 
@@ -269,7 +273,7 @@
           <a:p>
             <a:fld id="{319D1A90-29AA-4015-B376-FAD2ABCE9034}" type="datetimeFigureOut">
               <a:rPr lang="en-US" smtClean="0"/>
-              <a:t>8/29/2018</a:t>
+              <a:t>9/12/2018</a:t>
             </a:fld>
             <a:endParaRPr lang="en-US"/>
           </a:p>
@@ -467,7 +471,7 @@
           <a:p>
             <a:fld id="{319D1A90-29AA-4015-B376-FAD2ABCE9034}" type="datetimeFigureOut">
               <a:rPr lang="en-US" smtClean="0"/>
-              <a:t>8/29/2018</a:t>
+              <a:t>9/12/2018</a:t>
             </a:fld>
             <a:endParaRPr lang="en-US"/>
           </a:p>
@@ -675,7 +679,7 @@
           <a:p>
             <a:fld id="{319D1A90-29AA-4015-B376-FAD2ABCE9034}" type="datetimeFigureOut">
               <a:rPr lang="en-US" smtClean="0"/>
-              <a:t>8/29/2018</a:t>
+              <a:t>9/12/2018</a:t>
             </a:fld>
             <a:endParaRPr lang="en-US"/>
           </a:p>
@@ -873,7 +877,7 @@
           <a:p>
             <a:fld id="{319D1A90-29AA-4015-B376-FAD2ABCE9034}" type="datetimeFigureOut">
               <a:rPr lang="en-US" smtClean="0"/>
-              <a:t>8/29/2018</a:t>
+              <a:t>9/12/2018</a:t>
             </a:fld>
             <a:endParaRPr lang="en-US"/>
           </a:p>
@@ -1148,7 +1152,7 @@
           <a:p>
             <a:fld id="{319D1A90-29AA-4015-B376-FAD2ABCE9034}" type="datetimeFigureOut">
               <a:rPr lang="en-US" smtClean="0"/>
-              <a:t>8/29/2018</a:t>
+              <a:t>9/12/2018</a:t>
             </a:fld>
             <a:endParaRPr lang="en-US"/>
           </a:p>
@@ -1413,7 +1417,7 @@
           <a:p>
             <a:fld id="{319D1A90-29AA-4015-B376-FAD2ABCE9034}" type="datetimeFigureOut">
               <a:rPr lang="en-US" smtClean="0"/>
-              <a:t>8/29/2018</a:t>
+              <a:t>9/12/2018</a:t>
             </a:fld>
             <a:endParaRPr lang="en-US"/>
           </a:p>
@@ -1825,7 +1829,7 @@
           <a:p>
             <a:fld id="{319D1A90-29AA-4015-B376-FAD2ABCE9034}" type="datetimeFigureOut">
               <a:rPr lang="en-US" smtClean="0"/>
-              <a:t>8/29/2018</a:t>
+              <a:t>9/12/2018</a:t>
             </a:fld>
             <a:endParaRPr lang="en-US"/>
           </a:p>
@@ -1966,7 +1970,7 @@
           <a:p>
             <a:fld id="{319D1A90-29AA-4015-B376-FAD2ABCE9034}" type="datetimeFigureOut">
               <a:rPr lang="en-US" smtClean="0"/>
-              <a:t>8/29/2018</a:t>
+              <a:t>9/12/2018</a:t>
             </a:fld>
             <a:endParaRPr lang="en-US"/>
           </a:p>
@@ -2079,7 +2083,7 @@
           <a:p>
             <a:fld id="{319D1A90-29AA-4015-B376-FAD2ABCE9034}" type="datetimeFigureOut">
               <a:rPr lang="en-US" smtClean="0"/>
-              <a:t>8/29/2018</a:t>
+              <a:t>9/12/2018</a:t>
             </a:fld>
             <a:endParaRPr lang="en-US"/>
           </a:p>
@@ -2390,7 +2394,7 @@
           <a:p>
             <a:fld id="{319D1A90-29AA-4015-B376-FAD2ABCE9034}" type="datetimeFigureOut">
               <a:rPr lang="en-US" smtClean="0"/>
-              <a:t>8/29/2018</a:t>
+              <a:t>9/12/2018</a:t>
             </a:fld>
             <a:endParaRPr lang="en-US"/>
           </a:p>
@@ -2678,7 +2682,7 @@
           <a:p>
             <a:fld id="{319D1A90-29AA-4015-B376-FAD2ABCE9034}" type="datetimeFigureOut">
               <a:rPr lang="en-US" smtClean="0"/>
-              <a:t>8/29/2018</a:t>
+              <a:t>9/12/2018</a:t>
             </a:fld>
             <a:endParaRPr lang="en-US"/>
           </a:p>
@@ -2919,7 +2923,7 @@
           <a:p>
             <a:fld id="{319D1A90-29AA-4015-B376-FAD2ABCE9034}" type="datetimeFigureOut">
               <a:rPr lang="en-US" smtClean="0"/>
-              <a:t>8/29/2018</a:t>
+              <a:t>9/12/2018</a:t>
             </a:fld>
             <a:endParaRPr lang="en-US"/>
           </a:p>
@@ -3371,25 +3375,31 @@
         <p:spPr/>
         <p:txBody>
           <a:bodyPr>
-            <a:normAutofit/>
+            <a:normAutofit lnSpcReduction="10000"/>
           </a:bodyPr>
           <a:lstStyle/>
           <a:p>
             <a:r>
               <a:rPr lang="en-US" dirty="0"/>
-              <a:t>53 subjects</a:t>
+              <a:t>112 subjects</a:t>
             </a:r>
           </a:p>
           <a:p>
             <a:r>
               <a:rPr lang="en-US" dirty="0"/>
-              <a:t>5060 total trials</a:t>
+              <a:t>10378 total trials</a:t>
             </a:r>
           </a:p>
           <a:p>
             <a:r>
               <a:rPr lang="en-US" dirty="0"/>
-              <a:t>6139 trials with option to gamble</a:t>
+              <a:t>8367 trials with option to gamble</a:t>
+            </a:r>
+          </a:p>
+          <a:p>
+            <a:r>
+              <a:rPr lang="en-US" dirty="0"/>
+              <a:t>Gambled on 3235 of those trials</a:t>
             </a:r>
           </a:p>
         </p:txBody>
@@ -3429,7 +3439,7 @@
           <p:cNvPr id="2" name="TextBox 1">
             <a:extLst>
               <a:ext uri="{FF2B5EF4-FFF2-40B4-BE49-F238E27FC236}">
-                <a16:creationId xmlns:a16="http://schemas.microsoft.com/office/drawing/2014/main" id="{B3A4CB2F-85DD-4FC4-A43D-E79767B4E105}"/>
+                <a16:creationId xmlns:a16="http://schemas.microsoft.com/office/drawing/2014/main" id="{2578A299-CE25-49E8-A321-B1C44CAC61D4}"/>
               </a:ext>
             </a:extLst>
           </p:cNvPr>
@@ -3439,7 +3449,7 @@
         <p:spPr>
           <a:xfrm>
             <a:off x="289932" y="267629"/>
-            <a:ext cx="973343" cy="369332"/>
+            <a:ext cx="1054199" cy="369332"/>
           </a:xfrm>
           <a:prstGeom prst="rect">
             <a:avLst/>
@@ -3454,7 +3464,7 @@
           <a:p>
             <a:r>
               <a:rPr lang="en-US" dirty="0" err="1"/>
-              <a:t>MidMag</a:t>
+              <a:t>LowOdds</a:t>
             </a:r>
             <a:endParaRPr lang="en-US" dirty="0"/>
           </a:p>
@@ -3462,10 +3472,10 @@
       </p:sp>
       <p:pic>
         <p:nvPicPr>
-          <p:cNvPr id="3" name="Picture 2">
-            <a:extLst>
-              <a:ext uri="{FF2B5EF4-FFF2-40B4-BE49-F238E27FC236}">
-                <a16:creationId xmlns:a16="http://schemas.microsoft.com/office/drawing/2014/main" id="{89C286C3-5E34-4203-AB77-0655FD4C9EC8}"/>
+          <p:cNvPr id="7" name="Picture 6">
+            <a:extLst>
+              <a:ext uri="{FF2B5EF4-FFF2-40B4-BE49-F238E27FC236}">
+                <a16:creationId xmlns:a16="http://schemas.microsoft.com/office/drawing/2014/main" id="{B1214A70-3142-4109-8B3E-E392512FEF45}"/>
               </a:ext>
             </a:extLst>
           </p:cNvPr>
@@ -3482,8 +3492,8 @@
         </p:blipFill>
         <p:spPr>
           <a:xfrm>
-            <a:off x="7312947" y="3579392"/>
-            <a:ext cx="3486857" cy="2908495"/>
+            <a:off x="6349999" y="4157222"/>
+            <a:ext cx="5422901" cy="2587753"/>
           </a:xfrm>
           <a:prstGeom prst="rect">
             <a:avLst/>
@@ -3492,10 +3502,10 @@
       </p:pic>
       <p:pic>
         <p:nvPicPr>
-          <p:cNvPr id="4" name="Picture 3">
-            <a:extLst>
-              <a:ext uri="{FF2B5EF4-FFF2-40B4-BE49-F238E27FC236}">
-                <a16:creationId xmlns:a16="http://schemas.microsoft.com/office/drawing/2014/main" id="{F9B5D336-A047-4382-A732-8962BB6A209D}"/>
+          <p:cNvPr id="8" name="Picture 7">
+            <a:extLst>
+              <a:ext uri="{FF2B5EF4-FFF2-40B4-BE49-F238E27FC236}">
+                <a16:creationId xmlns:a16="http://schemas.microsoft.com/office/drawing/2014/main" id="{D7B1686A-1D83-415B-B1F9-7B42B8850C3C}"/>
               </a:ext>
             </a:extLst>
           </p:cNvPr>
@@ -3512,8 +3522,8 @@
         </p:blipFill>
         <p:spPr>
           <a:xfrm>
-            <a:off x="7472901" y="636961"/>
-            <a:ext cx="3166947" cy="2641648"/>
+            <a:off x="622952" y="755719"/>
+            <a:ext cx="5310039" cy="2533896"/>
           </a:xfrm>
           <a:prstGeom prst="rect">
             <a:avLst/>
@@ -3522,10 +3532,10 @@
       </p:pic>
       <p:pic>
         <p:nvPicPr>
-          <p:cNvPr id="5" name="Picture 4">
-            <a:extLst>
-              <a:ext uri="{FF2B5EF4-FFF2-40B4-BE49-F238E27FC236}">
-                <a16:creationId xmlns:a16="http://schemas.microsoft.com/office/drawing/2014/main" id="{F12D2696-F615-4B0C-BCF7-16BDBA90D191}"/>
+          <p:cNvPr id="9" name="Picture 8">
+            <a:extLst>
+              <a:ext uri="{FF2B5EF4-FFF2-40B4-BE49-F238E27FC236}">
+                <a16:creationId xmlns:a16="http://schemas.microsoft.com/office/drawing/2014/main" id="{52FC7BD1-F74E-4992-81FB-550476DFD641}"/>
               </a:ext>
             </a:extLst>
           </p:cNvPr>
@@ -3542,8 +3552,8 @@
         </p:blipFill>
         <p:spPr>
           <a:xfrm>
-            <a:off x="1927553" y="636961"/>
-            <a:ext cx="3166947" cy="2641647"/>
+            <a:off x="6642100" y="755719"/>
+            <a:ext cx="4926948" cy="2351089"/>
           </a:xfrm>
           <a:prstGeom prst="rect">
             <a:avLst/>
@@ -3552,10 +3562,10 @@
       </p:pic>
       <p:pic>
         <p:nvPicPr>
-          <p:cNvPr id="6" name="Picture 5">
-            <a:extLst>
-              <a:ext uri="{FF2B5EF4-FFF2-40B4-BE49-F238E27FC236}">
-                <a16:creationId xmlns:a16="http://schemas.microsoft.com/office/drawing/2014/main" id="{3BF5A141-231E-47EC-B17A-2797152E7303}"/>
+          <p:cNvPr id="10" name="Picture 9">
+            <a:extLst>
+              <a:ext uri="{FF2B5EF4-FFF2-40B4-BE49-F238E27FC236}">
+                <a16:creationId xmlns:a16="http://schemas.microsoft.com/office/drawing/2014/main" id="{735791FC-9857-4B64-9B91-3FE6CF143874}"/>
               </a:ext>
             </a:extLst>
           </p:cNvPr>
@@ -3572,8 +3582,8 @@
         </p:blipFill>
         <p:spPr>
           <a:xfrm>
-            <a:off x="1746158" y="3429000"/>
-            <a:ext cx="3486858" cy="2908495"/>
+            <a:off x="967941" y="4221100"/>
+            <a:ext cx="4965050" cy="2369271"/>
           </a:xfrm>
           <a:prstGeom prst="rect">
             <a:avLst/>
@@ -3583,7 +3593,7 @@
     </p:spTree>
     <p:extLst>
       <p:ext uri="{BB962C8B-B14F-4D97-AF65-F5344CB8AC3E}">
-        <p14:creationId xmlns:p14="http://schemas.microsoft.com/office/powerpoint/2010/main" val="3239285517"/>
+        <p14:creationId xmlns:p14="http://schemas.microsoft.com/office/powerpoint/2010/main" val="3226600690"/>
       </p:ext>
     </p:extLst>
   </p:cSld>
@@ -3610,12 +3620,48 @@
           <a:chExt cx="0" cy="0"/>
         </a:xfrm>
       </p:grpSpPr>
+      <p:sp>
+        <p:nvSpPr>
+          <p:cNvPr id="2" name="TextBox 1">
+            <a:extLst>
+              <a:ext uri="{FF2B5EF4-FFF2-40B4-BE49-F238E27FC236}">
+                <a16:creationId xmlns:a16="http://schemas.microsoft.com/office/drawing/2014/main" id="{3BACCE07-65CA-4D9C-BB87-A97E2D3705D1}"/>
+              </a:ext>
+            </a:extLst>
+          </p:cNvPr>
+          <p:cNvSpPr txBox="1"/>
+          <p:nvPr/>
+        </p:nvSpPr>
+        <p:spPr>
+          <a:xfrm>
+            <a:off x="289932" y="267629"/>
+            <a:ext cx="1042273" cy="369332"/>
+          </a:xfrm>
+          <a:prstGeom prst="rect">
+            <a:avLst/>
+          </a:prstGeom>
+          <a:noFill/>
+        </p:spPr>
+        <p:txBody>
+          <a:bodyPr wrap="none" rtlCol="0">
+            <a:spAutoFit/>
+          </a:bodyPr>
+          <a:lstStyle/>
+          <a:p>
+            <a:r>
+              <a:rPr lang="en-US" dirty="0" err="1"/>
+              <a:t>MidOdds</a:t>
+            </a:r>
+            <a:endParaRPr lang="en-US" dirty="0"/>
+          </a:p>
+        </p:txBody>
+      </p:sp>
       <p:pic>
         <p:nvPicPr>
-          <p:cNvPr id="2" name="Picture 1">
-            <a:extLst>
-              <a:ext uri="{FF2B5EF4-FFF2-40B4-BE49-F238E27FC236}">
-                <a16:creationId xmlns:a16="http://schemas.microsoft.com/office/drawing/2014/main" id="{D6FB0881-5EE4-4D8A-98DE-904FF5AB5FB5}"/>
+          <p:cNvPr id="6" name="Picture 5">
+            <a:extLst>
+              <a:ext uri="{FF2B5EF4-FFF2-40B4-BE49-F238E27FC236}">
+                <a16:creationId xmlns:a16="http://schemas.microsoft.com/office/drawing/2014/main" id="{A2FA31A2-5716-402F-8576-4D8A8DAC7806}"/>
               </a:ext>
             </a:extLst>
           </p:cNvPr>
@@ -3632,56 +3678,20 @@
         </p:blipFill>
         <p:spPr>
           <a:xfrm>
-            <a:off x="2048401" y="823704"/>
-            <a:ext cx="2985715" cy="2490476"/>
+            <a:off x="6299853" y="1023368"/>
+            <a:ext cx="5041247" cy="2405632"/>
           </a:xfrm>
           <a:prstGeom prst="rect">
             <a:avLst/>
           </a:prstGeom>
         </p:spPr>
       </p:pic>
-      <p:sp>
-        <p:nvSpPr>
-          <p:cNvPr id="3" name="TextBox 2">
-            <a:extLst>
-              <a:ext uri="{FF2B5EF4-FFF2-40B4-BE49-F238E27FC236}">
-                <a16:creationId xmlns:a16="http://schemas.microsoft.com/office/drawing/2014/main" id="{9C7A60DC-39C6-4AB3-BA67-2EA309A86C90}"/>
-              </a:ext>
-            </a:extLst>
-          </p:cNvPr>
-          <p:cNvSpPr txBox="1"/>
-          <p:nvPr/>
-        </p:nvSpPr>
-        <p:spPr>
-          <a:xfrm>
-            <a:off x="289932" y="267629"/>
-            <a:ext cx="1029449" cy="369332"/>
-          </a:xfrm>
-          <a:prstGeom prst="rect">
-            <a:avLst/>
-          </a:prstGeom>
-          <a:noFill/>
-        </p:spPr>
-        <p:txBody>
-          <a:bodyPr wrap="none" rtlCol="0">
-            <a:spAutoFit/>
-          </a:bodyPr>
-          <a:lstStyle/>
-          <a:p>
-            <a:r>
-              <a:rPr lang="en-US" dirty="0" err="1"/>
-              <a:t>HighMag</a:t>
-            </a:r>
-            <a:endParaRPr lang="en-US" dirty="0"/>
-          </a:p>
-        </p:txBody>
-      </p:sp>
       <p:pic>
         <p:nvPicPr>
-          <p:cNvPr id="4" name="Picture 3">
-            <a:extLst>
-              <a:ext uri="{FF2B5EF4-FFF2-40B4-BE49-F238E27FC236}">
-                <a16:creationId xmlns:a16="http://schemas.microsoft.com/office/drawing/2014/main" id="{F3A98F8D-9A11-4B45-AB73-308A1D1B88F2}"/>
+          <p:cNvPr id="8" name="Picture 7">
+            <a:extLst>
+              <a:ext uri="{FF2B5EF4-FFF2-40B4-BE49-F238E27FC236}">
+                <a16:creationId xmlns:a16="http://schemas.microsoft.com/office/drawing/2014/main" id="{451AE7A3-E93E-440F-841B-32E4B00D90AB}"/>
               </a:ext>
             </a:extLst>
           </p:cNvPr>
@@ -3698,8 +3708,8 @@
         </p:blipFill>
         <p:spPr>
           <a:xfrm>
-            <a:off x="7157886" y="823704"/>
-            <a:ext cx="3261018" cy="2720115"/>
+            <a:off x="289932" y="4184739"/>
+            <a:ext cx="5041247" cy="2405632"/>
           </a:xfrm>
           <a:prstGeom prst="rect">
             <a:avLst/>
@@ -3708,10 +3718,10 @@
       </p:pic>
       <p:pic>
         <p:nvPicPr>
-          <p:cNvPr id="5" name="Picture 4">
-            <a:extLst>
-              <a:ext uri="{FF2B5EF4-FFF2-40B4-BE49-F238E27FC236}">
-                <a16:creationId xmlns:a16="http://schemas.microsoft.com/office/drawing/2014/main" id="{8A969818-CEDC-4ECE-8103-4D1B1D0BDD39}"/>
+          <p:cNvPr id="9" name="Picture 8">
+            <a:extLst>
+              <a:ext uri="{FF2B5EF4-FFF2-40B4-BE49-F238E27FC236}">
+                <a16:creationId xmlns:a16="http://schemas.microsoft.com/office/drawing/2014/main" id="{C2029D3B-CE19-476B-807C-E502474DFAA5}"/>
               </a:ext>
             </a:extLst>
           </p:cNvPr>
@@ -3728,8 +3738,8 @@
         </p:blipFill>
         <p:spPr>
           <a:xfrm>
-            <a:off x="1645278" y="3429000"/>
-            <a:ext cx="3791960" cy="3162990"/>
+            <a:off x="6275978" y="4184739"/>
+            <a:ext cx="5041248" cy="2405632"/>
           </a:xfrm>
           <a:prstGeom prst="rect">
             <a:avLst/>
@@ -3738,10 +3748,10 @@
       </p:pic>
       <p:pic>
         <p:nvPicPr>
-          <p:cNvPr id="6" name="Picture 5">
-            <a:extLst>
-              <a:ext uri="{FF2B5EF4-FFF2-40B4-BE49-F238E27FC236}">
-                <a16:creationId xmlns:a16="http://schemas.microsoft.com/office/drawing/2014/main" id="{DC9BCA1D-5029-47DD-9D97-376D4E58B092}"/>
+          <p:cNvPr id="10" name="Picture 9">
+            <a:extLst>
+              <a:ext uri="{FF2B5EF4-FFF2-40B4-BE49-F238E27FC236}">
+                <a16:creationId xmlns:a16="http://schemas.microsoft.com/office/drawing/2014/main" id="{F19D8796-7F2C-42A2-8CE2-4C802F37FA44}"/>
               </a:ext>
             </a:extLst>
           </p:cNvPr>
@@ -3758,8 +3768,8 @@
         </p:blipFill>
         <p:spPr>
           <a:xfrm>
-            <a:off x="6754764" y="3695009"/>
-            <a:ext cx="3791961" cy="3162991"/>
+            <a:off x="470552" y="1024407"/>
+            <a:ext cx="5039071" cy="2404593"/>
           </a:xfrm>
           <a:prstGeom prst="rect">
             <a:avLst/>
@@ -3769,7 +3779,7 @@
     </p:spTree>
     <p:extLst>
       <p:ext uri="{BB962C8B-B14F-4D97-AF65-F5344CB8AC3E}">
-        <p14:creationId xmlns:p14="http://schemas.microsoft.com/office/powerpoint/2010/main" val="510388772"/>
+        <p14:creationId xmlns:p14="http://schemas.microsoft.com/office/powerpoint/2010/main" val="2043570687"/>
       </p:ext>
     </p:extLst>
   </p:cSld>
@@ -3801,7 +3811,7 @@
           <p:cNvPr id="2" name="TextBox 1">
             <a:extLst>
               <a:ext uri="{FF2B5EF4-FFF2-40B4-BE49-F238E27FC236}">
-                <a16:creationId xmlns:a16="http://schemas.microsoft.com/office/drawing/2014/main" id="{2578A299-CE25-49E8-A321-B1C44CAC61D4}"/>
+                <a16:creationId xmlns:a16="http://schemas.microsoft.com/office/drawing/2014/main" id="{1B3F068F-0CA8-4B71-9499-A4DFBF1B6C1D}"/>
               </a:ext>
             </a:extLst>
           </p:cNvPr>
@@ -3811,7 +3821,7 @@
         <p:spPr>
           <a:xfrm>
             <a:off x="289932" y="267629"/>
-            <a:ext cx="1054199" cy="369332"/>
+            <a:ext cx="1098378" cy="369332"/>
           </a:xfrm>
           <a:prstGeom prst="rect">
             <a:avLst/>
@@ -3826,7 +3836,7 @@
           <a:p>
             <a:r>
               <a:rPr lang="en-US" dirty="0" err="1"/>
-              <a:t>LowOdds</a:t>
+              <a:t>HighOdds</a:t>
             </a:r>
             <a:endParaRPr lang="en-US" dirty="0"/>
           </a:p>
@@ -3834,10 +3844,10 @@
       </p:sp>
       <p:pic>
         <p:nvPicPr>
-          <p:cNvPr id="3" name="Picture 2">
-            <a:extLst>
-              <a:ext uri="{FF2B5EF4-FFF2-40B4-BE49-F238E27FC236}">
-                <a16:creationId xmlns:a16="http://schemas.microsoft.com/office/drawing/2014/main" id="{F50997EF-E9DD-4581-874C-B5E3AECB5015}"/>
+          <p:cNvPr id="7" name="Picture 6">
+            <a:extLst>
+              <a:ext uri="{FF2B5EF4-FFF2-40B4-BE49-F238E27FC236}">
+                <a16:creationId xmlns:a16="http://schemas.microsoft.com/office/drawing/2014/main" id="{5F18337A-047B-4F54-9188-F36BC7C6D469}"/>
               </a:ext>
             </a:extLst>
           </p:cNvPr>
@@ -3854,8 +3864,8 @@
         </p:blipFill>
         <p:spPr>
           <a:xfrm>
-            <a:off x="1299429" y="3779543"/>
-            <a:ext cx="3261484" cy="2720504"/>
+            <a:off x="483253" y="4000500"/>
+            <a:ext cx="5219048" cy="2490476"/>
           </a:xfrm>
           <a:prstGeom prst="rect">
             <a:avLst/>
@@ -3864,10 +3874,10 @@
       </p:pic>
       <p:pic>
         <p:nvPicPr>
-          <p:cNvPr id="4" name="Picture 3">
-            <a:extLst>
-              <a:ext uri="{FF2B5EF4-FFF2-40B4-BE49-F238E27FC236}">
-                <a16:creationId xmlns:a16="http://schemas.microsoft.com/office/drawing/2014/main" id="{7C7967DD-321C-43B1-A2A0-527C3D2C2171}"/>
+          <p:cNvPr id="8" name="Picture 7">
+            <a:extLst>
+              <a:ext uri="{FF2B5EF4-FFF2-40B4-BE49-F238E27FC236}">
+                <a16:creationId xmlns:a16="http://schemas.microsoft.com/office/drawing/2014/main" id="{57EB00E9-041C-45B2-BDD7-030EE76737E8}"/>
               </a:ext>
             </a:extLst>
           </p:cNvPr>
@@ -3884,8 +3894,8 @@
         </p:blipFill>
         <p:spPr>
           <a:xfrm>
-            <a:off x="1869715" y="357953"/>
-            <a:ext cx="3583430" cy="2989049"/>
+            <a:off x="6362701" y="1152276"/>
+            <a:ext cx="5053948" cy="2411692"/>
           </a:xfrm>
           <a:prstGeom prst="rect">
             <a:avLst/>
@@ -3894,10 +3904,10 @@
       </p:pic>
       <p:pic>
         <p:nvPicPr>
-          <p:cNvPr id="5" name="Picture 4">
-            <a:extLst>
-              <a:ext uri="{FF2B5EF4-FFF2-40B4-BE49-F238E27FC236}">
-                <a16:creationId xmlns:a16="http://schemas.microsoft.com/office/drawing/2014/main" id="{B455F42A-F561-4E3E-A700-CE027A5F5D80}"/>
+          <p:cNvPr id="9" name="Picture 8">
+            <a:extLst>
+              <a:ext uri="{FF2B5EF4-FFF2-40B4-BE49-F238E27FC236}">
+                <a16:creationId xmlns:a16="http://schemas.microsoft.com/office/drawing/2014/main" id="{FBD497D8-2F69-4DCC-9CC7-E516B62483B9}"/>
               </a:ext>
             </a:extLst>
           </p:cNvPr>
@@ -3914,8 +3924,8 @@
         </p:blipFill>
         <p:spPr>
           <a:xfrm>
-            <a:off x="6840456" y="636961"/>
-            <a:ext cx="3265111" cy="2723529"/>
+            <a:off x="6489701" y="4000500"/>
+            <a:ext cx="5104748" cy="2435933"/>
           </a:xfrm>
           <a:prstGeom prst="rect">
             <a:avLst/>
@@ -3924,10 +3934,10 @@
       </p:pic>
       <p:pic>
         <p:nvPicPr>
-          <p:cNvPr id="6" name="Picture 5">
-            <a:extLst>
-              <a:ext uri="{FF2B5EF4-FFF2-40B4-BE49-F238E27FC236}">
-                <a16:creationId xmlns:a16="http://schemas.microsoft.com/office/drawing/2014/main" id="{E7733324-7A0E-49ED-BB86-001519201F36}"/>
+          <p:cNvPr id="10" name="Picture 9">
+            <a:extLst>
+              <a:ext uri="{FF2B5EF4-FFF2-40B4-BE49-F238E27FC236}">
+                <a16:creationId xmlns:a16="http://schemas.microsoft.com/office/drawing/2014/main" id="{C31B023A-5241-47F6-A375-744ACA6DCB67}"/>
               </a:ext>
             </a:extLst>
           </p:cNvPr>
@@ -3944,8 +3954,8 @@
         </p:blipFill>
         <p:spPr>
           <a:xfrm>
-            <a:off x="6844083" y="3779543"/>
-            <a:ext cx="3261484" cy="2720504"/>
+            <a:off x="610253" y="1073492"/>
+            <a:ext cx="5219048" cy="2490476"/>
           </a:xfrm>
           <a:prstGeom prst="rect">
             <a:avLst/>
@@ -3955,7 +3965,7 @@
     </p:spTree>
     <p:extLst>
       <p:ext uri="{BB962C8B-B14F-4D97-AF65-F5344CB8AC3E}">
-        <p14:creationId xmlns:p14="http://schemas.microsoft.com/office/powerpoint/2010/main" val="3226600690"/>
+        <p14:creationId xmlns:p14="http://schemas.microsoft.com/office/powerpoint/2010/main" val="4813415"/>
       </p:ext>
     </p:extLst>
   </p:cSld>
@@ -3987,7 +3997,7 @@
           <p:cNvPr id="2" name="TextBox 1">
             <a:extLst>
               <a:ext uri="{FF2B5EF4-FFF2-40B4-BE49-F238E27FC236}">
-                <a16:creationId xmlns:a16="http://schemas.microsoft.com/office/drawing/2014/main" id="{3BACCE07-65CA-4D9C-BB87-A97E2D3705D1}"/>
+                <a16:creationId xmlns:a16="http://schemas.microsoft.com/office/drawing/2014/main" id="{1B3F068F-0CA8-4B71-9499-A4DFBF1B6C1D}"/>
               </a:ext>
             </a:extLst>
           </p:cNvPr>
@@ -3997,7 +4007,7 @@
         <p:spPr>
           <a:xfrm>
             <a:off x="289932" y="267629"/>
-            <a:ext cx="1042273" cy="369332"/>
+            <a:ext cx="2032929" cy="369332"/>
           </a:xfrm>
           <a:prstGeom prst="rect">
             <a:avLst/>
@@ -4012,7 +4022,15 @@
           <a:p>
             <a:r>
               <a:rPr lang="en-US" dirty="0" err="1"/>
-              <a:t>MidOdds</a:t>
+              <a:t>HighOdds</a:t>
+            </a:r>
+            <a:r>
+              <a:rPr lang="en-US" dirty="0"/>
+              <a:t>/</a:t>
+            </a:r>
+            <a:r>
+              <a:rPr lang="en-US" dirty="0" err="1"/>
+              <a:t>HighMag</a:t>
             </a:r>
             <a:endParaRPr lang="en-US" dirty="0"/>
           </a:p>
@@ -4020,10 +4038,10 @@
       </p:sp>
       <p:pic>
         <p:nvPicPr>
-          <p:cNvPr id="3" name="Picture 2">
-            <a:extLst>
-              <a:ext uri="{FF2B5EF4-FFF2-40B4-BE49-F238E27FC236}">
-                <a16:creationId xmlns:a16="http://schemas.microsoft.com/office/drawing/2014/main" id="{9370C2B3-A323-4CA9-B54C-FCA990C78860}"/>
+          <p:cNvPr id="7" name="Picture 6">
+            <a:extLst>
+              <a:ext uri="{FF2B5EF4-FFF2-40B4-BE49-F238E27FC236}">
+                <a16:creationId xmlns:a16="http://schemas.microsoft.com/office/drawing/2014/main" id="{23F05A5D-8D44-41D4-864C-108EB7D3038C}"/>
               </a:ext>
             </a:extLst>
           </p:cNvPr>
@@ -4040,8 +4058,8 @@
         </p:blipFill>
         <p:spPr>
           <a:xfrm>
-            <a:off x="1332205" y="1070324"/>
-            <a:ext cx="3116344" cy="2599438"/>
+            <a:off x="6896753" y="4241486"/>
+            <a:ext cx="4926948" cy="2351089"/>
           </a:xfrm>
           <a:prstGeom prst="rect">
             <a:avLst/>
@@ -4050,10 +4068,10 @@
       </p:pic>
       <p:pic>
         <p:nvPicPr>
-          <p:cNvPr id="4" name="Picture 3">
-            <a:extLst>
-              <a:ext uri="{FF2B5EF4-FFF2-40B4-BE49-F238E27FC236}">
-                <a16:creationId xmlns:a16="http://schemas.microsoft.com/office/drawing/2014/main" id="{23FB2F8E-AD18-4593-9BD1-16984224E4DF}"/>
+          <p:cNvPr id="8" name="Picture 7">
+            <a:extLst>
+              <a:ext uri="{FF2B5EF4-FFF2-40B4-BE49-F238E27FC236}">
+                <a16:creationId xmlns:a16="http://schemas.microsoft.com/office/drawing/2014/main" id="{23B25644-65BA-4640-9347-1B10B049CE68}"/>
               </a:ext>
             </a:extLst>
           </p:cNvPr>
@@ -4070,8 +4088,8 @@
         </p:blipFill>
         <p:spPr>
           <a:xfrm>
-            <a:off x="1332205" y="3990932"/>
-            <a:ext cx="3116345" cy="2599439"/>
+            <a:off x="952224" y="812800"/>
+            <a:ext cx="5219048" cy="2490476"/>
           </a:xfrm>
           <a:prstGeom prst="rect">
             <a:avLst/>
@@ -4080,10 +4098,10 @@
       </p:pic>
       <p:pic>
         <p:nvPicPr>
-          <p:cNvPr id="5" name="Picture 4">
-            <a:extLst>
-              <a:ext uri="{FF2B5EF4-FFF2-40B4-BE49-F238E27FC236}">
-                <a16:creationId xmlns:a16="http://schemas.microsoft.com/office/drawing/2014/main" id="{0B2A9CEF-9DAD-47A1-88B8-12A8C0A43A5B}"/>
+          <p:cNvPr id="9" name="Picture 8">
+            <a:extLst>
+              <a:ext uri="{FF2B5EF4-FFF2-40B4-BE49-F238E27FC236}">
+                <a16:creationId xmlns:a16="http://schemas.microsoft.com/office/drawing/2014/main" id="{ABABA9A5-6F26-4C65-BDFC-C1AE4F8FEC63}"/>
               </a:ext>
             </a:extLst>
           </p:cNvPr>
@@ -4100,8 +4118,8 @@
         </p:blipFill>
         <p:spPr>
           <a:xfrm>
-            <a:off x="6096000" y="3839597"/>
-            <a:ext cx="3479201" cy="2902108"/>
+            <a:off x="6490353" y="938524"/>
+            <a:ext cx="5219048" cy="2490476"/>
           </a:xfrm>
           <a:prstGeom prst="rect">
             <a:avLst/>
@@ -4110,10 +4128,10 @@
       </p:pic>
       <p:pic>
         <p:nvPicPr>
-          <p:cNvPr id="7" name="Picture 6">
-            <a:extLst>
-              <a:ext uri="{FF2B5EF4-FFF2-40B4-BE49-F238E27FC236}">
-                <a16:creationId xmlns:a16="http://schemas.microsoft.com/office/drawing/2014/main" id="{73D11D18-EFE9-48F7-81EC-A9D1E594265B}"/>
+          <p:cNvPr id="10" name="Picture 9">
+            <a:extLst>
+              <a:ext uri="{FF2B5EF4-FFF2-40B4-BE49-F238E27FC236}">
+                <a16:creationId xmlns:a16="http://schemas.microsoft.com/office/drawing/2014/main" id="{FDF2FF96-6BB0-462D-AE96-A67C75B2FD76}"/>
               </a:ext>
             </a:extLst>
           </p:cNvPr>
@@ -4130,8 +4148,8 @@
         </p:blipFill>
         <p:spPr>
           <a:xfrm>
-            <a:off x="6219371" y="973470"/>
-            <a:ext cx="3232458" cy="2696292"/>
+            <a:off x="1308751" y="4174823"/>
+            <a:ext cx="4926947" cy="2351089"/>
           </a:xfrm>
           <a:prstGeom prst="rect">
             <a:avLst/>
@@ -4141,7 +4159,7 @@
     </p:spTree>
     <p:extLst>
       <p:ext uri="{BB962C8B-B14F-4D97-AF65-F5344CB8AC3E}">
-        <p14:creationId xmlns:p14="http://schemas.microsoft.com/office/powerpoint/2010/main" val="2043570687"/>
+        <p14:creationId xmlns:p14="http://schemas.microsoft.com/office/powerpoint/2010/main" val="4188501655"/>
       </p:ext>
     </p:extLst>
   </p:cSld>
@@ -4170,10 +4188,10 @@
       </p:grpSpPr>
       <p:sp>
         <p:nvSpPr>
-          <p:cNvPr id="2" name="TextBox 1">
-            <a:extLst>
-              <a:ext uri="{FF2B5EF4-FFF2-40B4-BE49-F238E27FC236}">
-                <a16:creationId xmlns:a16="http://schemas.microsoft.com/office/drawing/2014/main" id="{1B3F068F-0CA8-4B71-9499-A4DFBF1B6C1D}"/>
+          <p:cNvPr id="4" name="TextBox 3">
+            <a:extLst>
+              <a:ext uri="{FF2B5EF4-FFF2-40B4-BE49-F238E27FC236}">
+                <a16:creationId xmlns:a16="http://schemas.microsoft.com/office/drawing/2014/main" id="{1F857135-652A-4E76-B380-EF1D8442DC51}"/>
               </a:ext>
             </a:extLst>
           </p:cNvPr>
@@ -4183,7 +4201,7 @@
         <p:spPr>
           <a:xfrm>
             <a:off x="289932" y="267629"/>
-            <a:ext cx="1098378" cy="369332"/>
+            <a:ext cx="3653693" cy="369332"/>
           </a:xfrm>
           <a:prstGeom prst="rect">
             <a:avLst/>
@@ -4197,19 +4215,18 @@
           <a:lstStyle/>
           <a:p>
             <a:r>
-              <a:rPr lang="en-US" dirty="0" err="1"/>
-              <a:t>HighOdds</a:t>
-            </a:r>
-            <a:endParaRPr lang="en-US" dirty="0"/>
+              <a:rPr lang="en-US" dirty="0"/>
+              <a:t>Participants who show ramping n=15</a:t>
+            </a:r>
           </a:p>
         </p:txBody>
       </p:sp>
       <p:pic>
         <p:nvPicPr>
-          <p:cNvPr id="3" name="Picture 2">
-            <a:extLst>
-              <a:ext uri="{FF2B5EF4-FFF2-40B4-BE49-F238E27FC236}">
-                <a16:creationId xmlns:a16="http://schemas.microsoft.com/office/drawing/2014/main" id="{7EA597A8-5806-45B6-B03E-1C1D3620340C}"/>
+          <p:cNvPr id="5" name="Picture 4">
+            <a:extLst>
+              <a:ext uri="{FF2B5EF4-FFF2-40B4-BE49-F238E27FC236}">
+                <a16:creationId xmlns:a16="http://schemas.microsoft.com/office/drawing/2014/main" id="{2E482A02-4E6A-4206-9911-84565DBF2734}"/>
               </a:ext>
             </a:extLst>
           </p:cNvPr>
@@ -4226,8 +4243,8 @@
         </p:blipFill>
         <p:spPr>
           <a:xfrm>
-            <a:off x="1388311" y="863532"/>
-            <a:ext cx="3392115" cy="2829467"/>
+            <a:off x="483253" y="3821121"/>
+            <a:ext cx="5803247" cy="2769250"/>
           </a:xfrm>
           <a:prstGeom prst="rect">
             <a:avLst/>
@@ -4236,10 +4253,10 @@
       </p:pic>
       <p:pic>
         <p:nvPicPr>
-          <p:cNvPr id="4" name="Picture 3">
-            <a:extLst>
-              <a:ext uri="{FF2B5EF4-FFF2-40B4-BE49-F238E27FC236}">
-                <a16:creationId xmlns:a16="http://schemas.microsoft.com/office/drawing/2014/main" id="{B9AFF15A-C203-4DCE-99AC-4D6EBCA2BF41}"/>
+          <p:cNvPr id="6" name="Picture 5">
+            <a:extLst>
+              <a:ext uri="{FF2B5EF4-FFF2-40B4-BE49-F238E27FC236}">
+                <a16:creationId xmlns:a16="http://schemas.microsoft.com/office/drawing/2014/main" id="{F3BCC679-0D99-4ED3-AE17-EB4A80B48C02}"/>
               </a:ext>
             </a:extLst>
           </p:cNvPr>
@@ -4256,8 +4273,8 @@
         </p:blipFill>
         <p:spPr>
           <a:xfrm>
-            <a:off x="1257682" y="3919571"/>
-            <a:ext cx="3522744" cy="2938429"/>
+            <a:off x="6452253" y="636961"/>
+            <a:ext cx="5219048" cy="2490476"/>
           </a:xfrm>
           <a:prstGeom prst="rect">
             <a:avLst/>
@@ -4266,10 +4283,10 @@
       </p:pic>
       <p:pic>
         <p:nvPicPr>
-          <p:cNvPr id="5" name="Picture 4">
-            <a:extLst>
-              <a:ext uri="{FF2B5EF4-FFF2-40B4-BE49-F238E27FC236}">
-                <a16:creationId xmlns:a16="http://schemas.microsoft.com/office/drawing/2014/main" id="{8971EC78-7999-48FE-9293-91033093DEB8}"/>
+          <p:cNvPr id="7" name="Picture 6">
+            <a:extLst>
+              <a:ext uri="{FF2B5EF4-FFF2-40B4-BE49-F238E27FC236}">
+                <a16:creationId xmlns:a16="http://schemas.microsoft.com/office/drawing/2014/main" id="{89DFC726-0D03-4453-873D-D66668482ED5}"/>
               </a:ext>
             </a:extLst>
           </p:cNvPr>
@@ -4286,8 +4303,8 @@
         </p:blipFill>
         <p:spPr>
           <a:xfrm>
-            <a:off x="6274398" y="3652695"/>
-            <a:ext cx="3842689" cy="3205305"/>
+            <a:off x="6782453" y="3821121"/>
+            <a:ext cx="5117448" cy="2441994"/>
           </a:xfrm>
           <a:prstGeom prst="rect">
             <a:avLst/>
@@ -4296,10 +4313,10 @@
       </p:pic>
       <p:pic>
         <p:nvPicPr>
-          <p:cNvPr id="6" name="Picture 5">
-            <a:extLst>
-              <a:ext uri="{FF2B5EF4-FFF2-40B4-BE49-F238E27FC236}">
-                <a16:creationId xmlns:a16="http://schemas.microsoft.com/office/drawing/2014/main" id="{EC7AFCA3-B113-4BBF-B1D2-59D32A3FDAE4}"/>
+          <p:cNvPr id="8" name="Picture 7">
+            <a:extLst>
+              <a:ext uri="{FF2B5EF4-FFF2-40B4-BE49-F238E27FC236}">
+                <a16:creationId xmlns:a16="http://schemas.microsoft.com/office/drawing/2014/main" id="{014C5EE6-D98E-4AB7-8B34-062CBCBA4301}"/>
               </a:ext>
             </a:extLst>
           </p:cNvPr>
@@ -4316,8 +4333,8 @@
         </p:blipFill>
         <p:spPr>
           <a:xfrm>
-            <a:off x="6550486" y="721709"/>
-            <a:ext cx="3290515" cy="2744719"/>
+            <a:off x="597225" y="898802"/>
+            <a:ext cx="5575301" cy="2660477"/>
           </a:xfrm>
           <a:prstGeom prst="rect">
             <a:avLst/>
@@ -4327,7 +4344,7 @@
     </p:spTree>
     <p:extLst>
       <p:ext uri="{BB962C8B-B14F-4D97-AF65-F5344CB8AC3E}">
-        <p14:creationId xmlns:p14="http://schemas.microsoft.com/office/powerpoint/2010/main" val="4813415"/>
+        <p14:creationId xmlns:p14="http://schemas.microsoft.com/office/powerpoint/2010/main" val="3444714458"/>
       </p:ext>
     </p:extLst>
   </p:cSld>
@@ -4356,10 +4373,10 @@
       </p:grpSpPr>
       <p:sp>
         <p:nvSpPr>
-          <p:cNvPr id="2" name="TextBox 1">
-            <a:extLst>
-              <a:ext uri="{FF2B5EF4-FFF2-40B4-BE49-F238E27FC236}">
-                <a16:creationId xmlns:a16="http://schemas.microsoft.com/office/drawing/2014/main" id="{5650CF85-0C14-4C42-A08A-3704F27CD0A1}"/>
+          <p:cNvPr id="4" name="TextBox 3">
+            <a:extLst>
+              <a:ext uri="{FF2B5EF4-FFF2-40B4-BE49-F238E27FC236}">
+                <a16:creationId xmlns:a16="http://schemas.microsoft.com/office/drawing/2014/main" id="{D364AA7B-1D66-4BC8-983E-391342B155E1}"/>
               </a:ext>
             </a:extLst>
           </p:cNvPr>
@@ -4369,7 +4386,7 @@
         <p:spPr>
           <a:xfrm>
             <a:off x="289932" y="267629"/>
-            <a:ext cx="968535" cy="369332"/>
+            <a:ext cx="3653693" cy="369332"/>
           </a:xfrm>
           <a:prstGeom prst="rect">
             <a:avLst/>
@@ -4383,19 +4400,18 @@
           <a:lstStyle/>
           <a:p>
             <a:r>
-              <a:rPr lang="en-US" dirty="0" err="1"/>
-              <a:t>HighRPE</a:t>
-            </a:r>
-            <a:endParaRPr lang="en-US" dirty="0"/>
+              <a:rPr lang="en-US" dirty="0"/>
+              <a:t>Participants who show ramping n=15</a:t>
+            </a:r>
           </a:p>
         </p:txBody>
       </p:sp>
       <p:pic>
         <p:nvPicPr>
-          <p:cNvPr id="3" name="Picture 2">
-            <a:extLst>
-              <a:ext uri="{FF2B5EF4-FFF2-40B4-BE49-F238E27FC236}">
-                <a16:creationId xmlns:a16="http://schemas.microsoft.com/office/drawing/2014/main" id="{FA815472-656A-4723-AD26-D054908E4DB9}"/>
+          <p:cNvPr id="5" name="Picture 4">
+            <a:extLst>
+              <a:ext uri="{FF2B5EF4-FFF2-40B4-BE49-F238E27FC236}">
+                <a16:creationId xmlns:a16="http://schemas.microsoft.com/office/drawing/2014/main" id="{1C64213A-7789-4315-911A-E68F936F3370}"/>
               </a:ext>
             </a:extLst>
           </p:cNvPr>
@@ -4412,8 +4428,8 @@
         </p:blipFill>
         <p:spPr>
           <a:xfrm>
-            <a:off x="1455656" y="615210"/>
-            <a:ext cx="3711429" cy="3095817"/>
+            <a:off x="332214" y="977900"/>
+            <a:ext cx="3487104" cy="1664011"/>
           </a:xfrm>
           <a:prstGeom prst="rect">
             <a:avLst/>
@@ -4422,10 +4438,10 @@
       </p:pic>
       <p:pic>
         <p:nvPicPr>
-          <p:cNvPr id="4" name="Picture 3">
-            <a:extLst>
-              <a:ext uri="{FF2B5EF4-FFF2-40B4-BE49-F238E27FC236}">
-                <a16:creationId xmlns:a16="http://schemas.microsoft.com/office/drawing/2014/main" id="{54673150-247A-4877-93FB-88D1E835AB05}"/>
+          <p:cNvPr id="6" name="Picture 5">
+            <a:extLst>
+              <a:ext uri="{FF2B5EF4-FFF2-40B4-BE49-F238E27FC236}">
+                <a16:creationId xmlns:a16="http://schemas.microsoft.com/office/drawing/2014/main" id="{5776BA1A-CCFC-4522-AEFC-764A7857D2D3}"/>
               </a:ext>
             </a:extLst>
           </p:cNvPr>
@@ -4442,8 +4458,8 @@
         </p:blipFill>
         <p:spPr>
           <a:xfrm>
-            <a:off x="1847541" y="3953163"/>
-            <a:ext cx="3421144" cy="2853681"/>
+            <a:off x="7977327" y="977900"/>
+            <a:ext cx="3487107" cy="1664011"/>
           </a:xfrm>
           <a:prstGeom prst="rect">
             <a:avLst/>
@@ -4452,10 +4468,10 @@
       </p:pic>
       <p:pic>
         <p:nvPicPr>
-          <p:cNvPr id="5" name="Picture 4">
-            <a:extLst>
-              <a:ext uri="{FF2B5EF4-FFF2-40B4-BE49-F238E27FC236}">
-                <a16:creationId xmlns:a16="http://schemas.microsoft.com/office/drawing/2014/main" id="{581C327D-72A0-4025-A96E-D68C00AC96F2}"/>
+          <p:cNvPr id="7" name="Picture 6">
+            <a:extLst>
+              <a:ext uri="{FF2B5EF4-FFF2-40B4-BE49-F238E27FC236}">
+                <a16:creationId xmlns:a16="http://schemas.microsoft.com/office/drawing/2014/main" id="{A9258011-540B-4CAD-98A5-B2453737802D}"/>
               </a:ext>
             </a:extLst>
           </p:cNvPr>
@@ -4472,8 +4488,8 @@
         </p:blipFill>
         <p:spPr>
           <a:xfrm>
-            <a:off x="5930457" y="3711027"/>
-            <a:ext cx="3711429" cy="3095817"/>
+            <a:off x="4045225" y="1912160"/>
+            <a:ext cx="3517313" cy="1678426"/>
           </a:xfrm>
           <a:prstGeom prst="rect">
             <a:avLst/>
@@ -4482,10 +4498,10 @@
       </p:pic>
       <p:pic>
         <p:nvPicPr>
-          <p:cNvPr id="6" name="Picture 5">
-            <a:extLst>
-              <a:ext uri="{FF2B5EF4-FFF2-40B4-BE49-F238E27FC236}">
-                <a16:creationId xmlns:a16="http://schemas.microsoft.com/office/drawing/2014/main" id="{EEE6EF87-2120-47CC-8AD3-8F0B1391ED30}"/>
+          <p:cNvPr id="9" name="Picture 8">
+            <a:extLst>
+              <a:ext uri="{FF2B5EF4-FFF2-40B4-BE49-F238E27FC236}">
+                <a16:creationId xmlns:a16="http://schemas.microsoft.com/office/drawing/2014/main" id="{C94968E2-152E-40F8-B75D-AC4CF78C540E}"/>
               </a:ext>
             </a:extLst>
           </p:cNvPr>
@@ -4502,86 +4518,20 @@
         </p:blipFill>
         <p:spPr>
           <a:xfrm>
-            <a:off x="5656172" y="971425"/>
-            <a:ext cx="3985714" cy="2490476"/>
+            <a:off x="4143857" y="4528145"/>
+            <a:ext cx="3904285" cy="1863085"/>
           </a:xfrm>
           <a:prstGeom prst="rect">
             <a:avLst/>
           </a:prstGeom>
         </p:spPr>
       </p:pic>
-    </p:spTree>
-    <p:extLst>
-      <p:ext uri="{BB962C8B-B14F-4D97-AF65-F5344CB8AC3E}">
-        <p14:creationId xmlns:p14="http://schemas.microsoft.com/office/powerpoint/2010/main" val="3184489133"/>
-      </p:ext>
-    </p:extLst>
-  </p:cSld>
-  <p:clrMapOvr>
-    <a:masterClrMapping/>
-  </p:clrMapOvr>
-</p:sld>
-</file>
-
-<file path=ppt/slides/slide16.xml><?xml version="1.0" encoding="utf-8"?>
-<p:sld xmlns:a="http://schemas.openxmlformats.org/drawingml/2006/main" xmlns:r="http://schemas.openxmlformats.org/officeDocument/2006/relationships" xmlns:p="http://schemas.openxmlformats.org/presentationml/2006/main">
-  <p:cSld>
-    <p:spTree>
-      <p:nvGrpSpPr>
-        <p:cNvPr id="1" name=""/>
-        <p:cNvGrpSpPr/>
-        <p:nvPr/>
-      </p:nvGrpSpPr>
-      <p:grpSpPr>
-        <a:xfrm>
-          <a:off x="0" y="0"/>
-          <a:ext cx="0" cy="0"/>
-          <a:chOff x="0" y="0"/>
-          <a:chExt cx="0" cy="0"/>
-        </a:xfrm>
-      </p:grpSpPr>
-      <p:sp>
-        <p:nvSpPr>
-          <p:cNvPr id="4" name="TextBox 3">
-            <a:extLst>
-              <a:ext uri="{FF2B5EF4-FFF2-40B4-BE49-F238E27FC236}">
-                <a16:creationId xmlns:a16="http://schemas.microsoft.com/office/drawing/2014/main" id="{EC40019E-FA6E-4E45-A4AB-4F3411A0F08E}"/>
-              </a:ext>
-            </a:extLst>
-          </p:cNvPr>
-          <p:cNvSpPr txBox="1"/>
-          <p:nvPr/>
-        </p:nvSpPr>
-        <p:spPr>
-          <a:xfrm>
-            <a:off x="289932" y="267629"/>
-            <a:ext cx="924356" cy="369332"/>
-          </a:xfrm>
-          <a:prstGeom prst="rect">
-            <a:avLst/>
-          </a:prstGeom>
-          <a:noFill/>
-        </p:spPr>
-        <p:txBody>
-          <a:bodyPr wrap="none" rtlCol="0">
-            <a:spAutoFit/>
-          </a:bodyPr>
-          <a:lstStyle/>
-          <a:p>
-            <a:r>
-              <a:rPr lang="en-US" dirty="0" err="1"/>
-              <a:t>LowRPE</a:t>
-            </a:r>
-            <a:endParaRPr lang="en-US" dirty="0"/>
-          </a:p>
-        </p:txBody>
-      </p:sp>
       <p:pic>
         <p:nvPicPr>
-          <p:cNvPr id="5" name="Picture 4">
-            <a:extLst>
-              <a:ext uri="{FF2B5EF4-FFF2-40B4-BE49-F238E27FC236}">
-                <a16:creationId xmlns:a16="http://schemas.microsoft.com/office/drawing/2014/main" id="{E15F606A-ECB1-4D60-A157-24B33D43D69A}"/>
+          <p:cNvPr id="10" name="Picture 9">
+            <a:extLst>
+              <a:ext uri="{FF2B5EF4-FFF2-40B4-BE49-F238E27FC236}">
+                <a16:creationId xmlns:a16="http://schemas.microsoft.com/office/drawing/2014/main" id="{4F25C295-A2B3-4A58-BA54-6FC70C4DDEE1}"/>
               </a:ext>
             </a:extLst>
           </p:cNvPr>
@@ -4591,15 +4541,15 @@
           <p:nvPr/>
         </p:nvPicPr>
         <p:blipFill>
-          <a:blip r:embed="rId2"/>
+          <a:blip r:embed="rId6"/>
           <a:stretch>
             <a:fillRect/>
           </a:stretch>
         </p:blipFill>
         <p:spPr>
           <a:xfrm>
-            <a:off x="924002" y="3658459"/>
-            <a:ext cx="4493714" cy="2807900"/>
+            <a:off x="256142" y="3648331"/>
+            <a:ext cx="3687483" cy="1759629"/>
           </a:xfrm>
           <a:prstGeom prst="rect">
             <a:avLst/>
@@ -4608,10 +4558,10 @@
       </p:pic>
       <p:pic>
         <p:nvPicPr>
-          <p:cNvPr id="6" name="Picture 5">
-            <a:extLst>
-              <a:ext uri="{FF2B5EF4-FFF2-40B4-BE49-F238E27FC236}">
-                <a16:creationId xmlns:a16="http://schemas.microsoft.com/office/drawing/2014/main" id="{56348AE9-7F5F-46AE-947B-65517BFCE7E4}"/>
+          <p:cNvPr id="11" name="Picture 10">
+            <a:extLst>
+              <a:ext uri="{FF2B5EF4-FFF2-40B4-BE49-F238E27FC236}">
+                <a16:creationId xmlns:a16="http://schemas.microsoft.com/office/drawing/2014/main" id="{23E60D84-2762-4436-B28A-4EBB93DF5C67}"/>
               </a:ext>
             </a:extLst>
           </p:cNvPr>
@@ -4621,75 +4571,15 @@
           <p:nvPr/>
         </p:nvPicPr>
         <p:blipFill>
-          <a:blip r:embed="rId3"/>
+          <a:blip r:embed="rId7"/>
           <a:stretch>
             <a:fillRect/>
           </a:stretch>
         </p:blipFill>
         <p:spPr>
           <a:xfrm>
-            <a:off x="6096000" y="3818136"/>
-            <a:ext cx="4238171" cy="2648224"/>
-          </a:xfrm>
-          <a:prstGeom prst="rect">
-            <a:avLst/>
-          </a:prstGeom>
-        </p:spPr>
-      </p:pic>
-      <p:pic>
-        <p:nvPicPr>
-          <p:cNvPr id="7" name="Picture 6">
-            <a:extLst>
-              <a:ext uri="{FF2B5EF4-FFF2-40B4-BE49-F238E27FC236}">
-                <a16:creationId xmlns:a16="http://schemas.microsoft.com/office/drawing/2014/main" id="{75616589-A644-4E45-926D-204433FDA741}"/>
-              </a:ext>
-            </a:extLst>
-          </p:cNvPr>
-          <p:cNvPicPr>
-            <a:picLocks noChangeAspect="1"/>
-          </p:cNvPicPr>
-          <p:nvPr/>
-        </p:nvPicPr>
-        <p:blipFill>
-          <a:blip r:embed="rId4"/>
-          <a:stretch>
-            <a:fillRect/>
-          </a:stretch>
-        </p:blipFill>
-        <p:spPr>
-          <a:xfrm>
-            <a:off x="1098173" y="743760"/>
-            <a:ext cx="4493714" cy="2807900"/>
-          </a:xfrm>
-          <a:prstGeom prst="rect">
-            <a:avLst/>
-          </a:prstGeom>
-        </p:spPr>
-      </p:pic>
-      <p:pic>
-        <p:nvPicPr>
-          <p:cNvPr id="8" name="Picture 7">
-            <a:extLst>
-              <a:ext uri="{FF2B5EF4-FFF2-40B4-BE49-F238E27FC236}">
-                <a16:creationId xmlns:a16="http://schemas.microsoft.com/office/drawing/2014/main" id="{01DEEC61-8FF1-4F15-8DC8-07427649986C}"/>
-              </a:ext>
-            </a:extLst>
-          </p:cNvPr>
-          <p:cNvPicPr>
-            <a:picLocks noChangeAspect="1"/>
-          </p:cNvPicPr>
-          <p:nvPr/>
-        </p:nvPicPr>
-        <p:blipFill>
-          <a:blip r:embed="rId5"/>
-          <a:stretch>
-            <a:fillRect/>
-          </a:stretch>
-        </p:blipFill>
-        <p:spPr>
-          <a:xfrm>
-            <a:off x="5979885" y="837955"/>
-            <a:ext cx="4503366" cy="2591045"/>
+            <a:off x="8048142" y="3308018"/>
+            <a:ext cx="3904286" cy="1863085"/>
           </a:xfrm>
           <a:prstGeom prst="rect">
             <a:avLst/>
@@ -4699,7 +4589,7 @@
     </p:spTree>
     <p:extLst>
       <p:ext uri="{BB962C8B-B14F-4D97-AF65-F5344CB8AC3E}">
-        <p14:creationId xmlns:p14="http://schemas.microsoft.com/office/powerpoint/2010/main" val="1931408975"/>
+        <p14:creationId xmlns:p14="http://schemas.microsoft.com/office/powerpoint/2010/main" val="1234073537"/>
       </p:ext>
     </p:extLst>
   </p:cSld>
@@ -4830,40 +4720,38 @@
           <a:chExt cx="0" cy="0"/>
         </a:xfrm>
       </p:grpSpPr>
-      <p:pic>
-        <p:nvPicPr>
-          <p:cNvPr id="5" name="Picture 4">
-            <a:extLst>
-              <a:ext uri="{FF2B5EF4-FFF2-40B4-BE49-F238E27FC236}">
-                <a16:creationId xmlns:a16="http://schemas.microsoft.com/office/drawing/2014/main" id="{2680ED8A-B3AA-4CA5-A9A8-C4680A692B37}"/>
-              </a:ext>
-            </a:extLst>
-          </p:cNvPr>
-          <p:cNvPicPr>
-            <a:picLocks noChangeAspect="1"/>
-          </p:cNvPicPr>
-          <p:nvPr/>
-        </p:nvPicPr>
-        <p:blipFill>
-          <a:blip r:embed="rId2"/>
-          <a:stretch>
-            <a:fillRect/>
-          </a:stretch>
-        </p:blipFill>
-        <p:spPr>
-          <a:xfrm>
-            <a:off x="2648381" y="486143"/>
-            <a:ext cx="6895238" cy="5885714"/>
-          </a:xfrm>
-          <a:prstGeom prst="rect">
-            <a:avLst/>
-          </a:prstGeom>
-        </p:spPr>
-      </p:pic>
+      <p:sp>
+        <p:nvSpPr>
+          <p:cNvPr id="2" name="Title 1">
+            <a:extLst>
+              <a:ext uri="{FF2B5EF4-FFF2-40B4-BE49-F238E27FC236}">
+                <a16:creationId xmlns:a16="http://schemas.microsoft.com/office/drawing/2014/main" id="{1B13B0FE-30FE-4F51-B6AE-236CB1A98C02}"/>
+              </a:ext>
+            </a:extLst>
+          </p:cNvPr>
+          <p:cNvSpPr>
+            <a:spLocks noGrp="1"/>
+          </p:cNvSpPr>
+          <p:nvPr>
+            <p:ph type="title"/>
+          </p:nvPr>
+        </p:nvSpPr>
+        <p:spPr/>
+        <p:txBody>
+          <a:bodyPr/>
+          <a:lstStyle/>
+          <a:p>
+            <a:r>
+              <a:rPr lang="en-US" dirty="0"/>
+              <a:t>When gambles interrupted</a:t>
+            </a:r>
+          </a:p>
+        </p:txBody>
+      </p:sp>
     </p:spTree>
     <p:extLst>
       <p:ext uri="{BB962C8B-B14F-4D97-AF65-F5344CB8AC3E}">
-        <p14:creationId xmlns:p14="http://schemas.microsoft.com/office/powerpoint/2010/main" val="1232095220"/>
+        <p14:creationId xmlns:p14="http://schemas.microsoft.com/office/powerpoint/2010/main" val="2582656886"/>
       </p:ext>
     </p:extLst>
   </p:cSld>
@@ -4892,10 +4780,10 @@
       </p:grpSpPr>
       <p:pic>
         <p:nvPicPr>
-          <p:cNvPr id="4" name="Picture 3">
-            <a:extLst>
-              <a:ext uri="{FF2B5EF4-FFF2-40B4-BE49-F238E27FC236}">
-                <a16:creationId xmlns:a16="http://schemas.microsoft.com/office/drawing/2014/main" id="{3B86FFE8-7FF6-4201-8E2D-5C0A38DBFD35}"/>
+          <p:cNvPr id="3" name="Picture 2">
+            <a:extLst>
+              <a:ext uri="{FF2B5EF4-FFF2-40B4-BE49-F238E27FC236}">
+                <a16:creationId xmlns:a16="http://schemas.microsoft.com/office/drawing/2014/main" id="{3442ADD3-5AF3-4A85-ADB7-469A8D1F22CA}"/>
               </a:ext>
             </a:extLst>
           </p:cNvPr>
@@ -4912,8 +4800,8 @@
         </p:blipFill>
         <p:spPr>
           <a:xfrm>
-            <a:off x="2648381" y="486143"/>
-            <a:ext cx="6895238" cy="5885714"/>
+            <a:off x="876626" y="876300"/>
+            <a:ext cx="9876520" cy="4712975"/>
           </a:xfrm>
           <a:prstGeom prst="rect">
             <a:avLst/>
@@ -4952,10 +4840,10 @@
       </p:grpSpPr>
       <p:pic>
         <p:nvPicPr>
-          <p:cNvPr id="2" name="Picture 1">
-            <a:extLst>
-              <a:ext uri="{FF2B5EF4-FFF2-40B4-BE49-F238E27FC236}">
-                <a16:creationId xmlns:a16="http://schemas.microsoft.com/office/drawing/2014/main" id="{02B24824-9593-4CFD-B561-B49CE6C9F11D}"/>
+          <p:cNvPr id="3" name="Picture 2">
+            <a:extLst>
+              <a:ext uri="{FF2B5EF4-FFF2-40B4-BE49-F238E27FC236}">
+                <a16:creationId xmlns:a16="http://schemas.microsoft.com/office/drawing/2014/main" id="{98118982-B84C-4358-8F79-E804EA90C8EE}"/>
               </a:ext>
             </a:extLst>
           </p:cNvPr>
@@ -4983,7 +4871,7 @@
     </p:spTree>
     <p:extLst>
       <p:ext uri="{BB962C8B-B14F-4D97-AF65-F5344CB8AC3E}">
-        <p14:creationId xmlns:p14="http://schemas.microsoft.com/office/powerpoint/2010/main" val="4045285690"/>
+        <p14:creationId xmlns:p14="http://schemas.microsoft.com/office/powerpoint/2010/main" val="4143169262"/>
       </p:ext>
     </p:extLst>
   </p:cSld>
@@ -5010,12 +4898,48 @@
           <a:chExt cx="0" cy="0"/>
         </a:xfrm>
       </p:grpSpPr>
+      <p:sp>
+        <p:nvSpPr>
+          <p:cNvPr id="4" name="TextBox 3">
+            <a:extLst>
+              <a:ext uri="{FF2B5EF4-FFF2-40B4-BE49-F238E27FC236}">
+                <a16:creationId xmlns:a16="http://schemas.microsoft.com/office/drawing/2014/main" id="{63F36159-E9E0-4B2A-ACB0-BCE53F4D93FC}"/>
+              </a:ext>
+            </a:extLst>
+          </p:cNvPr>
+          <p:cNvSpPr txBox="1"/>
+          <p:nvPr/>
+        </p:nvSpPr>
+        <p:spPr>
+          <a:xfrm>
+            <a:off x="289932" y="267629"/>
+            <a:ext cx="1071704" cy="369332"/>
+          </a:xfrm>
+          <a:prstGeom prst="rect">
+            <a:avLst/>
+          </a:prstGeom>
+          <a:noFill/>
+        </p:spPr>
+        <p:txBody>
+          <a:bodyPr wrap="none" rtlCol="0">
+            <a:spAutoFit/>
+          </a:bodyPr>
+          <a:lstStyle/>
+          <a:p>
+            <a:r>
+              <a:rPr lang="en-US" dirty="0" err="1"/>
+              <a:t>TotalData</a:t>
+            </a:r>
+            <a:endParaRPr lang="en-US" dirty="0"/>
+          </a:p>
+        </p:txBody>
+      </p:sp>
       <p:pic>
         <p:nvPicPr>
-          <p:cNvPr id="3" name="Picture 2">
-            <a:extLst>
-              <a:ext uri="{FF2B5EF4-FFF2-40B4-BE49-F238E27FC236}">
-                <a16:creationId xmlns:a16="http://schemas.microsoft.com/office/drawing/2014/main" id="{1E58CD5A-D45B-4ACF-B07A-CD62AA86052D}"/>
+          <p:cNvPr id="9" name="Picture 8">
+            <a:extLst>
+              <a:ext uri="{FF2B5EF4-FFF2-40B4-BE49-F238E27FC236}">
+                <a16:creationId xmlns:a16="http://schemas.microsoft.com/office/drawing/2014/main" id="{F34DEFD4-58E9-42B6-88BD-FA7F46DDCBFA}"/>
               </a:ext>
             </a:extLst>
           </p:cNvPr>
@@ -5032,8 +4956,98 @@
         </p:blipFill>
         <p:spPr>
           <a:xfrm>
-            <a:off x="2648381" y="486143"/>
-            <a:ext cx="6895238" cy="5885714"/>
+            <a:off x="640200" y="1384057"/>
+            <a:ext cx="5059362" cy="2414275"/>
+          </a:xfrm>
+          <a:prstGeom prst="rect">
+            <a:avLst/>
+          </a:prstGeom>
+        </p:spPr>
+      </p:pic>
+      <p:pic>
+        <p:nvPicPr>
+          <p:cNvPr id="11" name="Picture 10">
+            <a:extLst>
+              <a:ext uri="{FF2B5EF4-FFF2-40B4-BE49-F238E27FC236}">
+                <a16:creationId xmlns:a16="http://schemas.microsoft.com/office/drawing/2014/main" id="{E24AACD6-4E85-4FE8-940C-85F1E2B5F78F}"/>
+              </a:ext>
+            </a:extLst>
+          </p:cNvPr>
+          <p:cNvPicPr>
+            <a:picLocks noChangeAspect="1"/>
+          </p:cNvPicPr>
+          <p:nvPr/>
+        </p:nvPicPr>
+        <p:blipFill>
+          <a:blip r:embed="rId3"/>
+          <a:stretch>
+            <a:fillRect/>
+          </a:stretch>
+        </p:blipFill>
+        <p:spPr>
+          <a:xfrm>
+            <a:off x="6306854" y="4150694"/>
+            <a:ext cx="5059362" cy="2414276"/>
+          </a:xfrm>
+          <a:prstGeom prst="rect">
+            <a:avLst/>
+          </a:prstGeom>
+        </p:spPr>
+      </p:pic>
+      <p:pic>
+        <p:nvPicPr>
+          <p:cNvPr id="12" name="Picture 11">
+            <a:extLst>
+              <a:ext uri="{FF2B5EF4-FFF2-40B4-BE49-F238E27FC236}">
+                <a16:creationId xmlns:a16="http://schemas.microsoft.com/office/drawing/2014/main" id="{F4554D95-B1F5-4510-8321-809EF05BF593}"/>
+              </a:ext>
+            </a:extLst>
+          </p:cNvPr>
+          <p:cNvPicPr>
+            <a:picLocks noChangeAspect="1"/>
+          </p:cNvPicPr>
+          <p:nvPr/>
+        </p:nvPicPr>
+        <p:blipFill>
+          <a:blip r:embed="rId4"/>
+          <a:stretch>
+            <a:fillRect/>
+          </a:stretch>
+        </p:blipFill>
+        <p:spPr>
+          <a:xfrm>
+            <a:off x="865157" y="4258041"/>
+            <a:ext cx="4609447" cy="2199581"/>
+          </a:xfrm>
+          <a:prstGeom prst="rect">
+            <a:avLst/>
+          </a:prstGeom>
+        </p:spPr>
+      </p:pic>
+      <p:pic>
+        <p:nvPicPr>
+          <p:cNvPr id="13" name="Picture 12">
+            <a:extLst>
+              <a:ext uri="{FF2B5EF4-FFF2-40B4-BE49-F238E27FC236}">
+                <a16:creationId xmlns:a16="http://schemas.microsoft.com/office/drawing/2014/main" id="{1E508431-F8B2-469C-B2D3-0D317DED0AF7}"/>
+              </a:ext>
+            </a:extLst>
+          </p:cNvPr>
+          <p:cNvPicPr>
+            <a:picLocks noChangeAspect="1"/>
+          </p:cNvPicPr>
+          <p:nvPr/>
+        </p:nvPicPr>
+        <p:blipFill>
+          <a:blip r:embed="rId5"/>
+          <a:stretch>
+            <a:fillRect/>
+          </a:stretch>
+        </p:blipFill>
+        <p:spPr>
+          <a:xfrm>
+            <a:off x="6116852" y="1204830"/>
+            <a:ext cx="5434948" cy="2593502"/>
           </a:xfrm>
           <a:prstGeom prst="rect">
             <a:avLst/>
@@ -5043,7 +5057,7 @@
     </p:spTree>
     <p:extLst>
       <p:ext uri="{BB962C8B-B14F-4D97-AF65-F5344CB8AC3E}">
-        <p14:creationId xmlns:p14="http://schemas.microsoft.com/office/powerpoint/2010/main" val="305086556"/>
+        <p14:creationId xmlns:p14="http://schemas.microsoft.com/office/powerpoint/2010/main" val="409818984"/>
       </p:ext>
     </p:extLst>
   </p:cSld>
@@ -5070,12 +5084,48 @@
           <a:chExt cx="0" cy="0"/>
         </a:xfrm>
       </p:grpSpPr>
+      <p:sp>
+        <p:nvSpPr>
+          <p:cNvPr id="3" name="TextBox 2">
+            <a:extLst>
+              <a:ext uri="{FF2B5EF4-FFF2-40B4-BE49-F238E27FC236}">
+                <a16:creationId xmlns:a16="http://schemas.microsoft.com/office/drawing/2014/main" id="{E59A51BC-1933-437B-8BFF-AB2DFAA74FA2}"/>
+              </a:ext>
+            </a:extLst>
+          </p:cNvPr>
+          <p:cNvSpPr txBox="1"/>
+          <p:nvPr/>
+        </p:nvSpPr>
+        <p:spPr>
+          <a:xfrm>
+            <a:off x="289932" y="267629"/>
+            <a:ext cx="985270" cy="369332"/>
+          </a:xfrm>
+          <a:prstGeom prst="rect">
+            <a:avLst/>
+          </a:prstGeom>
+          <a:noFill/>
+        </p:spPr>
+        <p:txBody>
+          <a:bodyPr wrap="none" rtlCol="0">
+            <a:spAutoFit/>
+          </a:bodyPr>
+          <a:lstStyle/>
+          <a:p>
+            <a:r>
+              <a:rPr lang="en-US" dirty="0" err="1"/>
+              <a:t>LowMag</a:t>
+            </a:r>
+            <a:endParaRPr lang="en-US" dirty="0"/>
+          </a:p>
+        </p:txBody>
+      </p:sp>
       <p:pic>
         <p:nvPicPr>
-          <p:cNvPr id="3" name="Picture 2">
-            <a:extLst>
-              <a:ext uri="{FF2B5EF4-FFF2-40B4-BE49-F238E27FC236}">
-                <a16:creationId xmlns:a16="http://schemas.microsoft.com/office/drawing/2014/main" id="{98118982-B84C-4358-8F79-E804EA90C8EE}"/>
+          <p:cNvPr id="2" name="Picture 1">
+            <a:extLst>
+              <a:ext uri="{FF2B5EF4-FFF2-40B4-BE49-F238E27FC236}">
+                <a16:creationId xmlns:a16="http://schemas.microsoft.com/office/drawing/2014/main" id="{C5AB7CC0-F6B8-400D-ADA4-6256DD8E9E6C}"/>
               </a:ext>
             </a:extLst>
           </p:cNvPr>
@@ -5092,8 +5142,98 @@
         </p:blipFill>
         <p:spPr>
           <a:xfrm>
-            <a:off x="2648381" y="486143"/>
-            <a:ext cx="6895238" cy="5885714"/>
+            <a:off x="6709876" y="4012029"/>
+            <a:ext cx="4863448" cy="2320788"/>
+          </a:xfrm>
+          <a:prstGeom prst="rect">
+            <a:avLst/>
+          </a:prstGeom>
+        </p:spPr>
+      </p:pic>
+      <p:pic>
+        <p:nvPicPr>
+          <p:cNvPr id="4" name="Picture 3">
+            <a:extLst>
+              <a:ext uri="{FF2B5EF4-FFF2-40B4-BE49-F238E27FC236}">
+                <a16:creationId xmlns:a16="http://schemas.microsoft.com/office/drawing/2014/main" id="{D6A8AE4C-B863-45E0-9E4C-650770CA5CE6}"/>
+              </a:ext>
+            </a:extLst>
+          </p:cNvPr>
+          <p:cNvPicPr>
+            <a:picLocks noChangeAspect="1"/>
+          </p:cNvPicPr>
+          <p:nvPr/>
+        </p:nvPicPr>
+        <p:blipFill>
+          <a:blip r:embed="rId3"/>
+          <a:stretch>
+            <a:fillRect/>
+          </a:stretch>
+        </p:blipFill>
+        <p:spPr>
+          <a:xfrm>
+            <a:off x="680104" y="1137525"/>
+            <a:ext cx="5149197" cy="2457144"/>
+          </a:xfrm>
+          <a:prstGeom prst="rect">
+            <a:avLst/>
+          </a:prstGeom>
+        </p:spPr>
+      </p:pic>
+      <p:pic>
+        <p:nvPicPr>
+          <p:cNvPr id="5" name="Picture 4">
+            <a:extLst>
+              <a:ext uri="{FF2B5EF4-FFF2-40B4-BE49-F238E27FC236}">
+                <a16:creationId xmlns:a16="http://schemas.microsoft.com/office/drawing/2014/main" id="{F4EF6232-B886-4AE2-94BE-CDCCE723AAA6}"/>
+              </a:ext>
+            </a:extLst>
+          </p:cNvPr>
+          <p:cNvPicPr>
+            <a:picLocks noChangeAspect="1"/>
+          </p:cNvPicPr>
+          <p:nvPr/>
+        </p:nvPicPr>
+        <p:blipFill>
+          <a:blip r:embed="rId4"/>
+          <a:stretch>
+            <a:fillRect/>
+          </a:stretch>
+        </p:blipFill>
+        <p:spPr>
+          <a:xfrm>
+            <a:off x="6709876" y="1182665"/>
+            <a:ext cx="4707424" cy="2246335"/>
+          </a:xfrm>
+          <a:prstGeom prst="rect">
+            <a:avLst/>
+          </a:prstGeom>
+        </p:spPr>
+      </p:pic>
+      <p:pic>
+        <p:nvPicPr>
+          <p:cNvPr id="7" name="Picture 6">
+            <a:extLst>
+              <a:ext uri="{FF2B5EF4-FFF2-40B4-BE49-F238E27FC236}">
+                <a16:creationId xmlns:a16="http://schemas.microsoft.com/office/drawing/2014/main" id="{39045C41-2CCB-42D9-952D-214D185CD38E}"/>
+              </a:ext>
+            </a:extLst>
+          </p:cNvPr>
+          <p:cNvPicPr>
+            <a:picLocks noChangeAspect="1"/>
+          </p:cNvPicPr>
+          <p:nvPr/>
+        </p:nvPicPr>
+        <p:blipFill>
+          <a:blip r:embed="rId5"/>
+          <a:stretch>
+            <a:fillRect/>
+          </a:stretch>
+        </p:blipFill>
+        <p:spPr>
+          <a:xfrm>
+            <a:off x="1005764" y="4012029"/>
+            <a:ext cx="5219048" cy="2490476"/>
           </a:xfrm>
           <a:prstGeom prst="rect">
             <a:avLst/>
@@ -5103,7 +5243,7 @@
     </p:spTree>
     <p:extLst>
       <p:ext uri="{BB962C8B-B14F-4D97-AF65-F5344CB8AC3E}">
-        <p14:creationId xmlns:p14="http://schemas.microsoft.com/office/powerpoint/2010/main" val="4143169262"/>
+        <p14:creationId xmlns:p14="http://schemas.microsoft.com/office/powerpoint/2010/main" val="340389131"/>
       </p:ext>
     </p:extLst>
   </p:cSld>
@@ -5132,10 +5272,10 @@
       </p:grpSpPr>
       <p:sp>
         <p:nvSpPr>
-          <p:cNvPr id="4" name="TextBox 3">
-            <a:extLst>
-              <a:ext uri="{FF2B5EF4-FFF2-40B4-BE49-F238E27FC236}">
-                <a16:creationId xmlns:a16="http://schemas.microsoft.com/office/drawing/2014/main" id="{63F36159-E9E0-4B2A-ACB0-BCE53F4D93FC}"/>
+          <p:cNvPr id="2" name="TextBox 1">
+            <a:extLst>
+              <a:ext uri="{FF2B5EF4-FFF2-40B4-BE49-F238E27FC236}">
+                <a16:creationId xmlns:a16="http://schemas.microsoft.com/office/drawing/2014/main" id="{B3A4CB2F-85DD-4FC4-A43D-E79767B4E105}"/>
               </a:ext>
             </a:extLst>
           </p:cNvPr>
@@ -5145,7 +5285,7 @@
         <p:spPr>
           <a:xfrm>
             <a:off x="289932" y="267629"/>
-            <a:ext cx="1071704" cy="369332"/>
+            <a:ext cx="973343" cy="369332"/>
           </a:xfrm>
           <a:prstGeom prst="rect">
             <a:avLst/>
@@ -5160,7 +5300,7 @@
           <a:p>
             <a:r>
               <a:rPr lang="en-US" dirty="0" err="1"/>
-              <a:t>TotalData</a:t>
+              <a:t>MidMag</a:t>
             </a:r>
             <a:endParaRPr lang="en-US" dirty="0"/>
           </a:p>
@@ -5168,10 +5308,10 @@
       </p:sp>
       <p:pic>
         <p:nvPicPr>
-          <p:cNvPr id="5" name="Picture 4">
-            <a:extLst>
-              <a:ext uri="{FF2B5EF4-FFF2-40B4-BE49-F238E27FC236}">
-                <a16:creationId xmlns:a16="http://schemas.microsoft.com/office/drawing/2014/main" id="{12C0949C-F0F0-42A2-826E-804A75D4C22E}"/>
+          <p:cNvPr id="7" name="Picture 6">
+            <a:extLst>
+              <a:ext uri="{FF2B5EF4-FFF2-40B4-BE49-F238E27FC236}">
+                <a16:creationId xmlns:a16="http://schemas.microsoft.com/office/drawing/2014/main" id="{74FAD565-D533-46CF-B39F-5E5FA8A69793}"/>
               </a:ext>
             </a:extLst>
           </p:cNvPr>
@@ -5188,8 +5328,8 @@
         </p:blipFill>
         <p:spPr>
           <a:xfrm>
-            <a:off x="1093709" y="636961"/>
-            <a:ext cx="4968377" cy="2858593"/>
+            <a:off x="6289329" y="3684329"/>
+            <a:ext cx="5219048" cy="2490477"/>
           </a:xfrm>
           <a:prstGeom prst="rect">
             <a:avLst/>
@@ -5198,10 +5338,10 @@
       </p:pic>
       <p:pic>
         <p:nvPicPr>
-          <p:cNvPr id="6" name="Picture 5">
-            <a:extLst>
-              <a:ext uri="{FF2B5EF4-FFF2-40B4-BE49-F238E27FC236}">
-                <a16:creationId xmlns:a16="http://schemas.microsoft.com/office/drawing/2014/main" id="{EC67C816-0B52-46D1-BD1A-58B185694BD9}"/>
+          <p:cNvPr id="8" name="Picture 7">
+            <a:extLst>
+              <a:ext uri="{FF2B5EF4-FFF2-40B4-BE49-F238E27FC236}">
+                <a16:creationId xmlns:a16="http://schemas.microsoft.com/office/drawing/2014/main" id="{BF3CB2E2-12BE-492B-839A-374072F9161E}"/>
               </a:ext>
             </a:extLst>
           </p:cNvPr>
@@ -5218,8 +5358,8 @@
         </p:blipFill>
         <p:spPr>
           <a:xfrm>
-            <a:off x="625687" y="3423472"/>
-            <a:ext cx="5504229" cy="3166899"/>
+            <a:off x="670932" y="775290"/>
+            <a:ext cx="5219048" cy="2490476"/>
           </a:xfrm>
           <a:prstGeom prst="rect">
             <a:avLst/>
@@ -5228,10 +5368,10 @@
       </p:pic>
       <p:pic>
         <p:nvPicPr>
-          <p:cNvPr id="8" name="Picture 7">
-            <a:extLst>
-              <a:ext uri="{FF2B5EF4-FFF2-40B4-BE49-F238E27FC236}">
-                <a16:creationId xmlns:a16="http://schemas.microsoft.com/office/drawing/2014/main" id="{1F209A92-CBC5-47AB-9BC8-62BE7E9D0108}"/>
+          <p:cNvPr id="9" name="Picture 8">
+            <a:extLst>
+              <a:ext uri="{FF2B5EF4-FFF2-40B4-BE49-F238E27FC236}">
+                <a16:creationId xmlns:a16="http://schemas.microsoft.com/office/drawing/2014/main" id="{F8E16C49-0B5F-435B-A6A0-89057A212C66}"/>
               </a:ext>
             </a:extLst>
           </p:cNvPr>
@@ -5248,8 +5388,38 @@
         </p:blipFill>
         <p:spPr>
           <a:xfrm>
-            <a:off x="6129916" y="3871488"/>
-            <a:ext cx="4526643" cy="2270866"/>
+            <a:off x="6482323" y="867385"/>
+            <a:ext cx="4833060" cy="2306287"/>
+          </a:xfrm>
+          <a:prstGeom prst="rect">
+            <a:avLst/>
+          </a:prstGeom>
+        </p:spPr>
+      </p:pic>
+      <p:pic>
+        <p:nvPicPr>
+          <p:cNvPr id="10" name="Picture 9">
+            <a:extLst>
+              <a:ext uri="{FF2B5EF4-FFF2-40B4-BE49-F238E27FC236}">
+                <a16:creationId xmlns:a16="http://schemas.microsoft.com/office/drawing/2014/main" id="{95376BA7-D8CF-45C6-8C96-715D3D9B6FE4}"/>
+              </a:ext>
+            </a:extLst>
+          </p:cNvPr>
+          <p:cNvPicPr>
+            <a:picLocks noChangeAspect="1"/>
+          </p:cNvPicPr>
+          <p:nvPr/>
+        </p:nvPicPr>
+        <p:blipFill>
+          <a:blip r:embed="rId5"/>
+          <a:stretch>
+            <a:fillRect/>
+          </a:stretch>
+        </p:blipFill>
+        <p:spPr>
+          <a:xfrm>
+            <a:off x="947512" y="3816311"/>
+            <a:ext cx="4942468" cy="2358495"/>
           </a:xfrm>
           <a:prstGeom prst="rect">
             <a:avLst/>
@@ -5259,7 +5429,7 @@
     </p:spTree>
     <p:extLst>
       <p:ext uri="{BB962C8B-B14F-4D97-AF65-F5344CB8AC3E}">
-        <p14:creationId xmlns:p14="http://schemas.microsoft.com/office/powerpoint/2010/main" val="409818984"/>
+        <p14:creationId xmlns:p14="http://schemas.microsoft.com/office/powerpoint/2010/main" val="3239285517"/>
       </p:ext>
     </p:extLst>
   </p:cSld>
@@ -5291,7 +5461,7 @@
           <p:cNvPr id="3" name="TextBox 2">
             <a:extLst>
               <a:ext uri="{FF2B5EF4-FFF2-40B4-BE49-F238E27FC236}">
-                <a16:creationId xmlns:a16="http://schemas.microsoft.com/office/drawing/2014/main" id="{E59A51BC-1933-437B-8BFF-AB2DFAA74FA2}"/>
+                <a16:creationId xmlns:a16="http://schemas.microsoft.com/office/drawing/2014/main" id="{9C7A60DC-39C6-4AB3-BA67-2EA309A86C90}"/>
               </a:ext>
             </a:extLst>
           </p:cNvPr>
@@ -5301,7 +5471,7 @@
         <p:spPr>
           <a:xfrm>
             <a:off x="289932" y="267629"/>
-            <a:ext cx="985270" cy="369332"/>
+            <a:ext cx="1029449" cy="369332"/>
           </a:xfrm>
           <a:prstGeom prst="rect">
             <a:avLst/>
@@ -5316,7 +5486,7 @@
           <a:p>
             <a:r>
               <a:rPr lang="en-US" dirty="0" err="1"/>
-              <a:t>LowMag</a:t>
+              <a:t>HighMag</a:t>
             </a:r>
             <a:endParaRPr lang="en-US" dirty="0"/>
           </a:p>
@@ -5324,10 +5494,10 @@
       </p:sp>
       <p:pic>
         <p:nvPicPr>
-          <p:cNvPr id="6" name="Picture 5">
-            <a:extLst>
-              <a:ext uri="{FF2B5EF4-FFF2-40B4-BE49-F238E27FC236}">
-                <a16:creationId xmlns:a16="http://schemas.microsoft.com/office/drawing/2014/main" id="{42B9965E-69C8-4589-B1F1-221F936A6D6F}"/>
+          <p:cNvPr id="7" name="Picture 6">
+            <a:extLst>
+              <a:ext uri="{FF2B5EF4-FFF2-40B4-BE49-F238E27FC236}">
+                <a16:creationId xmlns:a16="http://schemas.microsoft.com/office/drawing/2014/main" id="{64914369-4B53-4D9C-83BE-90802E7C7E02}"/>
               </a:ext>
             </a:extLst>
           </p:cNvPr>
@@ -5344,8 +5514,8 @@
         </p:blipFill>
         <p:spPr>
           <a:xfrm>
-            <a:off x="1032112" y="4137298"/>
-            <a:ext cx="4267198" cy="1900975"/>
+            <a:off x="788053" y="915292"/>
+            <a:ext cx="5536548" cy="2641984"/>
           </a:xfrm>
           <a:prstGeom prst="rect">
             <a:avLst/>
@@ -5357,7 +5527,7 @@
           <p:cNvPr id="8" name="Picture 7">
             <a:extLst>
               <a:ext uri="{FF2B5EF4-FFF2-40B4-BE49-F238E27FC236}">
-                <a16:creationId xmlns:a16="http://schemas.microsoft.com/office/drawing/2014/main" id="{57F2F767-F8A1-4738-B777-1FF919047C6B}"/>
+                <a16:creationId xmlns:a16="http://schemas.microsoft.com/office/drawing/2014/main" id="{777E9EA2-1431-4C68-9E6B-3E5017326618}"/>
               </a:ext>
             </a:extLst>
           </p:cNvPr>
@@ -5374,8 +5544,8 @@
         </p:blipFill>
         <p:spPr>
           <a:xfrm>
-            <a:off x="1689765" y="589427"/>
-            <a:ext cx="3404231" cy="2839573"/>
+            <a:off x="6566553" y="963774"/>
+            <a:ext cx="5333348" cy="2545019"/>
           </a:xfrm>
           <a:prstGeom prst="rect">
             <a:avLst/>
@@ -5387,7 +5557,7 @@
           <p:cNvPr id="9" name="Picture 8">
             <a:extLst>
               <a:ext uri="{FF2B5EF4-FFF2-40B4-BE49-F238E27FC236}">
-                <a16:creationId xmlns:a16="http://schemas.microsoft.com/office/drawing/2014/main" id="{4FB48B13-0EDD-455A-9160-AB21BBEDF8A3}"/>
+                <a16:creationId xmlns:a16="http://schemas.microsoft.com/office/drawing/2014/main" id="{C8502E1D-A0B7-4A64-8A63-5ACFBA75ADF2}"/>
               </a:ext>
             </a:extLst>
           </p:cNvPr>
@@ -5404,8 +5574,8 @@
         </p:blipFill>
         <p:spPr>
           <a:xfrm>
-            <a:off x="6326855" y="211498"/>
-            <a:ext cx="3857312" cy="3217502"/>
+            <a:off x="788053" y="4051412"/>
+            <a:ext cx="5320648" cy="2538959"/>
           </a:xfrm>
           <a:prstGeom prst="rect">
             <a:avLst/>
@@ -5417,7 +5587,7 @@
           <p:cNvPr id="10" name="Picture 9">
             <a:extLst>
               <a:ext uri="{FF2B5EF4-FFF2-40B4-BE49-F238E27FC236}">
-                <a16:creationId xmlns:a16="http://schemas.microsoft.com/office/drawing/2014/main" id="{42D8129C-A674-464E-BC1F-CC371FBF44F8}"/>
+                <a16:creationId xmlns:a16="http://schemas.microsoft.com/office/drawing/2014/main" id="{53EB1C73-A9C7-4B08-9317-00A4DA658846}"/>
               </a:ext>
             </a:extLst>
           </p:cNvPr>
@@ -5434,8 +5604,8 @@
         </p:blipFill>
         <p:spPr>
           <a:xfrm>
-            <a:off x="6261651" y="3531720"/>
-            <a:ext cx="3987720" cy="3326280"/>
+            <a:off x="6363352" y="3948387"/>
+            <a:ext cx="5536549" cy="2641984"/>
           </a:xfrm>
           <a:prstGeom prst="rect">
             <a:avLst/>
@@ -5445,7 +5615,7 @@
     </p:spTree>
     <p:extLst>
       <p:ext uri="{BB962C8B-B14F-4D97-AF65-F5344CB8AC3E}">
-        <p14:creationId xmlns:p14="http://schemas.microsoft.com/office/powerpoint/2010/main" val="340389131"/>
+        <p14:creationId xmlns:p14="http://schemas.microsoft.com/office/powerpoint/2010/main" val="510388772"/>
       </p:ext>
     </p:extLst>
   </p:cSld>

--- a/RampV02Presentation.pptx
+++ b/RampV02Presentation.pptx
@@ -7,19 +7,29 @@
   <p:sldIdLst>
     <p:sldId id="257" r:id="rId2"/>
     <p:sldId id="272" r:id="rId3"/>
-    <p:sldId id="275" r:id="rId4"/>
-    <p:sldId id="259" r:id="rId5"/>
-    <p:sldId id="262" r:id="rId6"/>
-    <p:sldId id="270" r:id="rId7"/>
-    <p:sldId id="263" r:id="rId8"/>
-    <p:sldId id="264" r:id="rId9"/>
-    <p:sldId id="265" r:id="rId10"/>
-    <p:sldId id="266" r:id="rId11"/>
-    <p:sldId id="267" r:id="rId12"/>
-    <p:sldId id="268" r:id="rId13"/>
-    <p:sldId id="274" r:id="rId14"/>
-    <p:sldId id="276" r:id="rId15"/>
-    <p:sldId id="277" r:id="rId16"/>
+    <p:sldId id="259" r:id="rId4"/>
+    <p:sldId id="262" r:id="rId5"/>
+    <p:sldId id="270" r:id="rId6"/>
+    <p:sldId id="263" r:id="rId7"/>
+    <p:sldId id="264" r:id="rId8"/>
+    <p:sldId id="265" r:id="rId9"/>
+    <p:sldId id="266" r:id="rId10"/>
+    <p:sldId id="267" r:id="rId11"/>
+    <p:sldId id="268" r:id="rId12"/>
+    <p:sldId id="274" r:id="rId13"/>
+    <p:sldId id="278" r:id="rId14"/>
+    <p:sldId id="292" r:id="rId15"/>
+    <p:sldId id="284" r:id="rId16"/>
+    <p:sldId id="289" r:id="rId17"/>
+    <p:sldId id="291" r:id="rId18"/>
+    <p:sldId id="290" r:id="rId19"/>
+    <p:sldId id="286" r:id="rId20"/>
+    <p:sldId id="279" r:id="rId21"/>
+    <p:sldId id="293" r:id="rId22"/>
+    <p:sldId id="276" r:id="rId23"/>
+    <p:sldId id="277" r:id="rId24"/>
+    <p:sldId id="287" r:id="rId25"/>
+    <p:sldId id="288" r:id="rId26"/>
   </p:sldIdLst>
   <p:sldSz cx="12192000" cy="6858000"/>
   <p:notesSz cx="6858000" cy="9144000"/>
@@ -273,7 +283,7 @@
           <a:p>
             <a:fld id="{319D1A90-29AA-4015-B376-FAD2ABCE9034}" type="datetimeFigureOut">
               <a:rPr lang="en-US" smtClean="0"/>
-              <a:t>9/12/2018</a:t>
+              <a:t>9/18/2018</a:t>
             </a:fld>
             <a:endParaRPr lang="en-US"/>
           </a:p>
@@ -471,7 +481,7 @@
           <a:p>
             <a:fld id="{319D1A90-29AA-4015-B376-FAD2ABCE9034}" type="datetimeFigureOut">
               <a:rPr lang="en-US" smtClean="0"/>
-              <a:t>9/12/2018</a:t>
+              <a:t>9/18/2018</a:t>
             </a:fld>
             <a:endParaRPr lang="en-US"/>
           </a:p>
@@ -679,7 +689,7 @@
           <a:p>
             <a:fld id="{319D1A90-29AA-4015-B376-FAD2ABCE9034}" type="datetimeFigureOut">
               <a:rPr lang="en-US" smtClean="0"/>
-              <a:t>9/12/2018</a:t>
+              <a:t>9/18/2018</a:t>
             </a:fld>
             <a:endParaRPr lang="en-US"/>
           </a:p>
@@ -877,7 +887,7 @@
           <a:p>
             <a:fld id="{319D1A90-29AA-4015-B376-FAD2ABCE9034}" type="datetimeFigureOut">
               <a:rPr lang="en-US" smtClean="0"/>
-              <a:t>9/12/2018</a:t>
+              <a:t>9/18/2018</a:t>
             </a:fld>
             <a:endParaRPr lang="en-US"/>
           </a:p>
@@ -1152,7 +1162,7 @@
           <a:p>
             <a:fld id="{319D1A90-29AA-4015-B376-FAD2ABCE9034}" type="datetimeFigureOut">
               <a:rPr lang="en-US" smtClean="0"/>
-              <a:t>9/12/2018</a:t>
+              <a:t>9/18/2018</a:t>
             </a:fld>
             <a:endParaRPr lang="en-US"/>
           </a:p>
@@ -1417,7 +1427,7 @@
           <a:p>
             <a:fld id="{319D1A90-29AA-4015-B376-FAD2ABCE9034}" type="datetimeFigureOut">
               <a:rPr lang="en-US" smtClean="0"/>
-              <a:t>9/12/2018</a:t>
+              <a:t>9/18/2018</a:t>
             </a:fld>
             <a:endParaRPr lang="en-US"/>
           </a:p>
@@ -1829,7 +1839,7 @@
           <a:p>
             <a:fld id="{319D1A90-29AA-4015-B376-FAD2ABCE9034}" type="datetimeFigureOut">
               <a:rPr lang="en-US" smtClean="0"/>
-              <a:t>9/12/2018</a:t>
+              <a:t>9/18/2018</a:t>
             </a:fld>
             <a:endParaRPr lang="en-US"/>
           </a:p>
@@ -1970,7 +1980,7 @@
           <a:p>
             <a:fld id="{319D1A90-29AA-4015-B376-FAD2ABCE9034}" type="datetimeFigureOut">
               <a:rPr lang="en-US" smtClean="0"/>
-              <a:t>9/12/2018</a:t>
+              <a:t>9/18/2018</a:t>
             </a:fld>
             <a:endParaRPr lang="en-US"/>
           </a:p>
@@ -2083,7 +2093,7 @@
           <a:p>
             <a:fld id="{319D1A90-29AA-4015-B376-FAD2ABCE9034}" type="datetimeFigureOut">
               <a:rPr lang="en-US" smtClean="0"/>
-              <a:t>9/12/2018</a:t>
+              <a:t>9/18/2018</a:t>
             </a:fld>
             <a:endParaRPr lang="en-US"/>
           </a:p>
@@ -2394,7 +2404,7 @@
           <a:p>
             <a:fld id="{319D1A90-29AA-4015-B376-FAD2ABCE9034}" type="datetimeFigureOut">
               <a:rPr lang="en-US" smtClean="0"/>
-              <a:t>9/12/2018</a:t>
+              <a:t>9/18/2018</a:t>
             </a:fld>
             <a:endParaRPr lang="en-US"/>
           </a:p>
@@ -2682,7 +2692,7 @@
           <a:p>
             <a:fld id="{319D1A90-29AA-4015-B376-FAD2ABCE9034}" type="datetimeFigureOut">
               <a:rPr lang="en-US" smtClean="0"/>
-              <a:t>9/12/2018</a:t>
+              <a:t>9/18/2018</a:t>
             </a:fld>
             <a:endParaRPr lang="en-US"/>
           </a:p>
@@ -2923,7 +2933,7 @@
           <a:p>
             <a:fld id="{319D1A90-29AA-4015-B376-FAD2ABCE9034}" type="datetimeFigureOut">
               <a:rPr lang="en-US" smtClean="0"/>
-              <a:t>9/12/2018</a:t>
+              <a:t>9/18/2018</a:t>
             </a:fld>
             <a:endParaRPr lang="en-US"/>
           </a:p>
@@ -3439,7 +3449,7 @@
           <p:cNvPr id="2" name="TextBox 1">
             <a:extLst>
               <a:ext uri="{FF2B5EF4-FFF2-40B4-BE49-F238E27FC236}">
-                <a16:creationId xmlns:a16="http://schemas.microsoft.com/office/drawing/2014/main" id="{2578A299-CE25-49E8-A321-B1C44CAC61D4}"/>
+                <a16:creationId xmlns:a16="http://schemas.microsoft.com/office/drawing/2014/main" id="{3BACCE07-65CA-4D9C-BB87-A97E2D3705D1}"/>
               </a:ext>
             </a:extLst>
           </p:cNvPr>
@@ -3449,7 +3459,7 @@
         <p:spPr>
           <a:xfrm>
             <a:off x="289932" y="267629"/>
-            <a:ext cx="1054199" cy="369332"/>
+            <a:ext cx="1042273" cy="369332"/>
           </a:xfrm>
           <a:prstGeom prst="rect">
             <a:avLst/>
@@ -3464,7 +3474,7 @@
           <a:p>
             <a:r>
               <a:rPr lang="en-US" dirty="0" err="1"/>
-              <a:t>LowOdds</a:t>
+              <a:t>MidOdds</a:t>
             </a:r>
             <a:endParaRPr lang="en-US" dirty="0"/>
           </a:p>
@@ -3472,10 +3482,10 @@
       </p:sp>
       <p:pic>
         <p:nvPicPr>
-          <p:cNvPr id="7" name="Picture 6">
-            <a:extLst>
-              <a:ext uri="{FF2B5EF4-FFF2-40B4-BE49-F238E27FC236}">
-                <a16:creationId xmlns:a16="http://schemas.microsoft.com/office/drawing/2014/main" id="{B1214A70-3142-4109-8B3E-E392512FEF45}"/>
+          <p:cNvPr id="6" name="Picture 5">
+            <a:extLst>
+              <a:ext uri="{FF2B5EF4-FFF2-40B4-BE49-F238E27FC236}">
+                <a16:creationId xmlns:a16="http://schemas.microsoft.com/office/drawing/2014/main" id="{A2FA31A2-5716-402F-8576-4D8A8DAC7806}"/>
               </a:ext>
             </a:extLst>
           </p:cNvPr>
@@ -3492,8 +3502,8 @@
         </p:blipFill>
         <p:spPr>
           <a:xfrm>
-            <a:off x="6349999" y="4157222"/>
-            <a:ext cx="5422901" cy="2587753"/>
+            <a:off x="6299853" y="1023368"/>
+            <a:ext cx="5041247" cy="2405632"/>
           </a:xfrm>
           <a:prstGeom prst="rect">
             <a:avLst/>
@@ -3505,7 +3515,7 @@
           <p:cNvPr id="8" name="Picture 7">
             <a:extLst>
               <a:ext uri="{FF2B5EF4-FFF2-40B4-BE49-F238E27FC236}">
-                <a16:creationId xmlns:a16="http://schemas.microsoft.com/office/drawing/2014/main" id="{D7B1686A-1D83-415B-B1F9-7B42B8850C3C}"/>
+                <a16:creationId xmlns:a16="http://schemas.microsoft.com/office/drawing/2014/main" id="{451AE7A3-E93E-440F-841B-32E4B00D90AB}"/>
               </a:ext>
             </a:extLst>
           </p:cNvPr>
@@ -3522,8 +3532,8 @@
         </p:blipFill>
         <p:spPr>
           <a:xfrm>
-            <a:off x="622952" y="755719"/>
-            <a:ext cx="5310039" cy="2533896"/>
+            <a:off x="289932" y="4184739"/>
+            <a:ext cx="5041247" cy="2405632"/>
           </a:xfrm>
           <a:prstGeom prst="rect">
             <a:avLst/>
@@ -3535,7 +3545,7 @@
           <p:cNvPr id="9" name="Picture 8">
             <a:extLst>
               <a:ext uri="{FF2B5EF4-FFF2-40B4-BE49-F238E27FC236}">
-                <a16:creationId xmlns:a16="http://schemas.microsoft.com/office/drawing/2014/main" id="{52FC7BD1-F74E-4992-81FB-550476DFD641}"/>
+                <a16:creationId xmlns:a16="http://schemas.microsoft.com/office/drawing/2014/main" id="{C2029D3B-CE19-476B-807C-E502474DFAA5}"/>
               </a:ext>
             </a:extLst>
           </p:cNvPr>
@@ -3552,8 +3562,8 @@
         </p:blipFill>
         <p:spPr>
           <a:xfrm>
-            <a:off x="6642100" y="755719"/>
-            <a:ext cx="4926948" cy="2351089"/>
+            <a:off x="6275978" y="4184739"/>
+            <a:ext cx="5041248" cy="2405632"/>
           </a:xfrm>
           <a:prstGeom prst="rect">
             <a:avLst/>
@@ -3565,7 +3575,7 @@
           <p:cNvPr id="10" name="Picture 9">
             <a:extLst>
               <a:ext uri="{FF2B5EF4-FFF2-40B4-BE49-F238E27FC236}">
-                <a16:creationId xmlns:a16="http://schemas.microsoft.com/office/drawing/2014/main" id="{735791FC-9857-4B64-9B91-3FE6CF143874}"/>
+                <a16:creationId xmlns:a16="http://schemas.microsoft.com/office/drawing/2014/main" id="{F19D8796-7F2C-42A2-8CE2-4C802F37FA44}"/>
               </a:ext>
             </a:extLst>
           </p:cNvPr>
@@ -3582,8 +3592,8 @@
         </p:blipFill>
         <p:spPr>
           <a:xfrm>
-            <a:off x="967941" y="4221100"/>
-            <a:ext cx="4965050" cy="2369271"/>
+            <a:off x="470552" y="1024407"/>
+            <a:ext cx="5039071" cy="2404593"/>
           </a:xfrm>
           <a:prstGeom prst="rect">
             <a:avLst/>
@@ -3593,7 +3603,7 @@
     </p:spTree>
     <p:extLst>
       <p:ext uri="{BB962C8B-B14F-4D97-AF65-F5344CB8AC3E}">
-        <p14:creationId xmlns:p14="http://schemas.microsoft.com/office/powerpoint/2010/main" val="3226600690"/>
+        <p14:creationId xmlns:p14="http://schemas.microsoft.com/office/powerpoint/2010/main" val="2043570687"/>
       </p:ext>
     </p:extLst>
   </p:cSld>
@@ -3625,7 +3635,7 @@
           <p:cNvPr id="2" name="TextBox 1">
             <a:extLst>
               <a:ext uri="{FF2B5EF4-FFF2-40B4-BE49-F238E27FC236}">
-                <a16:creationId xmlns:a16="http://schemas.microsoft.com/office/drawing/2014/main" id="{3BACCE07-65CA-4D9C-BB87-A97E2D3705D1}"/>
+                <a16:creationId xmlns:a16="http://schemas.microsoft.com/office/drawing/2014/main" id="{1B3F068F-0CA8-4B71-9499-A4DFBF1B6C1D}"/>
               </a:ext>
             </a:extLst>
           </p:cNvPr>
@@ -3635,7 +3645,7 @@
         <p:spPr>
           <a:xfrm>
             <a:off x="289932" y="267629"/>
-            <a:ext cx="1042273" cy="369332"/>
+            <a:ext cx="1098378" cy="369332"/>
           </a:xfrm>
           <a:prstGeom prst="rect">
             <a:avLst/>
@@ -3650,7 +3660,7 @@
           <a:p>
             <a:r>
               <a:rPr lang="en-US" dirty="0" err="1"/>
-              <a:t>MidOdds</a:t>
+              <a:t>HighOdds</a:t>
             </a:r>
             <a:endParaRPr lang="en-US" dirty="0"/>
           </a:p>
@@ -3658,10 +3668,10 @@
       </p:sp>
       <p:pic>
         <p:nvPicPr>
-          <p:cNvPr id="6" name="Picture 5">
-            <a:extLst>
-              <a:ext uri="{FF2B5EF4-FFF2-40B4-BE49-F238E27FC236}">
-                <a16:creationId xmlns:a16="http://schemas.microsoft.com/office/drawing/2014/main" id="{A2FA31A2-5716-402F-8576-4D8A8DAC7806}"/>
+          <p:cNvPr id="7" name="Picture 6">
+            <a:extLst>
+              <a:ext uri="{FF2B5EF4-FFF2-40B4-BE49-F238E27FC236}">
+                <a16:creationId xmlns:a16="http://schemas.microsoft.com/office/drawing/2014/main" id="{5F18337A-047B-4F54-9188-F36BC7C6D469}"/>
               </a:ext>
             </a:extLst>
           </p:cNvPr>
@@ -3678,8 +3688,8 @@
         </p:blipFill>
         <p:spPr>
           <a:xfrm>
-            <a:off x="6299853" y="1023368"/>
-            <a:ext cx="5041247" cy="2405632"/>
+            <a:off x="483253" y="4000500"/>
+            <a:ext cx="5219048" cy="2490476"/>
           </a:xfrm>
           <a:prstGeom prst="rect">
             <a:avLst/>
@@ -3691,7 +3701,7 @@
           <p:cNvPr id="8" name="Picture 7">
             <a:extLst>
               <a:ext uri="{FF2B5EF4-FFF2-40B4-BE49-F238E27FC236}">
-                <a16:creationId xmlns:a16="http://schemas.microsoft.com/office/drawing/2014/main" id="{451AE7A3-E93E-440F-841B-32E4B00D90AB}"/>
+                <a16:creationId xmlns:a16="http://schemas.microsoft.com/office/drawing/2014/main" id="{57EB00E9-041C-45B2-BDD7-030EE76737E8}"/>
               </a:ext>
             </a:extLst>
           </p:cNvPr>
@@ -3708,8 +3718,8 @@
         </p:blipFill>
         <p:spPr>
           <a:xfrm>
-            <a:off x="289932" y="4184739"/>
-            <a:ext cx="5041247" cy="2405632"/>
+            <a:off x="6362701" y="1152276"/>
+            <a:ext cx="5053948" cy="2411692"/>
           </a:xfrm>
           <a:prstGeom prst="rect">
             <a:avLst/>
@@ -3721,7 +3731,7 @@
           <p:cNvPr id="9" name="Picture 8">
             <a:extLst>
               <a:ext uri="{FF2B5EF4-FFF2-40B4-BE49-F238E27FC236}">
-                <a16:creationId xmlns:a16="http://schemas.microsoft.com/office/drawing/2014/main" id="{C2029D3B-CE19-476B-807C-E502474DFAA5}"/>
+                <a16:creationId xmlns:a16="http://schemas.microsoft.com/office/drawing/2014/main" id="{FBD497D8-2F69-4DCC-9CC7-E516B62483B9}"/>
               </a:ext>
             </a:extLst>
           </p:cNvPr>
@@ -3738,8 +3748,8 @@
         </p:blipFill>
         <p:spPr>
           <a:xfrm>
-            <a:off x="6275978" y="4184739"/>
-            <a:ext cx="5041248" cy="2405632"/>
+            <a:off x="6489701" y="4000500"/>
+            <a:ext cx="5104748" cy="2435933"/>
           </a:xfrm>
           <a:prstGeom prst="rect">
             <a:avLst/>
@@ -3751,7 +3761,7 @@
           <p:cNvPr id="10" name="Picture 9">
             <a:extLst>
               <a:ext uri="{FF2B5EF4-FFF2-40B4-BE49-F238E27FC236}">
-                <a16:creationId xmlns:a16="http://schemas.microsoft.com/office/drawing/2014/main" id="{F19D8796-7F2C-42A2-8CE2-4C802F37FA44}"/>
+                <a16:creationId xmlns:a16="http://schemas.microsoft.com/office/drawing/2014/main" id="{C31B023A-5241-47F6-A375-744ACA6DCB67}"/>
               </a:ext>
             </a:extLst>
           </p:cNvPr>
@@ -3768,8 +3778,8 @@
         </p:blipFill>
         <p:spPr>
           <a:xfrm>
-            <a:off x="470552" y="1024407"/>
-            <a:ext cx="5039071" cy="2404593"/>
+            <a:off x="610253" y="1073492"/>
+            <a:ext cx="5219048" cy="2490476"/>
           </a:xfrm>
           <a:prstGeom prst="rect">
             <a:avLst/>
@@ -3779,7 +3789,7 @@
     </p:spTree>
     <p:extLst>
       <p:ext uri="{BB962C8B-B14F-4D97-AF65-F5344CB8AC3E}">
-        <p14:creationId xmlns:p14="http://schemas.microsoft.com/office/powerpoint/2010/main" val="2043570687"/>
+        <p14:creationId xmlns:p14="http://schemas.microsoft.com/office/powerpoint/2010/main" val="4813415"/>
       </p:ext>
     </p:extLst>
   </p:cSld>
@@ -3821,7 +3831,7 @@
         <p:spPr>
           <a:xfrm>
             <a:off x="289932" y="267629"/>
-            <a:ext cx="1098378" cy="369332"/>
+            <a:ext cx="2032929" cy="369332"/>
           </a:xfrm>
           <a:prstGeom prst="rect">
             <a:avLst/>
@@ -3838,6 +3848,14 @@
               <a:rPr lang="en-US" dirty="0" err="1"/>
               <a:t>HighOdds</a:t>
             </a:r>
+            <a:r>
+              <a:rPr lang="en-US" dirty="0"/>
+              <a:t>/</a:t>
+            </a:r>
+            <a:r>
+              <a:rPr lang="en-US" dirty="0" err="1"/>
+              <a:t>HighMag</a:t>
+            </a:r>
             <a:endParaRPr lang="en-US" dirty="0"/>
           </a:p>
         </p:txBody>
@@ -3847,7 +3865,7 @@
           <p:cNvPr id="7" name="Picture 6">
             <a:extLst>
               <a:ext uri="{FF2B5EF4-FFF2-40B4-BE49-F238E27FC236}">
-                <a16:creationId xmlns:a16="http://schemas.microsoft.com/office/drawing/2014/main" id="{5F18337A-047B-4F54-9188-F36BC7C6D469}"/>
+                <a16:creationId xmlns:a16="http://schemas.microsoft.com/office/drawing/2014/main" id="{23F05A5D-8D44-41D4-864C-108EB7D3038C}"/>
               </a:ext>
             </a:extLst>
           </p:cNvPr>
@@ -3864,8 +3882,8 @@
         </p:blipFill>
         <p:spPr>
           <a:xfrm>
-            <a:off x="483253" y="4000500"/>
-            <a:ext cx="5219048" cy="2490476"/>
+            <a:off x="6896753" y="4241486"/>
+            <a:ext cx="4926948" cy="2351089"/>
           </a:xfrm>
           <a:prstGeom prst="rect">
             <a:avLst/>
@@ -3877,7 +3895,7 @@
           <p:cNvPr id="8" name="Picture 7">
             <a:extLst>
               <a:ext uri="{FF2B5EF4-FFF2-40B4-BE49-F238E27FC236}">
-                <a16:creationId xmlns:a16="http://schemas.microsoft.com/office/drawing/2014/main" id="{57EB00E9-041C-45B2-BDD7-030EE76737E8}"/>
+                <a16:creationId xmlns:a16="http://schemas.microsoft.com/office/drawing/2014/main" id="{23B25644-65BA-4640-9347-1B10B049CE68}"/>
               </a:ext>
             </a:extLst>
           </p:cNvPr>
@@ -3894,8 +3912,8 @@
         </p:blipFill>
         <p:spPr>
           <a:xfrm>
-            <a:off x="6362701" y="1152276"/>
-            <a:ext cx="5053948" cy="2411692"/>
+            <a:off x="952224" y="812800"/>
+            <a:ext cx="5219048" cy="2490476"/>
           </a:xfrm>
           <a:prstGeom prst="rect">
             <a:avLst/>
@@ -3907,7 +3925,7 @@
           <p:cNvPr id="9" name="Picture 8">
             <a:extLst>
               <a:ext uri="{FF2B5EF4-FFF2-40B4-BE49-F238E27FC236}">
-                <a16:creationId xmlns:a16="http://schemas.microsoft.com/office/drawing/2014/main" id="{FBD497D8-2F69-4DCC-9CC7-E516B62483B9}"/>
+                <a16:creationId xmlns:a16="http://schemas.microsoft.com/office/drawing/2014/main" id="{ABABA9A5-6F26-4C65-BDFC-C1AE4F8FEC63}"/>
               </a:ext>
             </a:extLst>
           </p:cNvPr>
@@ -3924,8 +3942,8 @@
         </p:blipFill>
         <p:spPr>
           <a:xfrm>
-            <a:off x="6489701" y="4000500"/>
-            <a:ext cx="5104748" cy="2435933"/>
+            <a:off x="6490353" y="938524"/>
+            <a:ext cx="5219048" cy="2490476"/>
           </a:xfrm>
           <a:prstGeom prst="rect">
             <a:avLst/>
@@ -3937,7 +3955,7 @@
           <p:cNvPr id="10" name="Picture 9">
             <a:extLst>
               <a:ext uri="{FF2B5EF4-FFF2-40B4-BE49-F238E27FC236}">
-                <a16:creationId xmlns:a16="http://schemas.microsoft.com/office/drawing/2014/main" id="{C31B023A-5241-47F6-A375-744ACA6DCB67}"/>
+                <a16:creationId xmlns:a16="http://schemas.microsoft.com/office/drawing/2014/main" id="{FDF2FF96-6BB0-462D-AE96-A67C75B2FD76}"/>
               </a:ext>
             </a:extLst>
           </p:cNvPr>
@@ -3954,8 +3972,8 @@
         </p:blipFill>
         <p:spPr>
           <a:xfrm>
-            <a:off x="610253" y="1073492"/>
-            <a:ext cx="5219048" cy="2490476"/>
+            <a:off x="1308751" y="4174823"/>
+            <a:ext cx="4926947" cy="2351089"/>
           </a:xfrm>
           <a:prstGeom prst="rect">
             <a:avLst/>
@@ -3965,7 +3983,7 @@
     </p:spTree>
     <p:extLst>
       <p:ext uri="{BB962C8B-B14F-4D97-AF65-F5344CB8AC3E}">
-        <p14:creationId xmlns:p14="http://schemas.microsoft.com/office/powerpoint/2010/main" val="4813415"/>
+        <p14:creationId xmlns:p14="http://schemas.microsoft.com/office/powerpoint/2010/main" val="4188501655"/>
       </p:ext>
     </p:extLst>
   </p:cSld>
@@ -3994,172 +4012,121 @@
       </p:grpSpPr>
       <p:sp>
         <p:nvSpPr>
-          <p:cNvPr id="2" name="TextBox 1">
-            <a:extLst>
-              <a:ext uri="{FF2B5EF4-FFF2-40B4-BE49-F238E27FC236}">
-                <a16:creationId xmlns:a16="http://schemas.microsoft.com/office/drawing/2014/main" id="{1B3F068F-0CA8-4B71-9499-A4DFBF1B6C1D}"/>
-              </a:ext>
-            </a:extLst>
-          </p:cNvPr>
-          <p:cNvSpPr txBox="1"/>
-          <p:nvPr/>
-        </p:nvSpPr>
-        <p:spPr>
-          <a:xfrm>
-            <a:off x="289932" y="267629"/>
-            <a:ext cx="2032929" cy="369332"/>
-          </a:xfrm>
-          <a:prstGeom prst="rect">
-            <a:avLst/>
-          </a:prstGeom>
-          <a:noFill/>
-        </p:spPr>
-        <p:txBody>
-          <a:bodyPr wrap="none" rtlCol="0">
-            <a:spAutoFit/>
+          <p:cNvPr id="2" name="Title 1">
+            <a:extLst>
+              <a:ext uri="{FF2B5EF4-FFF2-40B4-BE49-F238E27FC236}">
+                <a16:creationId xmlns:a16="http://schemas.microsoft.com/office/drawing/2014/main" id="{E8F7C988-FEC2-42EA-9563-67C519A0D029}"/>
+              </a:ext>
+            </a:extLst>
+          </p:cNvPr>
+          <p:cNvSpPr>
+            <a:spLocks noGrp="1"/>
+          </p:cNvSpPr>
+          <p:nvPr>
+            <p:ph type="title"/>
+          </p:nvPr>
+        </p:nvSpPr>
+        <p:spPr/>
+        <p:txBody>
+          <a:bodyPr/>
+          <a:lstStyle/>
+          <a:p>
+            <a:r>
+              <a:rPr lang="en-US" dirty="0"/>
+              <a:t>RPEs and odds/mag preferences	</a:t>
+            </a:r>
+          </a:p>
+        </p:txBody>
+      </p:sp>
+      <p:sp>
+        <p:nvSpPr>
+          <p:cNvPr id="3" name="Content Placeholder 2">
+            <a:extLst>
+              <a:ext uri="{FF2B5EF4-FFF2-40B4-BE49-F238E27FC236}">
+                <a16:creationId xmlns:a16="http://schemas.microsoft.com/office/drawing/2014/main" id="{66E8B3DF-5A9D-402B-BEC3-E877D657C787}"/>
+              </a:ext>
+            </a:extLst>
+          </p:cNvPr>
+          <p:cNvSpPr>
+            <a:spLocks noGrp="1"/>
+          </p:cNvSpPr>
+          <p:nvPr>
+            <p:ph idx="1"/>
+          </p:nvPr>
+        </p:nvSpPr>
+        <p:spPr/>
+        <p:txBody>
+          <a:bodyPr>
+            <a:normAutofit/>
           </a:bodyPr>
           <a:lstStyle/>
           <a:p>
             <a:r>
-              <a:rPr lang="en-US" dirty="0" err="1"/>
-              <a:t>HighOdds</a:t>
-            </a:r>
-            <a:r>
-              <a:rPr lang="en-US" dirty="0"/>
-              <a:t>/</a:t>
-            </a:r>
-            <a:r>
-              <a:rPr lang="en-US" dirty="0" err="1"/>
-              <a:t>HighMag</a:t>
-            </a:r>
-            <a:endParaRPr lang="en-US" dirty="0"/>
-          </a:p>
-        </p:txBody>
-      </p:sp>
-      <p:pic>
-        <p:nvPicPr>
-          <p:cNvPr id="7" name="Picture 6">
-            <a:extLst>
-              <a:ext uri="{FF2B5EF4-FFF2-40B4-BE49-F238E27FC236}">
-                <a16:creationId xmlns:a16="http://schemas.microsoft.com/office/drawing/2014/main" id="{23F05A5D-8D44-41D4-864C-108EB7D3038C}"/>
-              </a:ext>
-            </a:extLst>
-          </p:cNvPr>
-          <p:cNvPicPr>
-            <a:picLocks noChangeAspect="1"/>
-          </p:cNvPicPr>
-          <p:nvPr/>
-        </p:nvPicPr>
-        <p:blipFill>
-          <a:blip r:embed="rId2"/>
-          <a:stretch>
-            <a:fillRect/>
-          </a:stretch>
-        </p:blipFill>
-        <p:spPr>
-          <a:xfrm>
-            <a:off x="6896753" y="4241486"/>
-            <a:ext cx="4926948" cy="2351089"/>
-          </a:xfrm>
-          <a:prstGeom prst="rect">
-            <a:avLst/>
-          </a:prstGeom>
-        </p:spPr>
-      </p:pic>
-      <p:pic>
-        <p:nvPicPr>
-          <p:cNvPr id="8" name="Picture 7">
-            <a:extLst>
-              <a:ext uri="{FF2B5EF4-FFF2-40B4-BE49-F238E27FC236}">
-                <a16:creationId xmlns:a16="http://schemas.microsoft.com/office/drawing/2014/main" id="{23B25644-65BA-4640-9347-1B10B049CE68}"/>
-              </a:ext>
-            </a:extLst>
-          </p:cNvPr>
-          <p:cNvPicPr>
-            <a:picLocks noChangeAspect="1"/>
-          </p:cNvPicPr>
-          <p:nvPr/>
-        </p:nvPicPr>
-        <p:blipFill>
-          <a:blip r:embed="rId3"/>
-          <a:stretch>
-            <a:fillRect/>
-          </a:stretch>
-        </p:blipFill>
-        <p:spPr>
-          <a:xfrm>
-            <a:off x="952224" y="812800"/>
-            <a:ext cx="5219048" cy="2490476"/>
-          </a:xfrm>
-          <a:prstGeom prst="rect">
-            <a:avLst/>
-          </a:prstGeom>
-        </p:spPr>
-      </p:pic>
-      <p:pic>
-        <p:nvPicPr>
-          <p:cNvPr id="9" name="Picture 8">
-            <a:extLst>
-              <a:ext uri="{FF2B5EF4-FFF2-40B4-BE49-F238E27FC236}">
-                <a16:creationId xmlns:a16="http://schemas.microsoft.com/office/drawing/2014/main" id="{ABABA9A5-6F26-4C65-BDFC-C1AE4F8FEC63}"/>
-              </a:ext>
-            </a:extLst>
-          </p:cNvPr>
-          <p:cNvPicPr>
-            <a:picLocks noChangeAspect="1"/>
-          </p:cNvPicPr>
-          <p:nvPr/>
-        </p:nvPicPr>
-        <p:blipFill>
-          <a:blip r:embed="rId4"/>
-          <a:stretch>
-            <a:fillRect/>
-          </a:stretch>
-        </p:blipFill>
-        <p:spPr>
-          <a:xfrm>
-            <a:off x="6490353" y="938524"/>
-            <a:ext cx="5219048" cy="2490476"/>
-          </a:xfrm>
-          <a:prstGeom prst="rect">
-            <a:avLst/>
-          </a:prstGeom>
-        </p:spPr>
-      </p:pic>
-      <p:pic>
-        <p:nvPicPr>
-          <p:cNvPr id="10" name="Picture 9">
-            <a:extLst>
-              <a:ext uri="{FF2B5EF4-FFF2-40B4-BE49-F238E27FC236}">
-                <a16:creationId xmlns:a16="http://schemas.microsoft.com/office/drawing/2014/main" id="{FDF2FF96-6BB0-462D-AE96-A67C75B2FD76}"/>
-              </a:ext>
-            </a:extLst>
-          </p:cNvPr>
-          <p:cNvPicPr>
-            <a:picLocks noChangeAspect="1"/>
-          </p:cNvPicPr>
-          <p:nvPr/>
-        </p:nvPicPr>
-        <p:blipFill>
-          <a:blip r:embed="rId5"/>
-          <a:stretch>
-            <a:fillRect/>
-          </a:stretch>
-        </p:blipFill>
-        <p:spPr>
-          <a:xfrm>
-            <a:off x="1308751" y="4174823"/>
-            <a:ext cx="4926947" cy="2351089"/>
-          </a:xfrm>
-          <a:prstGeom prst="rect">
-            <a:avLst/>
-          </a:prstGeom>
-        </p:spPr>
-      </p:pic>
+              <a:rPr lang="en-US" sz="1800" dirty="0"/>
+              <a:t>RPE was calculated three separate ways</a:t>
+            </a:r>
+          </a:p>
+          <a:p>
+            <a:pPr lvl="1"/>
+            <a:r>
+              <a:rPr lang="en-US" sz="1600" dirty="0"/>
+              <a:t>Rpe1  for trial t is the amount promised on trial t – the amount previewed on trial t-1</a:t>
+            </a:r>
+          </a:p>
+          <a:p>
+            <a:pPr lvl="1"/>
+            <a:r>
+              <a:rPr lang="en-US" sz="1600" dirty="0"/>
+              <a:t>Rpe2 for trial t is the amount promised on trial t – x. x=the amount of whatever they chose on t-1. If they gambled on t-1, x= potential gamble winnings/2. If they didn’t gamble on t-1, x=the amount promised on trial t-1 (note: this is identical to how rpe1 was calculated).</a:t>
+            </a:r>
+          </a:p>
+          <a:p>
+            <a:pPr lvl="1"/>
+            <a:r>
+              <a:rPr lang="en-US" sz="1600" dirty="0"/>
+              <a:t>Rpe3 is the same as </a:t>
+            </a:r>
+            <a:r>
+              <a:rPr lang="en-US" sz="1600" dirty="0" err="1"/>
+              <a:t>rpe</a:t>
+            </a:r>
+            <a:r>
+              <a:rPr lang="en-US" sz="1600" dirty="0"/>
+              <a:t> 2 but with a bigger gain. If they gambled, x=potential gambling winnings (The rationale behind doing this was maybe some participants experienced RPEs by only focusing on the positive amounts and ignoring the potential losses). </a:t>
+            </a:r>
+          </a:p>
+          <a:p>
+            <a:r>
+              <a:rPr lang="en-US" sz="2000" dirty="0"/>
+              <a:t>A </a:t>
+            </a:r>
+            <a:r>
+              <a:rPr lang="en-US" sz="2000" dirty="0" err="1"/>
+              <a:t>oddsGamblingScore</a:t>
+            </a:r>
+            <a:r>
+              <a:rPr lang="en-US" sz="2000" dirty="0"/>
+              <a:t> was calculated per participant by taking the percentage of trials gambled in high odds condition and subtracting percentage of trials gambled in low odds condition. </a:t>
+            </a:r>
+          </a:p>
+          <a:p>
+            <a:endParaRPr lang="en-US" sz="2000" dirty="0"/>
+          </a:p>
+          <a:p>
+            <a:endParaRPr lang="en-US" sz="2000" dirty="0"/>
+          </a:p>
+          <a:p>
+            <a:r>
+              <a:rPr lang="en-US" sz="2000" dirty="0"/>
+              <a:t>Note: Descriptive stats for RPE2 are not included in this ppt as it contains nearly the same trials as rpe1 (the exact RPE values change a little bit which is why the statistics differ)</a:t>
+            </a:r>
+          </a:p>
+        </p:txBody>
+      </p:sp>
     </p:spTree>
     <p:extLst>
       <p:ext uri="{BB962C8B-B14F-4D97-AF65-F5344CB8AC3E}">
-        <p14:creationId xmlns:p14="http://schemas.microsoft.com/office/powerpoint/2010/main" val="4188501655"/>
+        <p14:creationId xmlns:p14="http://schemas.microsoft.com/office/powerpoint/2010/main" val="323674175"/>
       </p:ext>
     </p:extLst>
   </p:cSld>
@@ -4188,45 +4155,66 @@
       </p:grpSpPr>
       <p:sp>
         <p:nvSpPr>
-          <p:cNvPr id="4" name="TextBox 3">
-            <a:extLst>
-              <a:ext uri="{FF2B5EF4-FFF2-40B4-BE49-F238E27FC236}">
-                <a16:creationId xmlns:a16="http://schemas.microsoft.com/office/drawing/2014/main" id="{1F857135-652A-4E76-B380-EF1D8442DC51}"/>
-              </a:ext>
-            </a:extLst>
-          </p:cNvPr>
-          <p:cNvSpPr txBox="1"/>
-          <p:nvPr/>
-        </p:nvSpPr>
-        <p:spPr>
-          <a:xfrm>
-            <a:off x="289932" y="267629"/>
-            <a:ext cx="3653693" cy="369332"/>
-          </a:xfrm>
-          <a:prstGeom prst="rect">
-            <a:avLst/>
-          </a:prstGeom>
-          <a:noFill/>
-        </p:spPr>
-        <p:txBody>
-          <a:bodyPr wrap="none" rtlCol="0">
-            <a:spAutoFit/>
-          </a:bodyPr>
+          <p:cNvPr id="2" name="Title 1">
+            <a:extLst>
+              <a:ext uri="{FF2B5EF4-FFF2-40B4-BE49-F238E27FC236}">
+                <a16:creationId xmlns:a16="http://schemas.microsoft.com/office/drawing/2014/main" id="{89C5BD0D-5313-4C8B-AC73-426E1A24FBAA}"/>
+              </a:ext>
+            </a:extLst>
+          </p:cNvPr>
+          <p:cNvSpPr>
+            <a:spLocks noGrp="1"/>
+          </p:cNvSpPr>
+          <p:nvPr>
+            <p:ph type="title"/>
+          </p:nvPr>
+        </p:nvSpPr>
+        <p:spPr/>
+        <p:txBody>
+          <a:bodyPr/>
           <a:lstStyle/>
           <a:p>
             <a:r>
               <a:rPr lang="en-US" dirty="0"/>
-              <a:t>Participants who show ramping n=15</a:t>
+              <a:t>RPE statistics </a:t>
+            </a:r>
+          </a:p>
+        </p:txBody>
+      </p:sp>
+      <p:sp>
+        <p:nvSpPr>
+          <p:cNvPr id="3" name="Content Placeholder 2">
+            <a:extLst>
+              <a:ext uri="{FF2B5EF4-FFF2-40B4-BE49-F238E27FC236}">
+                <a16:creationId xmlns:a16="http://schemas.microsoft.com/office/drawing/2014/main" id="{CCE583F2-B471-47A5-AFDF-C11DEEA1A977}"/>
+              </a:ext>
+            </a:extLst>
+          </p:cNvPr>
+          <p:cNvSpPr>
+            <a:spLocks noGrp="1"/>
+          </p:cNvSpPr>
+          <p:nvPr>
+            <p:ph idx="1"/>
+          </p:nvPr>
+        </p:nvSpPr>
+        <p:spPr/>
+        <p:txBody>
+          <a:bodyPr/>
+          <a:lstStyle/>
+          <a:p>
+            <a:r>
+              <a:rPr lang="en-US" dirty="0"/>
+              <a:t>Logistic regression using rpe1, rpe2, rpe3, and odds to account for propensity to gamble?</a:t>
             </a:r>
           </a:p>
         </p:txBody>
       </p:sp>
       <p:pic>
         <p:nvPicPr>
-          <p:cNvPr id="5" name="Picture 4">
-            <a:extLst>
-              <a:ext uri="{FF2B5EF4-FFF2-40B4-BE49-F238E27FC236}">
-                <a16:creationId xmlns:a16="http://schemas.microsoft.com/office/drawing/2014/main" id="{2E482A02-4E6A-4206-9911-84565DBF2734}"/>
+          <p:cNvPr id="4" name="Picture 3">
+            <a:extLst>
+              <a:ext uri="{FF2B5EF4-FFF2-40B4-BE49-F238E27FC236}">
+                <a16:creationId xmlns:a16="http://schemas.microsoft.com/office/drawing/2014/main" id="{80C3FAD9-9FAE-4BBB-8323-6B901760A8EE}"/>
               </a:ext>
             </a:extLst>
           </p:cNvPr>
@@ -4243,8 +4231,8 @@
         </p:blipFill>
         <p:spPr>
           <a:xfrm>
-            <a:off x="483253" y="3821121"/>
-            <a:ext cx="5803247" cy="2769250"/>
+            <a:off x="552054" y="3775973"/>
+            <a:ext cx="3471256" cy="2535927"/>
           </a:xfrm>
           <a:prstGeom prst="rect">
             <a:avLst/>
@@ -4253,10 +4241,10 @@
       </p:pic>
       <p:pic>
         <p:nvPicPr>
-          <p:cNvPr id="6" name="Picture 5">
-            <a:extLst>
-              <a:ext uri="{FF2B5EF4-FFF2-40B4-BE49-F238E27FC236}">
-                <a16:creationId xmlns:a16="http://schemas.microsoft.com/office/drawing/2014/main" id="{F3BCC679-0D99-4ED3-AE17-EB4A80B48C02}"/>
+          <p:cNvPr id="5" name="Picture 4">
+            <a:extLst>
+              <a:ext uri="{FF2B5EF4-FFF2-40B4-BE49-F238E27FC236}">
+                <a16:creationId xmlns:a16="http://schemas.microsoft.com/office/drawing/2014/main" id="{66B9F90E-B04F-4966-97B7-C2DFDAC50AA0}"/>
               </a:ext>
             </a:extLst>
           </p:cNvPr>
@@ -4273,8 +4261,8 @@
         </p:blipFill>
         <p:spPr>
           <a:xfrm>
-            <a:off x="6452253" y="636961"/>
-            <a:ext cx="5219048" cy="2490476"/>
+            <a:off x="4575958" y="3849745"/>
+            <a:ext cx="3359280" cy="2529340"/>
           </a:xfrm>
           <a:prstGeom prst="rect">
             <a:avLst/>
@@ -4283,10 +4271,10 @@
       </p:pic>
       <p:pic>
         <p:nvPicPr>
-          <p:cNvPr id="7" name="Picture 6">
-            <a:extLst>
-              <a:ext uri="{FF2B5EF4-FFF2-40B4-BE49-F238E27FC236}">
-                <a16:creationId xmlns:a16="http://schemas.microsoft.com/office/drawing/2014/main" id="{89DFC726-0D03-4453-873D-D66668482ED5}"/>
+          <p:cNvPr id="6" name="Picture 5">
+            <a:extLst>
+              <a:ext uri="{FF2B5EF4-FFF2-40B4-BE49-F238E27FC236}">
+                <a16:creationId xmlns:a16="http://schemas.microsoft.com/office/drawing/2014/main" id="{A55F6985-7E97-4469-A4FB-A4406A1A67C2}"/>
               </a:ext>
             </a:extLst>
           </p:cNvPr>
@@ -4303,48 +4291,217 @@
         </p:blipFill>
         <p:spPr>
           <a:xfrm>
-            <a:off x="6782453" y="3821121"/>
-            <a:ext cx="5117448" cy="2441994"/>
+            <a:off x="8621163" y="3849745"/>
+            <a:ext cx="3418562" cy="2509580"/>
           </a:xfrm>
           <a:prstGeom prst="rect">
             <a:avLst/>
           </a:prstGeom>
         </p:spPr>
       </p:pic>
-      <p:pic>
-        <p:nvPicPr>
-          <p:cNvPr id="8" name="Picture 7">
-            <a:extLst>
-              <a:ext uri="{FF2B5EF4-FFF2-40B4-BE49-F238E27FC236}">
-                <a16:creationId xmlns:a16="http://schemas.microsoft.com/office/drawing/2014/main" id="{014C5EE6-D98E-4AB7-8B34-062CBCBA4301}"/>
-              </a:ext>
-            </a:extLst>
-          </p:cNvPr>
-          <p:cNvPicPr>
-            <a:picLocks noChangeAspect="1"/>
-          </p:cNvPicPr>
-          <p:nvPr/>
-        </p:nvPicPr>
-        <p:blipFill>
-          <a:blip r:embed="rId5"/>
-          <a:stretch>
-            <a:fillRect/>
-          </a:stretch>
-        </p:blipFill>
-        <p:spPr>
-          <a:xfrm>
-            <a:off x="597225" y="898802"/>
-            <a:ext cx="5575301" cy="2660477"/>
-          </a:xfrm>
-          <a:prstGeom prst="rect">
-            <a:avLst/>
-          </a:prstGeom>
-        </p:spPr>
-      </p:pic>
+      <p:graphicFrame>
+        <p:nvGraphicFramePr>
+          <p:cNvPr id="7" name="Table 6">
+            <a:extLst>
+              <a:ext uri="{FF2B5EF4-FFF2-40B4-BE49-F238E27FC236}">
+                <a16:creationId xmlns:a16="http://schemas.microsoft.com/office/drawing/2014/main" id="{94B5A35B-89B0-438C-AAE0-0C6E87A66986}"/>
+              </a:ext>
+            </a:extLst>
+          </p:cNvPr>
+          <p:cNvGraphicFramePr>
+            <a:graphicFrameLocks noGrp="1"/>
+          </p:cNvGraphicFramePr>
+          <p:nvPr>
+            <p:extLst>
+              <p:ext uri="{D42A27DB-BD31-4B8C-83A1-F6EECF244321}">
+                <p14:modId xmlns:p14="http://schemas.microsoft.com/office/powerpoint/2010/main" val="3288116802"/>
+              </p:ext>
+            </p:extLst>
+          </p:nvPr>
+        </p:nvGraphicFramePr>
+        <p:xfrm>
+          <a:off x="319314" y="3373495"/>
+          <a:ext cx="11720412" cy="3274047"/>
+        </p:xfrm>
+        <a:graphic>
+          <a:graphicData uri="http://schemas.openxmlformats.org/drawingml/2006/table">
+            <a:tbl>
+              <a:tblPr firstRow="1" bandRow="1">
+                <a:tableStyleId>{5940675A-B579-460E-94D1-54222C63F5DA}</a:tableStyleId>
+              </a:tblPr>
+              <a:tblGrid>
+                <a:gridCol w="3906804">
+                  <a:extLst>
+                    <a:ext uri="{9D8B030D-6E8A-4147-A177-3AD203B41FA5}">
+                      <a16:colId xmlns:a16="http://schemas.microsoft.com/office/drawing/2014/main" val="3559836500"/>
+                    </a:ext>
+                  </a:extLst>
+                </a:gridCol>
+                <a:gridCol w="3906804">
+                  <a:extLst>
+                    <a:ext uri="{9D8B030D-6E8A-4147-A177-3AD203B41FA5}">
+                      <a16:colId xmlns:a16="http://schemas.microsoft.com/office/drawing/2014/main" val="3589583700"/>
+                    </a:ext>
+                  </a:extLst>
+                </a:gridCol>
+                <a:gridCol w="3906804">
+                  <a:extLst>
+                    <a:ext uri="{9D8B030D-6E8A-4147-A177-3AD203B41FA5}">
+                      <a16:colId xmlns:a16="http://schemas.microsoft.com/office/drawing/2014/main" val="2380519543"/>
+                    </a:ext>
+                  </a:extLst>
+                </a:gridCol>
+              </a:tblGrid>
+              <a:tr h="3274047">
+                <a:tc>
+                  <a:txBody>
+                    <a:bodyPr/>
+                    <a:lstStyle/>
+                    <a:p>
+                      <a:endParaRPr lang="en-US" dirty="0"/>
+                    </a:p>
+                  </a:txBody>
+                  <a:tcPr/>
+                </a:tc>
+                <a:tc>
+                  <a:txBody>
+                    <a:bodyPr/>
+                    <a:lstStyle/>
+                    <a:p>
+                      <a:endParaRPr lang="en-US" dirty="0"/>
+                    </a:p>
+                  </a:txBody>
+                  <a:tcPr/>
+                </a:tc>
+                <a:tc>
+                  <a:txBody>
+                    <a:bodyPr/>
+                    <a:lstStyle/>
+                    <a:p>
+                      <a:endParaRPr lang="en-US" dirty="0"/>
+                    </a:p>
+                  </a:txBody>
+                  <a:tcPr/>
+                </a:tc>
+                <a:extLst>
+                  <a:ext uri="{0D108BD9-81ED-4DB2-BD59-A6C34878D82A}">
+                    <a16:rowId xmlns:a16="http://schemas.microsoft.com/office/drawing/2014/main" val="2008325701"/>
+                  </a:ext>
+                </a:extLst>
+              </a:tr>
+            </a:tbl>
+          </a:graphicData>
+        </a:graphic>
+      </p:graphicFrame>
+      <p:sp>
+        <p:nvSpPr>
+          <p:cNvPr id="8" name="TextBox 7">
+            <a:extLst>
+              <a:ext uri="{FF2B5EF4-FFF2-40B4-BE49-F238E27FC236}">
+                <a16:creationId xmlns:a16="http://schemas.microsoft.com/office/drawing/2014/main" id="{FFCEA8BB-A966-465B-AE6D-E3C472F79C72}"/>
+              </a:ext>
+            </a:extLst>
+          </p:cNvPr>
+          <p:cNvSpPr txBox="1"/>
+          <p:nvPr/>
+        </p:nvSpPr>
+        <p:spPr>
+          <a:xfrm>
+            <a:off x="1843314" y="2966963"/>
+            <a:ext cx="657552" cy="369332"/>
+          </a:xfrm>
+          <a:prstGeom prst="rect">
+            <a:avLst/>
+          </a:prstGeom>
+          <a:noFill/>
+        </p:spPr>
+        <p:txBody>
+          <a:bodyPr wrap="none" rtlCol="0">
+            <a:spAutoFit/>
+          </a:bodyPr>
+          <a:lstStyle/>
+          <a:p>
+            <a:r>
+              <a:rPr lang="en-US" dirty="0"/>
+              <a:t>RPE1</a:t>
+            </a:r>
+          </a:p>
+        </p:txBody>
+      </p:sp>
+      <p:sp>
+        <p:nvSpPr>
+          <p:cNvPr id="9" name="TextBox 8">
+            <a:extLst>
+              <a:ext uri="{FF2B5EF4-FFF2-40B4-BE49-F238E27FC236}">
+                <a16:creationId xmlns:a16="http://schemas.microsoft.com/office/drawing/2014/main" id="{6C96E6E0-1ED1-43C9-B582-9BED223AB8D7}"/>
+              </a:ext>
+            </a:extLst>
+          </p:cNvPr>
+          <p:cNvSpPr txBox="1"/>
+          <p:nvPr/>
+        </p:nvSpPr>
+        <p:spPr>
+          <a:xfrm>
+            <a:off x="5926822" y="3004163"/>
+            <a:ext cx="657552" cy="369332"/>
+          </a:xfrm>
+          <a:prstGeom prst="rect">
+            <a:avLst/>
+          </a:prstGeom>
+          <a:noFill/>
+        </p:spPr>
+        <p:txBody>
+          <a:bodyPr wrap="none" rtlCol="0">
+            <a:spAutoFit/>
+          </a:bodyPr>
+          <a:lstStyle/>
+          <a:p>
+            <a:r>
+              <a:rPr lang="en-US" dirty="0"/>
+              <a:t>RPE2</a:t>
+            </a:r>
+          </a:p>
+        </p:txBody>
+      </p:sp>
+      <p:sp>
+        <p:nvSpPr>
+          <p:cNvPr id="10" name="TextBox 9">
+            <a:extLst>
+              <a:ext uri="{FF2B5EF4-FFF2-40B4-BE49-F238E27FC236}">
+                <a16:creationId xmlns:a16="http://schemas.microsoft.com/office/drawing/2014/main" id="{969680FA-660D-4883-9103-F3700494C4D7}"/>
+              </a:ext>
+            </a:extLst>
+          </p:cNvPr>
+          <p:cNvSpPr txBox="1"/>
+          <p:nvPr/>
+        </p:nvSpPr>
+        <p:spPr>
+          <a:xfrm>
+            <a:off x="10019910" y="3004163"/>
+            <a:ext cx="657552" cy="369332"/>
+          </a:xfrm>
+          <a:prstGeom prst="rect">
+            <a:avLst/>
+          </a:prstGeom>
+          <a:noFill/>
+        </p:spPr>
+        <p:txBody>
+          <a:bodyPr wrap="none" rtlCol="0">
+            <a:spAutoFit/>
+          </a:bodyPr>
+          <a:lstStyle/>
+          <a:p>
+            <a:r>
+              <a:rPr lang="en-US" dirty="0"/>
+              <a:t>RPE3</a:t>
+            </a:r>
+          </a:p>
+        </p:txBody>
+      </p:sp>
     </p:spTree>
     <p:extLst>
       <p:ext uri="{BB962C8B-B14F-4D97-AF65-F5344CB8AC3E}">
-        <p14:creationId xmlns:p14="http://schemas.microsoft.com/office/powerpoint/2010/main" val="3444714458"/>
+        <p14:creationId xmlns:p14="http://schemas.microsoft.com/office/powerpoint/2010/main" val="3097383831"/>
       </p:ext>
     </p:extLst>
   </p:cSld>
@@ -4376,7 +4533,7 @@
           <p:cNvPr id="4" name="TextBox 3">
             <a:extLst>
               <a:ext uri="{FF2B5EF4-FFF2-40B4-BE49-F238E27FC236}">
-                <a16:creationId xmlns:a16="http://schemas.microsoft.com/office/drawing/2014/main" id="{D364AA7B-1D66-4BC8-983E-391342B155E1}"/>
+                <a16:creationId xmlns:a16="http://schemas.microsoft.com/office/drawing/2014/main" id="{A62EA2AA-B8F4-4E58-AA1D-C37ECDF2F561}"/>
               </a:ext>
             </a:extLst>
           </p:cNvPr>
@@ -4385,8 +4542,8 @@
         </p:nvSpPr>
         <p:spPr>
           <a:xfrm>
-            <a:off x="289932" y="267629"/>
-            <a:ext cx="3653693" cy="369332"/>
+            <a:off x="289932" y="153329"/>
+            <a:ext cx="5527475" cy="369332"/>
           </a:xfrm>
           <a:prstGeom prst="rect">
             <a:avLst/>
@@ -4401,17 +4558,62 @@
           <a:p>
             <a:r>
               <a:rPr lang="en-US" dirty="0"/>
-              <a:t>Participants who show ramping n=15</a:t>
+              <a:t>All participants filtered by trials that have a positive RPE1</a:t>
+            </a:r>
+          </a:p>
+        </p:txBody>
+      </p:sp>
+      <p:sp>
+        <p:nvSpPr>
+          <p:cNvPr id="7" name="TextBox 6">
+            <a:extLst>
+              <a:ext uri="{FF2B5EF4-FFF2-40B4-BE49-F238E27FC236}">
+                <a16:creationId xmlns:a16="http://schemas.microsoft.com/office/drawing/2014/main" id="{1B99DE4E-CDF3-4CC5-BB16-783F73BEBF8D}"/>
+              </a:ext>
+            </a:extLst>
+          </p:cNvPr>
+          <p:cNvSpPr txBox="1"/>
+          <p:nvPr/>
+        </p:nvSpPr>
+        <p:spPr>
+          <a:xfrm>
+            <a:off x="289932" y="513835"/>
+            <a:ext cx="9371283" cy="646331"/>
+          </a:xfrm>
+          <a:prstGeom prst="rect">
+            <a:avLst/>
+          </a:prstGeom>
+          <a:noFill/>
+        </p:spPr>
+        <p:txBody>
+          <a:bodyPr wrap="none" rtlCol="0">
+            <a:spAutoFit/>
+          </a:bodyPr>
+          <a:lstStyle/>
+          <a:p>
+            <a:r>
+              <a:rPr lang="en-US" dirty="0" err="1"/>
+              <a:t>oddsScore</a:t>
+            </a:r>
+            <a:r>
+              <a:rPr lang="en-US" dirty="0"/>
+              <a:t>=44.53 (the higher it is, the more they gambled on high odds trials relative to low odds, </a:t>
+            </a:r>
+          </a:p>
+          <a:p>
+            <a:r>
+              <a:rPr lang="en-US" dirty="0"/>
+              <a:t>Ranges from -100 to 100).</a:t>
             </a:r>
           </a:p>
         </p:txBody>
       </p:sp>
       <p:pic>
         <p:nvPicPr>
-          <p:cNvPr id="5" name="Picture 4">
-            <a:extLst>
-              <a:ext uri="{FF2B5EF4-FFF2-40B4-BE49-F238E27FC236}">
-                <a16:creationId xmlns:a16="http://schemas.microsoft.com/office/drawing/2014/main" id="{1C64213A-7789-4315-911A-E68F936F3370}"/>
+          <p:cNvPr id="8" name="Picture 7">
+            <a:extLst>
+              <a:ext uri="{FF2B5EF4-FFF2-40B4-BE49-F238E27FC236}">
+                <a16:creationId xmlns:a16="http://schemas.microsoft.com/office/drawing/2014/main" id="{C7853334-E7CB-44B8-B683-CDB8FEDF72CC}"/>
               </a:ext>
             </a:extLst>
           </p:cNvPr>
@@ -4428,8 +4630,8 @@
         </p:blipFill>
         <p:spPr>
           <a:xfrm>
-            <a:off x="332214" y="977900"/>
-            <a:ext cx="3487104" cy="1664011"/>
+            <a:off x="7515223" y="4266334"/>
+            <a:ext cx="3961784" cy="2013618"/>
           </a:xfrm>
           <a:prstGeom prst="rect">
             <a:avLst/>
@@ -4438,10 +4640,10 @@
       </p:pic>
       <p:pic>
         <p:nvPicPr>
-          <p:cNvPr id="6" name="Picture 5">
-            <a:extLst>
-              <a:ext uri="{FF2B5EF4-FFF2-40B4-BE49-F238E27FC236}">
-                <a16:creationId xmlns:a16="http://schemas.microsoft.com/office/drawing/2014/main" id="{5776BA1A-CCFC-4522-AEFC-764A7857D2D3}"/>
+          <p:cNvPr id="9" name="Picture 8">
+            <a:extLst>
+              <a:ext uri="{FF2B5EF4-FFF2-40B4-BE49-F238E27FC236}">
+                <a16:creationId xmlns:a16="http://schemas.microsoft.com/office/drawing/2014/main" id="{ED46B102-C06A-4CAA-A6B5-1BF92305FB08}"/>
               </a:ext>
             </a:extLst>
           </p:cNvPr>
@@ -4458,8 +4660,8 @@
         </p:blipFill>
         <p:spPr>
           <a:xfrm>
-            <a:off x="7977327" y="977900"/>
-            <a:ext cx="3487107" cy="1664011"/>
+            <a:off x="916600" y="1560614"/>
+            <a:ext cx="3871300" cy="1967629"/>
           </a:xfrm>
           <a:prstGeom prst="rect">
             <a:avLst/>
@@ -4468,10 +4670,10 @@
       </p:pic>
       <p:pic>
         <p:nvPicPr>
-          <p:cNvPr id="7" name="Picture 6">
-            <a:extLst>
-              <a:ext uri="{FF2B5EF4-FFF2-40B4-BE49-F238E27FC236}">
-                <a16:creationId xmlns:a16="http://schemas.microsoft.com/office/drawing/2014/main" id="{A9258011-540B-4CAD-98A5-B2453737802D}"/>
+          <p:cNvPr id="10" name="Picture 9">
+            <a:extLst>
+              <a:ext uri="{FF2B5EF4-FFF2-40B4-BE49-F238E27FC236}">
+                <a16:creationId xmlns:a16="http://schemas.microsoft.com/office/drawing/2014/main" id="{8ACB25E2-96D6-4BF9-8493-F86E5445EA21}"/>
               </a:ext>
             </a:extLst>
           </p:cNvPr>
@@ -4488,8 +4690,8 @@
         </p:blipFill>
         <p:spPr>
           <a:xfrm>
-            <a:off x="4045225" y="1912160"/>
-            <a:ext cx="3517313" cy="1678426"/>
+            <a:off x="7132937" y="1659858"/>
+            <a:ext cx="3480778" cy="1769142"/>
           </a:xfrm>
           <a:prstGeom prst="rect">
             <a:avLst/>
@@ -4498,10 +4700,10 @@
       </p:pic>
       <p:pic>
         <p:nvPicPr>
-          <p:cNvPr id="9" name="Picture 8">
-            <a:extLst>
-              <a:ext uri="{FF2B5EF4-FFF2-40B4-BE49-F238E27FC236}">
-                <a16:creationId xmlns:a16="http://schemas.microsoft.com/office/drawing/2014/main" id="{C94968E2-152E-40F8-B75D-AC4CF78C540E}"/>
+          <p:cNvPr id="11" name="Picture 10">
+            <a:extLst>
+              <a:ext uri="{FF2B5EF4-FFF2-40B4-BE49-F238E27FC236}">
+                <a16:creationId xmlns:a16="http://schemas.microsoft.com/office/drawing/2014/main" id="{6B959D91-0995-4287-99AD-366F7FB8ADFE}"/>
               </a:ext>
             </a:extLst>
           </p:cNvPr>
@@ -4518,20 +4720,124 @@
         </p:blipFill>
         <p:spPr>
           <a:xfrm>
-            <a:off x="4143857" y="4528145"/>
-            <a:ext cx="3904285" cy="1863085"/>
+            <a:off x="826116" y="4266334"/>
+            <a:ext cx="3961784" cy="2013618"/>
           </a:xfrm>
           <a:prstGeom prst="rect">
             <a:avLst/>
           </a:prstGeom>
         </p:spPr>
       </p:pic>
+    </p:spTree>
+    <p:extLst>
+      <p:ext uri="{BB962C8B-B14F-4D97-AF65-F5344CB8AC3E}">
+        <p14:creationId xmlns:p14="http://schemas.microsoft.com/office/powerpoint/2010/main" val="3172554230"/>
+      </p:ext>
+    </p:extLst>
+  </p:cSld>
+  <p:clrMapOvr>
+    <a:masterClrMapping/>
+  </p:clrMapOvr>
+</p:sld>
+</file>
+
+<file path=ppt/slides/slide16.xml><?xml version="1.0" encoding="utf-8"?>
+<p:sld xmlns:a="http://schemas.openxmlformats.org/drawingml/2006/main" xmlns:r="http://schemas.openxmlformats.org/officeDocument/2006/relationships" xmlns:p="http://schemas.openxmlformats.org/presentationml/2006/main">
+  <p:cSld>
+    <p:spTree>
+      <p:nvGrpSpPr>
+        <p:cNvPr id="1" name=""/>
+        <p:cNvGrpSpPr/>
+        <p:nvPr/>
+      </p:nvGrpSpPr>
+      <p:grpSpPr>
+        <a:xfrm>
+          <a:off x="0" y="0"/>
+          <a:ext cx="0" cy="0"/>
+          <a:chOff x="0" y="0"/>
+          <a:chExt cx="0" cy="0"/>
+        </a:xfrm>
+      </p:grpSpPr>
+      <p:sp>
+        <p:nvSpPr>
+          <p:cNvPr id="4" name="TextBox 3">
+            <a:extLst>
+              <a:ext uri="{FF2B5EF4-FFF2-40B4-BE49-F238E27FC236}">
+                <a16:creationId xmlns:a16="http://schemas.microsoft.com/office/drawing/2014/main" id="{A62EA2AA-B8F4-4E58-AA1D-C37ECDF2F561}"/>
+              </a:ext>
+            </a:extLst>
+          </p:cNvPr>
+          <p:cNvSpPr txBox="1"/>
+          <p:nvPr/>
+        </p:nvSpPr>
+        <p:spPr>
+          <a:xfrm>
+            <a:off x="289932" y="153329"/>
+            <a:ext cx="5591595" cy="369332"/>
+          </a:xfrm>
+          <a:prstGeom prst="rect">
+            <a:avLst/>
+          </a:prstGeom>
+          <a:noFill/>
+        </p:spPr>
+        <p:txBody>
+          <a:bodyPr wrap="none" rtlCol="0">
+            <a:spAutoFit/>
+          </a:bodyPr>
+          <a:lstStyle/>
+          <a:p>
+            <a:r>
+              <a:rPr lang="en-US" dirty="0"/>
+              <a:t>All participants filtered by trials that have a negative RPE1</a:t>
+            </a:r>
+          </a:p>
+        </p:txBody>
+      </p:sp>
+      <p:sp>
+        <p:nvSpPr>
+          <p:cNvPr id="7" name="TextBox 6">
+            <a:extLst>
+              <a:ext uri="{FF2B5EF4-FFF2-40B4-BE49-F238E27FC236}">
+                <a16:creationId xmlns:a16="http://schemas.microsoft.com/office/drawing/2014/main" id="{1B99DE4E-CDF3-4CC5-BB16-783F73BEBF8D}"/>
+              </a:ext>
+            </a:extLst>
+          </p:cNvPr>
+          <p:cNvSpPr txBox="1"/>
+          <p:nvPr/>
+        </p:nvSpPr>
+        <p:spPr>
+          <a:xfrm>
+            <a:off x="289932" y="513835"/>
+            <a:ext cx="1797159" cy="369332"/>
+          </a:xfrm>
+          <a:prstGeom prst="rect">
+            <a:avLst/>
+          </a:prstGeom>
+          <a:noFill/>
+        </p:spPr>
+        <p:txBody>
+          <a:bodyPr wrap="none" rtlCol="0">
+            <a:spAutoFit/>
+          </a:bodyPr>
+          <a:lstStyle/>
+          <a:p>
+            <a:r>
+              <a:rPr lang="en-US" dirty="0" err="1"/>
+              <a:t>oddsScore</a:t>
+            </a:r>
+            <a:r>
+              <a:rPr lang="en-US" dirty="0"/>
+              <a:t>=40.11</a:t>
+            </a:r>
+          </a:p>
+        </p:txBody>
+      </p:sp>
       <p:pic>
         <p:nvPicPr>
-          <p:cNvPr id="10" name="Picture 9">
-            <a:extLst>
-              <a:ext uri="{FF2B5EF4-FFF2-40B4-BE49-F238E27FC236}">
-                <a16:creationId xmlns:a16="http://schemas.microsoft.com/office/drawing/2014/main" id="{4F25C295-A2B3-4A58-BA54-6FC70C4DDEE1}"/>
+          <p:cNvPr id="17" name="Picture 16">
+            <a:extLst>
+              <a:ext uri="{FF2B5EF4-FFF2-40B4-BE49-F238E27FC236}">
+                <a16:creationId xmlns:a16="http://schemas.microsoft.com/office/drawing/2014/main" id="{AB619CEA-8213-4A3A-BF56-C572BB0BF6FE}"/>
               </a:ext>
             </a:extLst>
           </p:cNvPr>
@@ -4541,15 +4847,15 @@
           <p:nvPr/>
         </p:nvPicPr>
         <p:blipFill>
-          <a:blip r:embed="rId6"/>
+          <a:blip r:embed="rId2"/>
           <a:stretch>
             <a:fillRect/>
           </a:stretch>
         </p:blipFill>
         <p:spPr>
           <a:xfrm>
-            <a:off x="256142" y="3648331"/>
-            <a:ext cx="3687483" cy="1759629"/>
+            <a:off x="1320930" y="3971582"/>
+            <a:ext cx="4557101" cy="2316194"/>
           </a:xfrm>
           <a:prstGeom prst="rect">
             <a:avLst/>
@@ -4558,10 +4864,10 @@
       </p:pic>
       <p:pic>
         <p:nvPicPr>
-          <p:cNvPr id="11" name="Picture 10">
-            <a:extLst>
-              <a:ext uri="{FF2B5EF4-FFF2-40B4-BE49-F238E27FC236}">
-                <a16:creationId xmlns:a16="http://schemas.microsoft.com/office/drawing/2014/main" id="{23E60D84-2762-4436-B28A-4EBB93DF5C67}"/>
+          <p:cNvPr id="18" name="Picture 17">
+            <a:extLst>
+              <a:ext uri="{FF2B5EF4-FFF2-40B4-BE49-F238E27FC236}">
+                <a16:creationId xmlns:a16="http://schemas.microsoft.com/office/drawing/2014/main" id="{ECAF4964-1EDE-4DF4-ACD6-B9E3CECAEB00}"/>
               </a:ext>
             </a:extLst>
           </p:cNvPr>
@@ -4571,15 +4877,75 @@
           <p:nvPr/>
         </p:nvPicPr>
         <p:blipFill>
-          <a:blip r:embed="rId7"/>
+          <a:blip r:embed="rId3"/>
           <a:stretch>
             <a:fillRect/>
           </a:stretch>
         </p:blipFill>
         <p:spPr>
           <a:xfrm>
-            <a:off x="8048142" y="3308018"/>
-            <a:ext cx="3904286" cy="1863085"/>
+            <a:off x="6657905" y="1243673"/>
+            <a:ext cx="4557102" cy="2316194"/>
+          </a:xfrm>
+          <a:prstGeom prst="rect">
+            <a:avLst/>
+          </a:prstGeom>
+        </p:spPr>
+      </p:pic>
+      <p:pic>
+        <p:nvPicPr>
+          <p:cNvPr id="19" name="Picture 18">
+            <a:extLst>
+              <a:ext uri="{FF2B5EF4-FFF2-40B4-BE49-F238E27FC236}">
+                <a16:creationId xmlns:a16="http://schemas.microsoft.com/office/drawing/2014/main" id="{6F6CA95A-425C-4420-9413-FEE5911C24DF}"/>
+              </a:ext>
+            </a:extLst>
+          </p:cNvPr>
+          <p:cNvPicPr>
+            <a:picLocks noChangeAspect="1"/>
+          </p:cNvPicPr>
+          <p:nvPr/>
+        </p:nvPicPr>
+        <p:blipFill>
+          <a:blip r:embed="rId4"/>
+          <a:stretch>
+            <a:fillRect/>
+          </a:stretch>
+        </p:blipFill>
+        <p:spPr>
+          <a:xfrm>
+            <a:off x="6711428" y="4025988"/>
+            <a:ext cx="4450057" cy="2261788"/>
+          </a:xfrm>
+          <a:prstGeom prst="rect">
+            <a:avLst/>
+          </a:prstGeom>
+        </p:spPr>
+      </p:pic>
+      <p:pic>
+        <p:nvPicPr>
+          <p:cNvPr id="20" name="Picture 19">
+            <a:extLst>
+              <a:ext uri="{FF2B5EF4-FFF2-40B4-BE49-F238E27FC236}">
+                <a16:creationId xmlns:a16="http://schemas.microsoft.com/office/drawing/2014/main" id="{8999ACAB-94C9-468D-9D3D-5521C8796231}"/>
+              </a:ext>
+            </a:extLst>
+          </p:cNvPr>
+          <p:cNvPicPr>
+            <a:picLocks noChangeAspect="1"/>
+          </p:cNvPicPr>
+          <p:nvPr/>
+        </p:nvPicPr>
+        <p:blipFill>
+          <a:blip r:embed="rId5"/>
+          <a:stretch>
+            <a:fillRect/>
+          </a:stretch>
+        </p:blipFill>
+        <p:spPr>
+          <a:xfrm>
+            <a:off x="1320930" y="1243673"/>
+            <a:ext cx="4557101" cy="2316194"/>
           </a:xfrm>
           <a:prstGeom prst="rect">
             <a:avLst/>
@@ -4589,7 +4955,566 @@
     </p:spTree>
     <p:extLst>
       <p:ext uri="{BB962C8B-B14F-4D97-AF65-F5344CB8AC3E}">
-        <p14:creationId xmlns:p14="http://schemas.microsoft.com/office/powerpoint/2010/main" val="1234073537"/>
+        <p14:creationId xmlns:p14="http://schemas.microsoft.com/office/powerpoint/2010/main" val="3087772452"/>
+      </p:ext>
+    </p:extLst>
+  </p:cSld>
+  <p:clrMapOvr>
+    <a:masterClrMapping/>
+  </p:clrMapOvr>
+</p:sld>
+</file>
+
+<file path=ppt/slides/slide17.xml><?xml version="1.0" encoding="utf-8"?>
+<p:sld xmlns:a="http://schemas.openxmlformats.org/drawingml/2006/main" xmlns:r="http://schemas.openxmlformats.org/officeDocument/2006/relationships" xmlns:p="http://schemas.openxmlformats.org/presentationml/2006/main">
+  <p:cSld>
+    <p:spTree>
+      <p:nvGrpSpPr>
+        <p:cNvPr id="1" name=""/>
+        <p:cNvGrpSpPr/>
+        <p:nvPr/>
+      </p:nvGrpSpPr>
+      <p:grpSpPr>
+        <a:xfrm>
+          <a:off x="0" y="0"/>
+          <a:ext cx="0" cy="0"/>
+          <a:chOff x="0" y="0"/>
+          <a:chExt cx="0" cy="0"/>
+        </a:xfrm>
+      </p:grpSpPr>
+      <p:sp>
+        <p:nvSpPr>
+          <p:cNvPr id="4" name="TextBox 3">
+            <a:extLst>
+              <a:ext uri="{FF2B5EF4-FFF2-40B4-BE49-F238E27FC236}">
+                <a16:creationId xmlns:a16="http://schemas.microsoft.com/office/drawing/2014/main" id="{A62EA2AA-B8F4-4E58-AA1D-C37ECDF2F561}"/>
+              </a:ext>
+            </a:extLst>
+          </p:cNvPr>
+          <p:cNvSpPr txBox="1"/>
+          <p:nvPr/>
+        </p:nvSpPr>
+        <p:spPr>
+          <a:xfrm>
+            <a:off x="289932" y="153329"/>
+            <a:ext cx="5527475" cy="369332"/>
+          </a:xfrm>
+          <a:prstGeom prst="rect">
+            <a:avLst/>
+          </a:prstGeom>
+          <a:noFill/>
+        </p:spPr>
+        <p:txBody>
+          <a:bodyPr wrap="none" rtlCol="0">
+            <a:spAutoFit/>
+          </a:bodyPr>
+          <a:lstStyle/>
+          <a:p>
+            <a:r>
+              <a:rPr lang="en-US" dirty="0"/>
+              <a:t>All participants filtered by trials that have a positive RPE3</a:t>
+            </a:r>
+          </a:p>
+        </p:txBody>
+      </p:sp>
+      <p:sp>
+        <p:nvSpPr>
+          <p:cNvPr id="7" name="TextBox 6">
+            <a:extLst>
+              <a:ext uri="{FF2B5EF4-FFF2-40B4-BE49-F238E27FC236}">
+                <a16:creationId xmlns:a16="http://schemas.microsoft.com/office/drawing/2014/main" id="{1B99DE4E-CDF3-4CC5-BB16-783F73BEBF8D}"/>
+              </a:ext>
+            </a:extLst>
+          </p:cNvPr>
+          <p:cNvSpPr txBox="1"/>
+          <p:nvPr/>
+        </p:nvSpPr>
+        <p:spPr>
+          <a:xfrm>
+            <a:off x="289932" y="513835"/>
+            <a:ext cx="1505412" cy="369332"/>
+          </a:xfrm>
+          <a:prstGeom prst="rect">
+            <a:avLst/>
+          </a:prstGeom>
+          <a:noFill/>
+        </p:spPr>
+        <p:txBody>
+          <a:bodyPr wrap="none" rtlCol="0">
+            <a:spAutoFit/>
+          </a:bodyPr>
+          <a:lstStyle/>
+          <a:p>
+            <a:r>
+              <a:rPr lang="en-US" dirty="0" err="1"/>
+              <a:t>oddsScore</a:t>
+            </a:r>
+            <a:r>
+              <a:rPr lang="en-US" dirty="0"/>
+              <a:t>=36</a:t>
+            </a:r>
+          </a:p>
+        </p:txBody>
+      </p:sp>
+      <p:pic>
+        <p:nvPicPr>
+          <p:cNvPr id="2" name="Picture 1">
+            <a:extLst>
+              <a:ext uri="{FF2B5EF4-FFF2-40B4-BE49-F238E27FC236}">
+                <a16:creationId xmlns:a16="http://schemas.microsoft.com/office/drawing/2014/main" id="{66AFE988-1ACF-440A-AEA2-FFF24B863699}"/>
+              </a:ext>
+            </a:extLst>
+          </p:cNvPr>
+          <p:cNvPicPr>
+            <a:picLocks noChangeAspect="1"/>
+          </p:cNvPicPr>
+          <p:nvPr/>
+        </p:nvPicPr>
+        <p:blipFill>
+          <a:blip r:embed="rId2"/>
+          <a:stretch>
+            <a:fillRect/>
+          </a:stretch>
+        </p:blipFill>
+        <p:spPr>
+          <a:xfrm>
+            <a:off x="934743" y="4228240"/>
+            <a:ext cx="4362971" cy="2217525"/>
+          </a:xfrm>
+          <a:prstGeom prst="rect">
+            <a:avLst/>
+          </a:prstGeom>
+        </p:spPr>
+      </p:pic>
+      <p:pic>
+        <p:nvPicPr>
+          <p:cNvPr id="3" name="Picture 2">
+            <a:extLst>
+              <a:ext uri="{FF2B5EF4-FFF2-40B4-BE49-F238E27FC236}">
+                <a16:creationId xmlns:a16="http://schemas.microsoft.com/office/drawing/2014/main" id="{3628CCC9-3D8C-4A6F-B394-88EA142E8F41}"/>
+              </a:ext>
+            </a:extLst>
+          </p:cNvPr>
+          <p:cNvPicPr>
+            <a:picLocks noChangeAspect="1"/>
+          </p:cNvPicPr>
+          <p:nvPr/>
+        </p:nvPicPr>
+        <p:blipFill>
+          <a:blip r:embed="rId3"/>
+          <a:stretch>
+            <a:fillRect/>
+          </a:stretch>
+        </p:blipFill>
+        <p:spPr>
+          <a:xfrm>
+            <a:off x="6566286" y="1513333"/>
+            <a:ext cx="4101714" cy="2084739"/>
+          </a:xfrm>
+          <a:prstGeom prst="rect">
+            <a:avLst/>
+          </a:prstGeom>
+        </p:spPr>
+      </p:pic>
+      <p:pic>
+        <p:nvPicPr>
+          <p:cNvPr id="5" name="Picture 4">
+            <a:extLst>
+              <a:ext uri="{FF2B5EF4-FFF2-40B4-BE49-F238E27FC236}">
+                <a16:creationId xmlns:a16="http://schemas.microsoft.com/office/drawing/2014/main" id="{BE1F159F-4B2F-4AD9-941D-1AE643846A70}"/>
+              </a:ext>
+            </a:extLst>
+          </p:cNvPr>
+          <p:cNvPicPr>
+            <a:picLocks noChangeAspect="1"/>
+          </p:cNvPicPr>
+          <p:nvPr/>
+        </p:nvPicPr>
+        <p:blipFill>
+          <a:blip r:embed="rId4"/>
+          <a:stretch>
+            <a:fillRect/>
+          </a:stretch>
+        </p:blipFill>
+        <p:spPr>
+          <a:xfrm>
+            <a:off x="6827543" y="4108350"/>
+            <a:ext cx="4362971" cy="2217525"/>
+          </a:xfrm>
+          <a:prstGeom prst="rect">
+            <a:avLst/>
+          </a:prstGeom>
+        </p:spPr>
+      </p:pic>
+      <p:pic>
+        <p:nvPicPr>
+          <p:cNvPr id="6" name="Picture 5">
+            <a:extLst>
+              <a:ext uri="{FF2B5EF4-FFF2-40B4-BE49-F238E27FC236}">
+                <a16:creationId xmlns:a16="http://schemas.microsoft.com/office/drawing/2014/main" id="{733D4E99-4FB4-4ABB-B4D9-E319198BC8E1}"/>
+              </a:ext>
+            </a:extLst>
+          </p:cNvPr>
+          <p:cNvPicPr>
+            <a:picLocks noChangeAspect="1"/>
+          </p:cNvPicPr>
+          <p:nvPr/>
+        </p:nvPicPr>
+        <p:blipFill>
+          <a:blip r:embed="rId5"/>
+          <a:stretch>
+            <a:fillRect/>
+          </a:stretch>
+        </p:blipFill>
+        <p:spPr>
+          <a:xfrm>
+            <a:off x="806869" y="1513333"/>
+            <a:ext cx="4493600" cy="2283919"/>
+          </a:xfrm>
+          <a:prstGeom prst="rect">
+            <a:avLst/>
+          </a:prstGeom>
+        </p:spPr>
+      </p:pic>
+    </p:spTree>
+    <p:extLst>
+      <p:ext uri="{BB962C8B-B14F-4D97-AF65-F5344CB8AC3E}">
+        <p14:creationId xmlns:p14="http://schemas.microsoft.com/office/powerpoint/2010/main" val="3615723913"/>
+      </p:ext>
+    </p:extLst>
+  </p:cSld>
+  <p:clrMapOvr>
+    <a:masterClrMapping/>
+  </p:clrMapOvr>
+</p:sld>
+</file>
+
+<file path=ppt/slides/slide18.xml><?xml version="1.0" encoding="utf-8"?>
+<p:sld xmlns:a="http://schemas.openxmlformats.org/drawingml/2006/main" xmlns:r="http://schemas.openxmlformats.org/officeDocument/2006/relationships" xmlns:p="http://schemas.openxmlformats.org/presentationml/2006/main">
+  <p:cSld>
+    <p:spTree>
+      <p:nvGrpSpPr>
+        <p:cNvPr id="1" name=""/>
+        <p:cNvGrpSpPr/>
+        <p:nvPr/>
+      </p:nvGrpSpPr>
+      <p:grpSpPr>
+        <a:xfrm>
+          <a:off x="0" y="0"/>
+          <a:ext cx="0" cy="0"/>
+          <a:chOff x="0" y="0"/>
+          <a:chExt cx="0" cy="0"/>
+        </a:xfrm>
+      </p:grpSpPr>
+      <p:sp>
+        <p:nvSpPr>
+          <p:cNvPr id="4" name="TextBox 3">
+            <a:extLst>
+              <a:ext uri="{FF2B5EF4-FFF2-40B4-BE49-F238E27FC236}">
+                <a16:creationId xmlns:a16="http://schemas.microsoft.com/office/drawing/2014/main" id="{A62EA2AA-B8F4-4E58-AA1D-C37ECDF2F561}"/>
+              </a:ext>
+            </a:extLst>
+          </p:cNvPr>
+          <p:cNvSpPr txBox="1"/>
+          <p:nvPr/>
+        </p:nvSpPr>
+        <p:spPr>
+          <a:xfrm>
+            <a:off x="289932" y="153329"/>
+            <a:ext cx="5591595" cy="369332"/>
+          </a:xfrm>
+          <a:prstGeom prst="rect">
+            <a:avLst/>
+          </a:prstGeom>
+          <a:noFill/>
+        </p:spPr>
+        <p:txBody>
+          <a:bodyPr wrap="none" rtlCol="0">
+            <a:spAutoFit/>
+          </a:bodyPr>
+          <a:lstStyle/>
+          <a:p>
+            <a:r>
+              <a:rPr lang="en-US" dirty="0"/>
+              <a:t>All participants filtered by trials that have a negative RPE3</a:t>
+            </a:r>
+          </a:p>
+        </p:txBody>
+      </p:sp>
+      <p:sp>
+        <p:nvSpPr>
+          <p:cNvPr id="7" name="TextBox 6">
+            <a:extLst>
+              <a:ext uri="{FF2B5EF4-FFF2-40B4-BE49-F238E27FC236}">
+                <a16:creationId xmlns:a16="http://schemas.microsoft.com/office/drawing/2014/main" id="{1B99DE4E-CDF3-4CC5-BB16-783F73BEBF8D}"/>
+              </a:ext>
+            </a:extLst>
+          </p:cNvPr>
+          <p:cNvSpPr txBox="1"/>
+          <p:nvPr/>
+        </p:nvSpPr>
+        <p:spPr>
+          <a:xfrm>
+            <a:off x="289932" y="513835"/>
+            <a:ext cx="1797159" cy="369332"/>
+          </a:xfrm>
+          <a:prstGeom prst="rect">
+            <a:avLst/>
+          </a:prstGeom>
+          <a:noFill/>
+        </p:spPr>
+        <p:txBody>
+          <a:bodyPr wrap="none" rtlCol="0">
+            <a:spAutoFit/>
+          </a:bodyPr>
+          <a:lstStyle/>
+          <a:p>
+            <a:r>
+              <a:rPr lang="en-US" dirty="0" err="1"/>
+              <a:t>oddsScore</a:t>
+            </a:r>
+            <a:r>
+              <a:rPr lang="en-US" dirty="0"/>
+              <a:t>=43.92</a:t>
+            </a:r>
+          </a:p>
+        </p:txBody>
+      </p:sp>
+      <p:pic>
+        <p:nvPicPr>
+          <p:cNvPr id="12" name="Picture 11">
+            <a:extLst>
+              <a:ext uri="{FF2B5EF4-FFF2-40B4-BE49-F238E27FC236}">
+                <a16:creationId xmlns:a16="http://schemas.microsoft.com/office/drawing/2014/main" id="{9A108D39-AA39-4379-9E40-0349E05D5F39}"/>
+              </a:ext>
+            </a:extLst>
+          </p:cNvPr>
+          <p:cNvPicPr>
+            <a:picLocks noChangeAspect="1"/>
+          </p:cNvPicPr>
+          <p:nvPr/>
+        </p:nvPicPr>
+        <p:blipFill>
+          <a:blip r:embed="rId2"/>
+          <a:stretch>
+            <a:fillRect/>
+          </a:stretch>
+        </p:blipFill>
+        <p:spPr>
+          <a:xfrm>
+            <a:off x="6827190" y="4091247"/>
+            <a:ext cx="4897531" cy="2489221"/>
+          </a:xfrm>
+          <a:prstGeom prst="rect">
+            <a:avLst/>
+          </a:prstGeom>
+        </p:spPr>
+      </p:pic>
+      <p:pic>
+        <p:nvPicPr>
+          <p:cNvPr id="13" name="Picture 12">
+            <a:extLst>
+              <a:ext uri="{FF2B5EF4-FFF2-40B4-BE49-F238E27FC236}">
+                <a16:creationId xmlns:a16="http://schemas.microsoft.com/office/drawing/2014/main" id="{BA380F4C-2559-42DA-BB14-AA0BE607889D}"/>
+              </a:ext>
+            </a:extLst>
+          </p:cNvPr>
+          <p:cNvPicPr>
+            <a:picLocks noChangeAspect="1"/>
+          </p:cNvPicPr>
+          <p:nvPr/>
+        </p:nvPicPr>
+        <p:blipFill>
+          <a:blip r:embed="rId3"/>
+          <a:stretch>
+            <a:fillRect/>
+          </a:stretch>
+        </p:blipFill>
+        <p:spPr>
+          <a:xfrm>
+            <a:off x="499315" y="1480457"/>
+            <a:ext cx="4897531" cy="2489221"/>
+          </a:xfrm>
+          <a:prstGeom prst="rect">
+            <a:avLst/>
+          </a:prstGeom>
+        </p:spPr>
+      </p:pic>
+      <p:pic>
+        <p:nvPicPr>
+          <p:cNvPr id="14" name="Picture 13">
+            <a:extLst>
+              <a:ext uri="{FF2B5EF4-FFF2-40B4-BE49-F238E27FC236}">
+                <a16:creationId xmlns:a16="http://schemas.microsoft.com/office/drawing/2014/main" id="{0BDBFCF9-F114-4530-AD86-37D79C57A497}"/>
+              </a:ext>
+            </a:extLst>
+          </p:cNvPr>
+          <p:cNvPicPr>
+            <a:picLocks noChangeAspect="1"/>
+          </p:cNvPicPr>
+          <p:nvPr/>
+        </p:nvPicPr>
+        <p:blipFill>
+          <a:blip r:embed="rId4"/>
+          <a:stretch>
+            <a:fillRect/>
+          </a:stretch>
+        </p:blipFill>
+        <p:spPr>
+          <a:xfrm>
+            <a:off x="6667533" y="1522142"/>
+            <a:ext cx="4897531" cy="2489221"/>
+          </a:xfrm>
+          <a:prstGeom prst="rect">
+            <a:avLst/>
+          </a:prstGeom>
+        </p:spPr>
+      </p:pic>
+      <p:pic>
+        <p:nvPicPr>
+          <p:cNvPr id="15" name="Picture 14">
+            <a:extLst>
+              <a:ext uri="{FF2B5EF4-FFF2-40B4-BE49-F238E27FC236}">
+                <a16:creationId xmlns:a16="http://schemas.microsoft.com/office/drawing/2014/main" id="{CFE720DC-8A9D-4EE7-9444-3A9E7DB5AA09}"/>
+              </a:ext>
+            </a:extLst>
+          </p:cNvPr>
+          <p:cNvPicPr>
+            <a:picLocks noChangeAspect="1"/>
+          </p:cNvPicPr>
+          <p:nvPr/>
+        </p:nvPicPr>
+        <p:blipFill>
+          <a:blip r:embed="rId5"/>
+          <a:stretch>
+            <a:fillRect/>
+          </a:stretch>
+        </p:blipFill>
+        <p:spPr>
+          <a:xfrm>
+            <a:off x="775439" y="4231590"/>
+            <a:ext cx="4621407" cy="2348878"/>
+          </a:xfrm>
+          <a:prstGeom prst="rect">
+            <a:avLst/>
+          </a:prstGeom>
+        </p:spPr>
+      </p:pic>
+    </p:spTree>
+    <p:extLst>
+      <p:ext uri="{BB962C8B-B14F-4D97-AF65-F5344CB8AC3E}">
+        <p14:creationId xmlns:p14="http://schemas.microsoft.com/office/powerpoint/2010/main" val="2553309195"/>
+      </p:ext>
+    </p:extLst>
+  </p:cSld>
+  <p:clrMapOvr>
+    <a:masterClrMapping/>
+  </p:clrMapOvr>
+</p:sld>
+</file>
+
+<file path=ppt/slides/slide19.xml><?xml version="1.0" encoding="utf-8"?>
+<p:sld xmlns:a="http://schemas.openxmlformats.org/drawingml/2006/main" xmlns:r="http://schemas.openxmlformats.org/officeDocument/2006/relationships" xmlns:p="http://schemas.openxmlformats.org/presentationml/2006/main">
+  <p:cSld>
+    <p:spTree>
+      <p:nvGrpSpPr>
+        <p:cNvPr id="1" name=""/>
+        <p:cNvGrpSpPr/>
+        <p:nvPr/>
+      </p:nvGrpSpPr>
+      <p:grpSpPr>
+        <a:xfrm>
+          <a:off x="0" y="0"/>
+          <a:ext cx="0" cy="0"/>
+          <a:chOff x="0" y="0"/>
+          <a:chExt cx="0" cy="0"/>
+        </a:xfrm>
+      </p:grpSpPr>
+      <p:sp>
+        <p:nvSpPr>
+          <p:cNvPr id="2" name="Title 1">
+            <a:extLst>
+              <a:ext uri="{FF2B5EF4-FFF2-40B4-BE49-F238E27FC236}">
+                <a16:creationId xmlns:a16="http://schemas.microsoft.com/office/drawing/2014/main" id="{7E9DC812-E464-45AD-BDB6-D7D0897AFBE1}"/>
+              </a:ext>
+            </a:extLst>
+          </p:cNvPr>
+          <p:cNvSpPr>
+            <a:spLocks noGrp="1"/>
+          </p:cNvSpPr>
+          <p:nvPr>
+            <p:ph type="title"/>
+          </p:nvPr>
+        </p:nvSpPr>
+        <p:spPr/>
+        <p:txBody>
+          <a:bodyPr/>
+          <a:lstStyle/>
+          <a:p>
+            <a:r>
+              <a:rPr lang="en-US" dirty="0"/>
+              <a:t>Breaking down sub groups of participants who fulfill certain conditions</a:t>
+            </a:r>
+          </a:p>
+        </p:txBody>
+      </p:sp>
+      <p:sp>
+        <p:nvSpPr>
+          <p:cNvPr id="3" name="Content Placeholder 2">
+            <a:extLst>
+              <a:ext uri="{FF2B5EF4-FFF2-40B4-BE49-F238E27FC236}">
+                <a16:creationId xmlns:a16="http://schemas.microsoft.com/office/drawing/2014/main" id="{768FABB6-6184-485A-B90C-3A6FB7D176FD}"/>
+              </a:ext>
+            </a:extLst>
+          </p:cNvPr>
+          <p:cNvSpPr>
+            <a:spLocks noGrp="1"/>
+          </p:cNvSpPr>
+          <p:nvPr>
+            <p:ph idx="1"/>
+          </p:nvPr>
+        </p:nvSpPr>
+        <p:spPr/>
+        <p:txBody>
+          <a:bodyPr/>
+          <a:lstStyle/>
+          <a:p>
+            <a:r>
+              <a:rPr lang="en-US" dirty="0"/>
+              <a:t>Subset (n=16) of participants who ‘logically gamble’ </a:t>
+            </a:r>
+          </a:p>
+          <a:p>
+            <a:r>
+              <a:rPr lang="en-US" dirty="0"/>
+              <a:t>Participants who show positive ramp for propensity to gamble vs. </a:t>
+            </a:r>
+            <a:r>
+              <a:rPr lang="en-US" dirty="0" err="1"/>
+              <a:t>gambleDelay</a:t>
+            </a:r>
+            <a:endParaRPr lang="en-US" dirty="0"/>
+          </a:p>
+          <a:p>
+            <a:r>
+              <a:rPr lang="en-US" dirty="0"/>
+              <a:t>Participants who show negative ramp for RT vs. </a:t>
+            </a:r>
+            <a:r>
+              <a:rPr lang="en-US" dirty="0" err="1"/>
+              <a:t>gambleDelay</a:t>
+            </a:r>
+            <a:endParaRPr lang="en-US" dirty="0"/>
+          </a:p>
+          <a:p>
+            <a:endParaRPr lang="en-US" dirty="0"/>
+          </a:p>
+        </p:txBody>
+      </p:sp>
+    </p:spTree>
+    <p:extLst>
+      <p:ext uri="{BB962C8B-B14F-4D97-AF65-F5344CB8AC3E}">
+        <p14:creationId xmlns:p14="http://schemas.microsoft.com/office/powerpoint/2010/main" val="831610837"/>
       </p:ext>
     </p:extLst>
   </p:cSld>
@@ -4639,7 +5564,7 @@
           <a:p>
             <a:r>
               <a:rPr lang="en-US" dirty="0"/>
-              <a:t>V02 task Specs</a:t>
+              <a:t>V02 task specifications</a:t>
             </a:r>
           </a:p>
         </p:txBody>
@@ -4694,6 +5619,2376 @@
     <p:extLst>
       <p:ext uri="{BB962C8B-B14F-4D97-AF65-F5344CB8AC3E}">
         <p14:creationId xmlns:p14="http://schemas.microsoft.com/office/powerpoint/2010/main" val="470625470"/>
+      </p:ext>
+    </p:extLst>
+  </p:cSld>
+  <p:clrMapOvr>
+    <a:masterClrMapping/>
+  </p:clrMapOvr>
+</p:sld>
+</file>
+
+<file path=ppt/slides/slide20.xml><?xml version="1.0" encoding="utf-8"?>
+<p:sld xmlns:a="http://schemas.openxmlformats.org/drawingml/2006/main" xmlns:r="http://schemas.openxmlformats.org/officeDocument/2006/relationships" xmlns:p="http://schemas.openxmlformats.org/presentationml/2006/main">
+  <p:cSld>
+    <p:spTree>
+      <p:nvGrpSpPr>
+        <p:cNvPr id="1" name=""/>
+        <p:cNvGrpSpPr/>
+        <p:nvPr/>
+      </p:nvGrpSpPr>
+      <p:grpSpPr>
+        <a:xfrm>
+          <a:off x="0" y="0"/>
+          <a:ext cx="0" cy="0"/>
+          <a:chOff x="0" y="0"/>
+          <a:chExt cx="0" cy="0"/>
+        </a:xfrm>
+      </p:grpSpPr>
+      <p:sp>
+        <p:nvSpPr>
+          <p:cNvPr id="4" name="TextBox 3">
+            <a:extLst>
+              <a:ext uri="{FF2B5EF4-FFF2-40B4-BE49-F238E27FC236}">
+                <a16:creationId xmlns:a16="http://schemas.microsoft.com/office/drawing/2014/main" id="{E90AE563-F63A-4C25-A331-FA3E710B2B7D}"/>
+              </a:ext>
+            </a:extLst>
+          </p:cNvPr>
+          <p:cNvSpPr txBox="1"/>
+          <p:nvPr/>
+        </p:nvSpPr>
+        <p:spPr>
+          <a:xfrm>
+            <a:off x="0" y="122486"/>
+            <a:ext cx="10370660" cy="369332"/>
+          </a:xfrm>
+          <a:prstGeom prst="rect">
+            <a:avLst/>
+          </a:prstGeom>
+          <a:noFill/>
+        </p:spPr>
+        <p:txBody>
+          <a:bodyPr wrap="none" rtlCol="0">
+            <a:spAutoFit/>
+          </a:bodyPr>
+          <a:lstStyle/>
+          <a:p>
+            <a:r>
+              <a:rPr lang="en-US" dirty="0"/>
+              <a:t>Participants who gambled more often on high odds vs. low odds; ‘logical’ gambling; n=16. </a:t>
+            </a:r>
+            <a:r>
+              <a:rPr lang="en-US" dirty="0" err="1"/>
+              <a:t>oddsScore</a:t>
+            </a:r>
+            <a:r>
+              <a:rPr lang="en-US" dirty="0"/>
+              <a:t> is 94.12</a:t>
+            </a:r>
+          </a:p>
+        </p:txBody>
+      </p:sp>
+      <p:pic>
+        <p:nvPicPr>
+          <p:cNvPr id="7" name="Picture 6">
+            <a:extLst>
+              <a:ext uri="{FF2B5EF4-FFF2-40B4-BE49-F238E27FC236}">
+                <a16:creationId xmlns:a16="http://schemas.microsoft.com/office/drawing/2014/main" id="{5704B32F-45B8-46C8-B392-6C6E86BEA084}"/>
+              </a:ext>
+            </a:extLst>
+          </p:cNvPr>
+          <p:cNvPicPr>
+            <a:picLocks noChangeAspect="1"/>
+          </p:cNvPicPr>
+          <p:nvPr/>
+        </p:nvPicPr>
+        <p:blipFill>
+          <a:blip r:embed="rId2"/>
+          <a:stretch>
+            <a:fillRect/>
+          </a:stretch>
+        </p:blipFill>
+        <p:spPr>
+          <a:xfrm>
+            <a:off x="802095" y="1123669"/>
+            <a:ext cx="4698820" cy="2305331"/>
+          </a:xfrm>
+          <a:prstGeom prst="rect">
+            <a:avLst/>
+          </a:prstGeom>
+        </p:spPr>
+      </p:pic>
+      <p:pic>
+        <p:nvPicPr>
+          <p:cNvPr id="8" name="Picture 7">
+            <a:extLst>
+              <a:ext uri="{FF2B5EF4-FFF2-40B4-BE49-F238E27FC236}">
+                <a16:creationId xmlns:a16="http://schemas.microsoft.com/office/drawing/2014/main" id="{1F201EF5-EA3D-4A2F-83DC-ACE3FC160D29}"/>
+              </a:ext>
+            </a:extLst>
+          </p:cNvPr>
+          <p:cNvPicPr>
+            <a:picLocks noChangeAspect="1"/>
+          </p:cNvPicPr>
+          <p:nvPr/>
+        </p:nvPicPr>
+        <p:blipFill>
+          <a:blip r:embed="rId3"/>
+          <a:stretch>
+            <a:fillRect/>
+          </a:stretch>
+        </p:blipFill>
+        <p:spPr>
+          <a:xfrm>
+            <a:off x="490038" y="3815942"/>
+            <a:ext cx="5322934" cy="2611533"/>
+          </a:xfrm>
+          <a:prstGeom prst="rect">
+            <a:avLst/>
+          </a:prstGeom>
+        </p:spPr>
+      </p:pic>
+      <p:pic>
+        <p:nvPicPr>
+          <p:cNvPr id="9" name="Picture 8">
+            <a:extLst>
+              <a:ext uri="{FF2B5EF4-FFF2-40B4-BE49-F238E27FC236}">
+                <a16:creationId xmlns:a16="http://schemas.microsoft.com/office/drawing/2014/main" id="{E04D0136-C0E1-47EE-BB73-6DF3849BEA99}"/>
+              </a:ext>
+            </a:extLst>
+          </p:cNvPr>
+          <p:cNvPicPr>
+            <a:picLocks noChangeAspect="1"/>
+          </p:cNvPicPr>
+          <p:nvPr/>
+        </p:nvPicPr>
+        <p:blipFill>
+          <a:blip r:embed="rId4"/>
+          <a:stretch>
+            <a:fillRect/>
+          </a:stretch>
+        </p:blipFill>
+        <p:spPr>
+          <a:xfrm>
+            <a:off x="6578782" y="1002613"/>
+            <a:ext cx="4945562" cy="2426387"/>
+          </a:xfrm>
+          <a:prstGeom prst="rect">
+            <a:avLst/>
+          </a:prstGeom>
+        </p:spPr>
+      </p:pic>
+      <p:pic>
+        <p:nvPicPr>
+          <p:cNvPr id="10" name="Picture 9">
+            <a:extLst>
+              <a:ext uri="{FF2B5EF4-FFF2-40B4-BE49-F238E27FC236}">
+                <a16:creationId xmlns:a16="http://schemas.microsoft.com/office/drawing/2014/main" id="{96BB095A-2827-4551-B2C7-4C3EC4F6F835}"/>
+              </a:ext>
+            </a:extLst>
+          </p:cNvPr>
+          <p:cNvPicPr>
+            <a:picLocks noChangeAspect="1"/>
+          </p:cNvPicPr>
+          <p:nvPr/>
+        </p:nvPicPr>
+        <p:blipFill>
+          <a:blip r:embed="rId5"/>
+          <a:stretch>
+            <a:fillRect/>
+          </a:stretch>
+        </p:blipFill>
+        <p:spPr>
+          <a:xfrm>
+            <a:off x="6448153" y="3939795"/>
+            <a:ext cx="5076191" cy="2490476"/>
+          </a:xfrm>
+          <a:prstGeom prst="rect">
+            <a:avLst/>
+          </a:prstGeom>
+        </p:spPr>
+      </p:pic>
+    </p:spTree>
+    <p:extLst>
+      <p:ext uri="{BB962C8B-B14F-4D97-AF65-F5344CB8AC3E}">
+        <p14:creationId xmlns:p14="http://schemas.microsoft.com/office/powerpoint/2010/main" val="1343968654"/>
+      </p:ext>
+    </p:extLst>
+  </p:cSld>
+  <p:clrMapOvr>
+    <a:masterClrMapping/>
+  </p:clrMapOvr>
+</p:sld>
+</file>
+
+<file path=ppt/slides/slide21.xml><?xml version="1.0" encoding="utf-8"?>
+<p:sld xmlns:a="http://schemas.openxmlformats.org/drawingml/2006/main" xmlns:r="http://schemas.openxmlformats.org/officeDocument/2006/relationships" xmlns:p="http://schemas.openxmlformats.org/presentationml/2006/main">
+  <p:cSld>
+    <p:spTree>
+      <p:nvGrpSpPr>
+        <p:cNvPr id="1" name=""/>
+        <p:cNvGrpSpPr/>
+        <p:nvPr/>
+      </p:nvGrpSpPr>
+      <p:grpSpPr>
+        <a:xfrm>
+          <a:off x="0" y="0"/>
+          <a:ext cx="0" cy="0"/>
+          <a:chOff x="0" y="0"/>
+          <a:chExt cx="0" cy="0"/>
+        </a:xfrm>
+      </p:grpSpPr>
+      <p:graphicFrame>
+        <p:nvGraphicFramePr>
+          <p:cNvPr id="2" name="Table 1">
+            <a:extLst>
+              <a:ext uri="{FF2B5EF4-FFF2-40B4-BE49-F238E27FC236}">
+                <a16:creationId xmlns:a16="http://schemas.microsoft.com/office/drawing/2014/main" id="{2ED7B89D-5921-4400-A295-C555B35553D2}"/>
+              </a:ext>
+            </a:extLst>
+          </p:cNvPr>
+          <p:cNvGraphicFramePr>
+            <a:graphicFrameLocks noGrp="1"/>
+          </p:cNvGraphicFramePr>
+          <p:nvPr>
+            <p:extLst>
+              <p:ext uri="{D42A27DB-BD31-4B8C-83A1-F6EECF244321}">
+                <p14:modId xmlns:p14="http://schemas.microsoft.com/office/powerpoint/2010/main" val="300427213"/>
+              </p:ext>
+            </p:extLst>
+          </p:nvPr>
+        </p:nvGraphicFramePr>
+        <p:xfrm>
+          <a:off x="1640769" y="1326523"/>
+          <a:ext cx="10424231" cy="4168450"/>
+        </p:xfrm>
+        <a:graphic>
+          <a:graphicData uri="http://schemas.openxmlformats.org/drawingml/2006/table">
+            <a:tbl>
+              <a:tblPr firstRow="1" bandRow="1">
+                <a:tableStyleId>{5940675A-B579-460E-94D1-54222C63F5DA}</a:tableStyleId>
+              </a:tblPr>
+              <a:tblGrid>
+                <a:gridCol w="3251867">
+                  <a:extLst>
+                    <a:ext uri="{9D8B030D-6E8A-4147-A177-3AD203B41FA5}">
+                      <a16:colId xmlns:a16="http://schemas.microsoft.com/office/drawing/2014/main" val="585842680"/>
+                    </a:ext>
+                  </a:extLst>
+                </a:gridCol>
+                <a:gridCol w="3755241">
+                  <a:extLst>
+                    <a:ext uri="{9D8B030D-6E8A-4147-A177-3AD203B41FA5}">
+                      <a16:colId xmlns:a16="http://schemas.microsoft.com/office/drawing/2014/main" val="3734258692"/>
+                    </a:ext>
+                  </a:extLst>
+                </a:gridCol>
+                <a:gridCol w="3417123">
+                  <a:extLst>
+                    <a:ext uri="{9D8B030D-6E8A-4147-A177-3AD203B41FA5}">
+                      <a16:colId xmlns:a16="http://schemas.microsoft.com/office/drawing/2014/main" val="750417418"/>
+                    </a:ext>
+                  </a:extLst>
+                </a:gridCol>
+              </a:tblGrid>
+              <a:tr h="2204077">
+                <a:tc>
+                  <a:txBody>
+                    <a:bodyPr/>
+                    <a:lstStyle/>
+                    <a:p>
+                      <a:endParaRPr lang="en-US" dirty="0"/>
+                    </a:p>
+                  </a:txBody>
+                  <a:tcPr/>
+                </a:tc>
+                <a:tc>
+                  <a:txBody>
+                    <a:bodyPr/>
+                    <a:lstStyle/>
+                    <a:p>
+                      <a:endParaRPr lang="en-US"/>
+                    </a:p>
+                  </a:txBody>
+                  <a:tcPr/>
+                </a:tc>
+                <a:tc>
+                  <a:txBody>
+                    <a:bodyPr/>
+                    <a:lstStyle/>
+                    <a:p>
+                      <a:endParaRPr lang="en-US" dirty="0"/>
+                    </a:p>
+                  </a:txBody>
+                  <a:tcPr/>
+                </a:tc>
+                <a:extLst>
+                  <a:ext uri="{0D108BD9-81ED-4DB2-BD59-A6C34878D82A}">
+                    <a16:rowId xmlns:a16="http://schemas.microsoft.com/office/drawing/2014/main" val="3280388839"/>
+                  </a:ext>
+                </a:extLst>
+              </a:tr>
+              <a:tr h="1964373">
+                <a:tc>
+                  <a:txBody>
+                    <a:bodyPr/>
+                    <a:lstStyle/>
+                    <a:p>
+                      <a:endParaRPr lang="en-US" dirty="0"/>
+                    </a:p>
+                  </a:txBody>
+                  <a:tcPr/>
+                </a:tc>
+                <a:tc>
+                  <a:txBody>
+                    <a:bodyPr/>
+                    <a:lstStyle/>
+                    <a:p>
+                      <a:endParaRPr lang="en-US" dirty="0"/>
+                    </a:p>
+                  </a:txBody>
+                  <a:tcPr/>
+                </a:tc>
+                <a:tc>
+                  <a:txBody>
+                    <a:bodyPr/>
+                    <a:lstStyle/>
+                    <a:p>
+                      <a:endParaRPr lang="en-US" dirty="0"/>
+                    </a:p>
+                  </a:txBody>
+                  <a:tcPr/>
+                </a:tc>
+                <a:extLst>
+                  <a:ext uri="{0D108BD9-81ED-4DB2-BD59-A6C34878D82A}">
+                    <a16:rowId xmlns:a16="http://schemas.microsoft.com/office/drawing/2014/main" val="2411145179"/>
+                  </a:ext>
+                </a:extLst>
+              </a:tr>
+            </a:tbl>
+          </a:graphicData>
+        </a:graphic>
+      </p:graphicFrame>
+      <p:sp>
+        <p:nvSpPr>
+          <p:cNvPr id="3" name="TextBox 2">
+            <a:extLst>
+              <a:ext uri="{FF2B5EF4-FFF2-40B4-BE49-F238E27FC236}">
+                <a16:creationId xmlns:a16="http://schemas.microsoft.com/office/drawing/2014/main" id="{A871DE8C-306E-4CD7-8380-5162E82C9711}"/>
+              </a:ext>
+            </a:extLst>
+          </p:cNvPr>
+          <p:cNvSpPr txBox="1"/>
+          <p:nvPr/>
+        </p:nvSpPr>
+        <p:spPr>
+          <a:xfrm>
+            <a:off x="55384" y="1813557"/>
+            <a:ext cx="1674497" cy="1200329"/>
+          </a:xfrm>
+          <a:prstGeom prst="rect">
+            <a:avLst/>
+          </a:prstGeom>
+          <a:noFill/>
+        </p:spPr>
+        <p:txBody>
+          <a:bodyPr wrap="none" rtlCol="0">
+            <a:spAutoFit/>
+          </a:bodyPr>
+          <a:lstStyle/>
+          <a:p>
+            <a:r>
+              <a:rPr lang="en-US" dirty="0"/>
+              <a:t>Behavior (how </a:t>
+            </a:r>
+          </a:p>
+          <a:p>
+            <a:r>
+              <a:rPr lang="en-US" dirty="0"/>
+              <a:t>much did EACH </a:t>
+            </a:r>
+          </a:p>
+          <a:p>
+            <a:r>
+              <a:rPr lang="en-US" dirty="0"/>
+              <a:t>participant</a:t>
+            </a:r>
+          </a:p>
+          <a:p>
+            <a:r>
+              <a:rPr lang="en-US" dirty="0"/>
+              <a:t> gamble)</a:t>
+            </a:r>
+          </a:p>
+        </p:txBody>
+      </p:sp>
+      <p:sp>
+        <p:nvSpPr>
+          <p:cNvPr id="14" name="TextBox 13">
+            <a:extLst>
+              <a:ext uri="{FF2B5EF4-FFF2-40B4-BE49-F238E27FC236}">
+                <a16:creationId xmlns:a16="http://schemas.microsoft.com/office/drawing/2014/main" id="{2C106A64-8C90-4C29-93CA-61BE369E3B5B}"/>
+              </a:ext>
+            </a:extLst>
+          </p:cNvPr>
+          <p:cNvSpPr txBox="1"/>
+          <p:nvPr/>
+        </p:nvSpPr>
+        <p:spPr>
+          <a:xfrm>
+            <a:off x="68208" y="3629475"/>
+            <a:ext cx="1674497" cy="1754326"/>
+          </a:xfrm>
+          <a:prstGeom prst="rect">
+            <a:avLst/>
+          </a:prstGeom>
+          <a:noFill/>
+        </p:spPr>
+        <p:txBody>
+          <a:bodyPr wrap="none" rtlCol="0">
+            <a:spAutoFit/>
+          </a:bodyPr>
+          <a:lstStyle/>
+          <a:p>
+            <a:r>
+              <a:rPr lang="en-US" dirty="0"/>
+              <a:t>Behavior (how </a:t>
+            </a:r>
+          </a:p>
+          <a:p>
+            <a:r>
+              <a:rPr lang="en-US" dirty="0"/>
+              <a:t>much did EACH </a:t>
+            </a:r>
+          </a:p>
+          <a:p>
+            <a:r>
+              <a:rPr lang="en-US" dirty="0"/>
+              <a:t>participant</a:t>
+            </a:r>
+          </a:p>
+          <a:p>
+            <a:r>
+              <a:rPr lang="en-US" dirty="0"/>
+              <a:t> gamble as a </a:t>
+            </a:r>
+          </a:p>
+          <a:p>
+            <a:r>
+              <a:rPr lang="en-US" dirty="0"/>
+              <a:t>function of </a:t>
+            </a:r>
+          </a:p>
+          <a:p>
+            <a:r>
+              <a:rPr lang="en-US" dirty="0" err="1"/>
+              <a:t>gambleDelay</a:t>
+            </a:r>
+            <a:r>
+              <a:rPr lang="en-US" dirty="0"/>
+              <a:t>)</a:t>
+            </a:r>
+          </a:p>
+        </p:txBody>
+      </p:sp>
+      <p:sp>
+        <p:nvSpPr>
+          <p:cNvPr id="8" name="TextBox 7">
+            <a:extLst>
+              <a:ext uri="{FF2B5EF4-FFF2-40B4-BE49-F238E27FC236}">
+                <a16:creationId xmlns:a16="http://schemas.microsoft.com/office/drawing/2014/main" id="{55E6589A-D0B5-480C-8417-F9D9EED7B29E}"/>
+              </a:ext>
+            </a:extLst>
+          </p:cNvPr>
+          <p:cNvSpPr txBox="1"/>
+          <p:nvPr/>
+        </p:nvSpPr>
+        <p:spPr>
+          <a:xfrm>
+            <a:off x="2712293" y="900807"/>
+            <a:ext cx="1107098" cy="369332"/>
+          </a:xfrm>
+          <a:prstGeom prst="rect">
+            <a:avLst/>
+          </a:prstGeom>
+          <a:noFill/>
+        </p:spPr>
+        <p:txBody>
+          <a:bodyPr wrap="none" rtlCol="0">
+            <a:spAutoFit/>
+          </a:bodyPr>
+          <a:lstStyle/>
+          <a:p>
+            <a:r>
+              <a:rPr lang="en-US" dirty="0"/>
+              <a:t>Low Odds</a:t>
+            </a:r>
+          </a:p>
+        </p:txBody>
+      </p:sp>
+      <p:sp>
+        <p:nvSpPr>
+          <p:cNvPr id="15" name="TextBox 14">
+            <a:extLst>
+              <a:ext uri="{FF2B5EF4-FFF2-40B4-BE49-F238E27FC236}">
+                <a16:creationId xmlns:a16="http://schemas.microsoft.com/office/drawing/2014/main" id="{470207DF-6DAD-475B-AB69-BB3682C619F7}"/>
+              </a:ext>
+            </a:extLst>
+          </p:cNvPr>
+          <p:cNvSpPr txBox="1"/>
+          <p:nvPr/>
+        </p:nvSpPr>
+        <p:spPr>
+          <a:xfrm>
+            <a:off x="6178249" y="900807"/>
+            <a:ext cx="1095172" cy="369332"/>
+          </a:xfrm>
+          <a:prstGeom prst="rect">
+            <a:avLst/>
+          </a:prstGeom>
+          <a:noFill/>
+        </p:spPr>
+        <p:txBody>
+          <a:bodyPr wrap="none" rtlCol="0">
+            <a:spAutoFit/>
+          </a:bodyPr>
+          <a:lstStyle/>
+          <a:p>
+            <a:r>
+              <a:rPr lang="en-US" dirty="0"/>
+              <a:t>Mid Odds</a:t>
+            </a:r>
+          </a:p>
+        </p:txBody>
+      </p:sp>
+      <p:sp>
+        <p:nvSpPr>
+          <p:cNvPr id="16" name="TextBox 15">
+            <a:extLst>
+              <a:ext uri="{FF2B5EF4-FFF2-40B4-BE49-F238E27FC236}">
+                <a16:creationId xmlns:a16="http://schemas.microsoft.com/office/drawing/2014/main" id="{EDF50C3E-58A3-4447-A366-0735F89B750B}"/>
+              </a:ext>
+            </a:extLst>
+          </p:cNvPr>
+          <p:cNvSpPr txBox="1"/>
+          <p:nvPr/>
+        </p:nvSpPr>
+        <p:spPr>
+          <a:xfrm>
+            <a:off x="9821700" y="900807"/>
+            <a:ext cx="1151277" cy="369332"/>
+          </a:xfrm>
+          <a:prstGeom prst="rect">
+            <a:avLst/>
+          </a:prstGeom>
+          <a:noFill/>
+        </p:spPr>
+        <p:txBody>
+          <a:bodyPr wrap="none" rtlCol="0">
+            <a:spAutoFit/>
+          </a:bodyPr>
+          <a:lstStyle/>
+          <a:p>
+            <a:r>
+              <a:rPr lang="en-US" dirty="0"/>
+              <a:t>High Odds</a:t>
+            </a:r>
+          </a:p>
+        </p:txBody>
+      </p:sp>
+      <p:sp>
+        <p:nvSpPr>
+          <p:cNvPr id="17" name="TextBox 16">
+            <a:extLst>
+              <a:ext uri="{FF2B5EF4-FFF2-40B4-BE49-F238E27FC236}">
+                <a16:creationId xmlns:a16="http://schemas.microsoft.com/office/drawing/2014/main" id="{2F52D191-763E-4445-99BC-E08CBA674F3F}"/>
+              </a:ext>
+            </a:extLst>
+          </p:cNvPr>
+          <p:cNvSpPr txBox="1"/>
+          <p:nvPr/>
+        </p:nvSpPr>
+        <p:spPr>
+          <a:xfrm>
+            <a:off x="0" y="122486"/>
+            <a:ext cx="7927811" cy="369332"/>
+          </a:xfrm>
+          <a:prstGeom prst="rect">
+            <a:avLst/>
+          </a:prstGeom>
+          <a:noFill/>
+        </p:spPr>
+        <p:txBody>
+          <a:bodyPr wrap="none" rtlCol="0">
+            <a:spAutoFit/>
+          </a:bodyPr>
+          <a:lstStyle/>
+          <a:p>
+            <a:r>
+              <a:rPr lang="en-US" dirty="0"/>
+              <a:t>Participants who gambled more often on high odds vs. low odds; ‘logical’ gambling</a:t>
+            </a:r>
+          </a:p>
+        </p:txBody>
+      </p:sp>
+      <p:sp>
+        <p:nvSpPr>
+          <p:cNvPr id="4" name="TextBox 3">
+            <a:extLst>
+              <a:ext uri="{FF2B5EF4-FFF2-40B4-BE49-F238E27FC236}">
+                <a16:creationId xmlns:a16="http://schemas.microsoft.com/office/drawing/2014/main" id="{309C4717-C7D8-484E-B5F4-65803863184A}"/>
+              </a:ext>
+            </a:extLst>
+          </p:cNvPr>
+          <p:cNvSpPr txBox="1"/>
+          <p:nvPr/>
+        </p:nvSpPr>
+        <p:spPr>
+          <a:xfrm>
+            <a:off x="1709890" y="1945547"/>
+            <a:ext cx="3210751" cy="646331"/>
+          </a:xfrm>
+          <a:prstGeom prst="rect">
+            <a:avLst/>
+          </a:prstGeom>
+          <a:noFill/>
+        </p:spPr>
+        <p:txBody>
+          <a:bodyPr wrap="none" rtlCol="0">
+            <a:spAutoFit/>
+          </a:bodyPr>
+          <a:lstStyle/>
+          <a:p>
+            <a:r>
+              <a:rPr lang="en-US" dirty="0"/>
+              <a:t>No data (logical participants </a:t>
+            </a:r>
+          </a:p>
+          <a:p>
+            <a:r>
+              <a:rPr lang="en-US" dirty="0"/>
+              <a:t>don’t gamble on low odds trials)</a:t>
+            </a:r>
+          </a:p>
+        </p:txBody>
+      </p:sp>
+      <p:pic>
+        <p:nvPicPr>
+          <p:cNvPr id="18" name="Picture 17">
+            <a:extLst>
+              <a:ext uri="{FF2B5EF4-FFF2-40B4-BE49-F238E27FC236}">
+                <a16:creationId xmlns:a16="http://schemas.microsoft.com/office/drawing/2014/main" id="{E318A642-1C3C-41B0-9CA6-88BB15C54E0D}"/>
+              </a:ext>
+            </a:extLst>
+          </p:cNvPr>
+          <p:cNvPicPr>
+            <a:picLocks noChangeAspect="1"/>
+          </p:cNvPicPr>
+          <p:nvPr/>
+        </p:nvPicPr>
+        <p:blipFill>
+          <a:blip r:embed="rId2"/>
+          <a:stretch>
+            <a:fillRect/>
+          </a:stretch>
+        </p:blipFill>
+        <p:spPr>
+          <a:xfrm>
+            <a:off x="4926173" y="3657375"/>
+            <a:ext cx="3599324" cy="1765897"/>
+          </a:xfrm>
+          <a:prstGeom prst="rect">
+            <a:avLst/>
+          </a:prstGeom>
+        </p:spPr>
+      </p:pic>
+      <p:pic>
+        <p:nvPicPr>
+          <p:cNvPr id="19" name="Picture 18">
+            <a:extLst>
+              <a:ext uri="{FF2B5EF4-FFF2-40B4-BE49-F238E27FC236}">
+                <a16:creationId xmlns:a16="http://schemas.microsoft.com/office/drawing/2014/main" id="{7FB5E6AA-BC28-41F3-8555-00472C36597E}"/>
+              </a:ext>
+            </a:extLst>
+          </p:cNvPr>
+          <p:cNvPicPr>
+            <a:picLocks noChangeAspect="1"/>
+          </p:cNvPicPr>
+          <p:nvPr/>
+        </p:nvPicPr>
+        <p:blipFill>
+          <a:blip r:embed="rId3"/>
+          <a:stretch>
+            <a:fillRect/>
+          </a:stretch>
+        </p:blipFill>
+        <p:spPr>
+          <a:xfrm>
+            <a:off x="5141874" y="1679128"/>
+            <a:ext cx="3210751" cy="1575255"/>
+          </a:xfrm>
+          <a:prstGeom prst="rect">
+            <a:avLst/>
+          </a:prstGeom>
+        </p:spPr>
+      </p:pic>
+      <p:pic>
+        <p:nvPicPr>
+          <p:cNvPr id="20" name="Picture 19">
+            <a:extLst>
+              <a:ext uri="{FF2B5EF4-FFF2-40B4-BE49-F238E27FC236}">
+                <a16:creationId xmlns:a16="http://schemas.microsoft.com/office/drawing/2014/main" id="{1DB81526-CA99-4EF8-852A-B4D1AFCC7DBB}"/>
+              </a:ext>
+            </a:extLst>
+          </p:cNvPr>
+          <p:cNvPicPr>
+            <a:picLocks noChangeAspect="1"/>
+          </p:cNvPicPr>
+          <p:nvPr/>
+        </p:nvPicPr>
+        <p:blipFill>
+          <a:blip r:embed="rId4"/>
+          <a:stretch>
+            <a:fillRect/>
+          </a:stretch>
+        </p:blipFill>
+        <p:spPr>
+          <a:xfrm>
+            <a:off x="8754918" y="3884477"/>
+            <a:ext cx="3055983" cy="1499324"/>
+          </a:xfrm>
+          <a:prstGeom prst="rect">
+            <a:avLst/>
+          </a:prstGeom>
+        </p:spPr>
+      </p:pic>
+      <p:pic>
+        <p:nvPicPr>
+          <p:cNvPr id="21" name="Picture 20">
+            <a:extLst>
+              <a:ext uri="{FF2B5EF4-FFF2-40B4-BE49-F238E27FC236}">
+                <a16:creationId xmlns:a16="http://schemas.microsoft.com/office/drawing/2014/main" id="{11DCEE6E-4BA3-4E4F-92D1-6A9530E904DB}"/>
+              </a:ext>
+            </a:extLst>
+          </p:cNvPr>
+          <p:cNvPicPr>
+            <a:picLocks noChangeAspect="1"/>
+          </p:cNvPicPr>
+          <p:nvPr/>
+        </p:nvPicPr>
+        <p:blipFill>
+          <a:blip r:embed="rId5"/>
+          <a:stretch>
+            <a:fillRect/>
+          </a:stretch>
+        </p:blipFill>
+        <p:spPr>
+          <a:xfrm>
+            <a:off x="8758842" y="1674056"/>
+            <a:ext cx="3052059" cy="1497399"/>
+          </a:xfrm>
+          <a:prstGeom prst="rect">
+            <a:avLst/>
+          </a:prstGeom>
+        </p:spPr>
+      </p:pic>
+    </p:spTree>
+    <p:extLst>
+      <p:ext uri="{BB962C8B-B14F-4D97-AF65-F5344CB8AC3E}">
+        <p14:creationId xmlns:p14="http://schemas.microsoft.com/office/powerpoint/2010/main" val="3222307218"/>
+      </p:ext>
+    </p:extLst>
+  </p:cSld>
+  <p:clrMapOvr>
+    <a:masterClrMapping/>
+  </p:clrMapOvr>
+</p:sld>
+</file>
+
+<file path=ppt/slides/slide22.xml><?xml version="1.0" encoding="utf-8"?>
+<p:sld xmlns:a="http://schemas.openxmlformats.org/drawingml/2006/main" xmlns:r="http://schemas.openxmlformats.org/officeDocument/2006/relationships" xmlns:p="http://schemas.openxmlformats.org/presentationml/2006/main">
+  <p:cSld>
+    <p:spTree>
+      <p:nvGrpSpPr>
+        <p:cNvPr id="1" name=""/>
+        <p:cNvGrpSpPr/>
+        <p:nvPr/>
+      </p:nvGrpSpPr>
+      <p:grpSpPr>
+        <a:xfrm>
+          <a:off x="0" y="0"/>
+          <a:ext cx="0" cy="0"/>
+          <a:chOff x="0" y="0"/>
+          <a:chExt cx="0" cy="0"/>
+        </a:xfrm>
+      </p:grpSpPr>
+      <p:sp>
+        <p:nvSpPr>
+          <p:cNvPr id="4" name="TextBox 3">
+            <a:extLst>
+              <a:ext uri="{FF2B5EF4-FFF2-40B4-BE49-F238E27FC236}">
+                <a16:creationId xmlns:a16="http://schemas.microsoft.com/office/drawing/2014/main" id="{1F857135-652A-4E76-B380-EF1D8442DC51}"/>
+              </a:ext>
+            </a:extLst>
+          </p:cNvPr>
+          <p:cNvSpPr txBox="1"/>
+          <p:nvPr/>
+        </p:nvSpPr>
+        <p:spPr>
+          <a:xfrm>
+            <a:off x="277232" y="136708"/>
+            <a:ext cx="8366649" cy="369332"/>
+          </a:xfrm>
+          <a:prstGeom prst="rect">
+            <a:avLst/>
+          </a:prstGeom>
+          <a:noFill/>
+        </p:spPr>
+        <p:txBody>
+          <a:bodyPr wrap="none" rtlCol="0">
+            <a:spAutoFit/>
+          </a:bodyPr>
+          <a:lstStyle/>
+          <a:p>
+            <a:r>
+              <a:rPr lang="en-US" dirty="0"/>
+              <a:t>Participants who show ramping n=15 (i.e. gamble propensity is affected by </a:t>
+            </a:r>
+            <a:r>
+              <a:rPr lang="en-US" dirty="0" err="1"/>
+              <a:t>gambleDelay</a:t>
+            </a:r>
+            <a:endParaRPr lang="en-US" dirty="0"/>
+          </a:p>
+        </p:txBody>
+      </p:sp>
+      <p:pic>
+        <p:nvPicPr>
+          <p:cNvPr id="5" name="Picture 4">
+            <a:extLst>
+              <a:ext uri="{FF2B5EF4-FFF2-40B4-BE49-F238E27FC236}">
+                <a16:creationId xmlns:a16="http://schemas.microsoft.com/office/drawing/2014/main" id="{2E482A02-4E6A-4206-9911-84565DBF2734}"/>
+              </a:ext>
+            </a:extLst>
+          </p:cNvPr>
+          <p:cNvPicPr>
+            <a:picLocks noChangeAspect="1"/>
+          </p:cNvPicPr>
+          <p:nvPr/>
+        </p:nvPicPr>
+        <p:blipFill>
+          <a:blip r:embed="rId2"/>
+          <a:stretch>
+            <a:fillRect/>
+          </a:stretch>
+        </p:blipFill>
+        <p:spPr>
+          <a:xfrm>
+            <a:off x="483253" y="3821121"/>
+            <a:ext cx="5803247" cy="2769250"/>
+          </a:xfrm>
+          <a:prstGeom prst="rect">
+            <a:avLst/>
+          </a:prstGeom>
+        </p:spPr>
+      </p:pic>
+      <p:pic>
+        <p:nvPicPr>
+          <p:cNvPr id="6" name="Picture 5">
+            <a:extLst>
+              <a:ext uri="{FF2B5EF4-FFF2-40B4-BE49-F238E27FC236}">
+                <a16:creationId xmlns:a16="http://schemas.microsoft.com/office/drawing/2014/main" id="{F3BCC679-0D99-4ED3-AE17-EB4A80B48C02}"/>
+              </a:ext>
+            </a:extLst>
+          </p:cNvPr>
+          <p:cNvPicPr>
+            <a:picLocks noChangeAspect="1"/>
+          </p:cNvPicPr>
+          <p:nvPr/>
+        </p:nvPicPr>
+        <p:blipFill>
+          <a:blip r:embed="rId3"/>
+          <a:stretch>
+            <a:fillRect/>
+          </a:stretch>
+        </p:blipFill>
+        <p:spPr>
+          <a:xfrm>
+            <a:off x="6305877" y="721961"/>
+            <a:ext cx="5219048" cy="2490476"/>
+          </a:xfrm>
+          <a:prstGeom prst="rect">
+            <a:avLst/>
+          </a:prstGeom>
+        </p:spPr>
+      </p:pic>
+      <p:pic>
+        <p:nvPicPr>
+          <p:cNvPr id="7" name="Picture 6">
+            <a:extLst>
+              <a:ext uri="{FF2B5EF4-FFF2-40B4-BE49-F238E27FC236}">
+                <a16:creationId xmlns:a16="http://schemas.microsoft.com/office/drawing/2014/main" id="{89DFC726-0D03-4453-873D-D66668482ED5}"/>
+              </a:ext>
+            </a:extLst>
+          </p:cNvPr>
+          <p:cNvPicPr>
+            <a:picLocks noChangeAspect="1"/>
+          </p:cNvPicPr>
+          <p:nvPr/>
+        </p:nvPicPr>
+        <p:blipFill>
+          <a:blip r:embed="rId4"/>
+          <a:stretch>
+            <a:fillRect/>
+          </a:stretch>
+        </p:blipFill>
+        <p:spPr>
+          <a:xfrm>
+            <a:off x="6782453" y="3821121"/>
+            <a:ext cx="5117448" cy="2441994"/>
+          </a:xfrm>
+          <a:prstGeom prst="rect">
+            <a:avLst/>
+          </a:prstGeom>
+        </p:spPr>
+      </p:pic>
+      <p:pic>
+        <p:nvPicPr>
+          <p:cNvPr id="8" name="Picture 7">
+            <a:extLst>
+              <a:ext uri="{FF2B5EF4-FFF2-40B4-BE49-F238E27FC236}">
+                <a16:creationId xmlns:a16="http://schemas.microsoft.com/office/drawing/2014/main" id="{014C5EE6-D98E-4AB7-8B34-062CBCBA4301}"/>
+              </a:ext>
+            </a:extLst>
+          </p:cNvPr>
+          <p:cNvPicPr>
+            <a:picLocks noChangeAspect="1"/>
+          </p:cNvPicPr>
+          <p:nvPr/>
+        </p:nvPicPr>
+        <p:blipFill>
+          <a:blip r:embed="rId5"/>
+          <a:stretch>
+            <a:fillRect/>
+          </a:stretch>
+        </p:blipFill>
+        <p:spPr>
+          <a:xfrm>
+            <a:off x="520699" y="636961"/>
+            <a:ext cx="5575301" cy="2660477"/>
+          </a:xfrm>
+          <a:prstGeom prst="rect">
+            <a:avLst/>
+          </a:prstGeom>
+        </p:spPr>
+      </p:pic>
+    </p:spTree>
+    <p:extLst>
+      <p:ext uri="{BB962C8B-B14F-4D97-AF65-F5344CB8AC3E}">
+        <p14:creationId xmlns:p14="http://schemas.microsoft.com/office/powerpoint/2010/main" val="3785391316"/>
+      </p:ext>
+    </p:extLst>
+  </p:cSld>
+  <p:clrMapOvr>
+    <a:masterClrMapping/>
+  </p:clrMapOvr>
+</p:sld>
+</file>
+
+<file path=ppt/slides/slide23.xml><?xml version="1.0" encoding="utf-8"?>
+<p:sld xmlns:a="http://schemas.openxmlformats.org/drawingml/2006/main" xmlns:r="http://schemas.openxmlformats.org/officeDocument/2006/relationships" xmlns:p="http://schemas.openxmlformats.org/presentationml/2006/main">
+  <p:cSld>
+    <p:spTree>
+      <p:nvGrpSpPr>
+        <p:cNvPr id="1" name=""/>
+        <p:cNvGrpSpPr/>
+        <p:nvPr/>
+      </p:nvGrpSpPr>
+      <p:grpSpPr>
+        <a:xfrm>
+          <a:off x="0" y="0"/>
+          <a:ext cx="0" cy="0"/>
+          <a:chOff x="0" y="0"/>
+          <a:chExt cx="0" cy="0"/>
+        </a:xfrm>
+      </p:grpSpPr>
+      <p:graphicFrame>
+        <p:nvGraphicFramePr>
+          <p:cNvPr id="2" name="Table 1">
+            <a:extLst>
+              <a:ext uri="{FF2B5EF4-FFF2-40B4-BE49-F238E27FC236}">
+                <a16:creationId xmlns:a16="http://schemas.microsoft.com/office/drawing/2014/main" id="{2ED7B89D-5921-4400-A295-C555B35553D2}"/>
+              </a:ext>
+            </a:extLst>
+          </p:cNvPr>
+          <p:cNvGraphicFramePr>
+            <a:graphicFrameLocks noGrp="1"/>
+          </p:cNvGraphicFramePr>
+          <p:nvPr/>
+        </p:nvGraphicFramePr>
+        <p:xfrm>
+          <a:off x="1640769" y="1326523"/>
+          <a:ext cx="10424231" cy="4168450"/>
+        </p:xfrm>
+        <a:graphic>
+          <a:graphicData uri="http://schemas.openxmlformats.org/drawingml/2006/table">
+            <a:tbl>
+              <a:tblPr firstRow="1" bandRow="1">
+                <a:tableStyleId>{5940675A-B579-460E-94D1-54222C63F5DA}</a:tableStyleId>
+              </a:tblPr>
+              <a:tblGrid>
+                <a:gridCol w="3251867">
+                  <a:extLst>
+                    <a:ext uri="{9D8B030D-6E8A-4147-A177-3AD203B41FA5}">
+                      <a16:colId xmlns:a16="http://schemas.microsoft.com/office/drawing/2014/main" val="585842680"/>
+                    </a:ext>
+                  </a:extLst>
+                </a:gridCol>
+                <a:gridCol w="3755241">
+                  <a:extLst>
+                    <a:ext uri="{9D8B030D-6E8A-4147-A177-3AD203B41FA5}">
+                      <a16:colId xmlns:a16="http://schemas.microsoft.com/office/drawing/2014/main" val="3734258692"/>
+                    </a:ext>
+                  </a:extLst>
+                </a:gridCol>
+                <a:gridCol w="3417123">
+                  <a:extLst>
+                    <a:ext uri="{9D8B030D-6E8A-4147-A177-3AD203B41FA5}">
+                      <a16:colId xmlns:a16="http://schemas.microsoft.com/office/drawing/2014/main" val="750417418"/>
+                    </a:ext>
+                  </a:extLst>
+                </a:gridCol>
+              </a:tblGrid>
+              <a:tr h="2204077">
+                <a:tc>
+                  <a:txBody>
+                    <a:bodyPr/>
+                    <a:lstStyle/>
+                    <a:p>
+                      <a:endParaRPr lang="en-US" dirty="0"/>
+                    </a:p>
+                  </a:txBody>
+                  <a:tcPr/>
+                </a:tc>
+                <a:tc>
+                  <a:txBody>
+                    <a:bodyPr/>
+                    <a:lstStyle/>
+                    <a:p>
+                      <a:endParaRPr lang="en-US"/>
+                    </a:p>
+                  </a:txBody>
+                  <a:tcPr/>
+                </a:tc>
+                <a:tc>
+                  <a:txBody>
+                    <a:bodyPr/>
+                    <a:lstStyle/>
+                    <a:p>
+                      <a:endParaRPr lang="en-US" dirty="0"/>
+                    </a:p>
+                  </a:txBody>
+                  <a:tcPr/>
+                </a:tc>
+                <a:extLst>
+                  <a:ext uri="{0D108BD9-81ED-4DB2-BD59-A6C34878D82A}">
+                    <a16:rowId xmlns:a16="http://schemas.microsoft.com/office/drawing/2014/main" val="3280388839"/>
+                  </a:ext>
+                </a:extLst>
+              </a:tr>
+              <a:tr h="1964373">
+                <a:tc>
+                  <a:txBody>
+                    <a:bodyPr/>
+                    <a:lstStyle/>
+                    <a:p>
+                      <a:endParaRPr lang="en-US" dirty="0"/>
+                    </a:p>
+                  </a:txBody>
+                  <a:tcPr/>
+                </a:tc>
+                <a:tc>
+                  <a:txBody>
+                    <a:bodyPr/>
+                    <a:lstStyle/>
+                    <a:p>
+                      <a:endParaRPr lang="en-US" dirty="0"/>
+                    </a:p>
+                  </a:txBody>
+                  <a:tcPr/>
+                </a:tc>
+                <a:tc>
+                  <a:txBody>
+                    <a:bodyPr/>
+                    <a:lstStyle/>
+                    <a:p>
+                      <a:endParaRPr lang="en-US" dirty="0"/>
+                    </a:p>
+                  </a:txBody>
+                  <a:tcPr/>
+                </a:tc>
+                <a:extLst>
+                  <a:ext uri="{0D108BD9-81ED-4DB2-BD59-A6C34878D82A}">
+                    <a16:rowId xmlns:a16="http://schemas.microsoft.com/office/drawing/2014/main" val="2411145179"/>
+                  </a:ext>
+                </a:extLst>
+              </a:tr>
+            </a:tbl>
+          </a:graphicData>
+        </a:graphic>
+      </p:graphicFrame>
+      <p:pic>
+        <p:nvPicPr>
+          <p:cNvPr id="5" name="Picture 4">
+            <a:extLst>
+              <a:ext uri="{FF2B5EF4-FFF2-40B4-BE49-F238E27FC236}">
+                <a16:creationId xmlns:a16="http://schemas.microsoft.com/office/drawing/2014/main" id="{1C64213A-7789-4315-911A-E68F936F3370}"/>
+              </a:ext>
+            </a:extLst>
+          </p:cNvPr>
+          <p:cNvPicPr>
+            <a:picLocks noChangeAspect="1"/>
+          </p:cNvPicPr>
+          <p:nvPr/>
+        </p:nvPicPr>
+        <p:blipFill>
+          <a:blip r:embed="rId2"/>
+          <a:stretch>
+            <a:fillRect/>
+          </a:stretch>
+        </p:blipFill>
+        <p:spPr>
+          <a:xfrm>
+            <a:off x="1742709" y="1699490"/>
+            <a:ext cx="3046270" cy="1453649"/>
+          </a:xfrm>
+          <a:prstGeom prst="rect">
+            <a:avLst/>
+          </a:prstGeom>
+        </p:spPr>
+      </p:pic>
+      <p:pic>
+        <p:nvPicPr>
+          <p:cNvPr id="6" name="Picture 5">
+            <a:extLst>
+              <a:ext uri="{FF2B5EF4-FFF2-40B4-BE49-F238E27FC236}">
+                <a16:creationId xmlns:a16="http://schemas.microsoft.com/office/drawing/2014/main" id="{5776BA1A-CCFC-4522-AEFC-764A7857D2D3}"/>
+              </a:ext>
+            </a:extLst>
+          </p:cNvPr>
+          <p:cNvPicPr>
+            <a:picLocks noChangeAspect="1"/>
+          </p:cNvPicPr>
+          <p:nvPr/>
+        </p:nvPicPr>
+        <p:blipFill>
+          <a:blip r:embed="rId3"/>
+          <a:stretch>
+            <a:fillRect/>
+          </a:stretch>
+        </p:blipFill>
+        <p:spPr>
+          <a:xfrm>
+            <a:off x="8733942" y="1686897"/>
+            <a:ext cx="3046273" cy="1453650"/>
+          </a:xfrm>
+          <a:prstGeom prst="rect">
+            <a:avLst/>
+          </a:prstGeom>
+        </p:spPr>
+      </p:pic>
+      <p:pic>
+        <p:nvPicPr>
+          <p:cNvPr id="7" name="Picture 6">
+            <a:extLst>
+              <a:ext uri="{FF2B5EF4-FFF2-40B4-BE49-F238E27FC236}">
+                <a16:creationId xmlns:a16="http://schemas.microsoft.com/office/drawing/2014/main" id="{A9258011-540B-4CAD-98A5-B2453737802D}"/>
+              </a:ext>
+            </a:extLst>
+          </p:cNvPr>
+          <p:cNvPicPr>
+            <a:picLocks noChangeAspect="1"/>
+          </p:cNvPicPr>
+          <p:nvPr/>
+        </p:nvPicPr>
+        <p:blipFill>
+          <a:blip r:embed="rId4"/>
+          <a:stretch>
+            <a:fillRect/>
+          </a:stretch>
+        </p:blipFill>
+        <p:spPr>
+          <a:xfrm>
+            <a:off x="5359770" y="1699490"/>
+            <a:ext cx="3072660" cy="1466242"/>
+          </a:xfrm>
+          <a:prstGeom prst="rect">
+            <a:avLst/>
+          </a:prstGeom>
+        </p:spPr>
+      </p:pic>
+      <p:pic>
+        <p:nvPicPr>
+          <p:cNvPr id="9" name="Picture 8">
+            <a:extLst>
+              <a:ext uri="{FF2B5EF4-FFF2-40B4-BE49-F238E27FC236}">
+                <a16:creationId xmlns:a16="http://schemas.microsoft.com/office/drawing/2014/main" id="{C94968E2-152E-40F8-B75D-AC4CF78C540E}"/>
+              </a:ext>
+            </a:extLst>
+          </p:cNvPr>
+          <p:cNvPicPr>
+            <a:picLocks noChangeAspect="1"/>
+          </p:cNvPicPr>
+          <p:nvPr/>
+        </p:nvPicPr>
+        <p:blipFill>
+          <a:blip r:embed="rId5"/>
+          <a:stretch>
+            <a:fillRect/>
+          </a:stretch>
+        </p:blipFill>
+        <p:spPr>
+          <a:xfrm>
+            <a:off x="5019240" y="3692269"/>
+            <a:ext cx="3413190" cy="1628739"/>
+          </a:xfrm>
+          <a:prstGeom prst="rect">
+            <a:avLst/>
+          </a:prstGeom>
+        </p:spPr>
+      </p:pic>
+      <p:pic>
+        <p:nvPicPr>
+          <p:cNvPr id="10" name="Picture 9">
+            <a:extLst>
+              <a:ext uri="{FF2B5EF4-FFF2-40B4-BE49-F238E27FC236}">
+                <a16:creationId xmlns:a16="http://schemas.microsoft.com/office/drawing/2014/main" id="{4F25C295-A2B3-4A58-BA54-6FC70C4DDEE1}"/>
+              </a:ext>
+            </a:extLst>
+          </p:cNvPr>
+          <p:cNvPicPr>
+            <a:picLocks noChangeAspect="1"/>
+          </p:cNvPicPr>
+          <p:nvPr/>
+        </p:nvPicPr>
+        <p:blipFill>
+          <a:blip r:embed="rId6"/>
+          <a:stretch>
+            <a:fillRect/>
+          </a:stretch>
+        </p:blipFill>
+        <p:spPr>
+          <a:xfrm>
+            <a:off x="1742705" y="3732572"/>
+            <a:ext cx="3046274" cy="1453650"/>
+          </a:xfrm>
+          <a:prstGeom prst="rect">
+            <a:avLst/>
+          </a:prstGeom>
+        </p:spPr>
+      </p:pic>
+      <p:pic>
+        <p:nvPicPr>
+          <p:cNvPr id="11" name="Picture 10">
+            <a:extLst>
+              <a:ext uri="{FF2B5EF4-FFF2-40B4-BE49-F238E27FC236}">
+                <a16:creationId xmlns:a16="http://schemas.microsoft.com/office/drawing/2014/main" id="{23E60D84-2762-4436-B28A-4EBB93DF5C67}"/>
+              </a:ext>
+            </a:extLst>
+          </p:cNvPr>
+          <p:cNvPicPr>
+            <a:picLocks noChangeAspect="1"/>
+          </p:cNvPicPr>
+          <p:nvPr/>
+        </p:nvPicPr>
+        <p:blipFill>
+          <a:blip r:embed="rId7"/>
+          <a:stretch>
+            <a:fillRect/>
+          </a:stretch>
+        </p:blipFill>
+        <p:spPr>
+          <a:xfrm>
+            <a:off x="8662691" y="3715821"/>
+            <a:ext cx="3413191" cy="1628740"/>
+          </a:xfrm>
+          <a:prstGeom prst="rect">
+            <a:avLst/>
+          </a:prstGeom>
+        </p:spPr>
+      </p:pic>
+      <p:sp>
+        <p:nvSpPr>
+          <p:cNvPr id="13" name="TextBox 12">
+            <a:extLst>
+              <a:ext uri="{FF2B5EF4-FFF2-40B4-BE49-F238E27FC236}">
+                <a16:creationId xmlns:a16="http://schemas.microsoft.com/office/drawing/2014/main" id="{C32BFFDC-7C6B-4451-93A8-DA5923C08399}"/>
+              </a:ext>
+            </a:extLst>
+          </p:cNvPr>
+          <p:cNvSpPr txBox="1"/>
+          <p:nvPr/>
+        </p:nvSpPr>
+        <p:spPr>
+          <a:xfrm>
+            <a:off x="277232" y="136708"/>
+            <a:ext cx="8487580" cy="369332"/>
+          </a:xfrm>
+          <a:prstGeom prst="rect">
+            <a:avLst/>
+          </a:prstGeom>
+          <a:noFill/>
+        </p:spPr>
+        <p:txBody>
+          <a:bodyPr wrap="none" rtlCol="0">
+            <a:spAutoFit/>
+          </a:bodyPr>
+          <a:lstStyle/>
+          <a:p>
+            <a:r>
+              <a:rPr lang="en-US" dirty="0"/>
+              <a:t>Participants who show ramping n=15 (i.e. gamble propensity is affected by </a:t>
+            </a:r>
+            <a:r>
+              <a:rPr lang="en-US" dirty="0" err="1"/>
+              <a:t>gambleDelay</a:t>
+            </a:r>
+            <a:r>
+              <a:rPr lang="en-US" dirty="0"/>
+              <a:t>)</a:t>
+            </a:r>
+          </a:p>
+        </p:txBody>
+      </p:sp>
+      <p:sp>
+        <p:nvSpPr>
+          <p:cNvPr id="3" name="TextBox 2">
+            <a:extLst>
+              <a:ext uri="{FF2B5EF4-FFF2-40B4-BE49-F238E27FC236}">
+                <a16:creationId xmlns:a16="http://schemas.microsoft.com/office/drawing/2014/main" id="{A871DE8C-306E-4CD7-8380-5162E82C9711}"/>
+              </a:ext>
+            </a:extLst>
+          </p:cNvPr>
+          <p:cNvSpPr txBox="1"/>
+          <p:nvPr/>
+        </p:nvSpPr>
+        <p:spPr>
+          <a:xfrm>
+            <a:off x="55384" y="1813557"/>
+            <a:ext cx="1674497" cy="1200329"/>
+          </a:xfrm>
+          <a:prstGeom prst="rect">
+            <a:avLst/>
+          </a:prstGeom>
+          <a:noFill/>
+        </p:spPr>
+        <p:txBody>
+          <a:bodyPr wrap="none" rtlCol="0">
+            <a:spAutoFit/>
+          </a:bodyPr>
+          <a:lstStyle/>
+          <a:p>
+            <a:r>
+              <a:rPr lang="en-US" dirty="0"/>
+              <a:t>Behavior (how </a:t>
+            </a:r>
+          </a:p>
+          <a:p>
+            <a:r>
+              <a:rPr lang="en-US" dirty="0"/>
+              <a:t>much did EACH </a:t>
+            </a:r>
+          </a:p>
+          <a:p>
+            <a:r>
+              <a:rPr lang="en-US" dirty="0"/>
+              <a:t>participant</a:t>
+            </a:r>
+          </a:p>
+          <a:p>
+            <a:r>
+              <a:rPr lang="en-US" dirty="0"/>
+              <a:t> gamble)</a:t>
+            </a:r>
+          </a:p>
+        </p:txBody>
+      </p:sp>
+      <p:sp>
+        <p:nvSpPr>
+          <p:cNvPr id="14" name="TextBox 13">
+            <a:extLst>
+              <a:ext uri="{FF2B5EF4-FFF2-40B4-BE49-F238E27FC236}">
+                <a16:creationId xmlns:a16="http://schemas.microsoft.com/office/drawing/2014/main" id="{2C106A64-8C90-4C29-93CA-61BE369E3B5B}"/>
+              </a:ext>
+            </a:extLst>
+          </p:cNvPr>
+          <p:cNvSpPr txBox="1"/>
+          <p:nvPr/>
+        </p:nvSpPr>
+        <p:spPr>
+          <a:xfrm>
+            <a:off x="68208" y="3629475"/>
+            <a:ext cx="1674497" cy="1754326"/>
+          </a:xfrm>
+          <a:prstGeom prst="rect">
+            <a:avLst/>
+          </a:prstGeom>
+          <a:noFill/>
+        </p:spPr>
+        <p:txBody>
+          <a:bodyPr wrap="none" rtlCol="0">
+            <a:spAutoFit/>
+          </a:bodyPr>
+          <a:lstStyle/>
+          <a:p>
+            <a:r>
+              <a:rPr lang="en-US" dirty="0"/>
+              <a:t>Behavior (how </a:t>
+            </a:r>
+          </a:p>
+          <a:p>
+            <a:r>
+              <a:rPr lang="en-US" dirty="0"/>
+              <a:t>much did EACH </a:t>
+            </a:r>
+          </a:p>
+          <a:p>
+            <a:r>
+              <a:rPr lang="en-US" dirty="0"/>
+              <a:t>participant</a:t>
+            </a:r>
+          </a:p>
+          <a:p>
+            <a:r>
+              <a:rPr lang="en-US" dirty="0"/>
+              <a:t> gamble as a </a:t>
+            </a:r>
+          </a:p>
+          <a:p>
+            <a:r>
+              <a:rPr lang="en-US" dirty="0"/>
+              <a:t>function of </a:t>
+            </a:r>
+          </a:p>
+          <a:p>
+            <a:r>
+              <a:rPr lang="en-US" dirty="0" err="1"/>
+              <a:t>gambleDelay</a:t>
+            </a:r>
+            <a:r>
+              <a:rPr lang="en-US" dirty="0"/>
+              <a:t>)</a:t>
+            </a:r>
+          </a:p>
+        </p:txBody>
+      </p:sp>
+      <p:sp>
+        <p:nvSpPr>
+          <p:cNvPr id="8" name="TextBox 7">
+            <a:extLst>
+              <a:ext uri="{FF2B5EF4-FFF2-40B4-BE49-F238E27FC236}">
+                <a16:creationId xmlns:a16="http://schemas.microsoft.com/office/drawing/2014/main" id="{55E6589A-D0B5-480C-8417-F9D9EED7B29E}"/>
+              </a:ext>
+            </a:extLst>
+          </p:cNvPr>
+          <p:cNvSpPr txBox="1"/>
+          <p:nvPr/>
+        </p:nvSpPr>
+        <p:spPr>
+          <a:xfrm>
+            <a:off x="2712293" y="900807"/>
+            <a:ext cx="1107098" cy="369332"/>
+          </a:xfrm>
+          <a:prstGeom prst="rect">
+            <a:avLst/>
+          </a:prstGeom>
+          <a:noFill/>
+        </p:spPr>
+        <p:txBody>
+          <a:bodyPr wrap="none" rtlCol="0">
+            <a:spAutoFit/>
+          </a:bodyPr>
+          <a:lstStyle/>
+          <a:p>
+            <a:r>
+              <a:rPr lang="en-US" dirty="0"/>
+              <a:t>Low Odds</a:t>
+            </a:r>
+          </a:p>
+        </p:txBody>
+      </p:sp>
+      <p:sp>
+        <p:nvSpPr>
+          <p:cNvPr id="15" name="TextBox 14">
+            <a:extLst>
+              <a:ext uri="{FF2B5EF4-FFF2-40B4-BE49-F238E27FC236}">
+                <a16:creationId xmlns:a16="http://schemas.microsoft.com/office/drawing/2014/main" id="{470207DF-6DAD-475B-AB69-BB3682C619F7}"/>
+              </a:ext>
+            </a:extLst>
+          </p:cNvPr>
+          <p:cNvSpPr txBox="1"/>
+          <p:nvPr/>
+        </p:nvSpPr>
+        <p:spPr>
+          <a:xfrm>
+            <a:off x="6178249" y="900807"/>
+            <a:ext cx="1095172" cy="369332"/>
+          </a:xfrm>
+          <a:prstGeom prst="rect">
+            <a:avLst/>
+          </a:prstGeom>
+          <a:noFill/>
+        </p:spPr>
+        <p:txBody>
+          <a:bodyPr wrap="none" rtlCol="0">
+            <a:spAutoFit/>
+          </a:bodyPr>
+          <a:lstStyle/>
+          <a:p>
+            <a:r>
+              <a:rPr lang="en-US" dirty="0"/>
+              <a:t>Mid Odds</a:t>
+            </a:r>
+          </a:p>
+        </p:txBody>
+      </p:sp>
+      <p:sp>
+        <p:nvSpPr>
+          <p:cNvPr id="16" name="TextBox 15">
+            <a:extLst>
+              <a:ext uri="{FF2B5EF4-FFF2-40B4-BE49-F238E27FC236}">
+                <a16:creationId xmlns:a16="http://schemas.microsoft.com/office/drawing/2014/main" id="{EDF50C3E-58A3-4447-A366-0735F89B750B}"/>
+              </a:ext>
+            </a:extLst>
+          </p:cNvPr>
+          <p:cNvSpPr txBox="1"/>
+          <p:nvPr/>
+        </p:nvSpPr>
+        <p:spPr>
+          <a:xfrm>
+            <a:off x="9821700" y="900807"/>
+            <a:ext cx="1151277" cy="369332"/>
+          </a:xfrm>
+          <a:prstGeom prst="rect">
+            <a:avLst/>
+          </a:prstGeom>
+          <a:noFill/>
+        </p:spPr>
+        <p:txBody>
+          <a:bodyPr wrap="none" rtlCol="0">
+            <a:spAutoFit/>
+          </a:bodyPr>
+          <a:lstStyle/>
+          <a:p>
+            <a:r>
+              <a:rPr lang="en-US" dirty="0"/>
+              <a:t>High Odds</a:t>
+            </a:r>
+          </a:p>
+        </p:txBody>
+      </p:sp>
+    </p:spTree>
+    <p:extLst>
+      <p:ext uri="{BB962C8B-B14F-4D97-AF65-F5344CB8AC3E}">
+        <p14:creationId xmlns:p14="http://schemas.microsoft.com/office/powerpoint/2010/main" val="1590054794"/>
+      </p:ext>
+    </p:extLst>
+  </p:cSld>
+  <p:clrMapOvr>
+    <a:masterClrMapping/>
+  </p:clrMapOvr>
+</p:sld>
+</file>
+
+<file path=ppt/slides/slide24.xml><?xml version="1.0" encoding="utf-8"?>
+<p:sld xmlns:a="http://schemas.openxmlformats.org/drawingml/2006/main" xmlns:r="http://schemas.openxmlformats.org/officeDocument/2006/relationships" xmlns:p="http://schemas.openxmlformats.org/presentationml/2006/main">
+  <p:cSld>
+    <p:spTree>
+      <p:nvGrpSpPr>
+        <p:cNvPr id="1" name=""/>
+        <p:cNvGrpSpPr/>
+        <p:nvPr/>
+      </p:nvGrpSpPr>
+      <p:grpSpPr>
+        <a:xfrm>
+          <a:off x="0" y="0"/>
+          <a:ext cx="0" cy="0"/>
+          <a:chOff x="0" y="0"/>
+          <a:chExt cx="0" cy="0"/>
+        </a:xfrm>
+      </p:grpSpPr>
+      <p:sp>
+        <p:nvSpPr>
+          <p:cNvPr id="4" name="TextBox 3">
+            <a:extLst>
+              <a:ext uri="{FF2B5EF4-FFF2-40B4-BE49-F238E27FC236}">
+                <a16:creationId xmlns:a16="http://schemas.microsoft.com/office/drawing/2014/main" id="{1F857135-652A-4E76-B380-EF1D8442DC51}"/>
+              </a:ext>
+            </a:extLst>
+          </p:cNvPr>
+          <p:cNvSpPr txBox="1"/>
+          <p:nvPr/>
+        </p:nvSpPr>
+        <p:spPr>
+          <a:xfrm>
+            <a:off x="277232" y="136708"/>
+            <a:ext cx="7264809" cy="369332"/>
+          </a:xfrm>
+          <a:prstGeom prst="rect">
+            <a:avLst/>
+          </a:prstGeom>
+          <a:noFill/>
+        </p:spPr>
+        <p:txBody>
+          <a:bodyPr wrap="none" rtlCol="0">
+            <a:spAutoFit/>
+          </a:bodyPr>
+          <a:lstStyle/>
+          <a:p>
+            <a:r>
+              <a:rPr lang="en-US" dirty="0"/>
+              <a:t>Participants who show RT ramping n=13 (i.e. RT is affected by </a:t>
+            </a:r>
+            <a:r>
+              <a:rPr lang="en-US" dirty="0" err="1"/>
+              <a:t>gambleDelay</a:t>
+            </a:r>
+            <a:r>
+              <a:rPr lang="en-US" dirty="0"/>
+              <a:t>)</a:t>
+            </a:r>
+          </a:p>
+        </p:txBody>
+      </p:sp>
+      <p:pic>
+        <p:nvPicPr>
+          <p:cNvPr id="2" name="Picture 1">
+            <a:extLst>
+              <a:ext uri="{FF2B5EF4-FFF2-40B4-BE49-F238E27FC236}">
+                <a16:creationId xmlns:a16="http://schemas.microsoft.com/office/drawing/2014/main" id="{43A08E51-8FA1-4B69-9882-D4016BD0764F}"/>
+              </a:ext>
+            </a:extLst>
+          </p:cNvPr>
+          <p:cNvPicPr>
+            <a:picLocks noChangeAspect="1"/>
+          </p:cNvPicPr>
+          <p:nvPr/>
+        </p:nvPicPr>
+        <p:blipFill>
+          <a:blip r:embed="rId2"/>
+          <a:stretch>
+            <a:fillRect/>
+          </a:stretch>
+        </p:blipFill>
+        <p:spPr>
+          <a:xfrm>
+            <a:off x="6707800" y="1195687"/>
+            <a:ext cx="4671400" cy="2374288"/>
+          </a:xfrm>
+          <a:prstGeom prst="rect">
+            <a:avLst/>
+          </a:prstGeom>
+        </p:spPr>
+      </p:pic>
+      <p:pic>
+        <p:nvPicPr>
+          <p:cNvPr id="3" name="Picture 2">
+            <a:extLst>
+              <a:ext uri="{FF2B5EF4-FFF2-40B4-BE49-F238E27FC236}">
+                <a16:creationId xmlns:a16="http://schemas.microsoft.com/office/drawing/2014/main" id="{200B787A-AEB5-487A-B619-59D66F1E7299}"/>
+              </a:ext>
+            </a:extLst>
+          </p:cNvPr>
+          <p:cNvPicPr>
+            <a:picLocks noChangeAspect="1"/>
+          </p:cNvPicPr>
+          <p:nvPr/>
+        </p:nvPicPr>
+        <p:blipFill>
+          <a:blip r:embed="rId3"/>
+          <a:stretch>
+            <a:fillRect/>
+          </a:stretch>
+        </p:blipFill>
+        <p:spPr>
+          <a:xfrm>
+            <a:off x="395900" y="4398502"/>
+            <a:ext cx="4531700" cy="2303284"/>
+          </a:xfrm>
+          <a:prstGeom prst="rect">
+            <a:avLst/>
+          </a:prstGeom>
+        </p:spPr>
+      </p:pic>
+      <p:pic>
+        <p:nvPicPr>
+          <p:cNvPr id="9" name="Picture 8">
+            <a:extLst>
+              <a:ext uri="{FF2B5EF4-FFF2-40B4-BE49-F238E27FC236}">
+                <a16:creationId xmlns:a16="http://schemas.microsoft.com/office/drawing/2014/main" id="{CF549CA0-58CF-4183-9F92-1CA0EB3B9F7D}"/>
+              </a:ext>
+            </a:extLst>
+          </p:cNvPr>
+          <p:cNvPicPr>
+            <a:picLocks noChangeAspect="1"/>
+          </p:cNvPicPr>
+          <p:nvPr/>
+        </p:nvPicPr>
+        <p:blipFill>
+          <a:blip r:embed="rId4"/>
+          <a:stretch>
+            <a:fillRect/>
+          </a:stretch>
+        </p:blipFill>
+        <p:spPr>
+          <a:xfrm>
+            <a:off x="6707800" y="4398502"/>
+            <a:ext cx="4531700" cy="2303284"/>
+          </a:xfrm>
+          <a:prstGeom prst="rect">
+            <a:avLst/>
+          </a:prstGeom>
+        </p:spPr>
+      </p:pic>
+      <p:pic>
+        <p:nvPicPr>
+          <p:cNvPr id="10" name="Picture 9">
+            <a:extLst>
+              <a:ext uri="{FF2B5EF4-FFF2-40B4-BE49-F238E27FC236}">
+                <a16:creationId xmlns:a16="http://schemas.microsoft.com/office/drawing/2014/main" id="{4DE7A8F1-CFBC-48A8-9D24-CCB1D603D8F2}"/>
+              </a:ext>
+            </a:extLst>
+          </p:cNvPr>
+          <p:cNvPicPr>
+            <a:picLocks noChangeAspect="1"/>
+          </p:cNvPicPr>
+          <p:nvPr/>
+        </p:nvPicPr>
+        <p:blipFill>
+          <a:blip r:embed="rId5"/>
+          <a:stretch>
+            <a:fillRect/>
+          </a:stretch>
+        </p:blipFill>
+        <p:spPr>
+          <a:xfrm>
+            <a:off x="395900" y="1272354"/>
+            <a:ext cx="4671401" cy="2374288"/>
+          </a:xfrm>
+          <a:prstGeom prst="rect">
+            <a:avLst/>
+          </a:prstGeom>
+        </p:spPr>
+      </p:pic>
+    </p:spTree>
+    <p:extLst>
+      <p:ext uri="{BB962C8B-B14F-4D97-AF65-F5344CB8AC3E}">
+        <p14:creationId xmlns:p14="http://schemas.microsoft.com/office/powerpoint/2010/main" val="3849253566"/>
+      </p:ext>
+    </p:extLst>
+  </p:cSld>
+  <p:clrMapOvr>
+    <a:masterClrMapping/>
+  </p:clrMapOvr>
+</p:sld>
+</file>
+
+<file path=ppt/slides/slide25.xml><?xml version="1.0" encoding="utf-8"?>
+<p:sld xmlns:a="http://schemas.openxmlformats.org/drawingml/2006/main" xmlns:r="http://schemas.openxmlformats.org/officeDocument/2006/relationships" xmlns:p="http://schemas.openxmlformats.org/presentationml/2006/main">
+  <p:cSld>
+    <p:spTree>
+      <p:nvGrpSpPr>
+        <p:cNvPr id="1" name=""/>
+        <p:cNvGrpSpPr/>
+        <p:nvPr/>
+      </p:nvGrpSpPr>
+      <p:grpSpPr>
+        <a:xfrm>
+          <a:off x="0" y="0"/>
+          <a:ext cx="0" cy="0"/>
+          <a:chOff x="0" y="0"/>
+          <a:chExt cx="0" cy="0"/>
+        </a:xfrm>
+      </p:grpSpPr>
+      <p:graphicFrame>
+        <p:nvGraphicFramePr>
+          <p:cNvPr id="2" name="Table 1">
+            <a:extLst>
+              <a:ext uri="{FF2B5EF4-FFF2-40B4-BE49-F238E27FC236}">
+                <a16:creationId xmlns:a16="http://schemas.microsoft.com/office/drawing/2014/main" id="{2ED7B89D-5921-4400-A295-C555B35553D2}"/>
+              </a:ext>
+            </a:extLst>
+          </p:cNvPr>
+          <p:cNvGraphicFramePr>
+            <a:graphicFrameLocks noGrp="1"/>
+          </p:cNvGraphicFramePr>
+          <p:nvPr/>
+        </p:nvGraphicFramePr>
+        <p:xfrm>
+          <a:off x="1640769" y="1326523"/>
+          <a:ext cx="10424231" cy="4168450"/>
+        </p:xfrm>
+        <a:graphic>
+          <a:graphicData uri="http://schemas.openxmlformats.org/drawingml/2006/table">
+            <a:tbl>
+              <a:tblPr firstRow="1" bandRow="1">
+                <a:tableStyleId>{5940675A-B579-460E-94D1-54222C63F5DA}</a:tableStyleId>
+              </a:tblPr>
+              <a:tblGrid>
+                <a:gridCol w="3251867">
+                  <a:extLst>
+                    <a:ext uri="{9D8B030D-6E8A-4147-A177-3AD203B41FA5}">
+                      <a16:colId xmlns:a16="http://schemas.microsoft.com/office/drawing/2014/main" val="585842680"/>
+                    </a:ext>
+                  </a:extLst>
+                </a:gridCol>
+                <a:gridCol w="3755241">
+                  <a:extLst>
+                    <a:ext uri="{9D8B030D-6E8A-4147-A177-3AD203B41FA5}">
+                      <a16:colId xmlns:a16="http://schemas.microsoft.com/office/drawing/2014/main" val="3734258692"/>
+                    </a:ext>
+                  </a:extLst>
+                </a:gridCol>
+                <a:gridCol w="3417123">
+                  <a:extLst>
+                    <a:ext uri="{9D8B030D-6E8A-4147-A177-3AD203B41FA5}">
+                      <a16:colId xmlns:a16="http://schemas.microsoft.com/office/drawing/2014/main" val="750417418"/>
+                    </a:ext>
+                  </a:extLst>
+                </a:gridCol>
+              </a:tblGrid>
+              <a:tr h="2204077">
+                <a:tc>
+                  <a:txBody>
+                    <a:bodyPr/>
+                    <a:lstStyle/>
+                    <a:p>
+                      <a:endParaRPr lang="en-US" dirty="0"/>
+                    </a:p>
+                  </a:txBody>
+                  <a:tcPr/>
+                </a:tc>
+                <a:tc>
+                  <a:txBody>
+                    <a:bodyPr/>
+                    <a:lstStyle/>
+                    <a:p>
+                      <a:endParaRPr lang="en-US"/>
+                    </a:p>
+                  </a:txBody>
+                  <a:tcPr/>
+                </a:tc>
+                <a:tc>
+                  <a:txBody>
+                    <a:bodyPr/>
+                    <a:lstStyle/>
+                    <a:p>
+                      <a:endParaRPr lang="en-US" dirty="0"/>
+                    </a:p>
+                  </a:txBody>
+                  <a:tcPr/>
+                </a:tc>
+                <a:extLst>
+                  <a:ext uri="{0D108BD9-81ED-4DB2-BD59-A6C34878D82A}">
+                    <a16:rowId xmlns:a16="http://schemas.microsoft.com/office/drawing/2014/main" val="3280388839"/>
+                  </a:ext>
+                </a:extLst>
+              </a:tr>
+              <a:tr h="1964373">
+                <a:tc>
+                  <a:txBody>
+                    <a:bodyPr/>
+                    <a:lstStyle/>
+                    <a:p>
+                      <a:endParaRPr lang="en-US" dirty="0"/>
+                    </a:p>
+                  </a:txBody>
+                  <a:tcPr/>
+                </a:tc>
+                <a:tc>
+                  <a:txBody>
+                    <a:bodyPr/>
+                    <a:lstStyle/>
+                    <a:p>
+                      <a:endParaRPr lang="en-US" dirty="0"/>
+                    </a:p>
+                  </a:txBody>
+                  <a:tcPr/>
+                </a:tc>
+                <a:tc>
+                  <a:txBody>
+                    <a:bodyPr/>
+                    <a:lstStyle/>
+                    <a:p>
+                      <a:endParaRPr lang="en-US" dirty="0"/>
+                    </a:p>
+                  </a:txBody>
+                  <a:tcPr/>
+                </a:tc>
+                <a:extLst>
+                  <a:ext uri="{0D108BD9-81ED-4DB2-BD59-A6C34878D82A}">
+                    <a16:rowId xmlns:a16="http://schemas.microsoft.com/office/drawing/2014/main" val="2411145179"/>
+                  </a:ext>
+                </a:extLst>
+              </a:tr>
+            </a:tbl>
+          </a:graphicData>
+        </a:graphic>
+      </p:graphicFrame>
+      <p:sp>
+        <p:nvSpPr>
+          <p:cNvPr id="3" name="TextBox 2">
+            <a:extLst>
+              <a:ext uri="{FF2B5EF4-FFF2-40B4-BE49-F238E27FC236}">
+                <a16:creationId xmlns:a16="http://schemas.microsoft.com/office/drawing/2014/main" id="{A871DE8C-306E-4CD7-8380-5162E82C9711}"/>
+              </a:ext>
+            </a:extLst>
+          </p:cNvPr>
+          <p:cNvSpPr txBox="1"/>
+          <p:nvPr/>
+        </p:nvSpPr>
+        <p:spPr>
+          <a:xfrm>
+            <a:off x="55384" y="1813557"/>
+            <a:ext cx="1674497" cy="1200329"/>
+          </a:xfrm>
+          <a:prstGeom prst="rect">
+            <a:avLst/>
+          </a:prstGeom>
+          <a:noFill/>
+        </p:spPr>
+        <p:txBody>
+          <a:bodyPr wrap="none" rtlCol="0">
+            <a:spAutoFit/>
+          </a:bodyPr>
+          <a:lstStyle/>
+          <a:p>
+            <a:r>
+              <a:rPr lang="en-US" dirty="0"/>
+              <a:t>Behavior (how </a:t>
+            </a:r>
+          </a:p>
+          <a:p>
+            <a:r>
+              <a:rPr lang="en-US" dirty="0"/>
+              <a:t>much did EACH </a:t>
+            </a:r>
+          </a:p>
+          <a:p>
+            <a:r>
+              <a:rPr lang="en-US" dirty="0"/>
+              <a:t>participant</a:t>
+            </a:r>
+          </a:p>
+          <a:p>
+            <a:r>
+              <a:rPr lang="en-US" dirty="0"/>
+              <a:t> gamble)</a:t>
+            </a:r>
+          </a:p>
+        </p:txBody>
+      </p:sp>
+      <p:sp>
+        <p:nvSpPr>
+          <p:cNvPr id="14" name="TextBox 13">
+            <a:extLst>
+              <a:ext uri="{FF2B5EF4-FFF2-40B4-BE49-F238E27FC236}">
+                <a16:creationId xmlns:a16="http://schemas.microsoft.com/office/drawing/2014/main" id="{2C106A64-8C90-4C29-93CA-61BE369E3B5B}"/>
+              </a:ext>
+            </a:extLst>
+          </p:cNvPr>
+          <p:cNvSpPr txBox="1"/>
+          <p:nvPr/>
+        </p:nvSpPr>
+        <p:spPr>
+          <a:xfrm>
+            <a:off x="68208" y="3629475"/>
+            <a:ext cx="1674497" cy="1754326"/>
+          </a:xfrm>
+          <a:prstGeom prst="rect">
+            <a:avLst/>
+          </a:prstGeom>
+          <a:noFill/>
+        </p:spPr>
+        <p:txBody>
+          <a:bodyPr wrap="none" rtlCol="0">
+            <a:spAutoFit/>
+          </a:bodyPr>
+          <a:lstStyle/>
+          <a:p>
+            <a:r>
+              <a:rPr lang="en-US" dirty="0"/>
+              <a:t>Behavior (how </a:t>
+            </a:r>
+          </a:p>
+          <a:p>
+            <a:r>
+              <a:rPr lang="en-US" dirty="0"/>
+              <a:t>much did EACH </a:t>
+            </a:r>
+          </a:p>
+          <a:p>
+            <a:r>
+              <a:rPr lang="en-US" dirty="0"/>
+              <a:t>participant</a:t>
+            </a:r>
+          </a:p>
+          <a:p>
+            <a:r>
+              <a:rPr lang="en-US" dirty="0"/>
+              <a:t> gamble as a </a:t>
+            </a:r>
+          </a:p>
+          <a:p>
+            <a:r>
+              <a:rPr lang="en-US" dirty="0"/>
+              <a:t>function of </a:t>
+            </a:r>
+          </a:p>
+          <a:p>
+            <a:r>
+              <a:rPr lang="en-US" dirty="0" err="1"/>
+              <a:t>gambleDelay</a:t>
+            </a:r>
+            <a:r>
+              <a:rPr lang="en-US" dirty="0"/>
+              <a:t>)</a:t>
+            </a:r>
+          </a:p>
+        </p:txBody>
+      </p:sp>
+      <p:sp>
+        <p:nvSpPr>
+          <p:cNvPr id="8" name="TextBox 7">
+            <a:extLst>
+              <a:ext uri="{FF2B5EF4-FFF2-40B4-BE49-F238E27FC236}">
+                <a16:creationId xmlns:a16="http://schemas.microsoft.com/office/drawing/2014/main" id="{55E6589A-D0B5-480C-8417-F9D9EED7B29E}"/>
+              </a:ext>
+            </a:extLst>
+          </p:cNvPr>
+          <p:cNvSpPr txBox="1"/>
+          <p:nvPr/>
+        </p:nvSpPr>
+        <p:spPr>
+          <a:xfrm>
+            <a:off x="2712293" y="900807"/>
+            <a:ext cx="1107098" cy="369332"/>
+          </a:xfrm>
+          <a:prstGeom prst="rect">
+            <a:avLst/>
+          </a:prstGeom>
+          <a:noFill/>
+        </p:spPr>
+        <p:txBody>
+          <a:bodyPr wrap="none" rtlCol="0">
+            <a:spAutoFit/>
+          </a:bodyPr>
+          <a:lstStyle/>
+          <a:p>
+            <a:r>
+              <a:rPr lang="en-US" dirty="0"/>
+              <a:t>Low Odds</a:t>
+            </a:r>
+          </a:p>
+        </p:txBody>
+      </p:sp>
+      <p:sp>
+        <p:nvSpPr>
+          <p:cNvPr id="15" name="TextBox 14">
+            <a:extLst>
+              <a:ext uri="{FF2B5EF4-FFF2-40B4-BE49-F238E27FC236}">
+                <a16:creationId xmlns:a16="http://schemas.microsoft.com/office/drawing/2014/main" id="{470207DF-6DAD-475B-AB69-BB3682C619F7}"/>
+              </a:ext>
+            </a:extLst>
+          </p:cNvPr>
+          <p:cNvSpPr txBox="1"/>
+          <p:nvPr/>
+        </p:nvSpPr>
+        <p:spPr>
+          <a:xfrm>
+            <a:off x="6178249" y="900807"/>
+            <a:ext cx="1095172" cy="369332"/>
+          </a:xfrm>
+          <a:prstGeom prst="rect">
+            <a:avLst/>
+          </a:prstGeom>
+          <a:noFill/>
+        </p:spPr>
+        <p:txBody>
+          <a:bodyPr wrap="none" rtlCol="0">
+            <a:spAutoFit/>
+          </a:bodyPr>
+          <a:lstStyle/>
+          <a:p>
+            <a:r>
+              <a:rPr lang="en-US" dirty="0"/>
+              <a:t>Mid Odds</a:t>
+            </a:r>
+          </a:p>
+        </p:txBody>
+      </p:sp>
+      <p:sp>
+        <p:nvSpPr>
+          <p:cNvPr id="16" name="TextBox 15">
+            <a:extLst>
+              <a:ext uri="{FF2B5EF4-FFF2-40B4-BE49-F238E27FC236}">
+                <a16:creationId xmlns:a16="http://schemas.microsoft.com/office/drawing/2014/main" id="{EDF50C3E-58A3-4447-A366-0735F89B750B}"/>
+              </a:ext>
+            </a:extLst>
+          </p:cNvPr>
+          <p:cNvSpPr txBox="1"/>
+          <p:nvPr/>
+        </p:nvSpPr>
+        <p:spPr>
+          <a:xfrm>
+            <a:off x="9821700" y="900807"/>
+            <a:ext cx="1151277" cy="369332"/>
+          </a:xfrm>
+          <a:prstGeom prst="rect">
+            <a:avLst/>
+          </a:prstGeom>
+          <a:noFill/>
+        </p:spPr>
+        <p:txBody>
+          <a:bodyPr wrap="none" rtlCol="0">
+            <a:spAutoFit/>
+          </a:bodyPr>
+          <a:lstStyle/>
+          <a:p>
+            <a:r>
+              <a:rPr lang="en-US" dirty="0"/>
+              <a:t>High Odds</a:t>
+            </a:r>
+          </a:p>
+        </p:txBody>
+      </p:sp>
+      <p:sp>
+        <p:nvSpPr>
+          <p:cNvPr id="17" name="TextBox 16">
+            <a:extLst>
+              <a:ext uri="{FF2B5EF4-FFF2-40B4-BE49-F238E27FC236}">
+                <a16:creationId xmlns:a16="http://schemas.microsoft.com/office/drawing/2014/main" id="{0029DDFA-48AA-438A-A6B8-89E4A48AC505}"/>
+              </a:ext>
+            </a:extLst>
+          </p:cNvPr>
+          <p:cNvSpPr txBox="1"/>
+          <p:nvPr/>
+        </p:nvSpPr>
+        <p:spPr>
+          <a:xfrm>
+            <a:off x="277232" y="136708"/>
+            <a:ext cx="7264809" cy="369332"/>
+          </a:xfrm>
+          <a:prstGeom prst="rect">
+            <a:avLst/>
+          </a:prstGeom>
+          <a:noFill/>
+        </p:spPr>
+        <p:txBody>
+          <a:bodyPr wrap="none" rtlCol="0">
+            <a:spAutoFit/>
+          </a:bodyPr>
+          <a:lstStyle/>
+          <a:p>
+            <a:r>
+              <a:rPr lang="en-US" dirty="0"/>
+              <a:t>Participants who show RT ramping n=13 (i.e. RT is affected by </a:t>
+            </a:r>
+            <a:r>
+              <a:rPr lang="en-US" dirty="0" err="1"/>
+              <a:t>gambleDelay</a:t>
+            </a:r>
+            <a:r>
+              <a:rPr lang="en-US" dirty="0"/>
+              <a:t>)</a:t>
+            </a:r>
+          </a:p>
+        </p:txBody>
+      </p:sp>
+      <p:pic>
+        <p:nvPicPr>
+          <p:cNvPr id="4" name="Picture 3">
+            <a:extLst>
+              <a:ext uri="{FF2B5EF4-FFF2-40B4-BE49-F238E27FC236}">
+                <a16:creationId xmlns:a16="http://schemas.microsoft.com/office/drawing/2014/main" id="{E3270FA2-FB12-4DE0-A55B-D2A26E85FB20}"/>
+              </a:ext>
+            </a:extLst>
+          </p:cNvPr>
+          <p:cNvPicPr>
+            <a:picLocks noChangeAspect="1"/>
+          </p:cNvPicPr>
+          <p:nvPr/>
+        </p:nvPicPr>
+        <p:blipFill>
+          <a:blip r:embed="rId2"/>
+          <a:stretch>
+            <a:fillRect/>
+          </a:stretch>
+        </p:blipFill>
+        <p:spPr>
+          <a:xfrm>
+            <a:off x="1742705" y="1689862"/>
+            <a:ext cx="2925273" cy="1486801"/>
+          </a:xfrm>
+          <a:prstGeom prst="rect">
+            <a:avLst/>
+          </a:prstGeom>
+        </p:spPr>
+      </p:pic>
+      <p:pic>
+        <p:nvPicPr>
+          <p:cNvPr id="12" name="Picture 11">
+            <a:extLst>
+              <a:ext uri="{FF2B5EF4-FFF2-40B4-BE49-F238E27FC236}">
+                <a16:creationId xmlns:a16="http://schemas.microsoft.com/office/drawing/2014/main" id="{5B1B6037-95A6-45CA-A315-C467757A3CCF}"/>
+              </a:ext>
+            </a:extLst>
+          </p:cNvPr>
+          <p:cNvPicPr>
+            <a:picLocks noChangeAspect="1"/>
+          </p:cNvPicPr>
+          <p:nvPr/>
+        </p:nvPicPr>
+        <p:blipFill>
+          <a:blip r:embed="rId3"/>
+          <a:stretch>
+            <a:fillRect/>
+          </a:stretch>
+        </p:blipFill>
+        <p:spPr>
+          <a:xfrm>
+            <a:off x="1847565" y="3740691"/>
+            <a:ext cx="2925273" cy="1486801"/>
+          </a:xfrm>
+          <a:prstGeom prst="rect">
+            <a:avLst/>
+          </a:prstGeom>
+        </p:spPr>
+      </p:pic>
+      <p:pic>
+        <p:nvPicPr>
+          <p:cNvPr id="18" name="Picture 17">
+            <a:extLst>
+              <a:ext uri="{FF2B5EF4-FFF2-40B4-BE49-F238E27FC236}">
+                <a16:creationId xmlns:a16="http://schemas.microsoft.com/office/drawing/2014/main" id="{67134C77-3E7D-48FA-BD90-6119D18DAF3F}"/>
+              </a:ext>
+            </a:extLst>
+          </p:cNvPr>
+          <p:cNvPicPr>
+            <a:picLocks noChangeAspect="1"/>
+          </p:cNvPicPr>
+          <p:nvPr/>
+        </p:nvPicPr>
+        <p:blipFill>
+          <a:blip r:embed="rId4"/>
+          <a:stretch>
+            <a:fillRect/>
+          </a:stretch>
+        </p:blipFill>
+        <p:spPr>
+          <a:xfrm>
+            <a:off x="5064218" y="1556301"/>
+            <a:ext cx="3446002" cy="1751466"/>
+          </a:xfrm>
+          <a:prstGeom prst="rect">
+            <a:avLst/>
+          </a:prstGeom>
+        </p:spPr>
+      </p:pic>
+      <p:pic>
+        <p:nvPicPr>
+          <p:cNvPr id="19" name="Picture 18">
+            <a:extLst>
+              <a:ext uri="{FF2B5EF4-FFF2-40B4-BE49-F238E27FC236}">
+                <a16:creationId xmlns:a16="http://schemas.microsoft.com/office/drawing/2014/main" id="{2BDB6798-F227-426E-9B60-F6EC51C2FEE5}"/>
+              </a:ext>
+            </a:extLst>
+          </p:cNvPr>
+          <p:cNvPicPr>
+            <a:picLocks noChangeAspect="1"/>
+          </p:cNvPicPr>
+          <p:nvPr/>
+        </p:nvPicPr>
+        <p:blipFill>
+          <a:blip r:embed="rId5"/>
+          <a:stretch>
+            <a:fillRect/>
+          </a:stretch>
+        </p:blipFill>
+        <p:spPr>
+          <a:xfrm>
+            <a:off x="5292094" y="3754638"/>
+            <a:ext cx="3043834" cy="1547061"/>
+          </a:xfrm>
+          <a:prstGeom prst="rect">
+            <a:avLst/>
+          </a:prstGeom>
+        </p:spPr>
+      </p:pic>
+      <p:pic>
+        <p:nvPicPr>
+          <p:cNvPr id="20" name="Picture 19">
+            <a:extLst>
+              <a:ext uri="{FF2B5EF4-FFF2-40B4-BE49-F238E27FC236}">
+                <a16:creationId xmlns:a16="http://schemas.microsoft.com/office/drawing/2014/main" id="{9F6DE435-4F03-4920-9F13-07ED66A3DC37}"/>
+              </a:ext>
+            </a:extLst>
+          </p:cNvPr>
+          <p:cNvPicPr>
+            <a:picLocks noChangeAspect="1"/>
+          </p:cNvPicPr>
+          <p:nvPr/>
+        </p:nvPicPr>
+        <p:blipFill>
+          <a:blip r:embed="rId6"/>
+          <a:stretch>
+            <a:fillRect/>
+          </a:stretch>
+        </p:blipFill>
+        <p:spPr>
+          <a:xfrm>
+            <a:off x="8739844" y="1622890"/>
+            <a:ext cx="3314987" cy="1684877"/>
+          </a:xfrm>
+          <a:prstGeom prst="rect">
+            <a:avLst/>
+          </a:prstGeom>
+        </p:spPr>
+      </p:pic>
+      <p:pic>
+        <p:nvPicPr>
+          <p:cNvPr id="21" name="Picture 20">
+            <a:extLst>
+              <a:ext uri="{FF2B5EF4-FFF2-40B4-BE49-F238E27FC236}">
+                <a16:creationId xmlns:a16="http://schemas.microsoft.com/office/drawing/2014/main" id="{F6AD36AB-7C9F-49E2-9F85-66ED5471DFB9}"/>
+              </a:ext>
+            </a:extLst>
+          </p:cNvPr>
+          <p:cNvPicPr>
+            <a:picLocks noChangeAspect="1"/>
+          </p:cNvPicPr>
+          <p:nvPr/>
+        </p:nvPicPr>
+        <p:blipFill>
+          <a:blip r:embed="rId7"/>
+          <a:stretch>
+            <a:fillRect/>
+          </a:stretch>
+        </p:blipFill>
+        <p:spPr>
+          <a:xfrm>
+            <a:off x="8960044" y="3784767"/>
+            <a:ext cx="2925273" cy="1486801"/>
+          </a:xfrm>
+          <a:prstGeom prst="rect">
+            <a:avLst/>
+          </a:prstGeom>
+        </p:spPr>
+      </p:pic>
+    </p:spTree>
+    <p:extLst>
+      <p:ext uri="{BB962C8B-B14F-4D97-AF65-F5344CB8AC3E}">
+        <p14:creationId xmlns:p14="http://schemas.microsoft.com/office/powerpoint/2010/main" val="579262954"/>
       </p:ext>
     </p:extLst>
   </p:cSld>
@@ -4720,38 +8015,40 @@
           <a:chExt cx="0" cy="0"/>
         </a:xfrm>
       </p:grpSpPr>
-      <p:sp>
-        <p:nvSpPr>
-          <p:cNvPr id="2" name="Title 1">
-            <a:extLst>
-              <a:ext uri="{FF2B5EF4-FFF2-40B4-BE49-F238E27FC236}">
-                <a16:creationId xmlns:a16="http://schemas.microsoft.com/office/drawing/2014/main" id="{1B13B0FE-30FE-4F51-B6AE-236CB1A98C02}"/>
-              </a:ext>
-            </a:extLst>
-          </p:cNvPr>
-          <p:cNvSpPr>
-            <a:spLocks noGrp="1"/>
-          </p:cNvSpPr>
-          <p:nvPr>
-            <p:ph type="title"/>
-          </p:nvPr>
-        </p:nvSpPr>
-        <p:spPr/>
-        <p:txBody>
-          <a:bodyPr/>
-          <a:lstStyle/>
-          <a:p>
-            <a:r>
-              <a:rPr lang="en-US" dirty="0"/>
-              <a:t>When gambles interrupted</a:t>
-            </a:r>
-          </a:p>
-        </p:txBody>
-      </p:sp>
+      <p:pic>
+        <p:nvPicPr>
+          <p:cNvPr id="3" name="Picture 2">
+            <a:extLst>
+              <a:ext uri="{FF2B5EF4-FFF2-40B4-BE49-F238E27FC236}">
+                <a16:creationId xmlns:a16="http://schemas.microsoft.com/office/drawing/2014/main" id="{3442ADD3-5AF3-4A85-ADB7-469A8D1F22CA}"/>
+              </a:ext>
+            </a:extLst>
+          </p:cNvPr>
+          <p:cNvPicPr>
+            <a:picLocks noChangeAspect="1"/>
+          </p:cNvPicPr>
+          <p:nvPr/>
+        </p:nvPicPr>
+        <p:blipFill>
+          <a:blip r:embed="rId2"/>
+          <a:stretch>
+            <a:fillRect/>
+          </a:stretch>
+        </p:blipFill>
+        <p:spPr>
+          <a:xfrm>
+            <a:off x="876626" y="876300"/>
+            <a:ext cx="9876520" cy="4712975"/>
+          </a:xfrm>
+          <a:prstGeom prst="rect">
+            <a:avLst/>
+          </a:prstGeom>
+        </p:spPr>
+      </p:pic>
     </p:spTree>
     <p:extLst>
       <p:ext uri="{BB962C8B-B14F-4D97-AF65-F5344CB8AC3E}">
-        <p14:creationId xmlns:p14="http://schemas.microsoft.com/office/powerpoint/2010/main" val="2582656886"/>
+        <p14:creationId xmlns:p14="http://schemas.microsoft.com/office/powerpoint/2010/main" val="1950408341"/>
       </p:ext>
     </p:extLst>
   </p:cSld>
@@ -4783,7 +8080,7 @@
           <p:cNvPr id="3" name="Picture 2">
             <a:extLst>
               <a:ext uri="{FF2B5EF4-FFF2-40B4-BE49-F238E27FC236}">
-                <a16:creationId xmlns:a16="http://schemas.microsoft.com/office/drawing/2014/main" id="{3442ADD3-5AF3-4A85-ADB7-469A8D1F22CA}"/>
+                <a16:creationId xmlns:a16="http://schemas.microsoft.com/office/drawing/2014/main" id="{98118982-B84C-4358-8F79-E804EA90C8EE}"/>
               </a:ext>
             </a:extLst>
           </p:cNvPr>
@@ -4800,8 +8097,8 @@
         </p:blipFill>
         <p:spPr>
           <a:xfrm>
-            <a:off x="876626" y="876300"/>
-            <a:ext cx="9876520" cy="4712975"/>
+            <a:off x="2648381" y="486143"/>
+            <a:ext cx="6895238" cy="5885714"/>
           </a:xfrm>
           <a:prstGeom prst="rect">
             <a:avLst/>
@@ -4811,7 +8108,7 @@
     </p:spTree>
     <p:extLst>
       <p:ext uri="{BB962C8B-B14F-4D97-AF65-F5344CB8AC3E}">
-        <p14:creationId xmlns:p14="http://schemas.microsoft.com/office/powerpoint/2010/main" val="1950408341"/>
+        <p14:creationId xmlns:p14="http://schemas.microsoft.com/office/powerpoint/2010/main" val="4143169262"/>
       </p:ext>
     </p:extLst>
   </p:cSld>
@@ -4838,12 +8135,48 @@
           <a:chExt cx="0" cy="0"/>
         </a:xfrm>
       </p:grpSpPr>
+      <p:sp>
+        <p:nvSpPr>
+          <p:cNvPr id="4" name="TextBox 3">
+            <a:extLst>
+              <a:ext uri="{FF2B5EF4-FFF2-40B4-BE49-F238E27FC236}">
+                <a16:creationId xmlns:a16="http://schemas.microsoft.com/office/drawing/2014/main" id="{63F36159-E9E0-4B2A-ACB0-BCE53F4D93FC}"/>
+              </a:ext>
+            </a:extLst>
+          </p:cNvPr>
+          <p:cNvSpPr txBox="1"/>
+          <p:nvPr/>
+        </p:nvSpPr>
+        <p:spPr>
+          <a:xfrm>
+            <a:off x="289932" y="267629"/>
+            <a:ext cx="1071704" cy="369332"/>
+          </a:xfrm>
+          <a:prstGeom prst="rect">
+            <a:avLst/>
+          </a:prstGeom>
+          <a:noFill/>
+        </p:spPr>
+        <p:txBody>
+          <a:bodyPr wrap="none" rtlCol="0">
+            <a:spAutoFit/>
+          </a:bodyPr>
+          <a:lstStyle/>
+          <a:p>
+            <a:r>
+              <a:rPr lang="en-US" dirty="0" err="1"/>
+              <a:t>TotalData</a:t>
+            </a:r>
+            <a:endParaRPr lang="en-US" dirty="0"/>
+          </a:p>
+        </p:txBody>
+      </p:sp>
       <p:pic>
         <p:nvPicPr>
-          <p:cNvPr id="3" name="Picture 2">
-            <a:extLst>
-              <a:ext uri="{FF2B5EF4-FFF2-40B4-BE49-F238E27FC236}">
-                <a16:creationId xmlns:a16="http://schemas.microsoft.com/office/drawing/2014/main" id="{98118982-B84C-4358-8F79-E804EA90C8EE}"/>
+          <p:cNvPr id="9" name="Picture 8">
+            <a:extLst>
+              <a:ext uri="{FF2B5EF4-FFF2-40B4-BE49-F238E27FC236}">
+                <a16:creationId xmlns:a16="http://schemas.microsoft.com/office/drawing/2014/main" id="{F34DEFD4-58E9-42B6-88BD-FA7F46DDCBFA}"/>
               </a:ext>
             </a:extLst>
           </p:cNvPr>
@@ -4860,8 +8193,98 @@
         </p:blipFill>
         <p:spPr>
           <a:xfrm>
-            <a:off x="2648381" y="486143"/>
-            <a:ext cx="6895238" cy="5885714"/>
+            <a:off x="640200" y="1384057"/>
+            <a:ext cx="5059362" cy="2414275"/>
+          </a:xfrm>
+          <a:prstGeom prst="rect">
+            <a:avLst/>
+          </a:prstGeom>
+        </p:spPr>
+      </p:pic>
+      <p:pic>
+        <p:nvPicPr>
+          <p:cNvPr id="11" name="Picture 10">
+            <a:extLst>
+              <a:ext uri="{FF2B5EF4-FFF2-40B4-BE49-F238E27FC236}">
+                <a16:creationId xmlns:a16="http://schemas.microsoft.com/office/drawing/2014/main" id="{E24AACD6-4E85-4FE8-940C-85F1E2B5F78F}"/>
+              </a:ext>
+            </a:extLst>
+          </p:cNvPr>
+          <p:cNvPicPr>
+            <a:picLocks noChangeAspect="1"/>
+          </p:cNvPicPr>
+          <p:nvPr/>
+        </p:nvPicPr>
+        <p:blipFill>
+          <a:blip r:embed="rId3"/>
+          <a:stretch>
+            <a:fillRect/>
+          </a:stretch>
+        </p:blipFill>
+        <p:spPr>
+          <a:xfrm>
+            <a:off x="6306854" y="4150694"/>
+            <a:ext cx="5059362" cy="2414276"/>
+          </a:xfrm>
+          <a:prstGeom prst="rect">
+            <a:avLst/>
+          </a:prstGeom>
+        </p:spPr>
+      </p:pic>
+      <p:pic>
+        <p:nvPicPr>
+          <p:cNvPr id="12" name="Picture 11">
+            <a:extLst>
+              <a:ext uri="{FF2B5EF4-FFF2-40B4-BE49-F238E27FC236}">
+                <a16:creationId xmlns:a16="http://schemas.microsoft.com/office/drawing/2014/main" id="{F4554D95-B1F5-4510-8321-809EF05BF593}"/>
+              </a:ext>
+            </a:extLst>
+          </p:cNvPr>
+          <p:cNvPicPr>
+            <a:picLocks noChangeAspect="1"/>
+          </p:cNvPicPr>
+          <p:nvPr/>
+        </p:nvPicPr>
+        <p:blipFill>
+          <a:blip r:embed="rId4"/>
+          <a:stretch>
+            <a:fillRect/>
+          </a:stretch>
+        </p:blipFill>
+        <p:spPr>
+          <a:xfrm>
+            <a:off x="865157" y="4258041"/>
+            <a:ext cx="4609447" cy="2199581"/>
+          </a:xfrm>
+          <a:prstGeom prst="rect">
+            <a:avLst/>
+          </a:prstGeom>
+        </p:spPr>
+      </p:pic>
+      <p:pic>
+        <p:nvPicPr>
+          <p:cNvPr id="13" name="Picture 12">
+            <a:extLst>
+              <a:ext uri="{FF2B5EF4-FFF2-40B4-BE49-F238E27FC236}">
+                <a16:creationId xmlns:a16="http://schemas.microsoft.com/office/drawing/2014/main" id="{1E508431-F8B2-469C-B2D3-0D317DED0AF7}"/>
+              </a:ext>
+            </a:extLst>
+          </p:cNvPr>
+          <p:cNvPicPr>
+            <a:picLocks noChangeAspect="1"/>
+          </p:cNvPicPr>
+          <p:nvPr/>
+        </p:nvPicPr>
+        <p:blipFill>
+          <a:blip r:embed="rId5"/>
+          <a:stretch>
+            <a:fillRect/>
+          </a:stretch>
+        </p:blipFill>
+        <p:spPr>
+          <a:xfrm>
+            <a:off x="6116852" y="1204830"/>
+            <a:ext cx="5434948" cy="2593502"/>
           </a:xfrm>
           <a:prstGeom prst="rect">
             <a:avLst/>
@@ -4871,7 +8294,7 @@
     </p:spTree>
     <p:extLst>
       <p:ext uri="{BB962C8B-B14F-4D97-AF65-F5344CB8AC3E}">
-        <p14:creationId xmlns:p14="http://schemas.microsoft.com/office/powerpoint/2010/main" val="4143169262"/>
+        <p14:creationId xmlns:p14="http://schemas.microsoft.com/office/powerpoint/2010/main" val="409818984"/>
       </p:ext>
     </p:extLst>
   </p:cSld>
@@ -4900,10 +8323,10 @@
       </p:grpSpPr>
       <p:sp>
         <p:nvSpPr>
-          <p:cNvPr id="4" name="TextBox 3">
-            <a:extLst>
-              <a:ext uri="{FF2B5EF4-FFF2-40B4-BE49-F238E27FC236}">
-                <a16:creationId xmlns:a16="http://schemas.microsoft.com/office/drawing/2014/main" id="{63F36159-E9E0-4B2A-ACB0-BCE53F4D93FC}"/>
+          <p:cNvPr id="3" name="TextBox 2">
+            <a:extLst>
+              <a:ext uri="{FF2B5EF4-FFF2-40B4-BE49-F238E27FC236}">
+                <a16:creationId xmlns:a16="http://schemas.microsoft.com/office/drawing/2014/main" id="{E59A51BC-1933-437B-8BFF-AB2DFAA74FA2}"/>
               </a:ext>
             </a:extLst>
           </p:cNvPr>
@@ -4913,7 +8336,7 @@
         <p:spPr>
           <a:xfrm>
             <a:off x="289932" y="267629"/>
-            <a:ext cx="1071704" cy="369332"/>
+            <a:ext cx="985270" cy="369332"/>
           </a:xfrm>
           <a:prstGeom prst="rect">
             <a:avLst/>
@@ -4928,7 +8351,7 @@
           <a:p>
             <a:r>
               <a:rPr lang="en-US" dirty="0" err="1"/>
-              <a:t>TotalData</a:t>
+              <a:t>LowMag</a:t>
             </a:r>
             <a:endParaRPr lang="en-US" dirty="0"/>
           </a:p>
@@ -4936,10 +8359,10 @@
       </p:sp>
       <p:pic>
         <p:nvPicPr>
-          <p:cNvPr id="9" name="Picture 8">
-            <a:extLst>
-              <a:ext uri="{FF2B5EF4-FFF2-40B4-BE49-F238E27FC236}">
-                <a16:creationId xmlns:a16="http://schemas.microsoft.com/office/drawing/2014/main" id="{F34DEFD4-58E9-42B6-88BD-FA7F46DDCBFA}"/>
+          <p:cNvPr id="2" name="Picture 1">
+            <a:extLst>
+              <a:ext uri="{FF2B5EF4-FFF2-40B4-BE49-F238E27FC236}">
+                <a16:creationId xmlns:a16="http://schemas.microsoft.com/office/drawing/2014/main" id="{C5AB7CC0-F6B8-400D-ADA4-6256DD8E9E6C}"/>
               </a:ext>
             </a:extLst>
           </p:cNvPr>
@@ -4956,8 +8379,8 @@
         </p:blipFill>
         <p:spPr>
           <a:xfrm>
-            <a:off x="640200" y="1384057"/>
-            <a:ext cx="5059362" cy="2414275"/>
+            <a:off x="6709876" y="4012029"/>
+            <a:ext cx="4863448" cy="2320788"/>
           </a:xfrm>
           <a:prstGeom prst="rect">
             <a:avLst/>
@@ -4966,10 +8389,10 @@
       </p:pic>
       <p:pic>
         <p:nvPicPr>
-          <p:cNvPr id="11" name="Picture 10">
-            <a:extLst>
-              <a:ext uri="{FF2B5EF4-FFF2-40B4-BE49-F238E27FC236}">
-                <a16:creationId xmlns:a16="http://schemas.microsoft.com/office/drawing/2014/main" id="{E24AACD6-4E85-4FE8-940C-85F1E2B5F78F}"/>
+          <p:cNvPr id="4" name="Picture 3">
+            <a:extLst>
+              <a:ext uri="{FF2B5EF4-FFF2-40B4-BE49-F238E27FC236}">
+                <a16:creationId xmlns:a16="http://schemas.microsoft.com/office/drawing/2014/main" id="{D6A8AE4C-B863-45E0-9E4C-650770CA5CE6}"/>
               </a:ext>
             </a:extLst>
           </p:cNvPr>
@@ -4986,8 +8409,8 @@
         </p:blipFill>
         <p:spPr>
           <a:xfrm>
-            <a:off x="6306854" y="4150694"/>
-            <a:ext cx="5059362" cy="2414276"/>
+            <a:off x="680104" y="1137525"/>
+            <a:ext cx="5149197" cy="2457144"/>
           </a:xfrm>
           <a:prstGeom prst="rect">
             <a:avLst/>
@@ -4996,10 +8419,10 @@
       </p:pic>
       <p:pic>
         <p:nvPicPr>
-          <p:cNvPr id="12" name="Picture 11">
-            <a:extLst>
-              <a:ext uri="{FF2B5EF4-FFF2-40B4-BE49-F238E27FC236}">
-                <a16:creationId xmlns:a16="http://schemas.microsoft.com/office/drawing/2014/main" id="{F4554D95-B1F5-4510-8321-809EF05BF593}"/>
+          <p:cNvPr id="5" name="Picture 4">
+            <a:extLst>
+              <a:ext uri="{FF2B5EF4-FFF2-40B4-BE49-F238E27FC236}">
+                <a16:creationId xmlns:a16="http://schemas.microsoft.com/office/drawing/2014/main" id="{F4EF6232-B886-4AE2-94BE-CDCCE723AAA6}"/>
               </a:ext>
             </a:extLst>
           </p:cNvPr>
@@ -5016,8 +8439,8 @@
         </p:blipFill>
         <p:spPr>
           <a:xfrm>
-            <a:off x="865157" y="4258041"/>
-            <a:ext cx="4609447" cy="2199581"/>
+            <a:off x="6709876" y="1182665"/>
+            <a:ext cx="4707424" cy="2246335"/>
           </a:xfrm>
           <a:prstGeom prst="rect">
             <a:avLst/>
@@ -5026,10 +8449,10 @@
       </p:pic>
       <p:pic>
         <p:nvPicPr>
-          <p:cNvPr id="13" name="Picture 12">
-            <a:extLst>
-              <a:ext uri="{FF2B5EF4-FFF2-40B4-BE49-F238E27FC236}">
-                <a16:creationId xmlns:a16="http://schemas.microsoft.com/office/drawing/2014/main" id="{1E508431-F8B2-469C-B2D3-0D317DED0AF7}"/>
+          <p:cNvPr id="7" name="Picture 6">
+            <a:extLst>
+              <a:ext uri="{FF2B5EF4-FFF2-40B4-BE49-F238E27FC236}">
+                <a16:creationId xmlns:a16="http://schemas.microsoft.com/office/drawing/2014/main" id="{39045C41-2CCB-42D9-952D-214D185CD38E}"/>
               </a:ext>
             </a:extLst>
           </p:cNvPr>
@@ -5046,8 +8469,8 @@
         </p:blipFill>
         <p:spPr>
           <a:xfrm>
-            <a:off x="6116852" y="1204830"/>
-            <a:ext cx="5434948" cy="2593502"/>
+            <a:off x="1005764" y="4012029"/>
+            <a:ext cx="5219048" cy="2490476"/>
           </a:xfrm>
           <a:prstGeom prst="rect">
             <a:avLst/>
@@ -5057,7 +8480,7 @@
     </p:spTree>
     <p:extLst>
       <p:ext uri="{BB962C8B-B14F-4D97-AF65-F5344CB8AC3E}">
-        <p14:creationId xmlns:p14="http://schemas.microsoft.com/office/powerpoint/2010/main" val="409818984"/>
+        <p14:creationId xmlns:p14="http://schemas.microsoft.com/office/powerpoint/2010/main" val="340389131"/>
       </p:ext>
     </p:extLst>
   </p:cSld>
@@ -5086,10 +8509,10 @@
       </p:grpSpPr>
       <p:sp>
         <p:nvSpPr>
-          <p:cNvPr id="3" name="TextBox 2">
-            <a:extLst>
-              <a:ext uri="{FF2B5EF4-FFF2-40B4-BE49-F238E27FC236}">
-                <a16:creationId xmlns:a16="http://schemas.microsoft.com/office/drawing/2014/main" id="{E59A51BC-1933-437B-8BFF-AB2DFAA74FA2}"/>
+          <p:cNvPr id="2" name="TextBox 1">
+            <a:extLst>
+              <a:ext uri="{FF2B5EF4-FFF2-40B4-BE49-F238E27FC236}">
+                <a16:creationId xmlns:a16="http://schemas.microsoft.com/office/drawing/2014/main" id="{B3A4CB2F-85DD-4FC4-A43D-E79767B4E105}"/>
               </a:ext>
             </a:extLst>
           </p:cNvPr>
@@ -5099,7 +8522,7 @@
         <p:spPr>
           <a:xfrm>
             <a:off x="289932" y="267629"/>
-            <a:ext cx="985270" cy="369332"/>
+            <a:ext cx="973343" cy="369332"/>
           </a:xfrm>
           <a:prstGeom prst="rect">
             <a:avLst/>
@@ -5114,7 +8537,7 @@
           <a:p>
             <a:r>
               <a:rPr lang="en-US" dirty="0" err="1"/>
-              <a:t>LowMag</a:t>
+              <a:t>MidMag</a:t>
             </a:r>
             <a:endParaRPr lang="en-US" dirty="0"/>
           </a:p>
@@ -5122,10 +8545,10 @@
       </p:sp>
       <p:pic>
         <p:nvPicPr>
-          <p:cNvPr id="2" name="Picture 1">
-            <a:extLst>
-              <a:ext uri="{FF2B5EF4-FFF2-40B4-BE49-F238E27FC236}">
-                <a16:creationId xmlns:a16="http://schemas.microsoft.com/office/drawing/2014/main" id="{C5AB7CC0-F6B8-400D-ADA4-6256DD8E9E6C}"/>
+          <p:cNvPr id="7" name="Picture 6">
+            <a:extLst>
+              <a:ext uri="{FF2B5EF4-FFF2-40B4-BE49-F238E27FC236}">
+                <a16:creationId xmlns:a16="http://schemas.microsoft.com/office/drawing/2014/main" id="{74FAD565-D533-46CF-B39F-5E5FA8A69793}"/>
               </a:ext>
             </a:extLst>
           </p:cNvPr>
@@ -5142,8 +8565,8 @@
         </p:blipFill>
         <p:spPr>
           <a:xfrm>
-            <a:off x="6709876" y="4012029"/>
-            <a:ext cx="4863448" cy="2320788"/>
+            <a:off x="6289329" y="3684329"/>
+            <a:ext cx="5219048" cy="2490477"/>
           </a:xfrm>
           <a:prstGeom prst="rect">
             <a:avLst/>
@@ -5152,10 +8575,10 @@
       </p:pic>
       <p:pic>
         <p:nvPicPr>
-          <p:cNvPr id="4" name="Picture 3">
-            <a:extLst>
-              <a:ext uri="{FF2B5EF4-FFF2-40B4-BE49-F238E27FC236}">
-                <a16:creationId xmlns:a16="http://schemas.microsoft.com/office/drawing/2014/main" id="{D6A8AE4C-B863-45E0-9E4C-650770CA5CE6}"/>
+          <p:cNvPr id="8" name="Picture 7">
+            <a:extLst>
+              <a:ext uri="{FF2B5EF4-FFF2-40B4-BE49-F238E27FC236}">
+                <a16:creationId xmlns:a16="http://schemas.microsoft.com/office/drawing/2014/main" id="{BF3CB2E2-12BE-492B-839A-374072F9161E}"/>
               </a:ext>
             </a:extLst>
           </p:cNvPr>
@@ -5172,8 +8595,8 @@
         </p:blipFill>
         <p:spPr>
           <a:xfrm>
-            <a:off x="680104" y="1137525"/>
-            <a:ext cx="5149197" cy="2457144"/>
+            <a:off x="670932" y="775290"/>
+            <a:ext cx="5219048" cy="2490476"/>
           </a:xfrm>
           <a:prstGeom prst="rect">
             <a:avLst/>
@@ -5182,10 +8605,10 @@
       </p:pic>
       <p:pic>
         <p:nvPicPr>
-          <p:cNvPr id="5" name="Picture 4">
-            <a:extLst>
-              <a:ext uri="{FF2B5EF4-FFF2-40B4-BE49-F238E27FC236}">
-                <a16:creationId xmlns:a16="http://schemas.microsoft.com/office/drawing/2014/main" id="{F4EF6232-B886-4AE2-94BE-CDCCE723AAA6}"/>
+          <p:cNvPr id="9" name="Picture 8">
+            <a:extLst>
+              <a:ext uri="{FF2B5EF4-FFF2-40B4-BE49-F238E27FC236}">
+                <a16:creationId xmlns:a16="http://schemas.microsoft.com/office/drawing/2014/main" id="{F8E16C49-0B5F-435B-A6A0-89057A212C66}"/>
               </a:ext>
             </a:extLst>
           </p:cNvPr>
@@ -5202,8 +8625,8 @@
         </p:blipFill>
         <p:spPr>
           <a:xfrm>
-            <a:off x="6709876" y="1182665"/>
-            <a:ext cx="4707424" cy="2246335"/>
+            <a:off x="6482323" y="867385"/>
+            <a:ext cx="4833060" cy="2306287"/>
           </a:xfrm>
           <a:prstGeom prst="rect">
             <a:avLst/>
@@ -5212,10 +8635,10 @@
       </p:pic>
       <p:pic>
         <p:nvPicPr>
-          <p:cNvPr id="7" name="Picture 6">
-            <a:extLst>
-              <a:ext uri="{FF2B5EF4-FFF2-40B4-BE49-F238E27FC236}">
-                <a16:creationId xmlns:a16="http://schemas.microsoft.com/office/drawing/2014/main" id="{39045C41-2CCB-42D9-952D-214D185CD38E}"/>
+          <p:cNvPr id="10" name="Picture 9">
+            <a:extLst>
+              <a:ext uri="{FF2B5EF4-FFF2-40B4-BE49-F238E27FC236}">
+                <a16:creationId xmlns:a16="http://schemas.microsoft.com/office/drawing/2014/main" id="{95376BA7-D8CF-45C6-8C96-715D3D9B6FE4}"/>
               </a:ext>
             </a:extLst>
           </p:cNvPr>
@@ -5232,8 +8655,8 @@
         </p:blipFill>
         <p:spPr>
           <a:xfrm>
-            <a:off x="1005764" y="4012029"/>
-            <a:ext cx="5219048" cy="2490476"/>
+            <a:off x="947512" y="3816311"/>
+            <a:ext cx="4942468" cy="2358495"/>
           </a:xfrm>
           <a:prstGeom prst="rect">
             <a:avLst/>
@@ -5243,7 +8666,7 @@
     </p:spTree>
     <p:extLst>
       <p:ext uri="{BB962C8B-B14F-4D97-AF65-F5344CB8AC3E}">
-        <p14:creationId xmlns:p14="http://schemas.microsoft.com/office/powerpoint/2010/main" val="340389131"/>
+        <p14:creationId xmlns:p14="http://schemas.microsoft.com/office/powerpoint/2010/main" val="3239285517"/>
       </p:ext>
     </p:extLst>
   </p:cSld>
@@ -5272,10 +8695,10 @@
       </p:grpSpPr>
       <p:sp>
         <p:nvSpPr>
-          <p:cNvPr id="2" name="TextBox 1">
-            <a:extLst>
-              <a:ext uri="{FF2B5EF4-FFF2-40B4-BE49-F238E27FC236}">
-                <a16:creationId xmlns:a16="http://schemas.microsoft.com/office/drawing/2014/main" id="{B3A4CB2F-85DD-4FC4-A43D-E79767B4E105}"/>
+          <p:cNvPr id="3" name="TextBox 2">
+            <a:extLst>
+              <a:ext uri="{FF2B5EF4-FFF2-40B4-BE49-F238E27FC236}">
+                <a16:creationId xmlns:a16="http://schemas.microsoft.com/office/drawing/2014/main" id="{9C7A60DC-39C6-4AB3-BA67-2EA309A86C90}"/>
               </a:ext>
             </a:extLst>
           </p:cNvPr>
@@ -5285,7 +8708,7 @@
         <p:spPr>
           <a:xfrm>
             <a:off x="289932" y="267629"/>
-            <a:ext cx="973343" cy="369332"/>
+            <a:ext cx="1029449" cy="369332"/>
           </a:xfrm>
           <a:prstGeom prst="rect">
             <a:avLst/>
@@ -5300,7 +8723,7 @@
           <a:p>
             <a:r>
               <a:rPr lang="en-US" dirty="0" err="1"/>
-              <a:t>MidMag</a:t>
+              <a:t>HighMag</a:t>
             </a:r>
             <a:endParaRPr lang="en-US" dirty="0"/>
           </a:p>
@@ -5311,7 +8734,7 @@
           <p:cNvPr id="7" name="Picture 6">
             <a:extLst>
               <a:ext uri="{FF2B5EF4-FFF2-40B4-BE49-F238E27FC236}">
-                <a16:creationId xmlns:a16="http://schemas.microsoft.com/office/drawing/2014/main" id="{74FAD565-D533-46CF-B39F-5E5FA8A69793}"/>
+                <a16:creationId xmlns:a16="http://schemas.microsoft.com/office/drawing/2014/main" id="{64914369-4B53-4D9C-83BE-90802E7C7E02}"/>
               </a:ext>
             </a:extLst>
           </p:cNvPr>
@@ -5328,8 +8751,8 @@
         </p:blipFill>
         <p:spPr>
           <a:xfrm>
-            <a:off x="6289329" y="3684329"/>
-            <a:ext cx="5219048" cy="2490477"/>
+            <a:off x="788053" y="915292"/>
+            <a:ext cx="5536548" cy="2641984"/>
           </a:xfrm>
           <a:prstGeom prst="rect">
             <a:avLst/>
@@ -5341,7 +8764,7 @@
           <p:cNvPr id="8" name="Picture 7">
             <a:extLst>
               <a:ext uri="{FF2B5EF4-FFF2-40B4-BE49-F238E27FC236}">
-                <a16:creationId xmlns:a16="http://schemas.microsoft.com/office/drawing/2014/main" id="{BF3CB2E2-12BE-492B-839A-374072F9161E}"/>
+                <a16:creationId xmlns:a16="http://schemas.microsoft.com/office/drawing/2014/main" id="{777E9EA2-1431-4C68-9E6B-3E5017326618}"/>
               </a:ext>
             </a:extLst>
           </p:cNvPr>
@@ -5358,8 +8781,8 @@
         </p:blipFill>
         <p:spPr>
           <a:xfrm>
-            <a:off x="670932" y="775290"/>
-            <a:ext cx="5219048" cy="2490476"/>
+            <a:off x="6566553" y="963774"/>
+            <a:ext cx="5333348" cy="2545019"/>
           </a:xfrm>
           <a:prstGeom prst="rect">
             <a:avLst/>
@@ -5371,7 +8794,7 @@
           <p:cNvPr id="9" name="Picture 8">
             <a:extLst>
               <a:ext uri="{FF2B5EF4-FFF2-40B4-BE49-F238E27FC236}">
-                <a16:creationId xmlns:a16="http://schemas.microsoft.com/office/drawing/2014/main" id="{F8E16C49-0B5F-435B-A6A0-89057A212C66}"/>
+                <a16:creationId xmlns:a16="http://schemas.microsoft.com/office/drawing/2014/main" id="{C8502E1D-A0B7-4A64-8A63-5ACFBA75ADF2}"/>
               </a:ext>
             </a:extLst>
           </p:cNvPr>
@@ -5388,8 +8811,8 @@
         </p:blipFill>
         <p:spPr>
           <a:xfrm>
-            <a:off x="6482323" y="867385"/>
-            <a:ext cx="4833060" cy="2306287"/>
+            <a:off x="788053" y="4051412"/>
+            <a:ext cx="5320648" cy="2538959"/>
           </a:xfrm>
           <a:prstGeom prst="rect">
             <a:avLst/>
@@ -5401,7 +8824,7 @@
           <p:cNvPr id="10" name="Picture 9">
             <a:extLst>
               <a:ext uri="{FF2B5EF4-FFF2-40B4-BE49-F238E27FC236}">
-                <a16:creationId xmlns:a16="http://schemas.microsoft.com/office/drawing/2014/main" id="{95376BA7-D8CF-45C6-8C96-715D3D9B6FE4}"/>
+                <a16:creationId xmlns:a16="http://schemas.microsoft.com/office/drawing/2014/main" id="{53EB1C73-A9C7-4B08-9317-00A4DA658846}"/>
               </a:ext>
             </a:extLst>
           </p:cNvPr>
@@ -5418,8 +8841,8 @@
         </p:blipFill>
         <p:spPr>
           <a:xfrm>
-            <a:off x="947512" y="3816311"/>
-            <a:ext cx="4942468" cy="2358495"/>
+            <a:off x="6363352" y="3948387"/>
+            <a:ext cx="5536549" cy="2641984"/>
           </a:xfrm>
           <a:prstGeom prst="rect">
             <a:avLst/>
@@ -5429,7 +8852,7 @@
     </p:spTree>
     <p:extLst>
       <p:ext uri="{BB962C8B-B14F-4D97-AF65-F5344CB8AC3E}">
-        <p14:creationId xmlns:p14="http://schemas.microsoft.com/office/powerpoint/2010/main" val="3239285517"/>
+        <p14:creationId xmlns:p14="http://schemas.microsoft.com/office/powerpoint/2010/main" val="510388772"/>
       </p:ext>
     </p:extLst>
   </p:cSld>
@@ -5458,10 +8881,10 @@
       </p:grpSpPr>
       <p:sp>
         <p:nvSpPr>
-          <p:cNvPr id="3" name="TextBox 2">
-            <a:extLst>
-              <a:ext uri="{FF2B5EF4-FFF2-40B4-BE49-F238E27FC236}">
-                <a16:creationId xmlns:a16="http://schemas.microsoft.com/office/drawing/2014/main" id="{9C7A60DC-39C6-4AB3-BA67-2EA309A86C90}"/>
+          <p:cNvPr id="2" name="TextBox 1">
+            <a:extLst>
+              <a:ext uri="{FF2B5EF4-FFF2-40B4-BE49-F238E27FC236}">
+                <a16:creationId xmlns:a16="http://schemas.microsoft.com/office/drawing/2014/main" id="{2578A299-CE25-49E8-A321-B1C44CAC61D4}"/>
               </a:ext>
             </a:extLst>
           </p:cNvPr>
@@ -5471,7 +8894,7 @@
         <p:spPr>
           <a:xfrm>
             <a:off x="289932" y="267629"/>
-            <a:ext cx="1029449" cy="369332"/>
+            <a:ext cx="1054199" cy="369332"/>
           </a:xfrm>
           <a:prstGeom prst="rect">
             <a:avLst/>
@@ -5486,7 +8909,7 @@
           <a:p>
             <a:r>
               <a:rPr lang="en-US" dirty="0" err="1"/>
-              <a:t>HighMag</a:t>
+              <a:t>LowOdds</a:t>
             </a:r>
             <a:endParaRPr lang="en-US" dirty="0"/>
           </a:p>
@@ -5497,7 +8920,7 @@
           <p:cNvPr id="7" name="Picture 6">
             <a:extLst>
               <a:ext uri="{FF2B5EF4-FFF2-40B4-BE49-F238E27FC236}">
-                <a16:creationId xmlns:a16="http://schemas.microsoft.com/office/drawing/2014/main" id="{64914369-4B53-4D9C-83BE-90802E7C7E02}"/>
+                <a16:creationId xmlns:a16="http://schemas.microsoft.com/office/drawing/2014/main" id="{B1214A70-3142-4109-8B3E-E392512FEF45}"/>
               </a:ext>
             </a:extLst>
           </p:cNvPr>
@@ -5514,8 +8937,8 @@
         </p:blipFill>
         <p:spPr>
           <a:xfrm>
-            <a:off x="788053" y="915292"/>
-            <a:ext cx="5536548" cy="2641984"/>
+            <a:off x="6349999" y="4157222"/>
+            <a:ext cx="5422901" cy="2587753"/>
           </a:xfrm>
           <a:prstGeom prst="rect">
             <a:avLst/>
@@ -5527,7 +8950,7 @@
           <p:cNvPr id="8" name="Picture 7">
             <a:extLst>
               <a:ext uri="{FF2B5EF4-FFF2-40B4-BE49-F238E27FC236}">
-                <a16:creationId xmlns:a16="http://schemas.microsoft.com/office/drawing/2014/main" id="{777E9EA2-1431-4C68-9E6B-3E5017326618}"/>
+                <a16:creationId xmlns:a16="http://schemas.microsoft.com/office/drawing/2014/main" id="{D7B1686A-1D83-415B-B1F9-7B42B8850C3C}"/>
               </a:ext>
             </a:extLst>
           </p:cNvPr>
@@ -5544,8 +8967,8 @@
         </p:blipFill>
         <p:spPr>
           <a:xfrm>
-            <a:off x="6566553" y="963774"/>
-            <a:ext cx="5333348" cy="2545019"/>
+            <a:off x="622952" y="755719"/>
+            <a:ext cx="5310039" cy="2533896"/>
           </a:xfrm>
           <a:prstGeom prst="rect">
             <a:avLst/>
@@ -5557,7 +8980,7 @@
           <p:cNvPr id="9" name="Picture 8">
             <a:extLst>
               <a:ext uri="{FF2B5EF4-FFF2-40B4-BE49-F238E27FC236}">
-                <a16:creationId xmlns:a16="http://schemas.microsoft.com/office/drawing/2014/main" id="{C8502E1D-A0B7-4A64-8A63-5ACFBA75ADF2}"/>
+                <a16:creationId xmlns:a16="http://schemas.microsoft.com/office/drawing/2014/main" id="{52FC7BD1-F74E-4992-81FB-550476DFD641}"/>
               </a:ext>
             </a:extLst>
           </p:cNvPr>
@@ -5574,8 +8997,8 @@
         </p:blipFill>
         <p:spPr>
           <a:xfrm>
-            <a:off x="788053" y="4051412"/>
-            <a:ext cx="5320648" cy="2538959"/>
+            <a:off x="6642100" y="755719"/>
+            <a:ext cx="4926948" cy="2351089"/>
           </a:xfrm>
           <a:prstGeom prst="rect">
             <a:avLst/>
@@ -5587,7 +9010,7 @@
           <p:cNvPr id="10" name="Picture 9">
             <a:extLst>
               <a:ext uri="{FF2B5EF4-FFF2-40B4-BE49-F238E27FC236}">
-                <a16:creationId xmlns:a16="http://schemas.microsoft.com/office/drawing/2014/main" id="{53EB1C73-A9C7-4B08-9317-00A4DA658846}"/>
+                <a16:creationId xmlns:a16="http://schemas.microsoft.com/office/drawing/2014/main" id="{735791FC-9857-4B64-9B91-3FE6CF143874}"/>
               </a:ext>
             </a:extLst>
           </p:cNvPr>
@@ -5604,8 +9027,8 @@
         </p:blipFill>
         <p:spPr>
           <a:xfrm>
-            <a:off x="6363352" y="3948387"/>
-            <a:ext cx="5536549" cy="2641984"/>
+            <a:off x="967941" y="4221100"/>
+            <a:ext cx="4965050" cy="2369271"/>
           </a:xfrm>
           <a:prstGeom prst="rect">
             <a:avLst/>
@@ -5615,7 +9038,7 @@
     </p:spTree>
     <p:extLst>
       <p:ext uri="{BB962C8B-B14F-4D97-AF65-F5344CB8AC3E}">
-        <p14:creationId xmlns:p14="http://schemas.microsoft.com/office/powerpoint/2010/main" val="510388772"/>
+        <p14:creationId xmlns:p14="http://schemas.microsoft.com/office/powerpoint/2010/main" val="3226600690"/>
       </p:ext>
     </p:extLst>
   </p:cSld>

--- a/RampV02Presentation.pptx
+++ b/RampV02Presentation.pptx
@@ -4,6 +4,9 @@
   <p:sldMasterIdLst>
     <p:sldMasterId id="2147483648" r:id="rId1"/>
   </p:sldMasterIdLst>
+  <p:notesMasterIdLst>
+    <p:notesMasterId r:id="rId32"/>
+  </p:notesMasterIdLst>
   <p:sldIdLst>
     <p:sldId id="257" r:id="rId2"/>
     <p:sldId id="272" r:id="rId3"/>
@@ -30,6 +33,11 @@
     <p:sldId id="277" r:id="rId24"/>
     <p:sldId id="287" r:id="rId25"/>
     <p:sldId id="288" r:id="rId26"/>
+    <p:sldId id="294" r:id="rId27"/>
+    <p:sldId id="295" r:id="rId28"/>
+    <p:sldId id="296" r:id="rId29"/>
+    <p:sldId id="297" r:id="rId30"/>
+    <p:sldId id="298" r:id="rId31"/>
   </p:sldIdLst>
   <p:sldSz cx="12192000" cy="6858000"/>
   <p:notesSz cx="6858000" cy="9144000"/>
@@ -136,6 +144,356 @@
 </p:presentation>
 </file>
 
+<file path=ppt/notesMasters/notesMaster1.xml><?xml version="1.0" encoding="utf-8"?>
+<p:notesMaster xmlns:a="http://schemas.openxmlformats.org/drawingml/2006/main" xmlns:r="http://schemas.openxmlformats.org/officeDocument/2006/relationships" xmlns:p="http://schemas.openxmlformats.org/presentationml/2006/main">
+  <p:cSld>
+    <p:bg>
+      <p:bgRef idx="1001">
+        <a:schemeClr val="bg1"/>
+      </p:bgRef>
+    </p:bg>
+    <p:spTree>
+      <p:nvGrpSpPr>
+        <p:cNvPr id="1" name=""/>
+        <p:cNvGrpSpPr/>
+        <p:nvPr/>
+      </p:nvGrpSpPr>
+      <p:grpSpPr>
+        <a:xfrm>
+          <a:off x="0" y="0"/>
+          <a:ext cx="0" cy="0"/>
+          <a:chOff x="0" y="0"/>
+          <a:chExt cx="0" cy="0"/>
+        </a:xfrm>
+      </p:grpSpPr>
+      <p:sp>
+        <p:nvSpPr>
+          <p:cNvPr id="2" name="Header Placeholder 1"/>
+          <p:cNvSpPr>
+            <a:spLocks noGrp="1"/>
+          </p:cNvSpPr>
+          <p:nvPr>
+            <p:ph type="hdr" sz="quarter"/>
+          </p:nvPr>
+        </p:nvSpPr>
+        <p:spPr>
+          <a:xfrm>
+            <a:off x="0" y="0"/>
+            <a:ext cx="2971800" cy="458788"/>
+          </a:xfrm>
+          <a:prstGeom prst="rect">
+            <a:avLst/>
+          </a:prstGeom>
+        </p:spPr>
+        <p:txBody>
+          <a:bodyPr vert="horz" lIns="91440" tIns="45720" rIns="91440" bIns="45720" rtlCol="0"/>
+          <a:lstStyle>
+            <a:lvl1pPr algn="l">
+              <a:defRPr sz="1200"/>
+            </a:lvl1pPr>
+          </a:lstStyle>
+          <a:p>
+            <a:endParaRPr lang="en-US"/>
+          </a:p>
+        </p:txBody>
+      </p:sp>
+      <p:sp>
+        <p:nvSpPr>
+          <p:cNvPr id="3" name="Date Placeholder 2"/>
+          <p:cNvSpPr>
+            <a:spLocks noGrp="1"/>
+          </p:cNvSpPr>
+          <p:nvPr>
+            <p:ph type="dt" idx="1"/>
+          </p:nvPr>
+        </p:nvSpPr>
+        <p:spPr>
+          <a:xfrm>
+            <a:off x="3884613" y="0"/>
+            <a:ext cx="2971800" cy="458788"/>
+          </a:xfrm>
+          <a:prstGeom prst="rect">
+            <a:avLst/>
+          </a:prstGeom>
+        </p:spPr>
+        <p:txBody>
+          <a:bodyPr vert="horz" lIns="91440" tIns="45720" rIns="91440" bIns="45720" rtlCol="0"/>
+          <a:lstStyle>
+            <a:lvl1pPr algn="r">
+              <a:defRPr sz="1200"/>
+            </a:lvl1pPr>
+          </a:lstStyle>
+          <a:p>
+            <a:fld id="{EC555E39-7D87-4049-BF92-073AAA54E55E}" type="datetimeFigureOut">
+              <a:rPr lang="en-US" smtClean="0"/>
+              <a:t>9/24/2018</a:t>
+            </a:fld>
+            <a:endParaRPr lang="en-US"/>
+          </a:p>
+        </p:txBody>
+      </p:sp>
+      <p:sp>
+        <p:nvSpPr>
+          <p:cNvPr id="4" name="Slide Image Placeholder 3"/>
+          <p:cNvSpPr>
+            <a:spLocks noGrp="1" noRot="1" noChangeAspect="1"/>
+          </p:cNvSpPr>
+          <p:nvPr>
+            <p:ph type="sldImg" idx="2"/>
+          </p:nvPr>
+        </p:nvSpPr>
+        <p:spPr>
+          <a:xfrm>
+            <a:off x="685800" y="1143000"/>
+            <a:ext cx="5486400" cy="3086100"/>
+          </a:xfrm>
+          <a:prstGeom prst="rect">
+            <a:avLst/>
+          </a:prstGeom>
+          <a:noFill/>
+          <a:ln w="12700">
+            <a:solidFill>
+              <a:prstClr val="black"/>
+            </a:solidFill>
+          </a:ln>
+        </p:spPr>
+        <p:txBody>
+          <a:bodyPr vert="horz" lIns="91440" tIns="45720" rIns="91440" bIns="45720" rtlCol="0" anchor="ctr"/>
+          <a:lstStyle/>
+          <a:p>
+            <a:endParaRPr lang="en-US"/>
+          </a:p>
+        </p:txBody>
+      </p:sp>
+      <p:sp>
+        <p:nvSpPr>
+          <p:cNvPr id="5" name="Notes Placeholder 4"/>
+          <p:cNvSpPr>
+            <a:spLocks noGrp="1"/>
+          </p:cNvSpPr>
+          <p:nvPr>
+            <p:ph type="body" sz="quarter" idx="3"/>
+          </p:nvPr>
+        </p:nvSpPr>
+        <p:spPr>
+          <a:xfrm>
+            <a:off x="685800" y="4400550"/>
+            <a:ext cx="5486400" cy="3600450"/>
+          </a:xfrm>
+          <a:prstGeom prst="rect">
+            <a:avLst/>
+          </a:prstGeom>
+        </p:spPr>
+        <p:txBody>
+          <a:bodyPr vert="horz" lIns="91440" tIns="45720" rIns="91440" bIns="45720" rtlCol="0"/>
+          <a:lstStyle/>
+          <a:p>
+            <a:pPr lvl="0"/>
+            <a:r>
+              <a:rPr lang="en-US" smtClean="0"/>
+              <a:t>Edit Master text styles</a:t>
+            </a:r>
+          </a:p>
+          <a:p>
+            <a:pPr lvl="1"/>
+            <a:r>
+              <a:rPr lang="en-US" smtClean="0"/>
+              <a:t>Second level</a:t>
+            </a:r>
+          </a:p>
+          <a:p>
+            <a:pPr lvl="2"/>
+            <a:r>
+              <a:rPr lang="en-US" smtClean="0"/>
+              <a:t>Third level</a:t>
+            </a:r>
+          </a:p>
+          <a:p>
+            <a:pPr lvl="3"/>
+            <a:r>
+              <a:rPr lang="en-US" smtClean="0"/>
+              <a:t>Fourth level</a:t>
+            </a:r>
+          </a:p>
+          <a:p>
+            <a:pPr lvl="4"/>
+            <a:r>
+              <a:rPr lang="en-US" smtClean="0"/>
+              <a:t>Fifth level</a:t>
+            </a:r>
+            <a:endParaRPr lang="en-US"/>
+          </a:p>
+        </p:txBody>
+      </p:sp>
+      <p:sp>
+        <p:nvSpPr>
+          <p:cNvPr id="6" name="Footer Placeholder 5"/>
+          <p:cNvSpPr>
+            <a:spLocks noGrp="1"/>
+          </p:cNvSpPr>
+          <p:nvPr>
+            <p:ph type="ftr" sz="quarter" idx="4"/>
+          </p:nvPr>
+        </p:nvSpPr>
+        <p:spPr>
+          <a:xfrm>
+            <a:off x="0" y="8685213"/>
+            <a:ext cx="2971800" cy="458787"/>
+          </a:xfrm>
+          <a:prstGeom prst="rect">
+            <a:avLst/>
+          </a:prstGeom>
+        </p:spPr>
+        <p:txBody>
+          <a:bodyPr vert="horz" lIns="91440" tIns="45720" rIns="91440" bIns="45720" rtlCol="0" anchor="b"/>
+          <a:lstStyle>
+            <a:lvl1pPr algn="l">
+              <a:defRPr sz="1200"/>
+            </a:lvl1pPr>
+          </a:lstStyle>
+          <a:p>
+            <a:endParaRPr lang="en-US"/>
+          </a:p>
+        </p:txBody>
+      </p:sp>
+      <p:sp>
+        <p:nvSpPr>
+          <p:cNvPr id="7" name="Slide Number Placeholder 6"/>
+          <p:cNvSpPr>
+            <a:spLocks noGrp="1"/>
+          </p:cNvSpPr>
+          <p:nvPr>
+            <p:ph type="sldNum" sz="quarter" idx="5"/>
+          </p:nvPr>
+        </p:nvSpPr>
+        <p:spPr>
+          <a:xfrm>
+            <a:off x="3884613" y="8685213"/>
+            <a:ext cx="2971800" cy="458787"/>
+          </a:xfrm>
+          <a:prstGeom prst="rect">
+            <a:avLst/>
+          </a:prstGeom>
+        </p:spPr>
+        <p:txBody>
+          <a:bodyPr vert="horz" lIns="91440" tIns="45720" rIns="91440" bIns="45720" rtlCol="0" anchor="b"/>
+          <a:lstStyle>
+            <a:lvl1pPr algn="r">
+              <a:defRPr sz="1200"/>
+            </a:lvl1pPr>
+          </a:lstStyle>
+          <a:p>
+            <a:fld id="{1982A5D1-5E82-4DD5-B3B7-B8C7CB2AAC77}" type="slidenum">
+              <a:rPr lang="en-US" smtClean="0"/>
+              <a:t>‹#›</a:t>
+            </a:fld>
+            <a:endParaRPr lang="en-US"/>
+          </a:p>
+        </p:txBody>
+      </p:sp>
+    </p:spTree>
+    <p:extLst>
+      <p:ext uri="{BB962C8B-B14F-4D97-AF65-F5344CB8AC3E}">
+        <p14:creationId xmlns:p14="http://schemas.microsoft.com/office/powerpoint/2010/main" val="1986070767"/>
+      </p:ext>
+    </p:extLst>
+  </p:cSld>
+  <p:clrMap bg1="lt1" tx1="dk1" bg2="lt2" tx2="dk2" accent1="accent1" accent2="accent2" accent3="accent3" accent4="accent4" accent5="accent5" accent6="accent6" hlink="hlink" folHlink="folHlink"/>
+  <p:notesStyle>
+    <a:lvl1pPr marL="0" algn="l" defTabSz="914400" rtl="0" eaLnBrk="1" latinLnBrk="0" hangingPunct="1">
+      <a:defRPr sz="1200" kern="1200">
+        <a:solidFill>
+          <a:schemeClr val="tx1"/>
+        </a:solidFill>
+        <a:latin typeface="+mn-lt"/>
+        <a:ea typeface="+mn-ea"/>
+        <a:cs typeface="+mn-cs"/>
+      </a:defRPr>
+    </a:lvl1pPr>
+    <a:lvl2pPr marL="457200" algn="l" defTabSz="914400" rtl="0" eaLnBrk="1" latinLnBrk="0" hangingPunct="1">
+      <a:defRPr sz="1200" kern="1200">
+        <a:solidFill>
+          <a:schemeClr val="tx1"/>
+        </a:solidFill>
+        <a:latin typeface="+mn-lt"/>
+        <a:ea typeface="+mn-ea"/>
+        <a:cs typeface="+mn-cs"/>
+      </a:defRPr>
+    </a:lvl2pPr>
+    <a:lvl3pPr marL="914400" algn="l" defTabSz="914400" rtl="0" eaLnBrk="1" latinLnBrk="0" hangingPunct="1">
+      <a:defRPr sz="1200" kern="1200">
+        <a:solidFill>
+          <a:schemeClr val="tx1"/>
+        </a:solidFill>
+        <a:latin typeface="+mn-lt"/>
+        <a:ea typeface="+mn-ea"/>
+        <a:cs typeface="+mn-cs"/>
+      </a:defRPr>
+    </a:lvl3pPr>
+    <a:lvl4pPr marL="1371600" algn="l" defTabSz="914400" rtl="0" eaLnBrk="1" latinLnBrk="0" hangingPunct="1">
+      <a:defRPr sz="1200" kern="1200">
+        <a:solidFill>
+          <a:schemeClr val="tx1"/>
+        </a:solidFill>
+        <a:latin typeface="+mn-lt"/>
+        <a:ea typeface="+mn-ea"/>
+        <a:cs typeface="+mn-cs"/>
+      </a:defRPr>
+    </a:lvl4pPr>
+    <a:lvl5pPr marL="1828800" algn="l" defTabSz="914400" rtl="0" eaLnBrk="1" latinLnBrk="0" hangingPunct="1">
+      <a:defRPr sz="1200" kern="1200">
+        <a:solidFill>
+          <a:schemeClr val="tx1"/>
+        </a:solidFill>
+        <a:latin typeface="+mn-lt"/>
+        <a:ea typeface="+mn-ea"/>
+        <a:cs typeface="+mn-cs"/>
+      </a:defRPr>
+    </a:lvl5pPr>
+    <a:lvl6pPr marL="2286000" algn="l" defTabSz="914400" rtl="0" eaLnBrk="1" latinLnBrk="0" hangingPunct="1">
+      <a:defRPr sz="1200" kern="1200">
+        <a:solidFill>
+          <a:schemeClr val="tx1"/>
+        </a:solidFill>
+        <a:latin typeface="+mn-lt"/>
+        <a:ea typeface="+mn-ea"/>
+        <a:cs typeface="+mn-cs"/>
+      </a:defRPr>
+    </a:lvl6pPr>
+    <a:lvl7pPr marL="2743200" algn="l" defTabSz="914400" rtl="0" eaLnBrk="1" latinLnBrk="0" hangingPunct="1">
+      <a:defRPr sz="1200" kern="1200">
+        <a:solidFill>
+          <a:schemeClr val="tx1"/>
+        </a:solidFill>
+        <a:latin typeface="+mn-lt"/>
+        <a:ea typeface="+mn-ea"/>
+        <a:cs typeface="+mn-cs"/>
+      </a:defRPr>
+    </a:lvl7pPr>
+    <a:lvl8pPr marL="3200400" algn="l" defTabSz="914400" rtl="0" eaLnBrk="1" latinLnBrk="0" hangingPunct="1">
+      <a:defRPr sz="1200" kern="1200">
+        <a:solidFill>
+          <a:schemeClr val="tx1"/>
+        </a:solidFill>
+        <a:latin typeface="+mn-lt"/>
+        <a:ea typeface="+mn-ea"/>
+        <a:cs typeface="+mn-cs"/>
+      </a:defRPr>
+    </a:lvl8pPr>
+    <a:lvl9pPr marL="3657600" algn="l" defTabSz="914400" rtl="0" eaLnBrk="1" latinLnBrk="0" hangingPunct="1">
+      <a:defRPr sz="1200" kern="1200">
+        <a:solidFill>
+          <a:schemeClr val="tx1"/>
+        </a:solidFill>
+        <a:latin typeface="+mn-lt"/>
+        <a:ea typeface="+mn-ea"/>
+        <a:cs typeface="+mn-cs"/>
+      </a:defRPr>
+    </a:lvl9pPr>
+  </p:notesStyle>
+</p:notesMaster>
+</file>
+
 <file path=ppt/slideLayouts/slideLayout1.xml><?xml version="1.0" encoding="utf-8"?>
 <p:sldLayout xmlns:a="http://schemas.openxmlformats.org/drawingml/2006/main" xmlns:r="http://schemas.openxmlformats.org/officeDocument/2006/relationships" xmlns:p="http://schemas.openxmlformats.org/presentationml/2006/main" type="title" preserve="1">
   <p:cSld name="Title Slide">
@@ -281,9 +639,9 @@
           <a:bodyPr/>
           <a:lstStyle/>
           <a:p>
-            <a:fld id="{319D1A90-29AA-4015-B376-FAD2ABCE9034}" type="datetimeFigureOut">
+            <a:fld id="{A1666509-81FA-4D6F-B08C-10B2AAC7CE23}" type="datetime1">
               <a:rPr lang="en-US" smtClean="0"/>
-              <a:t>9/18/2018</a:t>
+              <a:t>9/24/2018</a:t>
             </a:fld>
             <a:endParaRPr lang="en-US"/>
           </a:p>
@@ -479,9 +837,9 @@
           <a:bodyPr/>
           <a:lstStyle/>
           <a:p>
-            <a:fld id="{319D1A90-29AA-4015-B376-FAD2ABCE9034}" type="datetimeFigureOut">
+            <a:fld id="{E740DBFC-6945-4827-86DE-13808C3F336E}" type="datetime1">
               <a:rPr lang="en-US" smtClean="0"/>
-              <a:t>9/18/2018</a:t>
+              <a:t>9/24/2018</a:t>
             </a:fld>
             <a:endParaRPr lang="en-US"/>
           </a:p>
@@ -687,9 +1045,9 @@
           <a:bodyPr/>
           <a:lstStyle/>
           <a:p>
-            <a:fld id="{319D1A90-29AA-4015-B376-FAD2ABCE9034}" type="datetimeFigureOut">
+            <a:fld id="{DAB9A1D5-3B95-4310-9634-73181494B078}" type="datetime1">
               <a:rPr lang="en-US" smtClean="0"/>
-              <a:t>9/18/2018</a:t>
+              <a:t>9/24/2018</a:t>
             </a:fld>
             <a:endParaRPr lang="en-US"/>
           </a:p>
@@ -885,9 +1243,9 @@
           <a:bodyPr/>
           <a:lstStyle/>
           <a:p>
-            <a:fld id="{319D1A90-29AA-4015-B376-FAD2ABCE9034}" type="datetimeFigureOut">
+            <a:fld id="{9376DACA-9D23-41FE-854E-D9B8AF7EC986}" type="datetime1">
               <a:rPr lang="en-US" smtClean="0"/>
-              <a:t>9/18/2018</a:t>
+              <a:t>9/24/2018</a:t>
             </a:fld>
             <a:endParaRPr lang="en-US"/>
           </a:p>
@@ -1160,9 +1518,9 @@
           <a:bodyPr/>
           <a:lstStyle/>
           <a:p>
-            <a:fld id="{319D1A90-29AA-4015-B376-FAD2ABCE9034}" type="datetimeFigureOut">
+            <a:fld id="{F63BE69C-B08A-44D1-AC4E-3F8AFBBBBBB1}" type="datetime1">
               <a:rPr lang="en-US" smtClean="0"/>
-              <a:t>9/18/2018</a:t>
+              <a:t>9/24/2018</a:t>
             </a:fld>
             <a:endParaRPr lang="en-US"/>
           </a:p>
@@ -1425,9 +1783,9 @@
           <a:bodyPr/>
           <a:lstStyle/>
           <a:p>
-            <a:fld id="{319D1A90-29AA-4015-B376-FAD2ABCE9034}" type="datetimeFigureOut">
+            <a:fld id="{0F643761-95CC-4DFE-8359-3EF31B15A2EB}" type="datetime1">
               <a:rPr lang="en-US" smtClean="0"/>
-              <a:t>9/18/2018</a:t>
+              <a:t>9/24/2018</a:t>
             </a:fld>
             <a:endParaRPr lang="en-US"/>
           </a:p>
@@ -1837,9 +2195,9 @@
           <a:bodyPr/>
           <a:lstStyle/>
           <a:p>
-            <a:fld id="{319D1A90-29AA-4015-B376-FAD2ABCE9034}" type="datetimeFigureOut">
+            <a:fld id="{4A3C521B-6B77-4096-9308-7D6490CF5CFF}" type="datetime1">
               <a:rPr lang="en-US" smtClean="0"/>
-              <a:t>9/18/2018</a:t>
+              <a:t>9/24/2018</a:t>
             </a:fld>
             <a:endParaRPr lang="en-US"/>
           </a:p>
@@ -1978,9 +2336,9 @@
           <a:bodyPr/>
           <a:lstStyle/>
           <a:p>
-            <a:fld id="{319D1A90-29AA-4015-B376-FAD2ABCE9034}" type="datetimeFigureOut">
+            <a:fld id="{70E2DC10-394D-4254-BF9F-333A350A2283}" type="datetime1">
               <a:rPr lang="en-US" smtClean="0"/>
-              <a:t>9/18/2018</a:t>
+              <a:t>9/24/2018</a:t>
             </a:fld>
             <a:endParaRPr lang="en-US"/>
           </a:p>
@@ -2091,9 +2449,9 @@
           <a:bodyPr/>
           <a:lstStyle/>
           <a:p>
-            <a:fld id="{319D1A90-29AA-4015-B376-FAD2ABCE9034}" type="datetimeFigureOut">
+            <a:fld id="{CB8B4E43-A141-4F9C-ADE6-081E306300A1}" type="datetime1">
               <a:rPr lang="en-US" smtClean="0"/>
-              <a:t>9/18/2018</a:t>
+              <a:t>9/24/2018</a:t>
             </a:fld>
             <a:endParaRPr lang="en-US"/>
           </a:p>
@@ -2402,9 +2760,9 @@
           <a:bodyPr/>
           <a:lstStyle/>
           <a:p>
-            <a:fld id="{319D1A90-29AA-4015-B376-FAD2ABCE9034}" type="datetimeFigureOut">
+            <a:fld id="{1F92A9CA-C140-4819-8B7E-EBC587372D1B}" type="datetime1">
               <a:rPr lang="en-US" smtClean="0"/>
-              <a:t>9/18/2018</a:t>
+              <a:t>9/24/2018</a:t>
             </a:fld>
             <a:endParaRPr lang="en-US"/>
           </a:p>
@@ -2690,9 +3048,9 @@
           <a:bodyPr/>
           <a:lstStyle/>
           <a:p>
-            <a:fld id="{319D1A90-29AA-4015-B376-FAD2ABCE9034}" type="datetimeFigureOut">
+            <a:fld id="{AED0ED8F-7B68-4061-86A8-7054EDBD706B}" type="datetime1">
               <a:rPr lang="en-US" smtClean="0"/>
-              <a:t>9/18/2018</a:t>
+              <a:t>9/24/2018</a:t>
             </a:fld>
             <a:endParaRPr lang="en-US"/>
           </a:p>
@@ -2931,9 +3289,9 @@
             </a:lvl1pPr>
           </a:lstStyle>
           <a:p>
-            <a:fld id="{319D1A90-29AA-4015-B376-FAD2ABCE9034}" type="datetimeFigureOut">
+            <a:fld id="{BC7CF0D8-75C2-4E11-A265-F56901DA04A9}" type="datetime1">
               <a:rPr lang="en-US" smtClean="0"/>
-              <a:t>9/18/2018</a:t>
+              <a:t>9/24/2018</a:t>
             </a:fld>
             <a:endParaRPr lang="en-US"/>
           </a:p>
@@ -3050,6 +3408,7 @@
     <p:sldLayoutId id="2147483658" r:id="rId10"/>
     <p:sldLayoutId id="2147483659" r:id="rId11"/>
   </p:sldLayoutIdLst>
+  <p:hf hdr="0" ftr="0" dt="0"/>
   <p:txStyles>
     <p:titleStyle>
       <a:lvl1pPr algn="l" defTabSz="914400" rtl="0" eaLnBrk="1" latinLnBrk="0" hangingPunct="1">
@@ -3414,6 +3773,29 @@
           </a:p>
         </p:txBody>
       </p:sp>
+      <p:sp>
+        <p:nvSpPr>
+          <p:cNvPr id="4" name="Slide Number Placeholder 3"/>
+          <p:cNvSpPr>
+            <a:spLocks noGrp="1"/>
+          </p:cNvSpPr>
+          <p:nvPr>
+            <p:ph type="sldNum" sz="quarter" idx="12"/>
+          </p:nvPr>
+        </p:nvSpPr>
+        <p:spPr/>
+        <p:txBody>
+          <a:bodyPr/>
+          <a:lstStyle/>
+          <a:p>
+            <a:fld id="{C99E18DD-00CA-4CC1-A3F3-D24A5B61A133}" type="slidenum">
+              <a:rPr lang="en-US" smtClean="0"/>
+              <a:t>1</a:t>
+            </a:fld>
+            <a:endParaRPr lang="en-US"/>
+          </a:p>
+        </p:txBody>
+      </p:sp>
     </p:spTree>
     <p:extLst>
       <p:ext uri="{BB962C8B-B14F-4D97-AF65-F5344CB8AC3E}">
@@ -3600,6 +3982,29 @@
           </a:prstGeom>
         </p:spPr>
       </p:pic>
+      <p:sp>
+        <p:nvSpPr>
+          <p:cNvPr id="3" name="Slide Number Placeholder 2"/>
+          <p:cNvSpPr>
+            <a:spLocks noGrp="1"/>
+          </p:cNvSpPr>
+          <p:nvPr>
+            <p:ph type="sldNum" sz="quarter" idx="12"/>
+          </p:nvPr>
+        </p:nvSpPr>
+        <p:spPr/>
+        <p:txBody>
+          <a:bodyPr/>
+          <a:lstStyle/>
+          <a:p>
+            <a:fld id="{C99E18DD-00CA-4CC1-A3F3-D24A5B61A133}" type="slidenum">
+              <a:rPr lang="en-US" smtClean="0"/>
+              <a:t>10</a:t>
+            </a:fld>
+            <a:endParaRPr lang="en-US"/>
+          </a:p>
+        </p:txBody>
+      </p:sp>
     </p:spTree>
     <p:extLst>
       <p:ext uri="{BB962C8B-B14F-4D97-AF65-F5344CB8AC3E}">
@@ -3786,6 +4191,29 @@
           </a:prstGeom>
         </p:spPr>
       </p:pic>
+      <p:sp>
+        <p:nvSpPr>
+          <p:cNvPr id="3" name="Slide Number Placeholder 2"/>
+          <p:cNvSpPr>
+            <a:spLocks noGrp="1"/>
+          </p:cNvSpPr>
+          <p:nvPr>
+            <p:ph type="sldNum" sz="quarter" idx="12"/>
+          </p:nvPr>
+        </p:nvSpPr>
+        <p:spPr/>
+        <p:txBody>
+          <a:bodyPr/>
+          <a:lstStyle/>
+          <a:p>
+            <a:fld id="{C99E18DD-00CA-4CC1-A3F3-D24A5B61A133}" type="slidenum">
+              <a:rPr lang="en-US" smtClean="0"/>
+              <a:t>11</a:t>
+            </a:fld>
+            <a:endParaRPr lang="en-US"/>
+          </a:p>
+        </p:txBody>
+      </p:sp>
     </p:spTree>
     <p:extLst>
       <p:ext uri="{BB962C8B-B14F-4D97-AF65-F5344CB8AC3E}">
@@ -3980,6 +4408,29 @@
           </a:prstGeom>
         </p:spPr>
       </p:pic>
+      <p:sp>
+        <p:nvSpPr>
+          <p:cNvPr id="3" name="Slide Number Placeholder 2"/>
+          <p:cNvSpPr>
+            <a:spLocks noGrp="1"/>
+          </p:cNvSpPr>
+          <p:nvPr>
+            <p:ph type="sldNum" sz="quarter" idx="12"/>
+          </p:nvPr>
+        </p:nvSpPr>
+        <p:spPr/>
+        <p:txBody>
+          <a:bodyPr/>
+          <a:lstStyle/>
+          <a:p>
+            <a:fld id="{C99E18DD-00CA-4CC1-A3F3-D24A5B61A133}" type="slidenum">
+              <a:rPr lang="en-US" smtClean="0"/>
+              <a:t>12</a:t>
+            </a:fld>
+            <a:endParaRPr lang="en-US"/>
+          </a:p>
+        </p:txBody>
+      </p:sp>
     </p:spTree>
     <p:extLst>
       <p:ext uri="{BB962C8B-B14F-4D97-AF65-F5344CB8AC3E}">
@@ -4120,6 +4571,29 @@
               <a:rPr lang="en-US" sz="2000" dirty="0"/>
               <a:t>Note: Descriptive stats for RPE2 are not included in this ppt as it contains nearly the same trials as rpe1 (the exact RPE values change a little bit which is why the statistics differ)</a:t>
             </a:r>
+          </a:p>
+        </p:txBody>
+      </p:sp>
+      <p:sp>
+        <p:nvSpPr>
+          <p:cNvPr id="4" name="Slide Number Placeholder 3"/>
+          <p:cNvSpPr>
+            <a:spLocks noGrp="1"/>
+          </p:cNvSpPr>
+          <p:nvPr>
+            <p:ph type="sldNum" sz="quarter" idx="12"/>
+          </p:nvPr>
+        </p:nvSpPr>
+        <p:spPr/>
+        <p:txBody>
+          <a:bodyPr/>
+          <a:lstStyle/>
+          <a:p>
+            <a:fld id="{C99E18DD-00CA-4CC1-A3F3-D24A5B61A133}" type="slidenum">
+              <a:rPr lang="en-US" smtClean="0"/>
+              <a:t>13</a:t>
+            </a:fld>
+            <a:endParaRPr lang="en-US"/>
           </a:p>
         </p:txBody>
       </p:sp>
@@ -4498,6 +4972,29 @@
           </a:p>
         </p:txBody>
       </p:sp>
+      <p:sp>
+        <p:nvSpPr>
+          <p:cNvPr id="11" name="Slide Number Placeholder 10"/>
+          <p:cNvSpPr>
+            <a:spLocks noGrp="1"/>
+          </p:cNvSpPr>
+          <p:nvPr>
+            <p:ph type="sldNum" sz="quarter" idx="12"/>
+          </p:nvPr>
+        </p:nvSpPr>
+        <p:spPr/>
+        <p:txBody>
+          <a:bodyPr/>
+          <a:lstStyle/>
+          <a:p>
+            <a:fld id="{C99E18DD-00CA-4CC1-A3F3-D24A5B61A133}" type="slidenum">
+              <a:rPr lang="en-US" smtClean="0"/>
+              <a:t>14</a:t>
+            </a:fld>
+            <a:endParaRPr lang="en-US"/>
+          </a:p>
+        </p:txBody>
+      </p:sp>
     </p:spTree>
     <p:extLst>
       <p:ext uri="{BB962C8B-B14F-4D97-AF65-F5344CB8AC3E}">
@@ -4728,6 +5225,29 @@
           </a:prstGeom>
         </p:spPr>
       </p:pic>
+      <p:sp>
+        <p:nvSpPr>
+          <p:cNvPr id="2" name="Slide Number Placeholder 1"/>
+          <p:cNvSpPr>
+            <a:spLocks noGrp="1"/>
+          </p:cNvSpPr>
+          <p:nvPr>
+            <p:ph type="sldNum" sz="quarter" idx="12"/>
+          </p:nvPr>
+        </p:nvSpPr>
+        <p:spPr/>
+        <p:txBody>
+          <a:bodyPr/>
+          <a:lstStyle/>
+          <a:p>
+            <a:fld id="{C99E18DD-00CA-4CC1-A3F3-D24A5B61A133}" type="slidenum">
+              <a:rPr lang="en-US" smtClean="0"/>
+              <a:t>15</a:t>
+            </a:fld>
+            <a:endParaRPr lang="en-US"/>
+          </a:p>
+        </p:txBody>
+      </p:sp>
     </p:spTree>
     <p:extLst>
       <p:ext uri="{BB962C8B-B14F-4D97-AF65-F5344CB8AC3E}">
@@ -4952,6 +5472,29 @@
           </a:prstGeom>
         </p:spPr>
       </p:pic>
+      <p:sp>
+        <p:nvSpPr>
+          <p:cNvPr id="2" name="Slide Number Placeholder 1"/>
+          <p:cNvSpPr>
+            <a:spLocks noGrp="1"/>
+          </p:cNvSpPr>
+          <p:nvPr>
+            <p:ph type="sldNum" sz="quarter" idx="12"/>
+          </p:nvPr>
+        </p:nvSpPr>
+        <p:spPr/>
+        <p:txBody>
+          <a:bodyPr/>
+          <a:lstStyle/>
+          <a:p>
+            <a:fld id="{C99E18DD-00CA-4CC1-A3F3-D24A5B61A133}" type="slidenum">
+              <a:rPr lang="en-US" smtClean="0"/>
+              <a:t>16</a:t>
+            </a:fld>
+            <a:endParaRPr lang="en-US"/>
+          </a:p>
+        </p:txBody>
+      </p:sp>
     </p:spTree>
     <p:extLst>
       <p:ext uri="{BB962C8B-B14F-4D97-AF65-F5344CB8AC3E}">
@@ -5176,6 +5719,29 @@
           </a:prstGeom>
         </p:spPr>
       </p:pic>
+      <p:sp>
+        <p:nvSpPr>
+          <p:cNvPr id="8" name="Slide Number Placeholder 7"/>
+          <p:cNvSpPr>
+            <a:spLocks noGrp="1"/>
+          </p:cNvSpPr>
+          <p:nvPr>
+            <p:ph type="sldNum" sz="quarter" idx="12"/>
+          </p:nvPr>
+        </p:nvSpPr>
+        <p:spPr/>
+        <p:txBody>
+          <a:bodyPr/>
+          <a:lstStyle/>
+          <a:p>
+            <a:fld id="{C99E18DD-00CA-4CC1-A3F3-D24A5B61A133}" type="slidenum">
+              <a:rPr lang="en-US" smtClean="0"/>
+              <a:t>17</a:t>
+            </a:fld>
+            <a:endParaRPr lang="en-US"/>
+          </a:p>
+        </p:txBody>
+      </p:sp>
     </p:spTree>
     <p:extLst>
       <p:ext uri="{BB962C8B-B14F-4D97-AF65-F5344CB8AC3E}">
@@ -5400,6 +5966,29 @@
           </a:prstGeom>
         </p:spPr>
       </p:pic>
+      <p:sp>
+        <p:nvSpPr>
+          <p:cNvPr id="2" name="Slide Number Placeholder 1"/>
+          <p:cNvSpPr>
+            <a:spLocks noGrp="1"/>
+          </p:cNvSpPr>
+          <p:nvPr>
+            <p:ph type="sldNum" sz="quarter" idx="12"/>
+          </p:nvPr>
+        </p:nvSpPr>
+        <p:spPr/>
+        <p:txBody>
+          <a:bodyPr/>
+          <a:lstStyle/>
+          <a:p>
+            <a:fld id="{C99E18DD-00CA-4CC1-A3F3-D24A5B61A133}" type="slidenum">
+              <a:rPr lang="en-US" smtClean="0"/>
+              <a:t>18</a:t>
+            </a:fld>
+            <a:endParaRPr lang="en-US"/>
+          </a:p>
+        </p:txBody>
+      </p:sp>
     </p:spTree>
     <p:extLst>
       <p:ext uri="{BB962C8B-B14F-4D97-AF65-F5344CB8AC3E}">
@@ -5511,6 +6100,29 @@
           </a:p>
         </p:txBody>
       </p:sp>
+      <p:sp>
+        <p:nvSpPr>
+          <p:cNvPr id="4" name="Slide Number Placeholder 3"/>
+          <p:cNvSpPr>
+            <a:spLocks noGrp="1"/>
+          </p:cNvSpPr>
+          <p:nvPr>
+            <p:ph type="sldNum" sz="quarter" idx="12"/>
+          </p:nvPr>
+        </p:nvSpPr>
+        <p:spPr/>
+        <p:txBody>
+          <a:bodyPr/>
+          <a:lstStyle/>
+          <a:p>
+            <a:fld id="{C99E18DD-00CA-4CC1-A3F3-D24A5B61A133}" type="slidenum">
+              <a:rPr lang="en-US" smtClean="0"/>
+              <a:t>19</a:t>
+            </a:fld>
+            <a:endParaRPr lang="en-US"/>
+          </a:p>
+        </p:txBody>
+      </p:sp>
     </p:spTree>
     <p:extLst>
       <p:ext uri="{BB962C8B-B14F-4D97-AF65-F5344CB8AC3E}">
@@ -5615,6 +6227,29 @@
           </a:p>
         </p:txBody>
       </p:sp>
+      <p:sp>
+        <p:nvSpPr>
+          <p:cNvPr id="4" name="Slide Number Placeholder 3"/>
+          <p:cNvSpPr>
+            <a:spLocks noGrp="1"/>
+          </p:cNvSpPr>
+          <p:nvPr>
+            <p:ph type="sldNum" sz="quarter" idx="12"/>
+          </p:nvPr>
+        </p:nvSpPr>
+        <p:spPr/>
+        <p:txBody>
+          <a:bodyPr/>
+          <a:lstStyle/>
+          <a:p>
+            <a:fld id="{C99E18DD-00CA-4CC1-A3F3-D24A5B61A133}" type="slidenum">
+              <a:rPr lang="en-US" smtClean="0"/>
+              <a:t>2</a:t>
+            </a:fld>
+            <a:endParaRPr lang="en-US"/>
+          </a:p>
+        </p:txBody>
+      </p:sp>
     </p:spTree>
     <p:extLst>
       <p:ext uri="{BB962C8B-B14F-4D97-AF65-F5344CB8AC3E}">
@@ -5808,6 +6443,29 @@
           </a:prstGeom>
         </p:spPr>
       </p:pic>
+      <p:sp>
+        <p:nvSpPr>
+          <p:cNvPr id="2" name="Slide Number Placeholder 1"/>
+          <p:cNvSpPr>
+            <a:spLocks noGrp="1"/>
+          </p:cNvSpPr>
+          <p:nvPr>
+            <p:ph type="sldNum" sz="quarter" idx="12"/>
+          </p:nvPr>
+        </p:nvSpPr>
+        <p:spPr/>
+        <p:txBody>
+          <a:bodyPr/>
+          <a:lstStyle/>
+          <a:p>
+            <a:fld id="{C99E18DD-00CA-4CC1-A3F3-D24A5B61A133}" type="slidenum">
+              <a:rPr lang="en-US" smtClean="0"/>
+              <a:t>20</a:t>
+            </a:fld>
+            <a:endParaRPr lang="en-US"/>
+          </a:p>
+        </p:txBody>
+      </p:sp>
     </p:spTree>
     <p:extLst>
       <p:ext uri="{BB962C8B-B14F-4D97-AF65-F5344CB8AC3E}">
@@ -6392,6 +7050,29 @@
           </a:prstGeom>
         </p:spPr>
       </p:pic>
+      <p:sp>
+        <p:nvSpPr>
+          <p:cNvPr id="5" name="Slide Number Placeholder 4"/>
+          <p:cNvSpPr>
+            <a:spLocks noGrp="1"/>
+          </p:cNvSpPr>
+          <p:nvPr>
+            <p:ph type="sldNum" sz="quarter" idx="12"/>
+          </p:nvPr>
+        </p:nvSpPr>
+        <p:spPr/>
+        <p:txBody>
+          <a:bodyPr/>
+          <a:lstStyle/>
+          <a:p>
+            <a:fld id="{C99E18DD-00CA-4CC1-A3F3-D24A5B61A133}" type="slidenum">
+              <a:rPr lang="en-US" smtClean="0"/>
+              <a:t>21</a:t>
+            </a:fld>
+            <a:endParaRPr lang="en-US"/>
+          </a:p>
+        </p:txBody>
+      </p:sp>
     </p:spTree>
     <p:extLst>
       <p:ext uri="{BB962C8B-B14F-4D97-AF65-F5344CB8AC3E}">
@@ -6582,6 +7263,29 @@
           </a:prstGeom>
         </p:spPr>
       </p:pic>
+      <p:sp>
+        <p:nvSpPr>
+          <p:cNvPr id="2" name="Slide Number Placeholder 1"/>
+          <p:cNvSpPr>
+            <a:spLocks noGrp="1"/>
+          </p:cNvSpPr>
+          <p:nvPr>
+            <p:ph type="sldNum" sz="quarter" idx="12"/>
+          </p:nvPr>
+        </p:nvSpPr>
+        <p:spPr/>
+        <p:txBody>
+          <a:bodyPr/>
+          <a:lstStyle/>
+          <a:p>
+            <a:fld id="{C99E18DD-00CA-4CC1-A3F3-D24A5B61A133}" type="slidenum">
+              <a:rPr lang="en-US" smtClean="0"/>
+              <a:t>22</a:t>
+            </a:fld>
+            <a:endParaRPr lang="en-US"/>
+          </a:p>
+        </p:txBody>
+      </p:sp>
     </p:spTree>
     <p:extLst>
       <p:ext uri="{BB962C8B-B14F-4D97-AF65-F5344CB8AC3E}">
@@ -7187,6 +7891,29 @@
           </a:p>
         </p:txBody>
       </p:sp>
+      <p:sp>
+        <p:nvSpPr>
+          <p:cNvPr id="4" name="Slide Number Placeholder 3"/>
+          <p:cNvSpPr>
+            <a:spLocks noGrp="1"/>
+          </p:cNvSpPr>
+          <p:nvPr>
+            <p:ph type="sldNum" sz="quarter" idx="12"/>
+          </p:nvPr>
+        </p:nvSpPr>
+        <p:spPr/>
+        <p:txBody>
+          <a:bodyPr/>
+          <a:lstStyle/>
+          <a:p>
+            <a:fld id="{C99E18DD-00CA-4CC1-A3F3-D24A5B61A133}" type="slidenum">
+              <a:rPr lang="en-US" smtClean="0"/>
+              <a:t>23</a:t>
+            </a:fld>
+            <a:endParaRPr lang="en-US"/>
+          </a:p>
+        </p:txBody>
+      </p:sp>
     </p:spTree>
     <p:extLst>
       <p:ext uri="{BB962C8B-B14F-4D97-AF65-F5344CB8AC3E}">
@@ -7380,6 +8107,29 @@
           </a:prstGeom>
         </p:spPr>
       </p:pic>
+      <p:sp>
+        <p:nvSpPr>
+          <p:cNvPr id="5" name="Slide Number Placeholder 4"/>
+          <p:cNvSpPr>
+            <a:spLocks noGrp="1"/>
+          </p:cNvSpPr>
+          <p:nvPr>
+            <p:ph type="sldNum" sz="quarter" idx="12"/>
+          </p:nvPr>
+        </p:nvSpPr>
+        <p:spPr/>
+        <p:txBody>
+          <a:bodyPr/>
+          <a:lstStyle/>
+          <a:p>
+            <a:fld id="{C99E18DD-00CA-4CC1-A3F3-D24A5B61A133}" type="slidenum">
+              <a:rPr lang="en-US" smtClean="0"/>
+              <a:t>24</a:t>
+            </a:fld>
+            <a:endParaRPr lang="en-US"/>
+          </a:p>
+        </p:txBody>
+      </p:sp>
     </p:spTree>
     <p:extLst>
       <p:ext uri="{BB962C8B-B14F-4D97-AF65-F5344CB8AC3E}">
@@ -7537,128 +8287,6 @@
       </p:graphicFrame>
       <p:sp>
         <p:nvSpPr>
-          <p:cNvPr id="3" name="TextBox 2">
-            <a:extLst>
-              <a:ext uri="{FF2B5EF4-FFF2-40B4-BE49-F238E27FC236}">
-                <a16:creationId xmlns:a16="http://schemas.microsoft.com/office/drawing/2014/main" id="{A871DE8C-306E-4CD7-8380-5162E82C9711}"/>
-              </a:ext>
-            </a:extLst>
-          </p:cNvPr>
-          <p:cNvSpPr txBox="1"/>
-          <p:nvPr/>
-        </p:nvSpPr>
-        <p:spPr>
-          <a:xfrm>
-            <a:off x="55384" y="1813557"/>
-            <a:ext cx="1674497" cy="1200329"/>
-          </a:xfrm>
-          <a:prstGeom prst="rect">
-            <a:avLst/>
-          </a:prstGeom>
-          <a:noFill/>
-        </p:spPr>
-        <p:txBody>
-          <a:bodyPr wrap="none" rtlCol="0">
-            <a:spAutoFit/>
-          </a:bodyPr>
-          <a:lstStyle/>
-          <a:p>
-            <a:r>
-              <a:rPr lang="en-US" dirty="0"/>
-              <a:t>Behavior (how </a:t>
-            </a:r>
-          </a:p>
-          <a:p>
-            <a:r>
-              <a:rPr lang="en-US" dirty="0"/>
-              <a:t>much did EACH </a:t>
-            </a:r>
-          </a:p>
-          <a:p>
-            <a:r>
-              <a:rPr lang="en-US" dirty="0"/>
-              <a:t>participant</a:t>
-            </a:r>
-          </a:p>
-          <a:p>
-            <a:r>
-              <a:rPr lang="en-US" dirty="0"/>
-              <a:t> gamble)</a:t>
-            </a:r>
-          </a:p>
-        </p:txBody>
-      </p:sp>
-      <p:sp>
-        <p:nvSpPr>
-          <p:cNvPr id="14" name="TextBox 13">
-            <a:extLst>
-              <a:ext uri="{FF2B5EF4-FFF2-40B4-BE49-F238E27FC236}">
-                <a16:creationId xmlns:a16="http://schemas.microsoft.com/office/drawing/2014/main" id="{2C106A64-8C90-4C29-93CA-61BE369E3B5B}"/>
-              </a:ext>
-            </a:extLst>
-          </p:cNvPr>
-          <p:cNvSpPr txBox="1"/>
-          <p:nvPr/>
-        </p:nvSpPr>
-        <p:spPr>
-          <a:xfrm>
-            <a:off x="68208" y="3629475"/>
-            <a:ext cx="1674497" cy="1754326"/>
-          </a:xfrm>
-          <a:prstGeom prst="rect">
-            <a:avLst/>
-          </a:prstGeom>
-          <a:noFill/>
-        </p:spPr>
-        <p:txBody>
-          <a:bodyPr wrap="none" rtlCol="0">
-            <a:spAutoFit/>
-          </a:bodyPr>
-          <a:lstStyle/>
-          <a:p>
-            <a:r>
-              <a:rPr lang="en-US" dirty="0"/>
-              <a:t>Behavior (how </a:t>
-            </a:r>
-          </a:p>
-          <a:p>
-            <a:r>
-              <a:rPr lang="en-US" dirty="0"/>
-              <a:t>much did EACH </a:t>
-            </a:r>
-          </a:p>
-          <a:p>
-            <a:r>
-              <a:rPr lang="en-US" dirty="0"/>
-              <a:t>participant</a:t>
-            </a:r>
-          </a:p>
-          <a:p>
-            <a:r>
-              <a:rPr lang="en-US" dirty="0"/>
-              <a:t> gamble as a </a:t>
-            </a:r>
-          </a:p>
-          <a:p>
-            <a:r>
-              <a:rPr lang="en-US" dirty="0"/>
-              <a:t>function of </a:t>
-            </a:r>
-          </a:p>
-          <a:p>
-            <a:r>
-              <a:rPr lang="en-US" dirty="0" err="1"/>
-              <a:t>gambleDelay</a:t>
-            </a:r>
-            <a:r>
-              <a:rPr lang="en-US" dirty="0"/>
-              <a:t>)</a:t>
-            </a:r>
-          </a:p>
-        </p:txBody>
-      </p:sp>
-      <p:sp>
-        <p:nvSpPr>
           <p:cNvPr id="8" name="TextBox 7">
             <a:extLst>
               <a:ext uri="{FF2B5EF4-FFF2-40B4-BE49-F238E27FC236}">
@@ -7985,10 +8613,1935 @@
           </a:prstGeom>
         </p:spPr>
       </p:pic>
+      <p:sp>
+        <p:nvSpPr>
+          <p:cNvPr id="22" name="TextBox 21">
+            <a:extLst>
+              <a:ext uri="{FF2B5EF4-FFF2-40B4-BE49-F238E27FC236}">
+                <a16:creationId xmlns:a16="http://schemas.microsoft.com/office/drawing/2014/main" id="{A871DE8C-306E-4CD7-8380-5162E82C9711}"/>
+              </a:ext>
+            </a:extLst>
+          </p:cNvPr>
+          <p:cNvSpPr txBox="1"/>
+          <p:nvPr/>
+        </p:nvSpPr>
+        <p:spPr>
+          <a:xfrm>
+            <a:off x="146503" y="4022426"/>
+            <a:ext cx="1521379" cy="923330"/>
+          </a:xfrm>
+          <a:prstGeom prst="rect">
+            <a:avLst/>
+          </a:prstGeom>
+          <a:noFill/>
+        </p:spPr>
+        <p:txBody>
+          <a:bodyPr wrap="none" rtlCol="0">
+            <a:spAutoFit/>
+          </a:bodyPr>
+          <a:lstStyle/>
+          <a:p>
+            <a:r>
+              <a:rPr lang="en-US" dirty="0" smtClean="0"/>
+              <a:t>How often did</a:t>
+            </a:r>
+          </a:p>
+          <a:p>
+            <a:r>
+              <a:rPr lang="en-US" dirty="0"/>
+              <a:t>t</a:t>
+            </a:r>
+            <a:r>
+              <a:rPr lang="en-US" dirty="0" smtClean="0"/>
+              <a:t>hey choose </a:t>
+            </a:r>
+          </a:p>
+          <a:p>
+            <a:r>
+              <a:rPr lang="en-US" dirty="0"/>
+              <a:t>t</a:t>
+            </a:r>
+            <a:r>
+              <a:rPr lang="en-US" dirty="0" smtClean="0"/>
+              <a:t>o gamble</a:t>
+            </a:r>
+            <a:endParaRPr lang="en-US" dirty="0"/>
+          </a:p>
+        </p:txBody>
+      </p:sp>
+      <p:sp>
+        <p:nvSpPr>
+          <p:cNvPr id="23" name="TextBox 22">
+            <a:extLst>
+              <a:ext uri="{FF2B5EF4-FFF2-40B4-BE49-F238E27FC236}">
+                <a16:creationId xmlns:a16="http://schemas.microsoft.com/office/drawing/2014/main" id="{A871DE8C-306E-4CD7-8380-5162E82C9711}"/>
+              </a:ext>
+            </a:extLst>
+          </p:cNvPr>
+          <p:cNvSpPr txBox="1"/>
+          <p:nvPr/>
+        </p:nvSpPr>
+        <p:spPr>
+          <a:xfrm>
+            <a:off x="68208" y="1699335"/>
+            <a:ext cx="1674497" cy="1477328"/>
+          </a:xfrm>
+          <a:prstGeom prst="rect">
+            <a:avLst/>
+          </a:prstGeom>
+          <a:noFill/>
+        </p:spPr>
+        <p:txBody>
+          <a:bodyPr wrap="none" rtlCol="0">
+            <a:spAutoFit/>
+          </a:bodyPr>
+          <a:lstStyle/>
+          <a:p>
+            <a:r>
+              <a:rPr lang="en-US" dirty="0"/>
+              <a:t>Behavior (how </a:t>
+            </a:r>
+          </a:p>
+          <a:p>
+            <a:r>
+              <a:rPr lang="en-US" dirty="0"/>
+              <a:t>much did EACH </a:t>
+            </a:r>
+          </a:p>
+          <a:p>
+            <a:r>
+              <a:rPr lang="en-US" dirty="0"/>
+              <a:t>participant</a:t>
+            </a:r>
+          </a:p>
+          <a:p>
+            <a:r>
+              <a:rPr lang="en-US" dirty="0"/>
+              <a:t> </a:t>
+            </a:r>
+            <a:r>
+              <a:rPr lang="en-US" dirty="0" smtClean="0"/>
+              <a:t>gamble over</a:t>
+            </a:r>
+          </a:p>
+          <a:p>
+            <a:r>
+              <a:rPr lang="en-US" dirty="0" err="1" smtClean="0"/>
+              <a:t>gambleDelay</a:t>
+            </a:r>
+            <a:r>
+              <a:rPr lang="en-US" dirty="0" smtClean="0"/>
+              <a:t>)</a:t>
+            </a:r>
+            <a:endParaRPr lang="en-US" dirty="0"/>
+          </a:p>
+        </p:txBody>
+      </p:sp>
+      <p:sp>
+        <p:nvSpPr>
+          <p:cNvPr id="5" name="Slide Number Placeholder 4"/>
+          <p:cNvSpPr>
+            <a:spLocks noGrp="1"/>
+          </p:cNvSpPr>
+          <p:nvPr>
+            <p:ph type="sldNum" sz="quarter" idx="12"/>
+          </p:nvPr>
+        </p:nvSpPr>
+        <p:spPr/>
+        <p:txBody>
+          <a:bodyPr/>
+          <a:lstStyle/>
+          <a:p>
+            <a:fld id="{C99E18DD-00CA-4CC1-A3F3-D24A5B61A133}" type="slidenum">
+              <a:rPr lang="en-US" smtClean="0"/>
+              <a:t>25</a:t>
+            </a:fld>
+            <a:endParaRPr lang="en-US"/>
+          </a:p>
+        </p:txBody>
+      </p:sp>
     </p:spTree>
     <p:extLst>
       <p:ext uri="{BB962C8B-B14F-4D97-AF65-F5344CB8AC3E}">
         <p14:creationId xmlns:p14="http://schemas.microsoft.com/office/powerpoint/2010/main" val="579262954"/>
+      </p:ext>
+    </p:extLst>
+  </p:cSld>
+  <p:clrMapOvr>
+    <a:masterClrMapping/>
+  </p:clrMapOvr>
+</p:sld>
+</file>
+
+<file path=ppt/slides/slide26.xml><?xml version="1.0" encoding="utf-8"?>
+<p:sld xmlns:a="http://schemas.openxmlformats.org/drawingml/2006/main" xmlns:r="http://schemas.openxmlformats.org/officeDocument/2006/relationships" xmlns:p="http://schemas.openxmlformats.org/presentationml/2006/main">
+  <p:cSld>
+    <p:spTree>
+      <p:nvGrpSpPr>
+        <p:cNvPr id="1" name=""/>
+        <p:cNvGrpSpPr/>
+        <p:nvPr/>
+      </p:nvGrpSpPr>
+      <p:grpSpPr>
+        <a:xfrm>
+          <a:off x="0" y="0"/>
+          <a:ext cx="0" cy="0"/>
+          <a:chOff x="0" y="0"/>
+          <a:chExt cx="0" cy="0"/>
+        </a:xfrm>
+      </p:grpSpPr>
+      <p:graphicFrame>
+        <p:nvGraphicFramePr>
+          <p:cNvPr id="2" name="Table 1">
+            <a:extLst>
+              <a:ext uri="{FF2B5EF4-FFF2-40B4-BE49-F238E27FC236}">
+                <a16:creationId xmlns:a16="http://schemas.microsoft.com/office/drawing/2014/main" id="{2ED7B89D-5921-4400-A295-C555B35553D2}"/>
+              </a:ext>
+            </a:extLst>
+          </p:cNvPr>
+          <p:cNvGraphicFramePr>
+            <a:graphicFrameLocks noGrp="1"/>
+          </p:cNvGraphicFramePr>
+          <p:nvPr/>
+        </p:nvGraphicFramePr>
+        <p:xfrm>
+          <a:off x="1640769" y="1326523"/>
+          <a:ext cx="10424231" cy="4168450"/>
+        </p:xfrm>
+        <a:graphic>
+          <a:graphicData uri="http://schemas.openxmlformats.org/drawingml/2006/table">
+            <a:tbl>
+              <a:tblPr firstRow="1" bandRow="1">
+                <a:tableStyleId>{5940675A-B579-460E-94D1-54222C63F5DA}</a:tableStyleId>
+              </a:tblPr>
+              <a:tblGrid>
+                <a:gridCol w="3251867">
+                  <a:extLst>
+                    <a:ext uri="{9D8B030D-6E8A-4147-A177-3AD203B41FA5}">
+                      <a16:colId xmlns:a16="http://schemas.microsoft.com/office/drawing/2014/main" val="585842680"/>
+                    </a:ext>
+                  </a:extLst>
+                </a:gridCol>
+                <a:gridCol w="3755241">
+                  <a:extLst>
+                    <a:ext uri="{9D8B030D-6E8A-4147-A177-3AD203B41FA5}">
+                      <a16:colId xmlns:a16="http://schemas.microsoft.com/office/drawing/2014/main" val="3734258692"/>
+                    </a:ext>
+                  </a:extLst>
+                </a:gridCol>
+                <a:gridCol w="3417123">
+                  <a:extLst>
+                    <a:ext uri="{9D8B030D-6E8A-4147-A177-3AD203B41FA5}">
+                      <a16:colId xmlns:a16="http://schemas.microsoft.com/office/drawing/2014/main" val="750417418"/>
+                    </a:ext>
+                  </a:extLst>
+                </a:gridCol>
+              </a:tblGrid>
+              <a:tr h="2204077">
+                <a:tc>
+                  <a:txBody>
+                    <a:bodyPr/>
+                    <a:lstStyle/>
+                    <a:p>
+                      <a:endParaRPr lang="en-US" dirty="0"/>
+                    </a:p>
+                  </a:txBody>
+                  <a:tcPr/>
+                </a:tc>
+                <a:tc>
+                  <a:txBody>
+                    <a:bodyPr/>
+                    <a:lstStyle/>
+                    <a:p>
+                      <a:endParaRPr lang="en-US"/>
+                    </a:p>
+                  </a:txBody>
+                  <a:tcPr/>
+                </a:tc>
+                <a:tc>
+                  <a:txBody>
+                    <a:bodyPr/>
+                    <a:lstStyle/>
+                    <a:p>
+                      <a:endParaRPr lang="en-US" dirty="0"/>
+                    </a:p>
+                  </a:txBody>
+                  <a:tcPr/>
+                </a:tc>
+                <a:extLst>
+                  <a:ext uri="{0D108BD9-81ED-4DB2-BD59-A6C34878D82A}">
+                    <a16:rowId xmlns:a16="http://schemas.microsoft.com/office/drawing/2014/main" val="3280388839"/>
+                  </a:ext>
+                </a:extLst>
+              </a:tr>
+              <a:tr h="1964373">
+                <a:tc>
+                  <a:txBody>
+                    <a:bodyPr/>
+                    <a:lstStyle/>
+                    <a:p>
+                      <a:endParaRPr lang="en-US" dirty="0"/>
+                    </a:p>
+                  </a:txBody>
+                  <a:tcPr/>
+                </a:tc>
+                <a:tc>
+                  <a:txBody>
+                    <a:bodyPr/>
+                    <a:lstStyle/>
+                    <a:p>
+                      <a:endParaRPr lang="en-US" dirty="0"/>
+                    </a:p>
+                  </a:txBody>
+                  <a:tcPr/>
+                </a:tc>
+                <a:tc>
+                  <a:txBody>
+                    <a:bodyPr/>
+                    <a:lstStyle/>
+                    <a:p>
+                      <a:endParaRPr lang="en-US" dirty="0"/>
+                    </a:p>
+                  </a:txBody>
+                  <a:tcPr/>
+                </a:tc>
+                <a:extLst>
+                  <a:ext uri="{0D108BD9-81ED-4DB2-BD59-A6C34878D82A}">
+                    <a16:rowId xmlns:a16="http://schemas.microsoft.com/office/drawing/2014/main" val="2411145179"/>
+                  </a:ext>
+                </a:extLst>
+              </a:tr>
+            </a:tbl>
+          </a:graphicData>
+        </a:graphic>
+      </p:graphicFrame>
+      <p:sp>
+        <p:nvSpPr>
+          <p:cNvPr id="3" name="TextBox 2">
+            <a:extLst>
+              <a:ext uri="{FF2B5EF4-FFF2-40B4-BE49-F238E27FC236}">
+                <a16:creationId xmlns:a16="http://schemas.microsoft.com/office/drawing/2014/main" id="{A871DE8C-306E-4CD7-8380-5162E82C9711}"/>
+              </a:ext>
+            </a:extLst>
+          </p:cNvPr>
+          <p:cNvSpPr txBox="1"/>
+          <p:nvPr/>
+        </p:nvSpPr>
+        <p:spPr>
+          <a:xfrm>
+            <a:off x="55384" y="1813557"/>
+            <a:ext cx="1512915" cy="923330"/>
+          </a:xfrm>
+          <a:prstGeom prst="rect">
+            <a:avLst/>
+          </a:prstGeom>
+          <a:noFill/>
+        </p:spPr>
+        <p:txBody>
+          <a:bodyPr wrap="none" rtlCol="0">
+            <a:spAutoFit/>
+          </a:bodyPr>
+          <a:lstStyle/>
+          <a:p>
+            <a:r>
+              <a:rPr lang="en-US" dirty="0"/>
+              <a:t>Behavior </a:t>
+            </a:r>
+            <a:r>
+              <a:rPr lang="en-US" dirty="0" smtClean="0"/>
+              <a:t>(This</a:t>
+            </a:r>
+          </a:p>
+          <a:p>
+            <a:r>
+              <a:rPr lang="en-US" dirty="0" smtClean="0"/>
+              <a:t>row is same</a:t>
+            </a:r>
+          </a:p>
+          <a:p>
+            <a:r>
+              <a:rPr lang="en-US" dirty="0"/>
+              <a:t>a</a:t>
+            </a:r>
+            <a:r>
+              <a:rPr lang="en-US" dirty="0" smtClean="0"/>
+              <a:t>s last page)</a:t>
+            </a:r>
+            <a:endParaRPr lang="en-US" dirty="0"/>
+          </a:p>
+        </p:txBody>
+      </p:sp>
+      <p:sp>
+        <p:nvSpPr>
+          <p:cNvPr id="14" name="TextBox 13">
+            <a:extLst>
+              <a:ext uri="{FF2B5EF4-FFF2-40B4-BE49-F238E27FC236}">
+                <a16:creationId xmlns:a16="http://schemas.microsoft.com/office/drawing/2014/main" id="{2C106A64-8C90-4C29-93CA-61BE369E3B5B}"/>
+              </a:ext>
+            </a:extLst>
+          </p:cNvPr>
+          <p:cNvSpPr txBox="1"/>
+          <p:nvPr/>
+        </p:nvSpPr>
+        <p:spPr>
+          <a:xfrm>
+            <a:off x="160409" y="4343501"/>
+            <a:ext cx="1300677" cy="369332"/>
+          </a:xfrm>
+          <a:prstGeom prst="rect">
+            <a:avLst/>
+          </a:prstGeom>
+          <a:noFill/>
+        </p:spPr>
+        <p:txBody>
+          <a:bodyPr wrap="none" rtlCol="0">
+            <a:spAutoFit/>
+          </a:bodyPr>
+          <a:lstStyle/>
+          <a:p>
+            <a:r>
+              <a:rPr lang="en-US" dirty="0"/>
+              <a:t>Behavior </a:t>
+            </a:r>
+            <a:r>
+              <a:rPr lang="en-US" dirty="0" smtClean="0"/>
+              <a:t>RT</a:t>
+            </a:r>
+            <a:endParaRPr lang="en-US" dirty="0"/>
+          </a:p>
+        </p:txBody>
+      </p:sp>
+      <p:sp>
+        <p:nvSpPr>
+          <p:cNvPr id="8" name="TextBox 7">
+            <a:extLst>
+              <a:ext uri="{FF2B5EF4-FFF2-40B4-BE49-F238E27FC236}">
+                <a16:creationId xmlns:a16="http://schemas.microsoft.com/office/drawing/2014/main" id="{55E6589A-D0B5-480C-8417-F9D9EED7B29E}"/>
+              </a:ext>
+            </a:extLst>
+          </p:cNvPr>
+          <p:cNvSpPr txBox="1"/>
+          <p:nvPr/>
+        </p:nvSpPr>
+        <p:spPr>
+          <a:xfrm>
+            <a:off x="2712293" y="900807"/>
+            <a:ext cx="1107098" cy="369332"/>
+          </a:xfrm>
+          <a:prstGeom prst="rect">
+            <a:avLst/>
+          </a:prstGeom>
+          <a:noFill/>
+        </p:spPr>
+        <p:txBody>
+          <a:bodyPr wrap="none" rtlCol="0">
+            <a:spAutoFit/>
+          </a:bodyPr>
+          <a:lstStyle/>
+          <a:p>
+            <a:r>
+              <a:rPr lang="en-US" dirty="0"/>
+              <a:t>Low Odds</a:t>
+            </a:r>
+          </a:p>
+        </p:txBody>
+      </p:sp>
+      <p:sp>
+        <p:nvSpPr>
+          <p:cNvPr id="15" name="TextBox 14">
+            <a:extLst>
+              <a:ext uri="{FF2B5EF4-FFF2-40B4-BE49-F238E27FC236}">
+                <a16:creationId xmlns:a16="http://schemas.microsoft.com/office/drawing/2014/main" id="{470207DF-6DAD-475B-AB69-BB3682C619F7}"/>
+              </a:ext>
+            </a:extLst>
+          </p:cNvPr>
+          <p:cNvSpPr txBox="1"/>
+          <p:nvPr/>
+        </p:nvSpPr>
+        <p:spPr>
+          <a:xfrm>
+            <a:off x="6178249" y="900807"/>
+            <a:ext cx="1095172" cy="369332"/>
+          </a:xfrm>
+          <a:prstGeom prst="rect">
+            <a:avLst/>
+          </a:prstGeom>
+          <a:noFill/>
+        </p:spPr>
+        <p:txBody>
+          <a:bodyPr wrap="none" rtlCol="0">
+            <a:spAutoFit/>
+          </a:bodyPr>
+          <a:lstStyle/>
+          <a:p>
+            <a:r>
+              <a:rPr lang="en-US" dirty="0"/>
+              <a:t>Mid Odds</a:t>
+            </a:r>
+          </a:p>
+        </p:txBody>
+      </p:sp>
+      <p:sp>
+        <p:nvSpPr>
+          <p:cNvPr id="16" name="TextBox 15">
+            <a:extLst>
+              <a:ext uri="{FF2B5EF4-FFF2-40B4-BE49-F238E27FC236}">
+                <a16:creationId xmlns:a16="http://schemas.microsoft.com/office/drawing/2014/main" id="{EDF50C3E-58A3-4447-A366-0735F89B750B}"/>
+              </a:ext>
+            </a:extLst>
+          </p:cNvPr>
+          <p:cNvSpPr txBox="1"/>
+          <p:nvPr/>
+        </p:nvSpPr>
+        <p:spPr>
+          <a:xfrm>
+            <a:off x="9821700" y="900807"/>
+            <a:ext cx="1151277" cy="369332"/>
+          </a:xfrm>
+          <a:prstGeom prst="rect">
+            <a:avLst/>
+          </a:prstGeom>
+          <a:noFill/>
+        </p:spPr>
+        <p:txBody>
+          <a:bodyPr wrap="none" rtlCol="0">
+            <a:spAutoFit/>
+          </a:bodyPr>
+          <a:lstStyle/>
+          <a:p>
+            <a:r>
+              <a:rPr lang="en-US" dirty="0"/>
+              <a:t>High Odds</a:t>
+            </a:r>
+          </a:p>
+        </p:txBody>
+      </p:sp>
+      <p:sp>
+        <p:nvSpPr>
+          <p:cNvPr id="17" name="TextBox 16">
+            <a:extLst>
+              <a:ext uri="{FF2B5EF4-FFF2-40B4-BE49-F238E27FC236}">
+                <a16:creationId xmlns:a16="http://schemas.microsoft.com/office/drawing/2014/main" id="{0029DDFA-48AA-438A-A6B8-89E4A48AC505}"/>
+              </a:ext>
+            </a:extLst>
+          </p:cNvPr>
+          <p:cNvSpPr txBox="1"/>
+          <p:nvPr/>
+        </p:nvSpPr>
+        <p:spPr>
+          <a:xfrm>
+            <a:off x="277232" y="136708"/>
+            <a:ext cx="7264809" cy="369332"/>
+          </a:xfrm>
+          <a:prstGeom prst="rect">
+            <a:avLst/>
+          </a:prstGeom>
+          <a:noFill/>
+        </p:spPr>
+        <p:txBody>
+          <a:bodyPr wrap="none" rtlCol="0">
+            <a:spAutoFit/>
+          </a:bodyPr>
+          <a:lstStyle/>
+          <a:p>
+            <a:r>
+              <a:rPr lang="en-US" dirty="0"/>
+              <a:t>Participants who show RT ramping n=13 (i.e. RT is affected by </a:t>
+            </a:r>
+            <a:r>
+              <a:rPr lang="en-US" dirty="0" err="1"/>
+              <a:t>gambleDelay</a:t>
+            </a:r>
+            <a:r>
+              <a:rPr lang="en-US" dirty="0"/>
+              <a:t>)</a:t>
+            </a:r>
+          </a:p>
+        </p:txBody>
+      </p:sp>
+      <p:pic>
+        <p:nvPicPr>
+          <p:cNvPr id="4" name="Picture 3">
+            <a:extLst>
+              <a:ext uri="{FF2B5EF4-FFF2-40B4-BE49-F238E27FC236}">
+                <a16:creationId xmlns:a16="http://schemas.microsoft.com/office/drawing/2014/main" id="{E3270FA2-FB12-4DE0-A55B-D2A26E85FB20}"/>
+              </a:ext>
+            </a:extLst>
+          </p:cNvPr>
+          <p:cNvPicPr>
+            <a:picLocks noChangeAspect="1"/>
+          </p:cNvPicPr>
+          <p:nvPr/>
+        </p:nvPicPr>
+        <p:blipFill>
+          <a:blip r:embed="rId2"/>
+          <a:stretch>
+            <a:fillRect/>
+          </a:stretch>
+        </p:blipFill>
+        <p:spPr>
+          <a:xfrm>
+            <a:off x="1742705" y="1689862"/>
+            <a:ext cx="2925273" cy="1486801"/>
+          </a:xfrm>
+          <a:prstGeom prst="rect">
+            <a:avLst/>
+          </a:prstGeom>
+        </p:spPr>
+      </p:pic>
+      <p:pic>
+        <p:nvPicPr>
+          <p:cNvPr id="18" name="Picture 17">
+            <a:extLst>
+              <a:ext uri="{FF2B5EF4-FFF2-40B4-BE49-F238E27FC236}">
+                <a16:creationId xmlns:a16="http://schemas.microsoft.com/office/drawing/2014/main" id="{67134C77-3E7D-48FA-BD90-6119D18DAF3F}"/>
+              </a:ext>
+            </a:extLst>
+          </p:cNvPr>
+          <p:cNvPicPr>
+            <a:picLocks noChangeAspect="1"/>
+          </p:cNvPicPr>
+          <p:nvPr/>
+        </p:nvPicPr>
+        <p:blipFill>
+          <a:blip r:embed="rId3"/>
+          <a:stretch>
+            <a:fillRect/>
+          </a:stretch>
+        </p:blipFill>
+        <p:spPr>
+          <a:xfrm>
+            <a:off x="5064218" y="1556301"/>
+            <a:ext cx="3446002" cy="1751466"/>
+          </a:xfrm>
+          <a:prstGeom prst="rect">
+            <a:avLst/>
+          </a:prstGeom>
+        </p:spPr>
+      </p:pic>
+      <p:pic>
+        <p:nvPicPr>
+          <p:cNvPr id="20" name="Picture 19">
+            <a:extLst>
+              <a:ext uri="{FF2B5EF4-FFF2-40B4-BE49-F238E27FC236}">
+                <a16:creationId xmlns:a16="http://schemas.microsoft.com/office/drawing/2014/main" id="{9F6DE435-4F03-4920-9F13-07ED66A3DC37}"/>
+              </a:ext>
+            </a:extLst>
+          </p:cNvPr>
+          <p:cNvPicPr>
+            <a:picLocks noChangeAspect="1"/>
+          </p:cNvPicPr>
+          <p:nvPr/>
+        </p:nvPicPr>
+        <p:blipFill>
+          <a:blip r:embed="rId4"/>
+          <a:stretch>
+            <a:fillRect/>
+          </a:stretch>
+        </p:blipFill>
+        <p:spPr>
+          <a:xfrm>
+            <a:off x="8739844" y="1622890"/>
+            <a:ext cx="3314987" cy="1684877"/>
+          </a:xfrm>
+          <a:prstGeom prst="rect">
+            <a:avLst/>
+          </a:prstGeom>
+        </p:spPr>
+      </p:pic>
+      <p:pic>
+        <p:nvPicPr>
+          <p:cNvPr id="9" name="Picture 8"/>
+          <p:cNvPicPr>
+            <a:picLocks noChangeAspect="1"/>
+          </p:cNvPicPr>
+          <p:nvPr/>
+        </p:nvPicPr>
+        <p:blipFill>
+          <a:blip r:embed="rId5"/>
+          <a:stretch>
+            <a:fillRect/>
+          </a:stretch>
+        </p:blipFill>
+        <p:spPr>
+          <a:xfrm>
+            <a:off x="9268830" y="3744427"/>
+            <a:ext cx="2435492" cy="1567479"/>
+          </a:xfrm>
+          <a:prstGeom prst="rect">
+            <a:avLst/>
+          </a:prstGeom>
+        </p:spPr>
+      </p:pic>
+      <p:pic>
+        <p:nvPicPr>
+          <p:cNvPr id="11" name="Picture 10"/>
+          <p:cNvPicPr>
+            <a:picLocks noChangeAspect="1"/>
+          </p:cNvPicPr>
+          <p:nvPr/>
+        </p:nvPicPr>
+        <p:blipFill>
+          <a:blip r:embed="rId6"/>
+          <a:stretch>
+            <a:fillRect/>
+          </a:stretch>
+        </p:blipFill>
+        <p:spPr>
+          <a:xfrm>
+            <a:off x="1960727" y="3666611"/>
+            <a:ext cx="2547799" cy="1639760"/>
+          </a:xfrm>
+          <a:prstGeom prst="rect">
+            <a:avLst/>
+          </a:prstGeom>
+        </p:spPr>
+      </p:pic>
+      <p:pic>
+        <p:nvPicPr>
+          <p:cNvPr id="13" name="Picture 12"/>
+          <p:cNvPicPr>
+            <a:picLocks noChangeAspect="1"/>
+          </p:cNvPicPr>
+          <p:nvPr/>
+        </p:nvPicPr>
+        <p:blipFill>
+          <a:blip r:embed="rId7"/>
+          <a:stretch>
+            <a:fillRect/>
+          </a:stretch>
+        </p:blipFill>
+        <p:spPr>
+          <a:xfrm>
+            <a:off x="5502609" y="3659131"/>
+            <a:ext cx="2700550" cy="1738070"/>
+          </a:xfrm>
+          <a:prstGeom prst="rect">
+            <a:avLst/>
+          </a:prstGeom>
+        </p:spPr>
+      </p:pic>
+      <p:sp>
+        <p:nvSpPr>
+          <p:cNvPr id="22" name="Slide Number Placeholder 21"/>
+          <p:cNvSpPr>
+            <a:spLocks noGrp="1"/>
+          </p:cNvSpPr>
+          <p:nvPr>
+            <p:ph type="sldNum" sz="quarter" idx="12"/>
+          </p:nvPr>
+        </p:nvSpPr>
+        <p:spPr/>
+        <p:txBody>
+          <a:bodyPr/>
+          <a:lstStyle/>
+          <a:p>
+            <a:fld id="{C99E18DD-00CA-4CC1-A3F3-D24A5B61A133}" type="slidenum">
+              <a:rPr lang="en-US" smtClean="0"/>
+              <a:t>26</a:t>
+            </a:fld>
+            <a:endParaRPr lang="en-US"/>
+          </a:p>
+        </p:txBody>
+      </p:sp>
+    </p:spTree>
+    <p:extLst>
+      <p:ext uri="{BB962C8B-B14F-4D97-AF65-F5344CB8AC3E}">
+        <p14:creationId xmlns:p14="http://schemas.microsoft.com/office/powerpoint/2010/main" val="1309484482"/>
+      </p:ext>
+    </p:extLst>
+  </p:cSld>
+  <p:clrMapOvr>
+    <a:masterClrMapping/>
+  </p:clrMapOvr>
+</p:sld>
+</file>
+
+<file path=ppt/slides/slide27.xml><?xml version="1.0" encoding="utf-8"?>
+<p:sld xmlns:a="http://schemas.openxmlformats.org/drawingml/2006/main" xmlns:r="http://schemas.openxmlformats.org/officeDocument/2006/relationships" xmlns:p="http://schemas.openxmlformats.org/presentationml/2006/main">
+  <p:cSld>
+    <p:spTree>
+      <p:nvGrpSpPr>
+        <p:cNvPr id="1" name=""/>
+        <p:cNvGrpSpPr/>
+        <p:nvPr/>
+      </p:nvGrpSpPr>
+      <p:grpSpPr>
+        <a:xfrm>
+          <a:off x="0" y="0"/>
+          <a:ext cx="0" cy="0"/>
+          <a:chOff x="0" y="0"/>
+          <a:chExt cx="0" cy="0"/>
+        </a:xfrm>
+      </p:grpSpPr>
+      <p:sp>
+        <p:nvSpPr>
+          <p:cNvPr id="2" name="Title 1"/>
+          <p:cNvSpPr>
+            <a:spLocks noGrp="1"/>
+          </p:cNvSpPr>
+          <p:nvPr>
+            <p:ph type="title"/>
+          </p:nvPr>
+        </p:nvSpPr>
+        <p:spPr/>
+        <p:txBody>
+          <a:bodyPr/>
+          <a:lstStyle/>
+          <a:p>
+            <a:r>
+              <a:rPr lang="en-US" dirty="0" smtClean="0"/>
+              <a:t>Bigger subgroup of participants who show </a:t>
+            </a:r>
+            <a:r>
+              <a:rPr lang="en-US" dirty="0" err="1" smtClean="0"/>
+              <a:t>rtRAMP</a:t>
+            </a:r>
+            <a:r>
+              <a:rPr lang="en-US" dirty="0" smtClean="0"/>
+              <a:t> (p&lt;.1; n=33)</a:t>
+            </a:r>
+            <a:endParaRPr lang="en-US" dirty="0"/>
+          </a:p>
+        </p:txBody>
+      </p:sp>
+      <p:pic>
+        <p:nvPicPr>
+          <p:cNvPr id="4" name="Picture 3"/>
+          <p:cNvPicPr>
+            <a:picLocks noChangeAspect="1"/>
+          </p:cNvPicPr>
+          <p:nvPr/>
+        </p:nvPicPr>
+        <p:blipFill>
+          <a:blip r:embed="rId2"/>
+          <a:stretch>
+            <a:fillRect/>
+          </a:stretch>
+        </p:blipFill>
+        <p:spPr>
+          <a:xfrm>
+            <a:off x="6921774" y="4304866"/>
+            <a:ext cx="3535597" cy="2275505"/>
+          </a:xfrm>
+          <a:prstGeom prst="rect">
+            <a:avLst/>
+          </a:prstGeom>
+        </p:spPr>
+      </p:pic>
+      <p:pic>
+        <p:nvPicPr>
+          <p:cNvPr id="5" name="Picture 4"/>
+          <p:cNvPicPr>
+            <a:picLocks noChangeAspect="1"/>
+          </p:cNvPicPr>
+          <p:nvPr/>
+        </p:nvPicPr>
+        <p:blipFill>
+          <a:blip r:embed="rId3"/>
+          <a:stretch>
+            <a:fillRect/>
+          </a:stretch>
+        </p:blipFill>
+        <p:spPr>
+          <a:xfrm>
+            <a:off x="786979" y="1784576"/>
+            <a:ext cx="3527285" cy="2270156"/>
+          </a:xfrm>
+          <a:prstGeom prst="rect">
+            <a:avLst/>
+          </a:prstGeom>
+        </p:spPr>
+      </p:pic>
+      <p:pic>
+        <p:nvPicPr>
+          <p:cNvPr id="6" name="Picture 5"/>
+          <p:cNvPicPr>
+            <a:picLocks noChangeAspect="1"/>
+          </p:cNvPicPr>
+          <p:nvPr/>
+        </p:nvPicPr>
+        <p:blipFill>
+          <a:blip r:embed="rId4"/>
+          <a:stretch>
+            <a:fillRect/>
+          </a:stretch>
+        </p:blipFill>
+        <p:spPr>
+          <a:xfrm>
+            <a:off x="724633" y="4304866"/>
+            <a:ext cx="3415105" cy="2197957"/>
+          </a:xfrm>
+          <a:prstGeom prst="rect">
+            <a:avLst/>
+          </a:prstGeom>
+        </p:spPr>
+      </p:pic>
+      <p:pic>
+        <p:nvPicPr>
+          <p:cNvPr id="7" name="Picture 6"/>
+          <p:cNvPicPr>
+            <a:picLocks noChangeAspect="1"/>
+          </p:cNvPicPr>
+          <p:nvPr/>
+        </p:nvPicPr>
+        <p:blipFill>
+          <a:blip r:embed="rId5"/>
+          <a:stretch>
+            <a:fillRect/>
+          </a:stretch>
+        </p:blipFill>
+        <p:spPr>
+          <a:xfrm>
+            <a:off x="6921774" y="1753212"/>
+            <a:ext cx="3443946" cy="2216519"/>
+          </a:xfrm>
+          <a:prstGeom prst="rect">
+            <a:avLst/>
+          </a:prstGeom>
+        </p:spPr>
+      </p:pic>
+      <p:sp>
+        <p:nvSpPr>
+          <p:cNvPr id="9" name="Slide Number Placeholder 8"/>
+          <p:cNvSpPr>
+            <a:spLocks noGrp="1"/>
+          </p:cNvSpPr>
+          <p:nvPr>
+            <p:ph type="sldNum" sz="quarter" idx="12"/>
+          </p:nvPr>
+        </p:nvSpPr>
+        <p:spPr/>
+        <p:txBody>
+          <a:bodyPr/>
+          <a:lstStyle/>
+          <a:p>
+            <a:fld id="{C99E18DD-00CA-4CC1-A3F3-D24A5B61A133}" type="slidenum">
+              <a:rPr lang="en-US" smtClean="0"/>
+              <a:t>27</a:t>
+            </a:fld>
+            <a:endParaRPr lang="en-US"/>
+          </a:p>
+        </p:txBody>
+      </p:sp>
+    </p:spTree>
+    <p:extLst>
+      <p:ext uri="{BB962C8B-B14F-4D97-AF65-F5344CB8AC3E}">
+        <p14:creationId xmlns:p14="http://schemas.microsoft.com/office/powerpoint/2010/main" val="1843647852"/>
+      </p:ext>
+    </p:extLst>
+  </p:cSld>
+  <p:clrMapOvr>
+    <a:masterClrMapping/>
+  </p:clrMapOvr>
+</p:sld>
+</file>
+
+<file path=ppt/slides/slide28.xml><?xml version="1.0" encoding="utf-8"?>
+<p:sld xmlns:a="http://schemas.openxmlformats.org/drawingml/2006/main" xmlns:r="http://schemas.openxmlformats.org/officeDocument/2006/relationships" xmlns:p="http://schemas.openxmlformats.org/presentationml/2006/main">
+  <p:cSld>
+    <p:spTree>
+      <p:nvGrpSpPr>
+        <p:cNvPr id="1" name=""/>
+        <p:cNvGrpSpPr/>
+        <p:nvPr/>
+      </p:nvGrpSpPr>
+      <p:grpSpPr>
+        <a:xfrm>
+          <a:off x="0" y="0"/>
+          <a:ext cx="0" cy="0"/>
+          <a:chOff x="0" y="0"/>
+          <a:chExt cx="0" cy="0"/>
+        </a:xfrm>
+      </p:grpSpPr>
+      <p:sp>
+        <p:nvSpPr>
+          <p:cNvPr id="2" name="Title 1"/>
+          <p:cNvSpPr>
+            <a:spLocks noGrp="1"/>
+          </p:cNvSpPr>
+          <p:nvPr>
+            <p:ph type="title"/>
+          </p:nvPr>
+        </p:nvSpPr>
+        <p:spPr/>
+        <p:txBody>
+          <a:bodyPr/>
+          <a:lstStyle/>
+          <a:p>
+            <a:r>
+              <a:rPr lang="en-US" dirty="0" smtClean="0"/>
+              <a:t>How did </a:t>
+            </a:r>
+            <a:r>
+              <a:rPr lang="en-US" dirty="0" err="1" smtClean="0"/>
+              <a:t>rtRAMP</a:t>
+            </a:r>
+            <a:r>
+              <a:rPr lang="en-US" dirty="0" smtClean="0"/>
+              <a:t> subgroup (n=33 participants) respond to odds</a:t>
+            </a:r>
+            <a:endParaRPr lang="en-US" dirty="0"/>
+          </a:p>
+        </p:txBody>
+      </p:sp>
+      <p:sp>
+        <p:nvSpPr>
+          <p:cNvPr id="4" name="TextBox 3"/>
+          <p:cNvSpPr txBox="1"/>
+          <p:nvPr/>
+        </p:nvSpPr>
+        <p:spPr>
+          <a:xfrm>
+            <a:off x="7656021" y="1133758"/>
+            <a:ext cx="1827616" cy="369332"/>
+          </a:xfrm>
+          <a:prstGeom prst="rect">
+            <a:avLst/>
+          </a:prstGeom>
+          <a:noFill/>
+        </p:spPr>
+        <p:txBody>
+          <a:bodyPr wrap="none" rtlCol="0">
+            <a:spAutoFit/>
+          </a:bodyPr>
+          <a:lstStyle/>
+          <a:p>
+            <a:r>
+              <a:rPr lang="en-US" dirty="0" err="1" smtClean="0"/>
+              <a:t>OddsScore</a:t>
+            </a:r>
+            <a:r>
+              <a:rPr lang="en-US" dirty="0" smtClean="0"/>
+              <a:t>=28.23</a:t>
+            </a:r>
+            <a:endParaRPr lang="en-US" dirty="0"/>
+          </a:p>
+        </p:txBody>
+      </p:sp>
+      <p:graphicFrame>
+        <p:nvGraphicFramePr>
+          <p:cNvPr id="5" name="Table 4">
+            <a:extLst>
+              <a:ext uri="{FF2B5EF4-FFF2-40B4-BE49-F238E27FC236}">
+                <a16:creationId xmlns:a16="http://schemas.microsoft.com/office/drawing/2014/main" id="{2ED7B89D-5921-4400-A295-C555B35553D2}"/>
+              </a:ext>
+            </a:extLst>
+          </p:cNvPr>
+          <p:cNvGraphicFramePr>
+            <a:graphicFrameLocks noGrp="1"/>
+          </p:cNvGraphicFramePr>
+          <p:nvPr>
+            <p:extLst>
+              <p:ext uri="{D42A27DB-BD31-4B8C-83A1-F6EECF244321}">
+                <p14:modId xmlns:p14="http://schemas.microsoft.com/office/powerpoint/2010/main" val="4045895487"/>
+              </p:ext>
+            </p:extLst>
+          </p:nvPr>
+        </p:nvGraphicFramePr>
+        <p:xfrm>
+          <a:off x="1669473" y="1756750"/>
+          <a:ext cx="10424231" cy="4168450"/>
+        </p:xfrm>
+        <a:graphic>
+          <a:graphicData uri="http://schemas.openxmlformats.org/drawingml/2006/table">
+            <a:tbl>
+              <a:tblPr firstRow="1" bandRow="1">
+                <a:tableStyleId>{5940675A-B579-460E-94D1-54222C63F5DA}</a:tableStyleId>
+              </a:tblPr>
+              <a:tblGrid>
+                <a:gridCol w="3251867">
+                  <a:extLst>
+                    <a:ext uri="{9D8B030D-6E8A-4147-A177-3AD203B41FA5}">
+                      <a16:colId xmlns:a16="http://schemas.microsoft.com/office/drawing/2014/main" val="585842680"/>
+                    </a:ext>
+                  </a:extLst>
+                </a:gridCol>
+                <a:gridCol w="3755241">
+                  <a:extLst>
+                    <a:ext uri="{9D8B030D-6E8A-4147-A177-3AD203B41FA5}">
+                      <a16:colId xmlns:a16="http://schemas.microsoft.com/office/drawing/2014/main" val="3734258692"/>
+                    </a:ext>
+                  </a:extLst>
+                </a:gridCol>
+                <a:gridCol w="3417123">
+                  <a:extLst>
+                    <a:ext uri="{9D8B030D-6E8A-4147-A177-3AD203B41FA5}">
+                      <a16:colId xmlns:a16="http://schemas.microsoft.com/office/drawing/2014/main" val="750417418"/>
+                    </a:ext>
+                  </a:extLst>
+                </a:gridCol>
+              </a:tblGrid>
+              <a:tr h="2204077">
+                <a:tc>
+                  <a:txBody>
+                    <a:bodyPr/>
+                    <a:lstStyle/>
+                    <a:p>
+                      <a:endParaRPr lang="en-US" dirty="0"/>
+                    </a:p>
+                  </a:txBody>
+                  <a:tcPr/>
+                </a:tc>
+                <a:tc>
+                  <a:txBody>
+                    <a:bodyPr/>
+                    <a:lstStyle/>
+                    <a:p>
+                      <a:endParaRPr lang="en-US" dirty="0"/>
+                    </a:p>
+                  </a:txBody>
+                  <a:tcPr/>
+                </a:tc>
+                <a:tc>
+                  <a:txBody>
+                    <a:bodyPr/>
+                    <a:lstStyle/>
+                    <a:p>
+                      <a:endParaRPr lang="en-US" dirty="0"/>
+                    </a:p>
+                  </a:txBody>
+                  <a:tcPr/>
+                </a:tc>
+                <a:extLst>
+                  <a:ext uri="{0D108BD9-81ED-4DB2-BD59-A6C34878D82A}">
+                    <a16:rowId xmlns:a16="http://schemas.microsoft.com/office/drawing/2014/main" val="3280388839"/>
+                  </a:ext>
+                </a:extLst>
+              </a:tr>
+              <a:tr h="1964373">
+                <a:tc>
+                  <a:txBody>
+                    <a:bodyPr/>
+                    <a:lstStyle/>
+                    <a:p>
+                      <a:endParaRPr lang="en-US" dirty="0"/>
+                    </a:p>
+                  </a:txBody>
+                  <a:tcPr/>
+                </a:tc>
+                <a:tc>
+                  <a:txBody>
+                    <a:bodyPr/>
+                    <a:lstStyle/>
+                    <a:p>
+                      <a:endParaRPr lang="en-US" dirty="0"/>
+                    </a:p>
+                  </a:txBody>
+                  <a:tcPr/>
+                </a:tc>
+                <a:tc>
+                  <a:txBody>
+                    <a:bodyPr/>
+                    <a:lstStyle/>
+                    <a:p>
+                      <a:endParaRPr lang="en-US" dirty="0"/>
+                    </a:p>
+                  </a:txBody>
+                  <a:tcPr/>
+                </a:tc>
+                <a:extLst>
+                  <a:ext uri="{0D108BD9-81ED-4DB2-BD59-A6C34878D82A}">
+                    <a16:rowId xmlns:a16="http://schemas.microsoft.com/office/drawing/2014/main" val="2411145179"/>
+                  </a:ext>
+                </a:extLst>
+              </a:tr>
+            </a:tbl>
+          </a:graphicData>
+        </a:graphic>
+      </p:graphicFrame>
+      <p:sp>
+        <p:nvSpPr>
+          <p:cNvPr id="7" name="TextBox 6">
+            <a:extLst>
+              <a:ext uri="{FF2B5EF4-FFF2-40B4-BE49-F238E27FC236}">
+                <a16:creationId xmlns:a16="http://schemas.microsoft.com/office/drawing/2014/main" id="{A871DE8C-306E-4CD7-8380-5162E82C9711}"/>
+              </a:ext>
+            </a:extLst>
+          </p:cNvPr>
+          <p:cNvSpPr txBox="1"/>
+          <p:nvPr/>
+        </p:nvSpPr>
+        <p:spPr>
+          <a:xfrm>
+            <a:off x="131942" y="2328946"/>
+            <a:ext cx="1674497" cy="1477328"/>
+          </a:xfrm>
+          <a:prstGeom prst="rect">
+            <a:avLst/>
+          </a:prstGeom>
+          <a:noFill/>
+        </p:spPr>
+        <p:txBody>
+          <a:bodyPr wrap="none" rtlCol="0">
+            <a:spAutoFit/>
+          </a:bodyPr>
+          <a:lstStyle/>
+          <a:p>
+            <a:r>
+              <a:rPr lang="en-US" dirty="0"/>
+              <a:t>Behavior (how </a:t>
+            </a:r>
+          </a:p>
+          <a:p>
+            <a:r>
+              <a:rPr lang="en-US" dirty="0"/>
+              <a:t>much did EACH </a:t>
+            </a:r>
+          </a:p>
+          <a:p>
+            <a:r>
+              <a:rPr lang="en-US" dirty="0"/>
+              <a:t>participant</a:t>
+            </a:r>
+          </a:p>
+          <a:p>
+            <a:r>
+              <a:rPr lang="en-US" dirty="0"/>
+              <a:t> </a:t>
+            </a:r>
+            <a:r>
+              <a:rPr lang="en-US" dirty="0" smtClean="0"/>
+              <a:t>gamble over</a:t>
+            </a:r>
+          </a:p>
+          <a:p>
+            <a:r>
+              <a:rPr lang="en-US" dirty="0" err="1" smtClean="0"/>
+              <a:t>gambleDelay</a:t>
+            </a:r>
+            <a:r>
+              <a:rPr lang="en-US" dirty="0" smtClean="0"/>
+              <a:t>)</a:t>
+            </a:r>
+            <a:endParaRPr lang="en-US" dirty="0"/>
+          </a:p>
+        </p:txBody>
+      </p:sp>
+      <p:sp>
+        <p:nvSpPr>
+          <p:cNvPr id="8" name="TextBox 7">
+            <a:extLst>
+              <a:ext uri="{FF2B5EF4-FFF2-40B4-BE49-F238E27FC236}">
+                <a16:creationId xmlns:a16="http://schemas.microsoft.com/office/drawing/2014/main" id="{A871DE8C-306E-4CD7-8380-5162E82C9711}"/>
+              </a:ext>
+            </a:extLst>
+          </p:cNvPr>
+          <p:cNvSpPr txBox="1"/>
+          <p:nvPr/>
+        </p:nvSpPr>
+        <p:spPr>
+          <a:xfrm>
+            <a:off x="131942" y="4517965"/>
+            <a:ext cx="1521379" cy="923330"/>
+          </a:xfrm>
+          <a:prstGeom prst="rect">
+            <a:avLst/>
+          </a:prstGeom>
+          <a:noFill/>
+        </p:spPr>
+        <p:txBody>
+          <a:bodyPr wrap="none" rtlCol="0">
+            <a:spAutoFit/>
+          </a:bodyPr>
+          <a:lstStyle/>
+          <a:p>
+            <a:r>
+              <a:rPr lang="en-US" dirty="0" smtClean="0"/>
+              <a:t>How often did</a:t>
+            </a:r>
+          </a:p>
+          <a:p>
+            <a:r>
+              <a:rPr lang="en-US" dirty="0"/>
+              <a:t>t</a:t>
+            </a:r>
+            <a:r>
+              <a:rPr lang="en-US" dirty="0" smtClean="0"/>
+              <a:t>hey choose </a:t>
+            </a:r>
+          </a:p>
+          <a:p>
+            <a:r>
+              <a:rPr lang="en-US" dirty="0"/>
+              <a:t>t</a:t>
+            </a:r>
+            <a:r>
+              <a:rPr lang="en-US" dirty="0" smtClean="0"/>
+              <a:t>o gamble</a:t>
+            </a:r>
+            <a:endParaRPr lang="en-US" dirty="0"/>
+          </a:p>
+        </p:txBody>
+      </p:sp>
+      <p:pic>
+        <p:nvPicPr>
+          <p:cNvPr id="10" name="Picture 9"/>
+          <p:cNvPicPr>
+            <a:picLocks noChangeAspect="1"/>
+          </p:cNvPicPr>
+          <p:nvPr/>
+        </p:nvPicPr>
+        <p:blipFill>
+          <a:blip r:embed="rId2"/>
+          <a:stretch>
+            <a:fillRect/>
+          </a:stretch>
+        </p:blipFill>
+        <p:spPr>
+          <a:xfrm>
+            <a:off x="1942491" y="4125430"/>
+            <a:ext cx="2654448" cy="1708399"/>
+          </a:xfrm>
+          <a:prstGeom prst="rect">
+            <a:avLst/>
+          </a:prstGeom>
+        </p:spPr>
+      </p:pic>
+      <p:pic>
+        <p:nvPicPr>
+          <p:cNvPr id="11" name="Picture 10"/>
+          <p:cNvPicPr>
+            <a:picLocks noChangeAspect="1"/>
+          </p:cNvPicPr>
+          <p:nvPr/>
+        </p:nvPicPr>
+        <p:blipFill>
+          <a:blip r:embed="rId3"/>
+          <a:stretch>
+            <a:fillRect/>
+          </a:stretch>
+        </p:blipFill>
+        <p:spPr>
+          <a:xfrm>
+            <a:off x="2021138" y="1939456"/>
+            <a:ext cx="2645663" cy="1702745"/>
+          </a:xfrm>
+          <a:prstGeom prst="rect">
+            <a:avLst/>
+          </a:prstGeom>
+        </p:spPr>
+      </p:pic>
+      <p:pic>
+        <p:nvPicPr>
+          <p:cNvPr id="12" name="Picture 11"/>
+          <p:cNvPicPr>
+            <a:picLocks noChangeAspect="1"/>
+          </p:cNvPicPr>
+          <p:nvPr/>
+        </p:nvPicPr>
+        <p:blipFill>
+          <a:blip r:embed="rId4"/>
+          <a:stretch>
+            <a:fillRect/>
+          </a:stretch>
+        </p:blipFill>
+        <p:spPr>
+          <a:xfrm>
+            <a:off x="5496174" y="1960853"/>
+            <a:ext cx="2770827" cy="1783300"/>
+          </a:xfrm>
+          <a:prstGeom prst="rect">
+            <a:avLst/>
+          </a:prstGeom>
+        </p:spPr>
+      </p:pic>
+      <p:pic>
+        <p:nvPicPr>
+          <p:cNvPr id="13" name="Picture 12"/>
+          <p:cNvPicPr>
+            <a:picLocks noChangeAspect="1"/>
+          </p:cNvPicPr>
+          <p:nvPr/>
+        </p:nvPicPr>
+        <p:blipFill>
+          <a:blip r:embed="rId5"/>
+          <a:stretch>
+            <a:fillRect/>
+          </a:stretch>
+        </p:blipFill>
+        <p:spPr>
+          <a:xfrm>
+            <a:off x="8964283" y="1915036"/>
+            <a:ext cx="2992453" cy="1925939"/>
+          </a:xfrm>
+          <a:prstGeom prst="rect">
+            <a:avLst/>
+          </a:prstGeom>
+        </p:spPr>
+      </p:pic>
+      <p:pic>
+        <p:nvPicPr>
+          <p:cNvPr id="14" name="Picture 13"/>
+          <p:cNvPicPr>
+            <a:picLocks noChangeAspect="1"/>
+          </p:cNvPicPr>
+          <p:nvPr/>
+        </p:nvPicPr>
+        <p:blipFill>
+          <a:blip r:embed="rId6"/>
+          <a:stretch>
+            <a:fillRect/>
+          </a:stretch>
+        </p:blipFill>
+        <p:spPr>
+          <a:xfrm>
+            <a:off x="9152836" y="4125430"/>
+            <a:ext cx="2615346" cy="1683233"/>
+          </a:xfrm>
+          <a:prstGeom prst="rect">
+            <a:avLst/>
+          </a:prstGeom>
+        </p:spPr>
+      </p:pic>
+      <p:pic>
+        <p:nvPicPr>
+          <p:cNvPr id="15" name="Picture 14"/>
+          <p:cNvPicPr>
+            <a:picLocks noChangeAspect="1"/>
+          </p:cNvPicPr>
+          <p:nvPr/>
+        </p:nvPicPr>
+        <p:blipFill>
+          <a:blip r:embed="rId7"/>
+          <a:stretch>
+            <a:fillRect/>
+          </a:stretch>
+        </p:blipFill>
+        <p:spPr>
+          <a:xfrm>
+            <a:off x="5552056" y="4125430"/>
+            <a:ext cx="2645663" cy="1702745"/>
+          </a:xfrm>
+          <a:prstGeom prst="rect">
+            <a:avLst/>
+          </a:prstGeom>
+        </p:spPr>
+      </p:pic>
+      <p:sp>
+        <p:nvSpPr>
+          <p:cNvPr id="16" name="Slide Number Placeholder 15"/>
+          <p:cNvSpPr>
+            <a:spLocks noGrp="1"/>
+          </p:cNvSpPr>
+          <p:nvPr>
+            <p:ph type="sldNum" sz="quarter" idx="12"/>
+          </p:nvPr>
+        </p:nvSpPr>
+        <p:spPr/>
+        <p:txBody>
+          <a:bodyPr/>
+          <a:lstStyle/>
+          <a:p>
+            <a:fld id="{C99E18DD-00CA-4CC1-A3F3-D24A5B61A133}" type="slidenum">
+              <a:rPr lang="en-US" smtClean="0"/>
+              <a:t>28</a:t>
+            </a:fld>
+            <a:endParaRPr lang="en-US"/>
+          </a:p>
+        </p:txBody>
+      </p:sp>
+    </p:spTree>
+    <p:extLst>
+      <p:ext uri="{BB962C8B-B14F-4D97-AF65-F5344CB8AC3E}">
+        <p14:creationId xmlns:p14="http://schemas.microsoft.com/office/powerpoint/2010/main" val="3621290138"/>
+      </p:ext>
+    </p:extLst>
+  </p:cSld>
+  <p:clrMapOvr>
+    <a:masterClrMapping/>
+  </p:clrMapOvr>
+</p:sld>
+</file>
+
+<file path=ppt/slides/slide29.xml><?xml version="1.0" encoding="utf-8"?>
+<p:sld xmlns:a="http://schemas.openxmlformats.org/drawingml/2006/main" xmlns:r="http://schemas.openxmlformats.org/officeDocument/2006/relationships" xmlns:p="http://schemas.openxmlformats.org/presentationml/2006/main">
+  <p:cSld>
+    <p:spTree>
+      <p:nvGrpSpPr>
+        <p:cNvPr id="1" name=""/>
+        <p:cNvGrpSpPr/>
+        <p:nvPr/>
+      </p:nvGrpSpPr>
+      <p:grpSpPr>
+        <a:xfrm>
+          <a:off x="0" y="0"/>
+          <a:ext cx="0" cy="0"/>
+          <a:chOff x="0" y="0"/>
+          <a:chExt cx="0" cy="0"/>
+        </a:xfrm>
+      </p:grpSpPr>
+      <p:sp>
+        <p:nvSpPr>
+          <p:cNvPr id="2" name="Title 1"/>
+          <p:cNvSpPr>
+            <a:spLocks noGrp="1"/>
+          </p:cNvSpPr>
+          <p:nvPr>
+            <p:ph type="title"/>
+          </p:nvPr>
+        </p:nvSpPr>
+        <p:spPr/>
+        <p:txBody>
+          <a:bodyPr/>
+          <a:lstStyle/>
+          <a:p>
+            <a:r>
+              <a:rPr lang="en-US" dirty="0" smtClean="0"/>
+              <a:t>How did </a:t>
+            </a:r>
+            <a:r>
+              <a:rPr lang="en-US" dirty="0" err="1" smtClean="0"/>
+              <a:t>rtRAMP</a:t>
+            </a:r>
+            <a:r>
+              <a:rPr lang="en-US" dirty="0" smtClean="0"/>
+              <a:t> subgroup (n=33 participants) respond to odds</a:t>
+            </a:r>
+            <a:endParaRPr lang="en-US" dirty="0"/>
+          </a:p>
+        </p:txBody>
+      </p:sp>
+      <p:sp>
+        <p:nvSpPr>
+          <p:cNvPr id="4" name="TextBox 3"/>
+          <p:cNvSpPr txBox="1"/>
+          <p:nvPr/>
+        </p:nvSpPr>
+        <p:spPr>
+          <a:xfrm>
+            <a:off x="7656021" y="1133758"/>
+            <a:ext cx="1827616" cy="369332"/>
+          </a:xfrm>
+          <a:prstGeom prst="rect">
+            <a:avLst/>
+          </a:prstGeom>
+          <a:noFill/>
+        </p:spPr>
+        <p:txBody>
+          <a:bodyPr wrap="none" rtlCol="0">
+            <a:spAutoFit/>
+          </a:bodyPr>
+          <a:lstStyle/>
+          <a:p>
+            <a:r>
+              <a:rPr lang="en-US" dirty="0" err="1" smtClean="0"/>
+              <a:t>OddsScore</a:t>
+            </a:r>
+            <a:r>
+              <a:rPr lang="en-US" dirty="0" smtClean="0"/>
+              <a:t>=28.23</a:t>
+            </a:r>
+            <a:endParaRPr lang="en-US" dirty="0"/>
+          </a:p>
+        </p:txBody>
+      </p:sp>
+      <p:graphicFrame>
+        <p:nvGraphicFramePr>
+          <p:cNvPr id="5" name="Table 4">
+            <a:extLst>
+              <a:ext uri="{FF2B5EF4-FFF2-40B4-BE49-F238E27FC236}">
+                <a16:creationId xmlns:a16="http://schemas.microsoft.com/office/drawing/2014/main" id="{2ED7B89D-5921-4400-A295-C555B35553D2}"/>
+              </a:ext>
+            </a:extLst>
+          </p:cNvPr>
+          <p:cNvGraphicFramePr>
+            <a:graphicFrameLocks noGrp="1"/>
+          </p:cNvGraphicFramePr>
+          <p:nvPr>
+            <p:extLst>
+              <p:ext uri="{D42A27DB-BD31-4B8C-83A1-F6EECF244321}">
+                <p14:modId xmlns:p14="http://schemas.microsoft.com/office/powerpoint/2010/main" val="4045895487"/>
+              </p:ext>
+            </p:extLst>
+          </p:nvPr>
+        </p:nvGraphicFramePr>
+        <p:xfrm>
+          <a:off x="1669473" y="1756750"/>
+          <a:ext cx="10424231" cy="4168450"/>
+        </p:xfrm>
+        <a:graphic>
+          <a:graphicData uri="http://schemas.openxmlformats.org/drawingml/2006/table">
+            <a:tbl>
+              <a:tblPr firstRow="1" bandRow="1">
+                <a:tableStyleId>{5940675A-B579-460E-94D1-54222C63F5DA}</a:tableStyleId>
+              </a:tblPr>
+              <a:tblGrid>
+                <a:gridCol w="3251867">
+                  <a:extLst>
+                    <a:ext uri="{9D8B030D-6E8A-4147-A177-3AD203B41FA5}">
+                      <a16:colId xmlns:a16="http://schemas.microsoft.com/office/drawing/2014/main" val="585842680"/>
+                    </a:ext>
+                  </a:extLst>
+                </a:gridCol>
+                <a:gridCol w="3755241">
+                  <a:extLst>
+                    <a:ext uri="{9D8B030D-6E8A-4147-A177-3AD203B41FA5}">
+                      <a16:colId xmlns:a16="http://schemas.microsoft.com/office/drawing/2014/main" val="3734258692"/>
+                    </a:ext>
+                  </a:extLst>
+                </a:gridCol>
+                <a:gridCol w="3417123">
+                  <a:extLst>
+                    <a:ext uri="{9D8B030D-6E8A-4147-A177-3AD203B41FA5}">
+                      <a16:colId xmlns:a16="http://schemas.microsoft.com/office/drawing/2014/main" val="750417418"/>
+                    </a:ext>
+                  </a:extLst>
+                </a:gridCol>
+              </a:tblGrid>
+              <a:tr h="2204077">
+                <a:tc>
+                  <a:txBody>
+                    <a:bodyPr/>
+                    <a:lstStyle/>
+                    <a:p>
+                      <a:endParaRPr lang="en-US" dirty="0"/>
+                    </a:p>
+                  </a:txBody>
+                  <a:tcPr/>
+                </a:tc>
+                <a:tc>
+                  <a:txBody>
+                    <a:bodyPr/>
+                    <a:lstStyle/>
+                    <a:p>
+                      <a:endParaRPr lang="en-US" dirty="0"/>
+                    </a:p>
+                  </a:txBody>
+                  <a:tcPr/>
+                </a:tc>
+                <a:tc>
+                  <a:txBody>
+                    <a:bodyPr/>
+                    <a:lstStyle/>
+                    <a:p>
+                      <a:endParaRPr lang="en-US" dirty="0"/>
+                    </a:p>
+                  </a:txBody>
+                  <a:tcPr/>
+                </a:tc>
+                <a:extLst>
+                  <a:ext uri="{0D108BD9-81ED-4DB2-BD59-A6C34878D82A}">
+                    <a16:rowId xmlns:a16="http://schemas.microsoft.com/office/drawing/2014/main" val="3280388839"/>
+                  </a:ext>
+                </a:extLst>
+              </a:tr>
+              <a:tr h="1964373">
+                <a:tc>
+                  <a:txBody>
+                    <a:bodyPr/>
+                    <a:lstStyle/>
+                    <a:p>
+                      <a:endParaRPr lang="en-US" dirty="0"/>
+                    </a:p>
+                  </a:txBody>
+                  <a:tcPr/>
+                </a:tc>
+                <a:tc>
+                  <a:txBody>
+                    <a:bodyPr/>
+                    <a:lstStyle/>
+                    <a:p>
+                      <a:endParaRPr lang="en-US" dirty="0"/>
+                    </a:p>
+                  </a:txBody>
+                  <a:tcPr/>
+                </a:tc>
+                <a:tc>
+                  <a:txBody>
+                    <a:bodyPr/>
+                    <a:lstStyle/>
+                    <a:p>
+                      <a:endParaRPr lang="en-US" dirty="0"/>
+                    </a:p>
+                  </a:txBody>
+                  <a:tcPr/>
+                </a:tc>
+                <a:extLst>
+                  <a:ext uri="{0D108BD9-81ED-4DB2-BD59-A6C34878D82A}">
+                    <a16:rowId xmlns:a16="http://schemas.microsoft.com/office/drawing/2014/main" val="2411145179"/>
+                  </a:ext>
+                </a:extLst>
+              </a:tr>
+            </a:tbl>
+          </a:graphicData>
+        </a:graphic>
+      </p:graphicFrame>
+      <p:sp>
+        <p:nvSpPr>
+          <p:cNvPr id="7" name="TextBox 6">
+            <a:extLst>
+              <a:ext uri="{FF2B5EF4-FFF2-40B4-BE49-F238E27FC236}">
+                <a16:creationId xmlns:a16="http://schemas.microsoft.com/office/drawing/2014/main" id="{A871DE8C-306E-4CD7-8380-5162E82C9711}"/>
+              </a:ext>
+            </a:extLst>
+          </p:cNvPr>
+          <p:cNvSpPr txBox="1"/>
+          <p:nvPr/>
+        </p:nvSpPr>
+        <p:spPr>
+          <a:xfrm>
+            <a:off x="131942" y="2328946"/>
+            <a:ext cx="1674497" cy="1477328"/>
+          </a:xfrm>
+          <a:prstGeom prst="rect">
+            <a:avLst/>
+          </a:prstGeom>
+          <a:noFill/>
+        </p:spPr>
+        <p:txBody>
+          <a:bodyPr wrap="none" rtlCol="0">
+            <a:spAutoFit/>
+          </a:bodyPr>
+          <a:lstStyle/>
+          <a:p>
+            <a:r>
+              <a:rPr lang="en-US" dirty="0"/>
+              <a:t>Behavior (how </a:t>
+            </a:r>
+          </a:p>
+          <a:p>
+            <a:r>
+              <a:rPr lang="en-US" dirty="0"/>
+              <a:t>much did EACH </a:t>
+            </a:r>
+          </a:p>
+          <a:p>
+            <a:r>
+              <a:rPr lang="en-US" dirty="0"/>
+              <a:t>participant</a:t>
+            </a:r>
+          </a:p>
+          <a:p>
+            <a:r>
+              <a:rPr lang="en-US" dirty="0"/>
+              <a:t> </a:t>
+            </a:r>
+            <a:r>
+              <a:rPr lang="en-US" dirty="0" smtClean="0"/>
+              <a:t>gamble over</a:t>
+            </a:r>
+          </a:p>
+          <a:p>
+            <a:r>
+              <a:rPr lang="en-US" dirty="0" err="1" smtClean="0"/>
+              <a:t>gambleDelay</a:t>
+            </a:r>
+            <a:r>
+              <a:rPr lang="en-US" dirty="0" smtClean="0"/>
+              <a:t>)</a:t>
+            </a:r>
+            <a:endParaRPr lang="en-US" dirty="0"/>
+          </a:p>
+        </p:txBody>
+      </p:sp>
+      <p:sp>
+        <p:nvSpPr>
+          <p:cNvPr id="8" name="TextBox 7">
+            <a:extLst>
+              <a:ext uri="{FF2B5EF4-FFF2-40B4-BE49-F238E27FC236}">
+                <a16:creationId xmlns:a16="http://schemas.microsoft.com/office/drawing/2014/main" id="{A871DE8C-306E-4CD7-8380-5162E82C9711}"/>
+              </a:ext>
+            </a:extLst>
+          </p:cNvPr>
+          <p:cNvSpPr txBox="1"/>
+          <p:nvPr/>
+        </p:nvSpPr>
+        <p:spPr>
+          <a:xfrm>
+            <a:off x="250369" y="4794963"/>
+            <a:ext cx="1300677" cy="369332"/>
+          </a:xfrm>
+          <a:prstGeom prst="rect">
+            <a:avLst/>
+          </a:prstGeom>
+          <a:noFill/>
+        </p:spPr>
+        <p:txBody>
+          <a:bodyPr wrap="none" rtlCol="0">
+            <a:spAutoFit/>
+          </a:bodyPr>
+          <a:lstStyle/>
+          <a:p>
+            <a:r>
+              <a:rPr lang="en-US" dirty="0" smtClean="0"/>
+              <a:t>Behavior RT</a:t>
+            </a:r>
+            <a:endParaRPr lang="en-US" dirty="0"/>
+          </a:p>
+        </p:txBody>
+      </p:sp>
+      <p:pic>
+        <p:nvPicPr>
+          <p:cNvPr id="11" name="Picture 10"/>
+          <p:cNvPicPr>
+            <a:picLocks noChangeAspect="1"/>
+          </p:cNvPicPr>
+          <p:nvPr/>
+        </p:nvPicPr>
+        <p:blipFill>
+          <a:blip r:embed="rId2"/>
+          <a:stretch>
+            <a:fillRect/>
+          </a:stretch>
+        </p:blipFill>
+        <p:spPr>
+          <a:xfrm>
+            <a:off x="2021138" y="1939456"/>
+            <a:ext cx="2645663" cy="1702745"/>
+          </a:xfrm>
+          <a:prstGeom prst="rect">
+            <a:avLst/>
+          </a:prstGeom>
+        </p:spPr>
+      </p:pic>
+      <p:pic>
+        <p:nvPicPr>
+          <p:cNvPr id="3" name="Picture 2"/>
+          <p:cNvPicPr>
+            <a:picLocks noChangeAspect="1"/>
+          </p:cNvPicPr>
+          <p:nvPr/>
+        </p:nvPicPr>
+        <p:blipFill>
+          <a:blip r:embed="rId3"/>
+          <a:stretch>
+            <a:fillRect/>
+          </a:stretch>
+        </p:blipFill>
+        <p:spPr>
+          <a:xfrm>
+            <a:off x="5430323" y="4012837"/>
+            <a:ext cx="2902529" cy="1868064"/>
+          </a:xfrm>
+          <a:prstGeom prst="rect">
+            <a:avLst/>
+          </a:prstGeom>
+        </p:spPr>
+      </p:pic>
+      <p:pic>
+        <p:nvPicPr>
+          <p:cNvPr id="6" name="Picture 5"/>
+          <p:cNvPicPr>
+            <a:picLocks noChangeAspect="1"/>
+          </p:cNvPicPr>
+          <p:nvPr/>
+        </p:nvPicPr>
+        <p:blipFill>
+          <a:blip r:embed="rId4"/>
+          <a:stretch>
+            <a:fillRect/>
+          </a:stretch>
+        </p:blipFill>
+        <p:spPr>
+          <a:xfrm>
+            <a:off x="1950802" y="4160204"/>
+            <a:ext cx="2546383" cy="1638849"/>
+          </a:xfrm>
+          <a:prstGeom prst="rect">
+            <a:avLst/>
+          </a:prstGeom>
+        </p:spPr>
+      </p:pic>
+      <p:pic>
+        <p:nvPicPr>
+          <p:cNvPr id="9" name="Picture 8"/>
+          <p:cNvPicPr>
+            <a:picLocks noChangeAspect="1"/>
+          </p:cNvPicPr>
+          <p:nvPr/>
+        </p:nvPicPr>
+        <p:blipFill>
+          <a:blip r:embed="rId5"/>
+          <a:stretch>
+            <a:fillRect/>
+          </a:stretch>
+        </p:blipFill>
+        <p:spPr>
+          <a:xfrm>
+            <a:off x="9174563" y="4094685"/>
+            <a:ext cx="2648184" cy="1704368"/>
+          </a:xfrm>
+          <a:prstGeom prst="rect">
+            <a:avLst/>
+          </a:prstGeom>
+        </p:spPr>
+      </p:pic>
+      <p:pic>
+        <p:nvPicPr>
+          <p:cNvPr id="15" name="Picture 14"/>
+          <p:cNvPicPr>
+            <a:picLocks noChangeAspect="1"/>
+          </p:cNvPicPr>
+          <p:nvPr/>
+        </p:nvPicPr>
+        <p:blipFill>
+          <a:blip r:embed="rId6"/>
+          <a:stretch>
+            <a:fillRect/>
+          </a:stretch>
+        </p:blipFill>
+        <p:spPr>
+          <a:xfrm>
+            <a:off x="5496174" y="1960853"/>
+            <a:ext cx="2770827" cy="1783300"/>
+          </a:xfrm>
+          <a:prstGeom prst="rect">
+            <a:avLst/>
+          </a:prstGeom>
+        </p:spPr>
+      </p:pic>
+      <p:pic>
+        <p:nvPicPr>
+          <p:cNvPr id="16" name="Picture 15"/>
+          <p:cNvPicPr>
+            <a:picLocks noChangeAspect="1"/>
+          </p:cNvPicPr>
+          <p:nvPr/>
+        </p:nvPicPr>
+        <p:blipFill>
+          <a:blip r:embed="rId7"/>
+          <a:stretch>
+            <a:fillRect/>
+          </a:stretch>
+        </p:blipFill>
+        <p:spPr>
+          <a:xfrm>
+            <a:off x="8964283" y="1915036"/>
+            <a:ext cx="2992453" cy="1925939"/>
+          </a:xfrm>
+          <a:prstGeom prst="rect">
+            <a:avLst/>
+          </a:prstGeom>
+        </p:spPr>
+      </p:pic>
+      <p:sp>
+        <p:nvSpPr>
+          <p:cNvPr id="17" name="Slide Number Placeholder 16"/>
+          <p:cNvSpPr>
+            <a:spLocks noGrp="1"/>
+          </p:cNvSpPr>
+          <p:nvPr>
+            <p:ph type="sldNum" sz="quarter" idx="12"/>
+          </p:nvPr>
+        </p:nvSpPr>
+        <p:spPr/>
+        <p:txBody>
+          <a:bodyPr/>
+          <a:lstStyle/>
+          <a:p>
+            <a:fld id="{C99E18DD-00CA-4CC1-A3F3-D24A5B61A133}" type="slidenum">
+              <a:rPr lang="en-US" smtClean="0"/>
+              <a:t>29</a:t>
+            </a:fld>
+            <a:endParaRPr lang="en-US"/>
+          </a:p>
+        </p:txBody>
+      </p:sp>
+    </p:spTree>
+    <p:extLst>
+      <p:ext uri="{BB962C8B-B14F-4D97-AF65-F5344CB8AC3E}">
+        <p14:creationId xmlns:p14="http://schemas.microsoft.com/office/powerpoint/2010/main" val="1888000024"/>
       </p:ext>
     </p:extLst>
   </p:cSld>
@@ -8045,10 +10598,267 @@
           </a:prstGeom>
         </p:spPr>
       </p:pic>
+      <p:sp>
+        <p:nvSpPr>
+          <p:cNvPr id="2" name="Slide Number Placeholder 1"/>
+          <p:cNvSpPr>
+            <a:spLocks noGrp="1"/>
+          </p:cNvSpPr>
+          <p:nvPr>
+            <p:ph type="sldNum" sz="quarter" idx="12"/>
+          </p:nvPr>
+        </p:nvSpPr>
+        <p:spPr/>
+        <p:txBody>
+          <a:bodyPr/>
+          <a:lstStyle/>
+          <a:p>
+            <a:fld id="{C99E18DD-00CA-4CC1-A3F3-D24A5B61A133}" type="slidenum">
+              <a:rPr lang="en-US" smtClean="0"/>
+              <a:t>3</a:t>
+            </a:fld>
+            <a:endParaRPr lang="en-US"/>
+          </a:p>
+        </p:txBody>
+      </p:sp>
     </p:spTree>
     <p:extLst>
       <p:ext uri="{BB962C8B-B14F-4D97-AF65-F5344CB8AC3E}">
         <p14:creationId xmlns:p14="http://schemas.microsoft.com/office/powerpoint/2010/main" val="1950408341"/>
+      </p:ext>
+    </p:extLst>
+  </p:cSld>
+  <p:clrMapOvr>
+    <a:masterClrMapping/>
+  </p:clrMapOvr>
+</p:sld>
+</file>
+
+<file path=ppt/slides/slide30.xml><?xml version="1.0" encoding="utf-8"?>
+<p:sld xmlns:a="http://schemas.openxmlformats.org/drawingml/2006/main" xmlns:r="http://schemas.openxmlformats.org/officeDocument/2006/relationships" xmlns:p="http://schemas.openxmlformats.org/presentationml/2006/main">
+  <p:cSld>
+    <p:spTree>
+      <p:nvGrpSpPr>
+        <p:cNvPr id="1" name=""/>
+        <p:cNvGrpSpPr/>
+        <p:nvPr/>
+      </p:nvGrpSpPr>
+      <p:grpSpPr>
+        <a:xfrm>
+          <a:off x="0" y="0"/>
+          <a:ext cx="0" cy="0"/>
+          <a:chOff x="0" y="0"/>
+          <a:chExt cx="0" cy="0"/>
+        </a:xfrm>
+      </p:grpSpPr>
+      <p:sp>
+        <p:nvSpPr>
+          <p:cNvPr id="2" name="Title 1"/>
+          <p:cNvSpPr>
+            <a:spLocks noGrp="1"/>
+          </p:cNvSpPr>
+          <p:nvPr>
+            <p:ph type="title"/>
+          </p:nvPr>
+        </p:nvSpPr>
+        <p:spPr/>
+        <p:txBody>
+          <a:bodyPr/>
+          <a:lstStyle/>
+          <a:p>
+            <a:r>
+              <a:rPr lang="en-US" dirty="0" smtClean="0"/>
+              <a:t>Comparing overall RTs between groups</a:t>
+            </a:r>
+            <a:endParaRPr lang="en-US" dirty="0"/>
+          </a:p>
+        </p:txBody>
+      </p:sp>
+      <p:sp>
+        <p:nvSpPr>
+          <p:cNvPr id="4" name="Slide Number Placeholder 3"/>
+          <p:cNvSpPr>
+            <a:spLocks noGrp="1"/>
+          </p:cNvSpPr>
+          <p:nvPr>
+            <p:ph type="sldNum" sz="quarter" idx="12"/>
+          </p:nvPr>
+        </p:nvSpPr>
+        <p:spPr/>
+        <p:txBody>
+          <a:bodyPr/>
+          <a:lstStyle/>
+          <a:p>
+            <a:fld id="{C99E18DD-00CA-4CC1-A3F3-D24A5B61A133}" type="slidenum">
+              <a:rPr lang="en-US" smtClean="0"/>
+              <a:t>30</a:t>
+            </a:fld>
+            <a:endParaRPr lang="en-US"/>
+          </a:p>
+        </p:txBody>
+      </p:sp>
+      <p:sp>
+        <p:nvSpPr>
+          <p:cNvPr id="5" name="TextBox 4"/>
+          <p:cNvSpPr txBox="1"/>
+          <p:nvPr/>
+        </p:nvSpPr>
+        <p:spPr>
+          <a:xfrm>
+            <a:off x="2074552" y="3483306"/>
+            <a:ext cx="2555351" cy="577081"/>
+          </a:xfrm>
+          <a:prstGeom prst="rect">
+            <a:avLst/>
+          </a:prstGeom>
+          <a:noFill/>
+        </p:spPr>
+        <p:txBody>
+          <a:bodyPr wrap="square" rtlCol="0">
+            <a:spAutoFit/>
+          </a:bodyPr>
+          <a:lstStyle/>
+          <a:p>
+            <a:r>
+              <a:rPr lang="en-US" sz="1050" dirty="0" smtClean="0"/>
+              <a:t>When gambling</a:t>
+            </a:r>
+          </a:p>
+          <a:p>
+            <a:r>
+              <a:rPr lang="en-US" sz="1050" dirty="0" smtClean="0"/>
+              <a:t>Red=</a:t>
+            </a:r>
+            <a:r>
+              <a:rPr lang="en-US" sz="1050" dirty="0" err="1" smtClean="0"/>
+              <a:t>AllParticipants</a:t>
+            </a:r>
+            <a:endParaRPr lang="en-US" sz="1050" dirty="0" smtClean="0"/>
+          </a:p>
+          <a:p>
+            <a:r>
+              <a:rPr lang="en-US" sz="1050" dirty="0" smtClean="0"/>
+              <a:t>Blue=RT </a:t>
+            </a:r>
+            <a:r>
+              <a:rPr lang="en-US" sz="1050" dirty="0" err="1" smtClean="0"/>
+              <a:t>rampers</a:t>
+            </a:r>
+            <a:r>
+              <a:rPr lang="en-US" sz="1050" dirty="0" smtClean="0"/>
+              <a:t> (n=33)</a:t>
+            </a:r>
+            <a:endParaRPr lang="en-US" sz="1050" dirty="0"/>
+          </a:p>
+        </p:txBody>
+      </p:sp>
+      <p:pic>
+        <p:nvPicPr>
+          <p:cNvPr id="7" name="Picture 6"/>
+          <p:cNvPicPr>
+            <a:picLocks noChangeAspect="1"/>
+          </p:cNvPicPr>
+          <p:nvPr/>
+        </p:nvPicPr>
+        <p:blipFill>
+          <a:blip r:embed="rId2"/>
+          <a:stretch>
+            <a:fillRect/>
+          </a:stretch>
+        </p:blipFill>
+        <p:spPr>
+          <a:xfrm>
+            <a:off x="1186032" y="1611512"/>
+            <a:ext cx="2962020" cy="1906352"/>
+          </a:xfrm>
+          <a:prstGeom prst="rect">
+            <a:avLst/>
+          </a:prstGeom>
+        </p:spPr>
+      </p:pic>
+      <p:pic>
+        <p:nvPicPr>
+          <p:cNvPr id="8" name="Picture 7"/>
+          <p:cNvPicPr>
+            <a:picLocks noChangeAspect="1"/>
+          </p:cNvPicPr>
+          <p:nvPr/>
+        </p:nvPicPr>
+        <p:blipFill>
+          <a:blip r:embed="rId3"/>
+          <a:stretch>
+            <a:fillRect/>
+          </a:stretch>
+        </p:blipFill>
+        <p:spPr>
+          <a:xfrm>
+            <a:off x="7667106" y="1646198"/>
+            <a:ext cx="2908127" cy="1871666"/>
+          </a:xfrm>
+          <a:prstGeom prst="rect">
+            <a:avLst/>
+          </a:prstGeom>
+        </p:spPr>
+      </p:pic>
+      <p:sp>
+        <p:nvSpPr>
+          <p:cNvPr id="9" name="TextBox 8"/>
+          <p:cNvSpPr txBox="1"/>
+          <p:nvPr/>
+        </p:nvSpPr>
+        <p:spPr>
+          <a:xfrm>
+            <a:off x="8426532" y="3536412"/>
+            <a:ext cx="1649811" cy="577081"/>
+          </a:xfrm>
+          <a:prstGeom prst="rect">
+            <a:avLst/>
+          </a:prstGeom>
+          <a:noFill/>
+        </p:spPr>
+        <p:txBody>
+          <a:bodyPr wrap="none" rtlCol="0">
+            <a:spAutoFit/>
+          </a:bodyPr>
+          <a:lstStyle/>
+          <a:p>
+            <a:r>
+              <a:rPr lang="en-US" sz="1050" dirty="0" smtClean="0"/>
+              <a:t>When accepting sure thing</a:t>
+            </a:r>
+          </a:p>
+          <a:p>
+            <a:r>
+              <a:rPr lang="en-US" sz="1050" dirty="0" smtClean="0"/>
+              <a:t>Red=</a:t>
+            </a:r>
+            <a:r>
+              <a:rPr lang="en-US" sz="1050" dirty="0" err="1" smtClean="0"/>
+              <a:t>AllParticipants</a:t>
+            </a:r>
+            <a:endParaRPr lang="en-US" sz="1050" dirty="0" smtClean="0"/>
+          </a:p>
+          <a:p>
+            <a:r>
+              <a:rPr lang="en-US" sz="1050" dirty="0" smtClean="0"/>
+              <a:t>Blue=RT </a:t>
+            </a:r>
+            <a:r>
+              <a:rPr lang="en-US" sz="1050" dirty="0" err="1" smtClean="0"/>
+              <a:t>rampers</a:t>
+            </a:r>
+            <a:r>
+              <a:rPr lang="en-US" sz="1050" dirty="0" smtClean="0"/>
+              <a:t> (n=33)</a:t>
+            </a:r>
+            <a:endParaRPr lang="en-US" sz="1050" dirty="0"/>
+          </a:p>
+        </p:txBody>
+      </p:sp>
+    </p:spTree>
+    <p:extLst>
+      <p:ext uri="{BB962C8B-B14F-4D97-AF65-F5344CB8AC3E}">
+        <p14:creationId xmlns:p14="http://schemas.microsoft.com/office/powerpoint/2010/main" val="2834385759"/>
       </p:ext>
     </p:extLst>
   </p:cSld>
@@ -8105,6 +10915,29 @@
           </a:prstGeom>
         </p:spPr>
       </p:pic>
+      <p:sp>
+        <p:nvSpPr>
+          <p:cNvPr id="2" name="Slide Number Placeholder 1"/>
+          <p:cNvSpPr>
+            <a:spLocks noGrp="1"/>
+          </p:cNvSpPr>
+          <p:nvPr>
+            <p:ph type="sldNum" sz="quarter" idx="12"/>
+          </p:nvPr>
+        </p:nvSpPr>
+        <p:spPr/>
+        <p:txBody>
+          <a:bodyPr/>
+          <a:lstStyle/>
+          <a:p>
+            <a:fld id="{C99E18DD-00CA-4CC1-A3F3-D24A5B61A133}" type="slidenum">
+              <a:rPr lang="en-US" smtClean="0"/>
+              <a:t>4</a:t>
+            </a:fld>
+            <a:endParaRPr lang="en-US"/>
+          </a:p>
+        </p:txBody>
+      </p:sp>
     </p:spTree>
     <p:extLst>
       <p:ext uri="{BB962C8B-B14F-4D97-AF65-F5344CB8AC3E}">
@@ -8291,6 +11124,29 @@
           </a:prstGeom>
         </p:spPr>
       </p:pic>
+      <p:sp>
+        <p:nvSpPr>
+          <p:cNvPr id="2" name="Slide Number Placeholder 1"/>
+          <p:cNvSpPr>
+            <a:spLocks noGrp="1"/>
+          </p:cNvSpPr>
+          <p:nvPr>
+            <p:ph type="sldNum" sz="quarter" idx="12"/>
+          </p:nvPr>
+        </p:nvSpPr>
+        <p:spPr/>
+        <p:txBody>
+          <a:bodyPr/>
+          <a:lstStyle/>
+          <a:p>
+            <a:fld id="{C99E18DD-00CA-4CC1-A3F3-D24A5B61A133}" type="slidenum">
+              <a:rPr lang="en-US" smtClean="0"/>
+              <a:t>5</a:t>
+            </a:fld>
+            <a:endParaRPr lang="en-US"/>
+          </a:p>
+        </p:txBody>
+      </p:sp>
     </p:spTree>
     <p:extLst>
       <p:ext uri="{BB962C8B-B14F-4D97-AF65-F5344CB8AC3E}">
@@ -8477,6 +11333,29 @@
           </a:prstGeom>
         </p:spPr>
       </p:pic>
+      <p:sp>
+        <p:nvSpPr>
+          <p:cNvPr id="6" name="Slide Number Placeholder 5"/>
+          <p:cNvSpPr>
+            <a:spLocks noGrp="1"/>
+          </p:cNvSpPr>
+          <p:nvPr>
+            <p:ph type="sldNum" sz="quarter" idx="12"/>
+          </p:nvPr>
+        </p:nvSpPr>
+        <p:spPr/>
+        <p:txBody>
+          <a:bodyPr/>
+          <a:lstStyle/>
+          <a:p>
+            <a:fld id="{C99E18DD-00CA-4CC1-A3F3-D24A5B61A133}" type="slidenum">
+              <a:rPr lang="en-US" smtClean="0"/>
+              <a:t>6</a:t>
+            </a:fld>
+            <a:endParaRPr lang="en-US"/>
+          </a:p>
+        </p:txBody>
+      </p:sp>
     </p:spTree>
     <p:extLst>
       <p:ext uri="{BB962C8B-B14F-4D97-AF65-F5344CB8AC3E}">
@@ -8663,6 +11542,29 @@
           </a:prstGeom>
         </p:spPr>
       </p:pic>
+      <p:sp>
+        <p:nvSpPr>
+          <p:cNvPr id="3" name="Slide Number Placeholder 2"/>
+          <p:cNvSpPr>
+            <a:spLocks noGrp="1"/>
+          </p:cNvSpPr>
+          <p:nvPr>
+            <p:ph type="sldNum" sz="quarter" idx="12"/>
+          </p:nvPr>
+        </p:nvSpPr>
+        <p:spPr/>
+        <p:txBody>
+          <a:bodyPr/>
+          <a:lstStyle/>
+          <a:p>
+            <a:fld id="{C99E18DD-00CA-4CC1-A3F3-D24A5B61A133}" type="slidenum">
+              <a:rPr lang="en-US" smtClean="0"/>
+              <a:t>7</a:t>
+            </a:fld>
+            <a:endParaRPr lang="en-US"/>
+          </a:p>
+        </p:txBody>
+      </p:sp>
     </p:spTree>
     <p:extLst>
       <p:ext uri="{BB962C8B-B14F-4D97-AF65-F5344CB8AC3E}">
@@ -8849,6 +11751,29 @@
           </a:prstGeom>
         </p:spPr>
       </p:pic>
+      <p:sp>
+        <p:nvSpPr>
+          <p:cNvPr id="2" name="Slide Number Placeholder 1"/>
+          <p:cNvSpPr>
+            <a:spLocks noGrp="1"/>
+          </p:cNvSpPr>
+          <p:nvPr>
+            <p:ph type="sldNum" sz="quarter" idx="12"/>
+          </p:nvPr>
+        </p:nvSpPr>
+        <p:spPr/>
+        <p:txBody>
+          <a:bodyPr/>
+          <a:lstStyle/>
+          <a:p>
+            <a:fld id="{C99E18DD-00CA-4CC1-A3F3-D24A5B61A133}" type="slidenum">
+              <a:rPr lang="en-US" smtClean="0"/>
+              <a:t>8</a:t>
+            </a:fld>
+            <a:endParaRPr lang="en-US"/>
+          </a:p>
+        </p:txBody>
+      </p:sp>
     </p:spTree>
     <p:extLst>
       <p:ext uri="{BB962C8B-B14F-4D97-AF65-F5344CB8AC3E}">
@@ -9035,6 +11960,29 @@
           </a:prstGeom>
         </p:spPr>
       </p:pic>
+      <p:sp>
+        <p:nvSpPr>
+          <p:cNvPr id="3" name="Slide Number Placeholder 2"/>
+          <p:cNvSpPr>
+            <a:spLocks noGrp="1"/>
+          </p:cNvSpPr>
+          <p:nvPr>
+            <p:ph type="sldNum" sz="quarter" idx="12"/>
+          </p:nvPr>
+        </p:nvSpPr>
+        <p:spPr/>
+        <p:txBody>
+          <a:bodyPr/>
+          <a:lstStyle/>
+          <a:p>
+            <a:fld id="{C99E18DD-00CA-4CC1-A3F3-D24A5B61A133}" type="slidenum">
+              <a:rPr lang="en-US" smtClean="0"/>
+              <a:t>9</a:t>
+            </a:fld>
+            <a:endParaRPr lang="en-US"/>
+          </a:p>
+        </p:txBody>
+      </p:sp>
     </p:spTree>
     <p:extLst>
       <p:ext uri="{BB962C8B-B14F-4D97-AF65-F5344CB8AC3E}">
@@ -9341,4 +12289,265 @@
     </a:ext>
   </a:extLst>
 </a:theme>
+</file>
+
+<file path=ppt/theme/theme2.xml><?xml version="1.0" encoding="utf-8"?>
+<a:theme xmlns:a="http://schemas.openxmlformats.org/drawingml/2006/main" name="Office Theme">
+  <a:themeElements>
+    <a:clrScheme name="Office">
+      <a:dk1>
+        <a:sysClr val="windowText" lastClr="000000"/>
+      </a:dk1>
+      <a:lt1>
+        <a:sysClr val="window" lastClr="FFFFFF"/>
+      </a:lt1>
+      <a:dk2>
+        <a:srgbClr val="44546A"/>
+      </a:dk2>
+      <a:lt2>
+        <a:srgbClr val="E7E6E6"/>
+      </a:lt2>
+      <a:accent1>
+        <a:srgbClr val="5B9BD5"/>
+      </a:accent1>
+      <a:accent2>
+        <a:srgbClr val="ED7D31"/>
+      </a:accent2>
+      <a:accent3>
+        <a:srgbClr val="A5A5A5"/>
+      </a:accent3>
+      <a:accent4>
+        <a:srgbClr val="FFC000"/>
+      </a:accent4>
+      <a:accent5>
+        <a:srgbClr val="4472C4"/>
+      </a:accent5>
+      <a:accent6>
+        <a:srgbClr val="70AD47"/>
+      </a:accent6>
+      <a:hlink>
+        <a:srgbClr val="0563C1"/>
+      </a:hlink>
+      <a:folHlink>
+        <a:srgbClr val="954F72"/>
+      </a:folHlink>
+    </a:clrScheme>
+    <a:fontScheme name="Office">
+      <a:majorFont>
+        <a:latin typeface="Calibri Light" panose="020F0302020204030204"/>
+        <a:ea typeface=""/>
+        <a:cs typeface=""/>
+        <a:font script="Jpan" typeface="游ゴシック Light"/>
+        <a:font script="Hang" typeface="맑은 고딕"/>
+        <a:font script="Hans" typeface="等线 Light"/>
+        <a:font script="Hant" typeface="新細明體"/>
+        <a:font script="Arab" typeface="Times New Roman"/>
+        <a:font script="Hebr" typeface="Times New Roman"/>
+        <a:font script="Thai" typeface="Angsana New"/>
+        <a:font script="Ethi" typeface="Nyala"/>
+        <a:font script="Beng" typeface="Vrinda"/>
+        <a:font script="Gujr" typeface="Shruti"/>
+        <a:font script="Khmr" typeface="MoolBoran"/>
+        <a:font script="Knda" typeface="Tunga"/>
+        <a:font script="Guru" typeface="Raavi"/>
+        <a:font script="Cans" typeface="Euphemia"/>
+        <a:font script="Cher" typeface="Plantagenet Cherokee"/>
+        <a:font script="Yiii" typeface="Microsoft Yi Baiti"/>
+        <a:font script="Tibt" typeface="Microsoft Himalaya"/>
+        <a:font script="Thaa" typeface="MV Boli"/>
+        <a:font script="Deva" typeface="Mangal"/>
+        <a:font script="Telu" typeface="Gautami"/>
+        <a:font script="Taml" typeface="Latha"/>
+        <a:font script="Syrc" typeface="Estrangelo Edessa"/>
+        <a:font script="Orya" typeface="Kalinga"/>
+        <a:font script="Mlym" typeface="Kartika"/>
+        <a:font script="Laoo" typeface="DokChampa"/>
+        <a:font script="Sinh" typeface="Iskoola Pota"/>
+        <a:font script="Mong" typeface="Mongolian Baiti"/>
+        <a:font script="Viet" typeface="Times New Roman"/>
+        <a:font script="Uigh" typeface="Microsoft Uighur"/>
+        <a:font script="Geor" typeface="Sylfaen"/>
+      </a:majorFont>
+      <a:minorFont>
+        <a:latin typeface="Calibri" panose="020F0502020204030204"/>
+        <a:ea typeface=""/>
+        <a:cs typeface=""/>
+        <a:font script="Jpan" typeface="游ゴシック"/>
+        <a:font script="Hang" typeface="맑은 고딕"/>
+        <a:font script="Hans" typeface="等线"/>
+        <a:font script="Hant" typeface="新細明體"/>
+        <a:font script="Arab" typeface="Arial"/>
+        <a:font script="Hebr" typeface="Arial"/>
+        <a:font script="Thai" typeface="Cordia New"/>
+        <a:font script="Ethi" typeface="Nyala"/>
+        <a:font script="Beng" typeface="Vrinda"/>
+        <a:font script="Gujr" typeface="Shruti"/>
+        <a:font script="Khmr" typeface="DaunPenh"/>
+        <a:font script="Knda" typeface="Tunga"/>
+        <a:font script="Guru" typeface="Raavi"/>
+        <a:font script="Cans" typeface="Euphemia"/>
+        <a:font script="Cher" typeface="Plantagenet Cherokee"/>
+        <a:font script="Yiii" typeface="Microsoft Yi Baiti"/>
+        <a:font script="Tibt" typeface="Microsoft Himalaya"/>
+        <a:font script="Thaa" typeface="MV Boli"/>
+        <a:font script="Deva" typeface="Mangal"/>
+        <a:font script="Telu" typeface="Gautami"/>
+        <a:font script="Taml" typeface="Latha"/>
+        <a:font script="Syrc" typeface="Estrangelo Edessa"/>
+        <a:font script="Orya" typeface="Kalinga"/>
+        <a:font script="Mlym" typeface="Kartika"/>
+        <a:font script="Laoo" typeface="DokChampa"/>
+        <a:font script="Sinh" typeface="Iskoola Pota"/>
+        <a:font script="Mong" typeface="Mongolian Baiti"/>
+        <a:font script="Viet" typeface="Arial"/>
+        <a:font script="Uigh" typeface="Microsoft Uighur"/>
+        <a:font script="Geor" typeface="Sylfaen"/>
+      </a:minorFont>
+    </a:fontScheme>
+    <a:fmtScheme name="Office">
+      <a:fillStyleLst>
+        <a:solidFill>
+          <a:schemeClr val="phClr"/>
+        </a:solidFill>
+        <a:gradFill rotWithShape="1">
+          <a:gsLst>
+            <a:gs pos="0">
+              <a:schemeClr val="phClr">
+                <a:lumMod val="110000"/>
+                <a:satMod val="105000"/>
+                <a:tint val="67000"/>
+              </a:schemeClr>
+            </a:gs>
+            <a:gs pos="50000">
+              <a:schemeClr val="phClr">
+                <a:lumMod val="105000"/>
+                <a:satMod val="103000"/>
+                <a:tint val="73000"/>
+              </a:schemeClr>
+            </a:gs>
+            <a:gs pos="100000">
+              <a:schemeClr val="phClr">
+                <a:lumMod val="105000"/>
+                <a:satMod val="109000"/>
+                <a:tint val="81000"/>
+              </a:schemeClr>
+            </a:gs>
+          </a:gsLst>
+          <a:lin ang="5400000" scaled="0"/>
+        </a:gradFill>
+        <a:gradFill rotWithShape="1">
+          <a:gsLst>
+            <a:gs pos="0">
+              <a:schemeClr val="phClr">
+                <a:satMod val="103000"/>
+                <a:lumMod val="102000"/>
+                <a:tint val="94000"/>
+              </a:schemeClr>
+            </a:gs>
+            <a:gs pos="50000">
+              <a:schemeClr val="phClr">
+                <a:satMod val="110000"/>
+                <a:lumMod val="100000"/>
+                <a:shade val="100000"/>
+              </a:schemeClr>
+            </a:gs>
+            <a:gs pos="100000">
+              <a:schemeClr val="phClr">
+                <a:lumMod val="99000"/>
+                <a:satMod val="120000"/>
+                <a:shade val="78000"/>
+              </a:schemeClr>
+            </a:gs>
+          </a:gsLst>
+          <a:lin ang="5400000" scaled="0"/>
+        </a:gradFill>
+      </a:fillStyleLst>
+      <a:lnStyleLst>
+        <a:ln w="6350" cap="flat" cmpd="sng" algn="ctr">
+          <a:solidFill>
+            <a:schemeClr val="phClr"/>
+          </a:solidFill>
+          <a:prstDash val="solid"/>
+          <a:miter lim="800000"/>
+        </a:ln>
+        <a:ln w="12700" cap="flat" cmpd="sng" algn="ctr">
+          <a:solidFill>
+            <a:schemeClr val="phClr"/>
+          </a:solidFill>
+          <a:prstDash val="solid"/>
+          <a:miter lim="800000"/>
+        </a:ln>
+        <a:ln w="19050" cap="flat" cmpd="sng" algn="ctr">
+          <a:solidFill>
+            <a:schemeClr val="phClr"/>
+          </a:solidFill>
+          <a:prstDash val="solid"/>
+          <a:miter lim="800000"/>
+        </a:ln>
+      </a:lnStyleLst>
+      <a:effectStyleLst>
+        <a:effectStyle>
+          <a:effectLst/>
+        </a:effectStyle>
+        <a:effectStyle>
+          <a:effectLst/>
+        </a:effectStyle>
+        <a:effectStyle>
+          <a:effectLst>
+            <a:outerShdw blurRad="57150" dist="19050" dir="5400000" algn="ctr" rotWithShape="0">
+              <a:srgbClr val="000000">
+                <a:alpha val="63000"/>
+              </a:srgbClr>
+            </a:outerShdw>
+          </a:effectLst>
+        </a:effectStyle>
+      </a:effectStyleLst>
+      <a:bgFillStyleLst>
+        <a:solidFill>
+          <a:schemeClr val="phClr"/>
+        </a:solidFill>
+        <a:solidFill>
+          <a:schemeClr val="phClr">
+            <a:tint val="95000"/>
+            <a:satMod val="170000"/>
+          </a:schemeClr>
+        </a:solidFill>
+        <a:gradFill rotWithShape="1">
+          <a:gsLst>
+            <a:gs pos="0">
+              <a:schemeClr val="phClr">
+                <a:tint val="93000"/>
+                <a:satMod val="150000"/>
+                <a:shade val="98000"/>
+                <a:lumMod val="102000"/>
+              </a:schemeClr>
+            </a:gs>
+            <a:gs pos="50000">
+              <a:schemeClr val="phClr">
+                <a:tint val="98000"/>
+                <a:satMod val="130000"/>
+                <a:shade val="90000"/>
+                <a:lumMod val="103000"/>
+              </a:schemeClr>
+            </a:gs>
+            <a:gs pos="100000">
+              <a:schemeClr val="phClr">
+                <a:shade val="63000"/>
+                <a:satMod val="120000"/>
+              </a:schemeClr>
+            </a:gs>
+          </a:gsLst>
+          <a:lin ang="5400000" scaled="0"/>
+        </a:gradFill>
+      </a:bgFillStyleLst>
+    </a:fmtScheme>
+  </a:themeElements>
+  <a:objectDefaults/>
+  <a:extraClrSchemeLst/>
+  <a:extLst>
+    <a:ext uri="{05A4C25C-085E-4340-85A3-A5531E510DB2}">
+      <thm15:themeFamily xmlns:thm15="http://schemas.microsoft.com/office/thememl/2012/main" name="Office Theme" id="{62F939B6-93AF-4DB8-9C6B-D6C7DFDC589F}" vid="{4A3C46E8-61CC-4603-A589-7422A47A8E4A}"/>
+    </a:ext>
+  </a:extLst>
+</a:theme>
 </file>
--- a/RampV02Presentation.pptx
+++ b/RampV02Presentation.pptx
@@ -5,7 +5,7 @@
     <p:sldMasterId id="2147483648" r:id="rId1"/>
   </p:sldMasterIdLst>
   <p:notesMasterIdLst>
-    <p:notesMasterId r:id="rId32"/>
+    <p:notesMasterId r:id="rId35"/>
   </p:notesMasterIdLst>
   <p:sldIdLst>
     <p:sldId id="257" r:id="rId2"/>
@@ -38,6 +38,9 @@
     <p:sldId id="296" r:id="rId29"/>
     <p:sldId id="297" r:id="rId30"/>
     <p:sldId id="298" r:id="rId31"/>
+    <p:sldId id="299" r:id="rId32"/>
+    <p:sldId id="301" r:id="rId33"/>
+    <p:sldId id="300" r:id="rId34"/>
   </p:sldIdLst>
   <p:sldSz cx="12192000" cy="6858000"/>
   <p:notesSz cx="6858000" cy="9144000"/>
@@ -226,7 +229,7 @@
           <a:p>
             <a:fld id="{EC555E39-7D87-4049-BF92-073AAA54E55E}" type="datetimeFigureOut">
               <a:rPr lang="en-US" smtClean="0"/>
-              <a:t>9/24/2018</a:t>
+              <a:t>9/25/2018</a:t>
             </a:fld>
             <a:endParaRPr lang="en-US"/>
           </a:p>
@@ -641,7 +644,7 @@
           <a:p>
             <a:fld id="{A1666509-81FA-4D6F-B08C-10B2AAC7CE23}" type="datetime1">
               <a:rPr lang="en-US" smtClean="0"/>
-              <a:t>9/24/2018</a:t>
+              <a:t>9/25/2018</a:t>
             </a:fld>
             <a:endParaRPr lang="en-US"/>
           </a:p>
@@ -839,7 +842,7 @@
           <a:p>
             <a:fld id="{E740DBFC-6945-4827-86DE-13808C3F336E}" type="datetime1">
               <a:rPr lang="en-US" smtClean="0"/>
-              <a:t>9/24/2018</a:t>
+              <a:t>9/25/2018</a:t>
             </a:fld>
             <a:endParaRPr lang="en-US"/>
           </a:p>
@@ -1047,7 +1050,7 @@
           <a:p>
             <a:fld id="{DAB9A1D5-3B95-4310-9634-73181494B078}" type="datetime1">
               <a:rPr lang="en-US" smtClean="0"/>
-              <a:t>9/24/2018</a:t>
+              <a:t>9/25/2018</a:t>
             </a:fld>
             <a:endParaRPr lang="en-US"/>
           </a:p>
@@ -1245,7 +1248,7 @@
           <a:p>
             <a:fld id="{9376DACA-9D23-41FE-854E-D9B8AF7EC986}" type="datetime1">
               <a:rPr lang="en-US" smtClean="0"/>
-              <a:t>9/24/2018</a:t>
+              <a:t>9/25/2018</a:t>
             </a:fld>
             <a:endParaRPr lang="en-US"/>
           </a:p>
@@ -1520,7 +1523,7 @@
           <a:p>
             <a:fld id="{F63BE69C-B08A-44D1-AC4E-3F8AFBBBBBB1}" type="datetime1">
               <a:rPr lang="en-US" smtClean="0"/>
-              <a:t>9/24/2018</a:t>
+              <a:t>9/25/2018</a:t>
             </a:fld>
             <a:endParaRPr lang="en-US"/>
           </a:p>
@@ -1785,7 +1788,7 @@
           <a:p>
             <a:fld id="{0F643761-95CC-4DFE-8359-3EF31B15A2EB}" type="datetime1">
               <a:rPr lang="en-US" smtClean="0"/>
-              <a:t>9/24/2018</a:t>
+              <a:t>9/25/2018</a:t>
             </a:fld>
             <a:endParaRPr lang="en-US"/>
           </a:p>
@@ -2197,7 +2200,7 @@
           <a:p>
             <a:fld id="{4A3C521B-6B77-4096-9308-7D6490CF5CFF}" type="datetime1">
               <a:rPr lang="en-US" smtClean="0"/>
-              <a:t>9/24/2018</a:t>
+              <a:t>9/25/2018</a:t>
             </a:fld>
             <a:endParaRPr lang="en-US"/>
           </a:p>
@@ -2338,7 +2341,7 @@
           <a:p>
             <a:fld id="{70E2DC10-394D-4254-BF9F-333A350A2283}" type="datetime1">
               <a:rPr lang="en-US" smtClean="0"/>
-              <a:t>9/24/2018</a:t>
+              <a:t>9/25/2018</a:t>
             </a:fld>
             <a:endParaRPr lang="en-US"/>
           </a:p>
@@ -2451,7 +2454,7 @@
           <a:p>
             <a:fld id="{CB8B4E43-A141-4F9C-ADE6-081E306300A1}" type="datetime1">
               <a:rPr lang="en-US" smtClean="0"/>
-              <a:t>9/24/2018</a:t>
+              <a:t>9/25/2018</a:t>
             </a:fld>
             <a:endParaRPr lang="en-US"/>
           </a:p>
@@ -2762,7 +2765,7 @@
           <a:p>
             <a:fld id="{1F92A9CA-C140-4819-8B7E-EBC587372D1B}" type="datetime1">
               <a:rPr lang="en-US" smtClean="0"/>
-              <a:t>9/24/2018</a:t>
+              <a:t>9/25/2018</a:t>
             </a:fld>
             <a:endParaRPr lang="en-US"/>
           </a:p>
@@ -3050,7 +3053,7 @@
           <a:p>
             <a:fld id="{AED0ED8F-7B68-4061-86A8-7054EDBD706B}" type="datetime1">
               <a:rPr lang="en-US" smtClean="0"/>
-              <a:t>9/24/2018</a:t>
+              <a:t>9/25/2018</a:t>
             </a:fld>
             <a:endParaRPr lang="en-US"/>
           </a:p>
@@ -3291,7 +3294,7 @@
           <a:p>
             <a:fld id="{BC7CF0D8-75C2-4E11-A265-F56901DA04A9}" type="datetime1">
               <a:rPr lang="en-US" smtClean="0"/>
-              <a:t>9/24/2018</a:t>
+              <a:t>9/25/2018</a:t>
             </a:fld>
             <a:endParaRPr lang="en-US"/>
           </a:p>
@@ -10661,16 +10664,23 @@
             <p:ph type="title"/>
           </p:nvPr>
         </p:nvSpPr>
-        <p:spPr/>
-        <p:txBody>
-          <a:bodyPr/>
-          <a:lstStyle/>
-          <a:p>
-            <a:r>
-              <a:rPr lang="en-US" dirty="0" smtClean="0"/>
+        <p:spPr>
+          <a:xfrm>
+            <a:off x="177131" y="0"/>
+            <a:ext cx="3093720" cy="565900"/>
+          </a:xfrm>
+        </p:spPr>
+        <p:txBody>
+          <a:bodyPr>
+            <a:normAutofit/>
+          </a:bodyPr>
+          <a:lstStyle/>
+          <a:p>
+            <a:r>
+              <a:rPr lang="en-US" sz="1600" dirty="0" smtClean="0"/>
               <a:t>Comparing overall RTs between groups</a:t>
             </a:r>
-            <a:endParaRPr lang="en-US" dirty="0"/>
+            <a:endParaRPr lang="en-US" sz="1600" dirty="0"/>
           </a:p>
         </p:txBody>
       </p:sp>
@@ -10705,8 +10715,8 @@
         </p:nvSpPr>
         <p:spPr>
           <a:xfrm>
-            <a:off x="2074552" y="3483306"/>
-            <a:ext cx="2555351" cy="577081"/>
+            <a:off x="587846" y="2477293"/>
+            <a:ext cx="1488791" cy="415498"/>
           </a:xfrm>
           <a:prstGeom prst="rect">
             <a:avLst/>
@@ -10720,41 +10730,322 @@
           <a:lstStyle/>
           <a:p>
             <a:r>
-              <a:rPr lang="en-US" sz="1050" dirty="0" smtClean="0"/>
+              <a:rPr lang="en-US" sz="700" dirty="0" smtClean="0"/>
               <a:t>When gambling</a:t>
             </a:r>
           </a:p>
           <a:p>
             <a:r>
-              <a:rPr lang="en-US" sz="1050" dirty="0" smtClean="0"/>
+              <a:rPr lang="en-US" sz="700" dirty="0" smtClean="0"/>
               <a:t>Red=</a:t>
             </a:r>
             <a:r>
-              <a:rPr lang="en-US" sz="1050" dirty="0" err="1" smtClean="0"/>
+              <a:rPr lang="en-US" sz="700" dirty="0" err="1" smtClean="0"/>
               <a:t>AllParticipants</a:t>
             </a:r>
-            <a:endParaRPr lang="en-US" sz="1050" dirty="0" smtClean="0"/>
-          </a:p>
-          <a:p>
-            <a:r>
-              <a:rPr lang="en-US" sz="1050" dirty="0" smtClean="0"/>
+            <a:endParaRPr lang="en-US" sz="700" dirty="0" smtClean="0"/>
+          </a:p>
+          <a:p>
+            <a:r>
+              <a:rPr lang="en-US" sz="700" dirty="0" smtClean="0"/>
               <a:t>Blue=RT </a:t>
             </a:r>
             <a:r>
-              <a:rPr lang="en-US" sz="1050" dirty="0" err="1" smtClean="0"/>
+              <a:rPr lang="en-US" sz="700" dirty="0" err="1" smtClean="0"/>
               <a:t>rampers</a:t>
             </a:r>
             <a:r>
-              <a:rPr lang="en-US" sz="1050" dirty="0" smtClean="0"/>
+              <a:rPr lang="en-US" sz="700" dirty="0" smtClean="0"/>
               <a:t> (n=33)</a:t>
             </a:r>
-            <a:endParaRPr lang="en-US" sz="1050" dirty="0"/>
+            <a:endParaRPr lang="en-US" sz="700" dirty="0"/>
+          </a:p>
+        </p:txBody>
+      </p:sp>
+      <p:sp>
+        <p:nvSpPr>
+          <p:cNvPr id="9" name="TextBox 8"/>
+          <p:cNvSpPr txBox="1"/>
+          <p:nvPr/>
+        </p:nvSpPr>
+        <p:spPr>
+          <a:xfrm>
+            <a:off x="2952269" y="2474088"/>
+            <a:ext cx="1160895" cy="415498"/>
+          </a:xfrm>
+          <a:prstGeom prst="rect">
+            <a:avLst/>
+          </a:prstGeom>
+          <a:noFill/>
+        </p:spPr>
+        <p:txBody>
+          <a:bodyPr wrap="none" rtlCol="0">
+            <a:spAutoFit/>
+          </a:bodyPr>
+          <a:lstStyle/>
+          <a:p>
+            <a:r>
+              <a:rPr lang="en-US" sz="700" dirty="0" smtClean="0"/>
+              <a:t>When accepting sure thing</a:t>
+            </a:r>
+          </a:p>
+          <a:p>
+            <a:r>
+              <a:rPr lang="en-US" sz="700" dirty="0" smtClean="0"/>
+              <a:t>Red=</a:t>
+            </a:r>
+            <a:r>
+              <a:rPr lang="en-US" sz="700" dirty="0" err="1" smtClean="0"/>
+              <a:t>AllParticipants</a:t>
+            </a:r>
+            <a:endParaRPr lang="en-US" sz="700" dirty="0" smtClean="0"/>
+          </a:p>
+          <a:p>
+            <a:r>
+              <a:rPr lang="en-US" sz="700" dirty="0" smtClean="0"/>
+              <a:t>Blue=RT </a:t>
+            </a:r>
+            <a:r>
+              <a:rPr lang="en-US" sz="700" dirty="0" err="1" smtClean="0"/>
+              <a:t>rampers</a:t>
+            </a:r>
+            <a:r>
+              <a:rPr lang="en-US" sz="700" dirty="0" smtClean="0"/>
+              <a:t> (n=33</a:t>
+            </a:r>
+            <a:r>
+              <a:rPr lang="en-US" sz="700" dirty="0" smtClean="0"/>
+              <a:t>)</a:t>
+            </a:r>
+            <a:endParaRPr lang="en-US" sz="700" dirty="0"/>
+          </a:p>
+        </p:txBody>
+      </p:sp>
+      <p:sp>
+        <p:nvSpPr>
+          <p:cNvPr id="10" name="TextBox 9"/>
+          <p:cNvSpPr txBox="1"/>
+          <p:nvPr/>
+        </p:nvSpPr>
+        <p:spPr>
+          <a:xfrm>
+            <a:off x="3444143" y="5791709"/>
+            <a:ext cx="1252266" cy="415498"/>
+          </a:xfrm>
+          <a:prstGeom prst="rect">
+            <a:avLst/>
+          </a:prstGeom>
+          <a:noFill/>
+        </p:spPr>
+        <p:txBody>
+          <a:bodyPr wrap="none" rtlCol="0">
+            <a:spAutoFit/>
+          </a:bodyPr>
+          <a:lstStyle/>
+          <a:p>
+            <a:r>
+              <a:rPr lang="en-US" sz="700" dirty="0" smtClean="0"/>
+              <a:t>When accepting sure thing</a:t>
+            </a:r>
+          </a:p>
+          <a:p>
+            <a:r>
+              <a:rPr lang="en-US" sz="700" dirty="0" smtClean="0"/>
+              <a:t>Red=</a:t>
+            </a:r>
+            <a:r>
+              <a:rPr lang="en-US" sz="700" dirty="0" err="1" smtClean="0"/>
+              <a:t>AllParticipants</a:t>
+            </a:r>
+            <a:endParaRPr lang="en-US" sz="700" dirty="0" smtClean="0"/>
+          </a:p>
+          <a:p>
+            <a:r>
+              <a:rPr lang="en-US" sz="700" dirty="0" smtClean="0"/>
+              <a:t>Blue=logical Gamblers </a:t>
+            </a:r>
+            <a:r>
+              <a:rPr lang="en-US" sz="700" dirty="0" smtClean="0"/>
+              <a:t>(n=33)</a:t>
+            </a:r>
+            <a:endParaRPr lang="en-US" sz="700" dirty="0"/>
+          </a:p>
+        </p:txBody>
+      </p:sp>
+      <p:sp>
+        <p:nvSpPr>
+          <p:cNvPr id="11" name="TextBox 10"/>
+          <p:cNvSpPr txBox="1"/>
+          <p:nvPr/>
+        </p:nvSpPr>
+        <p:spPr>
+          <a:xfrm>
+            <a:off x="1031558" y="5791709"/>
+            <a:ext cx="1252266" cy="415498"/>
+          </a:xfrm>
+          <a:prstGeom prst="rect">
+            <a:avLst/>
+          </a:prstGeom>
+          <a:noFill/>
+        </p:spPr>
+        <p:txBody>
+          <a:bodyPr wrap="none" rtlCol="0">
+            <a:spAutoFit/>
+          </a:bodyPr>
+          <a:lstStyle/>
+          <a:p>
+            <a:r>
+              <a:rPr lang="en-US" sz="700" dirty="0" smtClean="0"/>
+              <a:t>When </a:t>
+            </a:r>
+            <a:r>
+              <a:rPr lang="en-US" sz="700" dirty="0" smtClean="0"/>
+              <a:t>gambling</a:t>
+            </a:r>
+            <a:endParaRPr lang="en-US" sz="700" dirty="0" smtClean="0"/>
+          </a:p>
+          <a:p>
+            <a:r>
+              <a:rPr lang="en-US" sz="700" dirty="0" smtClean="0"/>
+              <a:t>Red=</a:t>
+            </a:r>
+            <a:r>
+              <a:rPr lang="en-US" sz="700" dirty="0" err="1" smtClean="0"/>
+              <a:t>AllParticipants</a:t>
+            </a:r>
+            <a:endParaRPr lang="en-US" sz="700" dirty="0" smtClean="0"/>
+          </a:p>
+          <a:p>
+            <a:r>
+              <a:rPr lang="en-US" sz="700" dirty="0" smtClean="0"/>
+              <a:t>Blue=logical Gamblers </a:t>
+            </a:r>
+            <a:r>
+              <a:rPr lang="en-US" sz="700" dirty="0" smtClean="0"/>
+              <a:t>(n=33)</a:t>
+            </a:r>
+            <a:endParaRPr lang="en-US" sz="700" dirty="0"/>
+          </a:p>
+        </p:txBody>
+      </p:sp>
+      <p:sp>
+        <p:nvSpPr>
+          <p:cNvPr id="15" name="TextBox 14"/>
+          <p:cNvSpPr txBox="1"/>
+          <p:nvPr/>
+        </p:nvSpPr>
+        <p:spPr>
+          <a:xfrm>
+            <a:off x="7232420" y="2564116"/>
+            <a:ext cx="1242648" cy="415498"/>
+          </a:xfrm>
+          <a:prstGeom prst="rect">
+            <a:avLst/>
+          </a:prstGeom>
+          <a:noFill/>
+        </p:spPr>
+        <p:txBody>
+          <a:bodyPr wrap="none" rtlCol="0">
+            <a:spAutoFit/>
+          </a:bodyPr>
+          <a:lstStyle/>
+          <a:p>
+            <a:r>
+              <a:rPr lang="en-US" sz="700" dirty="0" smtClean="0"/>
+              <a:t>When gambling</a:t>
+            </a:r>
+            <a:endParaRPr lang="en-US" sz="700" dirty="0" smtClean="0"/>
+          </a:p>
+          <a:p>
+            <a:r>
+              <a:rPr lang="en-US" sz="700" dirty="0" smtClean="0"/>
+              <a:t>Red=</a:t>
+            </a:r>
+            <a:r>
+              <a:rPr lang="en-US" sz="700" dirty="0" err="1" smtClean="0"/>
+              <a:t>AllParticipants</a:t>
+            </a:r>
+            <a:endParaRPr lang="en-US" sz="700" dirty="0" smtClean="0"/>
+          </a:p>
+          <a:p>
+            <a:r>
+              <a:rPr lang="en-US" sz="700" dirty="0" smtClean="0"/>
+              <a:t>Blue=gamble </a:t>
+            </a:r>
+            <a:r>
+              <a:rPr lang="en-US" sz="700" dirty="0" err="1" smtClean="0"/>
+              <a:t>rampers</a:t>
+            </a:r>
+            <a:r>
+              <a:rPr lang="en-US" sz="700" dirty="0" smtClean="0"/>
+              <a:t> (n=33)</a:t>
+            </a:r>
+            <a:endParaRPr lang="en-US" sz="700" dirty="0"/>
+          </a:p>
+        </p:txBody>
+      </p:sp>
+      <p:sp>
+        <p:nvSpPr>
+          <p:cNvPr id="16" name="TextBox 15"/>
+          <p:cNvSpPr txBox="1"/>
+          <p:nvPr/>
+        </p:nvSpPr>
+        <p:spPr>
+          <a:xfrm>
+            <a:off x="9982200" y="2559095"/>
+            <a:ext cx="1242648" cy="415498"/>
+          </a:xfrm>
+          <a:prstGeom prst="rect">
+            <a:avLst/>
+          </a:prstGeom>
+          <a:noFill/>
+        </p:spPr>
+        <p:txBody>
+          <a:bodyPr wrap="none" rtlCol="0">
+            <a:spAutoFit/>
+          </a:bodyPr>
+          <a:lstStyle/>
+          <a:p>
+            <a:r>
+              <a:rPr lang="en-US" sz="700" dirty="0" smtClean="0"/>
+              <a:t>When accepting sure thing</a:t>
+            </a:r>
+          </a:p>
+          <a:p>
+            <a:r>
+              <a:rPr lang="en-US" sz="700" dirty="0" smtClean="0"/>
+              <a:t>Red=</a:t>
+            </a:r>
+            <a:r>
+              <a:rPr lang="en-US" sz="700" dirty="0" err="1" smtClean="0"/>
+              <a:t>AllParticipants</a:t>
+            </a:r>
+            <a:endParaRPr lang="en-US" sz="700" dirty="0" smtClean="0"/>
+          </a:p>
+          <a:p>
+            <a:r>
+              <a:rPr lang="en-US" sz="700" dirty="0" smtClean="0"/>
+              <a:t>Blue=</a:t>
+            </a:r>
+            <a:r>
+              <a:rPr lang="en-US" sz="700" dirty="0" err="1" smtClean="0"/>
+              <a:t>gamblerampers</a:t>
+            </a:r>
+            <a:r>
+              <a:rPr lang="en-US" sz="700" dirty="0" smtClean="0"/>
+              <a:t>  </a:t>
+            </a:r>
+            <a:r>
+              <a:rPr lang="en-US" sz="700" dirty="0" smtClean="0"/>
+              <a:t>(n=33)</a:t>
+            </a:r>
+            <a:endParaRPr lang="en-US" sz="700" dirty="0"/>
           </a:p>
         </p:txBody>
       </p:sp>
       <p:pic>
         <p:nvPicPr>
-          <p:cNvPr id="7" name="Picture 6"/>
+          <p:cNvPr id="21" name="Picture 20"/>
           <p:cNvPicPr>
             <a:picLocks noChangeAspect="1"/>
           </p:cNvPicPr>
@@ -10768,8 +11059,589 @@
         </p:blipFill>
         <p:spPr>
           <a:xfrm>
-            <a:off x="1186032" y="1611512"/>
-            <a:ext cx="2962020" cy="1906352"/>
+            <a:off x="0" y="3854332"/>
+            <a:ext cx="2818015" cy="1813671"/>
+          </a:xfrm>
+          <a:prstGeom prst="rect">
+            <a:avLst/>
+          </a:prstGeom>
+        </p:spPr>
+      </p:pic>
+      <p:pic>
+        <p:nvPicPr>
+          <p:cNvPr id="24" name="Picture 23"/>
+          <p:cNvPicPr>
+            <a:picLocks noChangeAspect="1"/>
+          </p:cNvPicPr>
+          <p:nvPr/>
+        </p:nvPicPr>
+        <p:blipFill>
+          <a:blip r:embed="rId3"/>
+          <a:stretch>
+            <a:fillRect/>
+          </a:stretch>
+        </p:blipFill>
+        <p:spPr>
+          <a:xfrm>
+            <a:off x="2699760" y="3967599"/>
+            <a:ext cx="2642024" cy="1700404"/>
+          </a:xfrm>
+          <a:prstGeom prst="rect">
+            <a:avLst/>
+          </a:prstGeom>
+        </p:spPr>
+      </p:pic>
+      <p:pic>
+        <p:nvPicPr>
+          <p:cNvPr id="26" name="Picture 25"/>
+          <p:cNvPicPr>
+            <a:picLocks noChangeAspect="1"/>
+          </p:cNvPicPr>
+          <p:nvPr/>
+        </p:nvPicPr>
+        <p:blipFill>
+          <a:blip r:embed="rId4"/>
+          <a:stretch>
+            <a:fillRect/>
+          </a:stretch>
+        </p:blipFill>
+        <p:spPr>
+          <a:xfrm>
+            <a:off x="2283824" y="872690"/>
+            <a:ext cx="2488194" cy="1601398"/>
+          </a:xfrm>
+          <a:prstGeom prst="rect">
+            <a:avLst/>
+          </a:prstGeom>
+        </p:spPr>
+      </p:pic>
+      <p:pic>
+        <p:nvPicPr>
+          <p:cNvPr id="27" name="Picture 26"/>
+          <p:cNvPicPr>
+            <a:picLocks noChangeAspect="1"/>
+          </p:cNvPicPr>
+          <p:nvPr/>
+        </p:nvPicPr>
+        <p:blipFill>
+          <a:blip r:embed="rId5"/>
+          <a:stretch>
+            <a:fillRect/>
+          </a:stretch>
+        </p:blipFill>
+        <p:spPr>
+          <a:xfrm>
+            <a:off x="0" y="917513"/>
+            <a:ext cx="2283824" cy="1469866"/>
+          </a:xfrm>
+          <a:prstGeom prst="rect">
+            <a:avLst/>
+          </a:prstGeom>
+        </p:spPr>
+      </p:pic>
+      <p:pic>
+        <p:nvPicPr>
+          <p:cNvPr id="28" name="Picture 27"/>
+          <p:cNvPicPr>
+            <a:picLocks noChangeAspect="1"/>
+          </p:cNvPicPr>
+          <p:nvPr/>
+        </p:nvPicPr>
+        <p:blipFill>
+          <a:blip r:embed="rId6"/>
+          <a:stretch>
+            <a:fillRect/>
+          </a:stretch>
+        </p:blipFill>
+        <p:spPr>
+          <a:xfrm>
+            <a:off x="6127966" y="703766"/>
+            <a:ext cx="2906565" cy="1870661"/>
+          </a:xfrm>
+          <a:prstGeom prst="rect">
+            <a:avLst/>
+          </a:prstGeom>
+        </p:spPr>
+      </p:pic>
+      <p:pic>
+        <p:nvPicPr>
+          <p:cNvPr id="29" name="Picture 28"/>
+          <p:cNvPicPr>
+            <a:picLocks noChangeAspect="1"/>
+          </p:cNvPicPr>
+          <p:nvPr/>
+        </p:nvPicPr>
+        <p:blipFill>
+          <a:blip r:embed="rId7"/>
+          <a:stretch>
+            <a:fillRect/>
+          </a:stretch>
+        </p:blipFill>
+        <p:spPr>
+          <a:xfrm>
+            <a:off x="8959734" y="603147"/>
+            <a:ext cx="2986957" cy="1922401"/>
+          </a:xfrm>
+          <a:prstGeom prst="rect">
+            <a:avLst/>
+          </a:prstGeom>
+        </p:spPr>
+      </p:pic>
+      <p:sp>
+        <p:nvSpPr>
+          <p:cNvPr id="30" name="TextBox 29"/>
+          <p:cNvSpPr txBox="1"/>
+          <p:nvPr/>
+        </p:nvSpPr>
+        <p:spPr>
+          <a:xfrm>
+            <a:off x="7585440" y="5843093"/>
+            <a:ext cx="1103187" cy="415498"/>
+          </a:xfrm>
+          <a:prstGeom prst="rect">
+            <a:avLst/>
+          </a:prstGeom>
+          <a:noFill/>
+        </p:spPr>
+        <p:txBody>
+          <a:bodyPr wrap="none" rtlCol="0">
+            <a:spAutoFit/>
+          </a:bodyPr>
+          <a:lstStyle/>
+          <a:p>
+            <a:r>
+              <a:rPr lang="en-US" sz="700" dirty="0" smtClean="0"/>
+              <a:t>When gambling</a:t>
+            </a:r>
+            <a:endParaRPr lang="en-US" sz="700" dirty="0" smtClean="0"/>
+          </a:p>
+          <a:p>
+            <a:r>
+              <a:rPr lang="en-US" sz="700" dirty="0" smtClean="0"/>
+              <a:t>Red=</a:t>
+            </a:r>
+            <a:r>
+              <a:rPr lang="en-US" sz="700" dirty="0" err="1" smtClean="0"/>
+              <a:t>AllParticipants</a:t>
+            </a:r>
+            <a:endParaRPr lang="en-US" sz="700" dirty="0" smtClean="0"/>
+          </a:p>
+          <a:p>
+            <a:r>
+              <a:rPr lang="en-US" sz="700" dirty="0" smtClean="0"/>
+              <a:t>Blue=</a:t>
+            </a:r>
+            <a:r>
+              <a:rPr lang="en-US" sz="700" dirty="0" err="1" smtClean="0"/>
+              <a:t>atn</a:t>
+            </a:r>
+            <a:r>
+              <a:rPr lang="en-US" sz="700" dirty="0" smtClean="0"/>
+              <a:t> gamblers(n=54)</a:t>
+            </a:r>
+            <a:endParaRPr lang="en-US" sz="700" dirty="0"/>
+          </a:p>
+        </p:txBody>
+      </p:sp>
+      <p:sp>
+        <p:nvSpPr>
+          <p:cNvPr id="31" name="TextBox 30"/>
+          <p:cNvSpPr txBox="1"/>
+          <p:nvPr/>
+        </p:nvSpPr>
+        <p:spPr>
+          <a:xfrm>
+            <a:off x="10302642" y="5771409"/>
+            <a:ext cx="1160895" cy="415498"/>
+          </a:xfrm>
+          <a:prstGeom prst="rect">
+            <a:avLst/>
+          </a:prstGeom>
+          <a:noFill/>
+        </p:spPr>
+        <p:txBody>
+          <a:bodyPr wrap="none" rtlCol="0">
+            <a:spAutoFit/>
+          </a:bodyPr>
+          <a:lstStyle/>
+          <a:p>
+            <a:r>
+              <a:rPr lang="en-US" sz="700" dirty="0" smtClean="0"/>
+              <a:t>When accepting sure thing</a:t>
+            </a:r>
+          </a:p>
+          <a:p>
+            <a:r>
+              <a:rPr lang="en-US" sz="700" dirty="0" smtClean="0"/>
+              <a:t>Red=</a:t>
+            </a:r>
+            <a:r>
+              <a:rPr lang="en-US" sz="700" dirty="0" err="1" smtClean="0"/>
+              <a:t>AllParticipants</a:t>
+            </a:r>
+            <a:endParaRPr lang="en-US" sz="700" dirty="0" smtClean="0"/>
+          </a:p>
+          <a:p>
+            <a:r>
+              <a:rPr lang="en-US" sz="700" dirty="0"/>
+              <a:t>Blue=</a:t>
+            </a:r>
+            <a:r>
+              <a:rPr lang="en-US" sz="700" dirty="0" err="1"/>
+              <a:t>atn</a:t>
+            </a:r>
+            <a:r>
+              <a:rPr lang="en-US" sz="700" dirty="0"/>
+              <a:t> gamblers(n=54)</a:t>
+            </a:r>
+            <a:endParaRPr lang="en-US" sz="700" dirty="0"/>
+          </a:p>
+        </p:txBody>
+      </p:sp>
+      <p:pic>
+        <p:nvPicPr>
+          <p:cNvPr id="32" name="Picture 31"/>
+          <p:cNvPicPr>
+            <a:picLocks noChangeAspect="1"/>
+          </p:cNvPicPr>
+          <p:nvPr/>
+        </p:nvPicPr>
+        <p:blipFill>
+          <a:blip r:embed="rId8"/>
+          <a:stretch>
+            <a:fillRect/>
+          </a:stretch>
+        </p:blipFill>
+        <p:spPr>
+          <a:xfrm>
+            <a:off x="6291342" y="3854332"/>
+            <a:ext cx="3053459" cy="1965202"/>
+          </a:xfrm>
+          <a:prstGeom prst="rect">
+            <a:avLst/>
+          </a:prstGeom>
+        </p:spPr>
+      </p:pic>
+      <p:pic>
+        <p:nvPicPr>
+          <p:cNvPr id="33" name="Picture 32"/>
+          <p:cNvPicPr>
+            <a:picLocks noChangeAspect="1"/>
+          </p:cNvPicPr>
+          <p:nvPr/>
+        </p:nvPicPr>
+        <p:blipFill>
+          <a:blip r:embed="rId9"/>
+          <a:stretch>
+            <a:fillRect/>
+          </a:stretch>
+        </p:blipFill>
+        <p:spPr>
+          <a:xfrm>
+            <a:off x="9189704" y="3839136"/>
+            <a:ext cx="3002296" cy="1932273"/>
+          </a:xfrm>
+          <a:prstGeom prst="rect">
+            <a:avLst/>
+          </a:prstGeom>
+        </p:spPr>
+      </p:pic>
+    </p:spTree>
+    <p:extLst>
+      <p:ext uri="{BB962C8B-B14F-4D97-AF65-F5344CB8AC3E}">
+        <p14:creationId xmlns:p14="http://schemas.microsoft.com/office/powerpoint/2010/main" val="2834385759"/>
+      </p:ext>
+    </p:extLst>
+  </p:cSld>
+  <p:clrMapOvr>
+    <a:masterClrMapping/>
+  </p:clrMapOvr>
+</p:sld>
+</file>
+
+<file path=ppt/slides/slide31.xml><?xml version="1.0" encoding="utf-8"?>
+<p:sld xmlns:a="http://schemas.openxmlformats.org/drawingml/2006/main" xmlns:r="http://schemas.openxmlformats.org/officeDocument/2006/relationships" xmlns:p="http://schemas.openxmlformats.org/presentationml/2006/main">
+  <p:cSld>
+    <p:spTree>
+      <p:nvGrpSpPr>
+        <p:cNvPr id="1" name=""/>
+        <p:cNvGrpSpPr/>
+        <p:nvPr/>
+      </p:nvGrpSpPr>
+      <p:grpSpPr>
+        <a:xfrm>
+          <a:off x="0" y="0"/>
+          <a:ext cx="0" cy="0"/>
+          <a:chOff x="0" y="0"/>
+          <a:chExt cx="0" cy="0"/>
+        </a:xfrm>
+      </p:grpSpPr>
+      <p:sp>
+        <p:nvSpPr>
+          <p:cNvPr id="2" name="Title 1"/>
+          <p:cNvSpPr>
+            <a:spLocks noGrp="1"/>
+          </p:cNvSpPr>
+          <p:nvPr>
+            <p:ph type="title"/>
+          </p:nvPr>
+        </p:nvSpPr>
+        <p:spPr/>
+        <p:txBody>
+          <a:bodyPr/>
+          <a:lstStyle/>
+          <a:p>
+            <a:r>
+              <a:rPr lang="en-US" dirty="0" err="1" smtClean="0"/>
+              <a:t>Atn</a:t>
+            </a:r>
+            <a:r>
+              <a:rPr lang="en-US" dirty="0" smtClean="0"/>
+              <a:t> gamblers (participants who passed both catch trials (n=54 participants) </a:t>
+            </a:r>
+            <a:endParaRPr lang="en-US" dirty="0"/>
+          </a:p>
+        </p:txBody>
+      </p:sp>
+      <p:pic>
+        <p:nvPicPr>
+          <p:cNvPr id="5" name="Content Placeholder 4"/>
+          <p:cNvPicPr>
+            <a:picLocks noGrp="1" noChangeAspect="1"/>
+          </p:cNvPicPr>
+          <p:nvPr>
+            <p:ph idx="1"/>
+          </p:nvPr>
+        </p:nvPicPr>
+        <p:blipFill>
+          <a:blip r:embed="rId2"/>
+          <a:stretch>
+            <a:fillRect/>
+          </a:stretch>
+        </p:blipFill>
+        <p:spPr>
+          <a:xfrm>
+            <a:off x="6612809" y="1805698"/>
+            <a:ext cx="3369391" cy="2168536"/>
+          </a:xfrm>
+          <a:prstGeom prst="rect">
+            <a:avLst/>
+          </a:prstGeom>
+        </p:spPr>
+      </p:pic>
+      <p:sp>
+        <p:nvSpPr>
+          <p:cNvPr id="4" name="Slide Number Placeholder 3"/>
+          <p:cNvSpPr>
+            <a:spLocks noGrp="1"/>
+          </p:cNvSpPr>
+          <p:nvPr>
+            <p:ph type="sldNum" sz="quarter" idx="12"/>
+          </p:nvPr>
+        </p:nvSpPr>
+        <p:spPr/>
+        <p:txBody>
+          <a:bodyPr/>
+          <a:lstStyle/>
+          <a:p>
+            <a:fld id="{C99E18DD-00CA-4CC1-A3F3-D24A5B61A133}" type="slidenum">
+              <a:rPr lang="en-US" smtClean="0"/>
+              <a:t>31</a:t>
+            </a:fld>
+            <a:endParaRPr lang="en-US"/>
+          </a:p>
+        </p:txBody>
+      </p:sp>
+      <p:pic>
+        <p:nvPicPr>
+          <p:cNvPr id="6" name="Picture 5"/>
+          <p:cNvPicPr>
+            <a:picLocks noChangeAspect="1"/>
+          </p:cNvPicPr>
+          <p:nvPr/>
+        </p:nvPicPr>
+        <p:blipFill>
+          <a:blip r:embed="rId3"/>
+          <a:stretch>
+            <a:fillRect/>
+          </a:stretch>
+        </p:blipFill>
+        <p:spPr>
+          <a:xfrm>
+            <a:off x="1352288" y="1690688"/>
+            <a:ext cx="3726790" cy="2398557"/>
+          </a:xfrm>
+          <a:prstGeom prst="rect">
+            <a:avLst/>
+          </a:prstGeom>
+        </p:spPr>
+      </p:pic>
+      <p:pic>
+        <p:nvPicPr>
+          <p:cNvPr id="7" name="Picture 6"/>
+          <p:cNvPicPr>
+            <a:picLocks noChangeAspect="1"/>
+          </p:cNvPicPr>
+          <p:nvPr/>
+        </p:nvPicPr>
+        <p:blipFill>
+          <a:blip r:embed="rId4"/>
+          <a:stretch>
+            <a:fillRect/>
+          </a:stretch>
+        </p:blipFill>
+        <p:spPr>
+          <a:xfrm>
+            <a:off x="1335662" y="4129655"/>
+            <a:ext cx="3743416" cy="2409257"/>
+          </a:xfrm>
+          <a:prstGeom prst="rect">
+            <a:avLst/>
+          </a:prstGeom>
+        </p:spPr>
+      </p:pic>
+    </p:spTree>
+    <p:extLst>
+      <p:ext uri="{BB962C8B-B14F-4D97-AF65-F5344CB8AC3E}">
+        <p14:creationId xmlns:p14="http://schemas.microsoft.com/office/powerpoint/2010/main" val="1858203597"/>
+      </p:ext>
+    </p:extLst>
+  </p:cSld>
+  <p:clrMapOvr>
+    <a:masterClrMapping/>
+  </p:clrMapOvr>
+</p:sld>
+</file>
+
+<file path=ppt/slides/slide32.xml><?xml version="1.0" encoding="utf-8"?>
+<p:sld xmlns:a="http://schemas.openxmlformats.org/drawingml/2006/main" xmlns:r="http://schemas.openxmlformats.org/officeDocument/2006/relationships" xmlns:p="http://schemas.openxmlformats.org/presentationml/2006/main">
+  <p:cSld>
+    <p:spTree>
+      <p:nvGrpSpPr>
+        <p:cNvPr id="1" name=""/>
+        <p:cNvGrpSpPr/>
+        <p:nvPr/>
+      </p:nvGrpSpPr>
+      <p:grpSpPr>
+        <a:xfrm>
+          <a:off x="0" y="0"/>
+          <a:ext cx="0" cy="0"/>
+          <a:chOff x="0" y="0"/>
+          <a:chExt cx="0" cy="0"/>
+        </a:xfrm>
+      </p:grpSpPr>
+      <p:sp>
+        <p:nvSpPr>
+          <p:cNvPr id="2" name="Title 1"/>
+          <p:cNvSpPr>
+            <a:spLocks noGrp="1"/>
+          </p:cNvSpPr>
+          <p:nvPr>
+            <p:ph type="title"/>
+          </p:nvPr>
+        </p:nvSpPr>
+        <p:spPr/>
+        <p:txBody>
+          <a:bodyPr/>
+          <a:lstStyle/>
+          <a:p>
+            <a:r>
+              <a:rPr lang="en-US" dirty="0" smtClean="0"/>
+              <a:t>Past data set of all participants who showed decreasing RT ramp</a:t>
+            </a:r>
+            <a:endParaRPr lang="en-US" dirty="0"/>
+          </a:p>
+        </p:txBody>
+      </p:sp>
+      <p:sp>
+        <p:nvSpPr>
+          <p:cNvPr id="4" name="Slide Number Placeholder 3"/>
+          <p:cNvSpPr>
+            <a:spLocks noGrp="1"/>
+          </p:cNvSpPr>
+          <p:nvPr>
+            <p:ph type="sldNum" sz="quarter" idx="12"/>
+          </p:nvPr>
+        </p:nvSpPr>
+        <p:spPr/>
+        <p:txBody>
+          <a:bodyPr/>
+          <a:lstStyle/>
+          <a:p>
+            <a:fld id="{C99E18DD-00CA-4CC1-A3F3-D24A5B61A133}" type="slidenum">
+              <a:rPr lang="en-US" smtClean="0"/>
+              <a:t>32</a:t>
+            </a:fld>
+            <a:endParaRPr lang="en-US"/>
+          </a:p>
+        </p:txBody>
+      </p:sp>
+      <p:pic>
+        <p:nvPicPr>
+          <p:cNvPr id="5" name="Picture 4"/>
+          <p:cNvPicPr>
+            <a:picLocks noChangeAspect="1"/>
+          </p:cNvPicPr>
+          <p:nvPr/>
+        </p:nvPicPr>
+        <p:blipFill>
+          <a:blip r:embed="rId2"/>
+          <a:stretch>
+            <a:fillRect/>
+          </a:stretch>
+        </p:blipFill>
+        <p:spPr>
+          <a:xfrm>
+            <a:off x="753770" y="1690688"/>
+            <a:ext cx="3036833" cy="1954501"/>
+          </a:xfrm>
+          <a:prstGeom prst="rect">
+            <a:avLst/>
+          </a:prstGeom>
+        </p:spPr>
+      </p:pic>
+      <p:pic>
+        <p:nvPicPr>
+          <p:cNvPr id="6" name="Picture 5"/>
+          <p:cNvPicPr>
+            <a:picLocks noChangeAspect="1"/>
+          </p:cNvPicPr>
+          <p:nvPr/>
+        </p:nvPicPr>
+        <p:blipFill>
+          <a:blip r:embed="rId3"/>
+          <a:stretch>
+            <a:fillRect/>
+          </a:stretch>
+        </p:blipFill>
+        <p:spPr>
+          <a:xfrm>
+            <a:off x="3937545" y="1653236"/>
+            <a:ext cx="3095023" cy="1991953"/>
+          </a:xfrm>
+          <a:prstGeom prst="rect">
+            <a:avLst/>
+          </a:prstGeom>
+        </p:spPr>
+      </p:pic>
+      <p:pic>
+        <p:nvPicPr>
+          <p:cNvPr id="7" name="Picture 6"/>
+          <p:cNvPicPr>
+            <a:picLocks noChangeAspect="1"/>
+          </p:cNvPicPr>
+          <p:nvPr/>
+        </p:nvPicPr>
+        <p:blipFill>
+          <a:blip r:embed="rId4"/>
+          <a:stretch>
+            <a:fillRect/>
+          </a:stretch>
+        </p:blipFill>
+        <p:spPr>
+          <a:xfrm>
+            <a:off x="719048" y="3982327"/>
+            <a:ext cx="3071555" cy="1976849"/>
           </a:xfrm>
           <a:prstGeom prst="rect">
             <a:avLst/>
@@ -10785,80 +11657,153 @@
           <p:nvPr/>
         </p:nvPicPr>
         <p:blipFill>
-          <a:blip r:embed="rId3"/>
+          <a:blip r:embed="rId5"/>
           <a:stretch>
             <a:fillRect/>
           </a:stretch>
         </p:blipFill>
         <p:spPr>
           <a:xfrm>
-            <a:off x="7667106" y="1646198"/>
-            <a:ext cx="2908127" cy="1871666"/>
+            <a:off x="4063516" y="4035525"/>
+            <a:ext cx="2969052" cy="1910878"/>
           </a:xfrm>
           <a:prstGeom prst="rect">
             <a:avLst/>
           </a:prstGeom>
         </p:spPr>
       </p:pic>
-      <p:sp>
-        <p:nvSpPr>
-          <p:cNvPr id="9" name="TextBox 8"/>
-          <p:cNvSpPr txBox="1"/>
-          <p:nvPr/>
-        </p:nvSpPr>
-        <p:spPr>
-          <a:xfrm>
-            <a:off x="8426532" y="3536412"/>
-            <a:ext cx="1649811" cy="577081"/>
-          </a:xfrm>
-          <a:prstGeom prst="rect">
-            <a:avLst/>
-          </a:prstGeom>
-          <a:noFill/>
-        </p:spPr>
-        <p:txBody>
-          <a:bodyPr wrap="none" rtlCol="0">
-            <a:spAutoFit/>
-          </a:bodyPr>
-          <a:lstStyle/>
-          <a:p>
-            <a:r>
-              <a:rPr lang="en-US" sz="1050" dirty="0" smtClean="0"/>
-              <a:t>When accepting sure thing</a:t>
-            </a:r>
-          </a:p>
-          <a:p>
-            <a:r>
-              <a:rPr lang="en-US" sz="1050" dirty="0" smtClean="0"/>
-              <a:t>Red=</a:t>
-            </a:r>
-            <a:r>
-              <a:rPr lang="en-US" sz="1050" dirty="0" err="1" smtClean="0"/>
-              <a:t>AllParticipants</a:t>
-            </a:r>
-            <a:endParaRPr lang="en-US" sz="1050" dirty="0" smtClean="0"/>
-          </a:p>
-          <a:p>
-            <a:r>
-              <a:rPr lang="en-US" sz="1050" dirty="0" smtClean="0"/>
-              <a:t>Blue=RT </a:t>
-            </a:r>
-            <a:r>
-              <a:rPr lang="en-US" sz="1050" dirty="0" err="1" smtClean="0"/>
-              <a:t>rampers</a:t>
-            </a:r>
-            <a:r>
-              <a:rPr lang="en-US" sz="1050" dirty="0" smtClean="0"/>
-              <a:t> (n=33)</a:t>
-            </a:r>
-            <a:endParaRPr lang="en-US" sz="1050" dirty="0"/>
-          </a:p>
-        </p:txBody>
-      </p:sp>
     </p:spTree>
     <p:extLst>
       <p:ext uri="{BB962C8B-B14F-4D97-AF65-F5344CB8AC3E}">
-        <p14:creationId xmlns:p14="http://schemas.microsoft.com/office/powerpoint/2010/main" val="2834385759"/>
+        <p14:creationId xmlns:p14="http://schemas.microsoft.com/office/powerpoint/2010/main" val="3711050782"/>
+      </p:ext>
+    </p:extLst>
+  </p:cSld>
+  <p:clrMapOvr>
+    <a:masterClrMapping/>
+  </p:clrMapOvr>
+</p:sld>
+</file>
+
+<file path=ppt/slides/slide33.xml><?xml version="1.0" encoding="utf-8"?>
+<p:sld xmlns:a="http://schemas.openxmlformats.org/drawingml/2006/main" xmlns:r="http://schemas.openxmlformats.org/officeDocument/2006/relationships" xmlns:p="http://schemas.openxmlformats.org/presentationml/2006/main">
+  <p:cSld>
+    <p:spTree>
+      <p:nvGrpSpPr>
+        <p:cNvPr id="1" name=""/>
+        <p:cNvGrpSpPr/>
+        <p:nvPr/>
+      </p:nvGrpSpPr>
+      <p:grpSpPr>
+        <a:xfrm>
+          <a:off x="0" y="0"/>
+          <a:ext cx="0" cy="0"/>
+          <a:chOff x="0" y="0"/>
+          <a:chExt cx="0" cy="0"/>
+        </a:xfrm>
+      </p:grpSpPr>
+      <p:sp>
+        <p:nvSpPr>
+          <p:cNvPr id="2" name="Title 1"/>
+          <p:cNvSpPr>
+            <a:spLocks noGrp="1"/>
+          </p:cNvSpPr>
+          <p:nvPr>
+            <p:ph type="title"/>
+          </p:nvPr>
+        </p:nvSpPr>
+        <p:spPr/>
+        <p:txBody>
+          <a:bodyPr/>
+          <a:lstStyle/>
+          <a:p>
+            <a:r>
+              <a:rPr lang="en-US" dirty="0" smtClean="0"/>
+              <a:t>Future steps?</a:t>
+            </a:r>
+            <a:endParaRPr lang="en-US" dirty="0"/>
+          </a:p>
+        </p:txBody>
+      </p:sp>
+      <p:sp>
+        <p:nvSpPr>
+          <p:cNvPr id="3" name="Content Placeholder 2"/>
+          <p:cNvSpPr>
+            <a:spLocks noGrp="1"/>
+          </p:cNvSpPr>
+          <p:nvPr>
+            <p:ph idx="1"/>
+          </p:nvPr>
+        </p:nvSpPr>
+        <p:spPr/>
+        <p:txBody>
+          <a:bodyPr/>
+          <a:lstStyle/>
+          <a:p>
+            <a:r>
+              <a:rPr lang="en-US" dirty="0" smtClean="0"/>
+              <a:t>Need to determine best way to correlate gambling ramp slope with </a:t>
+            </a:r>
+            <a:r>
+              <a:rPr lang="en-US" dirty="0" err="1" smtClean="0"/>
+              <a:t>rt</a:t>
+            </a:r>
+            <a:r>
+              <a:rPr lang="en-US" dirty="0" smtClean="0"/>
+              <a:t> ramp slope in meaningful way.</a:t>
+            </a:r>
+          </a:p>
+          <a:p>
+            <a:r>
+              <a:rPr lang="en-US" dirty="0" smtClean="0"/>
+              <a:t>See how odds modulates this relationship in different subgroups.</a:t>
+            </a:r>
+          </a:p>
+          <a:p>
+            <a:r>
+              <a:rPr lang="en-US" dirty="0" smtClean="0"/>
+              <a:t>Increase trials per participant? </a:t>
+            </a:r>
+            <a:endParaRPr lang="en-US" dirty="0"/>
+          </a:p>
+          <a:p>
+            <a:r>
+              <a:rPr lang="en-US" dirty="0" smtClean="0"/>
+              <a:t>Increase number of trials that don’t have a gamble?</a:t>
+            </a:r>
+          </a:p>
+          <a:p>
+            <a:endParaRPr lang="en-US" dirty="0" smtClean="0"/>
+          </a:p>
+        </p:txBody>
+      </p:sp>
+      <p:sp>
+        <p:nvSpPr>
+          <p:cNvPr id="4" name="Slide Number Placeholder 3"/>
+          <p:cNvSpPr>
+            <a:spLocks noGrp="1"/>
+          </p:cNvSpPr>
+          <p:nvPr>
+            <p:ph type="sldNum" sz="quarter" idx="12"/>
+          </p:nvPr>
+        </p:nvSpPr>
+        <p:spPr/>
+        <p:txBody>
+          <a:bodyPr/>
+          <a:lstStyle/>
+          <a:p>
+            <a:fld id="{C99E18DD-00CA-4CC1-A3F3-D24A5B61A133}" type="slidenum">
+              <a:rPr lang="en-US" smtClean="0"/>
+              <a:t>33</a:t>
+            </a:fld>
+            <a:endParaRPr lang="en-US"/>
+          </a:p>
+        </p:txBody>
+      </p:sp>
+    </p:spTree>
+    <p:extLst>
+      <p:ext uri="{BB962C8B-B14F-4D97-AF65-F5344CB8AC3E}">
+        <p14:creationId xmlns:p14="http://schemas.microsoft.com/office/powerpoint/2010/main" val="3116901832"/>
       </p:ext>
     </p:extLst>
   </p:cSld>

--- a/RampV02Presentation.pptx
+++ b/RampV02Presentation.pptx
@@ -5,7 +5,7 @@
     <p:sldMasterId id="2147483648" r:id="rId1"/>
   </p:sldMasterIdLst>
   <p:notesMasterIdLst>
-    <p:notesMasterId r:id="rId35"/>
+    <p:notesMasterId r:id="rId36"/>
   </p:notesMasterIdLst>
   <p:sldIdLst>
     <p:sldId id="257" r:id="rId2"/>
@@ -41,6 +41,7 @@
     <p:sldId id="299" r:id="rId32"/>
     <p:sldId id="301" r:id="rId33"/>
     <p:sldId id="300" r:id="rId34"/>
+    <p:sldId id="302" r:id="rId35"/>
   </p:sldIdLst>
   <p:sldSz cx="12192000" cy="6858000"/>
   <p:notesSz cx="6858000" cy="9144000"/>
@@ -229,7 +230,7 @@
           <a:p>
             <a:fld id="{EC555E39-7D87-4049-BF92-073AAA54E55E}" type="datetimeFigureOut">
               <a:rPr lang="en-US" smtClean="0"/>
-              <a:t>9/25/2018</a:t>
+              <a:t>9/26/2018</a:t>
             </a:fld>
             <a:endParaRPr lang="en-US"/>
           </a:p>
@@ -644,7 +645,7 @@
           <a:p>
             <a:fld id="{A1666509-81FA-4D6F-B08C-10B2AAC7CE23}" type="datetime1">
               <a:rPr lang="en-US" smtClean="0"/>
-              <a:t>9/25/2018</a:t>
+              <a:t>9/26/2018</a:t>
             </a:fld>
             <a:endParaRPr lang="en-US"/>
           </a:p>
@@ -842,7 +843,7 @@
           <a:p>
             <a:fld id="{E740DBFC-6945-4827-86DE-13808C3F336E}" type="datetime1">
               <a:rPr lang="en-US" smtClean="0"/>
-              <a:t>9/25/2018</a:t>
+              <a:t>9/26/2018</a:t>
             </a:fld>
             <a:endParaRPr lang="en-US"/>
           </a:p>
@@ -1050,7 +1051,7 @@
           <a:p>
             <a:fld id="{DAB9A1D5-3B95-4310-9634-73181494B078}" type="datetime1">
               <a:rPr lang="en-US" smtClean="0"/>
-              <a:t>9/25/2018</a:t>
+              <a:t>9/26/2018</a:t>
             </a:fld>
             <a:endParaRPr lang="en-US"/>
           </a:p>
@@ -1248,7 +1249,7 @@
           <a:p>
             <a:fld id="{9376DACA-9D23-41FE-854E-D9B8AF7EC986}" type="datetime1">
               <a:rPr lang="en-US" smtClean="0"/>
-              <a:t>9/25/2018</a:t>
+              <a:t>9/26/2018</a:t>
             </a:fld>
             <a:endParaRPr lang="en-US"/>
           </a:p>
@@ -1523,7 +1524,7 @@
           <a:p>
             <a:fld id="{F63BE69C-B08A-44D1-AC4E-3F8AFBBBBBB1}" type="datetime1">
               <a:rPr lang="en-US" smtClean="0"/>
-              <a:t>9/25/2018</a:t>
+              <a:t>9/26/2018</a:t>
             </a:fld>
             <a:endParaRPr lang="en-US"/>
           </a:p>
@@ -1788,7 +1789,7 @@
           <a:p>
             <a:fld id="{0F643761-95CC-4DFE-8359-3EF31B15A2EB}" type="datetime1">
               <a:rPr lang="en-US" smtClean="0"/>
-              <a:t>9/25/2018</a:t>
+              <a:t>9/26/2018</a:t>
             </a:fld>
             <a:endParaRPr lang="en-US"/>
           </a:p>
@@ -2200,7 +2201,7 @@
           <a:p>
             <a:fld id="{4A3C521B-6B77-4096-9308-7D6490CF5CFF}" type="datetime1">
               <a:rPr lang="en-US" smtClean="0"/>
-              <a:t>9/25/2018</a:t>
+              <a:t>9/26/2018</a:t>
             </a:fld>
             <a:endParaRPr lang="en-US"/>
           </a:p>
@@ -2341,7 +2342,7 @@
           <a:p>
             <a:fld id="{70E2DC10-394D-4254-BF9F-333A350A2283}" type="datetime1">
               <a:rPr lang="en-US" smtClean="0"/>
-              <a:t>9/25/2018</a:t>
+              <a:t>9/26/2018</a:t>
             </a:fld>
             <a:endParaRPr lang="en-US"/>
           </a:p>
@@ -2454,7 +2455,7 @@
           <a:p>
             <a:fld id="{CB8B4E43-A141-4F9C-ADE6-081E306300A1}" type="datetime1">
               <a:rPr lang="en-US" smtClean="0"/>
-              <a:t>9/25/2018</a:t>
+              <a:t>9/26/2018</a:t>
             </a:fld>
             <a:endParaRPr lang="en-US"/>
           </a:p>
@@ -2765,7 +2766,7 @@
           <a:p>
             <a:fld id="{1F92A9CA-C140-4819-8B7E-EBC587372D1B}" type="datetime1">
               <a:rPr lang="en-US" smtClean="0"/>
-              <a:t>9/25/2018</a:t>
+              <a:t>9/26/2018</a:t>
             </a:fld>
             <a:endParaRPr lang="en-US"/>
           </a:p>
@@ -3053,7 +3054,7 @@
           <a:p>
             <a:fld id="{AED0ED8F-7B68-4061-86A8-7054EDBD706B}" type="datetime1">
               <a:rPr lang="en-US" smtClean="0"/>
-              <a:t>9/25/2018</a:t>
+              <a:t>9/26/2018</a:t>
             </a:fld>
             <a:endParaRPr lang="en-US"/>
           </a:p>
@@ -3294,7 +3295,7 @@
           <a:p>
             <a:fld id="{BC7CF0D8-75C2-4E11-A265-F56901DA04A9}" type="datetime1">
               <a:rPr lang="en-US" smtClean="0"/>
-              <a:t>9/25/2018</a:t>
+              <a:t>9/26/2018</a:t>
             </a:fld>
             <a:endParaRPr lang="en-US"/>
           </a:p>
@@ -10811,11 +10812,7 @@
             </a:r>
             <a:r>
               <a:rPr lang="en-US" sz="700" dirty="0" smtClean="0"/>
-              <a:t> (n=33</a:t>
-            </a:r>
-            <a:r>
-              <a:rPr lang="en-US" sz="700" dirty="0" smtClean="0"/>
-              <a:t>)</a:t>
+              <a:t> (n=33)</a:t>
             </a:r>
             <a:endParaRPr lang="en-US" sz="700" dirty="0"/>
           </a:p>
@@ -10862,11 +10859,7 @@
           <a:p>
             <a:r>
               <a:rPr lang="en-US" sz="700" dirty="0" smtClean="0"/>
-              <a:t>Blue=logical Gamblers </a:t>
-            </a:r>
-            <a:r>
-              <a:rPr lang="en-US" sz="700" dirty="0" smtClean="0"/>
-              <a:t>(n=33)</a:t>
+              <a:t>Blue=logical Gamblers (n=33)</a:t>
             </a:r>
             <a:endParaRPr lang="en-US" sz="700" dirty="0"/>
           </a:p>
@@ -10896,13 +10889,8 @@
           <a:p>
             <a:r>
               <a:rPr lang="en-US" sz="700" dirty="0" smtClean="0"/>
-              <a:t>When </a:t>
-            </a:r>
-            <a:r>
-              <a:rPr lang="en-US" sz="700" dirty="0" smtClean="0"/>
-              <a:t>gambling</a:t>
-            </a:r>
-            <a:endParaRPr lang="en-US" sz="700" dirty="0" smtClean="0"/>
+              <a:t>When gambling</a:t>
+            </a:r>
           </a:p>
           <a:p>
             <a:r>
@@ -10918,11 +10906,7 @@
           <a:p>
             <a:r>
               <a:rPr lang="en-US" sz="700" dirty="0" smtClean="0"/>
-              <a:t>Blue=logical Gamblers </a:t>
-            </a:r>
-            <a:r>
-              <a:rPr lang="en-US" sz="700" dirty="0" smtClean="0"/>
-              <a:t>(n=33)</a:t>
+              <a:t>Blue=logical Gamblers (n=33)</a:t>
             </a:r>
             <a:endParaRPr lang="en-US" sz="700" dirty="0"/>
           </a:p>
@@ -10954,7 +10938,6 @@
               <a:rPr lang="en-US" sz="700" dirty="0" smtClean="0"/>
               <a:t>When gambling</a:t>
             </a:r>
-            <a:endParaRPr lang="en-US" sz="700" dirty="0" smtClean="0"/>
           </a:p>
           <a:p>
             <a:r>
@@ -11033,11 +11016,7 @@
             </a:r>
             <a:r>
               <a:rPr lang="en-US" sz="700" dirty="0" smtClean="0"/>
-              <a:t>  </a:t>
-            </a:r>
-            <a:r>
-              <a:rPr lang="en-US" sz="700" dirty="0" smtClean="0"/>
-              <a:t>(n=33)</a:t>
+              <a:t>  (n=33)</a:t>
             </a:r>
             <a:endParaRPr lang="en-US" sz="700" dirty="0"/>
           </a:p>
@@ -11213,7 +11192,6 @@
               <a:rPr lang="en-US" sz="700" dirty="0" smtClean="0"/>
               <a:t>When gambling</a:t>
             </a:r>
-            <a:endParaRPr lang="en-US" sz="700" dirty="0" smtClean="0"/>
           </a:p>
           <a:p>
             <a:r>
@@ -11294,7 +11272,6 @@
               <a:rPr lang="en-US" sz="700" dirty="0"/>
               <a:t> gamblers(n=54)</a:t>
             </a:r>
-            <a:endParaRPr lang="en-US" sz="700" dirty="0"/>
           </a:p>
         </p:txBody>
       </p:sp>
@@ -11804,6 +11781,261 @@
     <p:extLst>
       <p:ext uri="{BB962C8B-B14F-4D97-AF65-F5344CB8AC3E}">
         <p14:creationId xmlns:p14="http://schemas.microsoft.com/office/powerpoint/2010/main" val="3116901832"/>
+      </p:ext>
+    </p:extLst>
+  </p:cSld>
+  <p:clrMapOvr>
+    <a:masterClrMapping/>
+  </p:clrMapOvr>
+</p:sld>
+</file>
+
+<file path=ppt/slides/slide34.xml><?xml version="1.0" encoding="utf-8"?>
+<p:sld xmlns:a="http://schemas.openxmlformats.org/drawingml/2006/main" xmlns:r="http://schemas.openxmlformats.org/officeDocument/2006/relationships" xmlns:p="http://schemas.openxmlformats.org/presentationml/2006/main">
+  <p:cSld>
+    <p:spTree>
+      <p:nvGrpSpPr>
+        <p:cNvPr id="1" name=""/>
+        <p:cNvGrpSpPr/>
+        <p:nvPr/>
+      </p:nvGrpSpPr>
+      <p:grpSpPr>
+        <a:xfrm>
+          <a:off x="0" y="0"/>
+          <a:ext cx="0" cy="0"/>
+          <a:chOff x="0" y="0"/>
+          <a:chExt cx="0" cy="0"/>
+        </a:xfrm>
+      </p:grpSpPr>
+      <p:sp>
+        <p:nvSpPr>
+          <p:cNvPr id="2" name="Title 1"/>
+          <p:cNvSpPr>
+            <a:spLocks noGrp="1"/>
+          </p:cNvSpPr>
+          <p:nvPr>
+            <p:ph type="title"/>
+          </p:nvPr>
+        </p:nvSpPr>
+        <p:spPr>
+          <a:xfrm>
+            <a:off x="125260" y="0"/>
+            <a:ext cx="3584033" cy="801666"/>
+          </a:xfrm>
+        </p:spPr>
+        <p:txBody>
+          <a:bodyPr>
+            <a:normAutofit/>
+          </a:bodyPr>
+          <a:lstStyle/>
+          <a:p>
+            <a:r>
+              <a:rPr lang="en-US" sz="1600" dirty="0" smtClean="0"/>
+              <a:t>Correlating </a:t>
+            </a:r>
+            <a:r>
+              <a:rPr lang="en-US" sz="1600" dirty="0" err="1" smtClean="0"/>
+              <a:t>gambleSlopes</a:t>
+            </a:r>
+            <a:r>
+              <a:rPr lang="en-US" sz="1600" dirty="0" smtClean="0"/>
+              <a:t> with </a:t>
+            </a:r>
+            <a:r>
+              <a:rPr lang="en-US" sz="1600" dirty="0" err="1" smtClean="0"/>
+              <a:t>rtSlopes</a:t>
+            </a:r>
+            <a:endParaRPr lang="en-US" sz="1600" dirty="0"/>
+          </a:p>
+        </p:txBody>
+      </p:sp>
+      <p:sp>
+        <p:nvSpPr>
+          <p:cNvPr id="4" name="Slide Number Placeholder 3"/>
+          <p:cNvSpPr>
+            <a:spLocks noGrp="1"/>
+          </p:cNvSpPr>
+          <p:nvPr>
+            <p:ph type="sldNum" sz="quarter" idx="12"/>
+          </p:nvPr>
+        </p:nvSpPr>
+        <p:spPr/>
+        <p:txBody>
+          <a:bodyPr/>
+          <a:lstStyle/>
+          <a:p>
+            <a:fld id="{C99E18DD-00CA-4CC1-A3F3-D24A5B61A133}" type="slidenum">
+              <a:rPr lang="en-US" smtClean="0"/>
+              <a:t>34</a:t>
+            </a:fld>
+            <a:endParaRPr lang="en-US"/>
+          </a:p>
+        </p:txBody>
+      </p:sp>
+      <p:pic>
+        <p:nvPicPr>
+          <p:cNvPr id="9" name="Picture 8"/>
+          <p:cNvPicPr>
+            <a:picLocks noChangeAspect="1"/>
+          </p:cNvPicPr>
+          <p:nvPr/>
+        </p:nvPicPr>
+        <p:blipFill>
+          <a:blip r:embed="rId2"/>
+          <a:stretch>
+            <a:fillRect/>
+          </a:stretch>
+        </p:blipFill>
+        <p:spPr>
+          <a:xfrm>
+            <a:off x="222323" y="785535"/>
+            <a:ext cx="4437872" cy="2856208"/>
+          </a:xfrm>
+          <a:prstGeom prst="rect">
+            <a:avLst/>
+          </a:prstGeom>
+        </p:spPr>
+      </p:pic>
+      <p:pic>
+        <p:nvPicPr>
+          <p:cNvPr id="10" name="Picture 9"/>
+          <p:cNvPicPr>
+            <a:picLocks noChangeAspect="1"/>
+          </p:cNvPicPr>
+          <p:nvPr/>
+        </p:nvPicPr>
+        <p:blipFill>
+          <a:blip r:embed="rId3"/>
+          <a:stretch>
+            <a:fillRect/>
+          </a:stretch>
+        </p:blipFill>
+        <p:spPr>
+          <a:xfrm>
+            <a:off x="222322" y="3641743"/>
+            <a:ext cx="4501518" cy="2897170"/>
+          </a:xfrm>
+          <a:prstGeom prst="rect">
+            <a:avLst/>
+          </a:prstGeom>
+        </p:spPr>
+      </p:pic>
+      <p:sp>
+        <p:nvSpPr>
+          <p:cNvPr id="11" name="TextBox 10"/>
+          <p:cNvSpPr txBox="1"/>
+          <p:nvPr/>
+        </p:nvSpPr>
+        <p:spPr>
+          <a:xfrm>
+            <a:off x="501998" y="6297154"/>
+            <a:ext cx="950901" cy="369332"/>
+          </a:xfrm>
+          <a:prstGeom prst="rect">
+            <a:avLst/>
+          </a:prstGeom>
+          <a:noFill/>
+        </p:spPr>
+        <p:txBody>
+          <a:bodyPr wrap="none" rtlCol="0">
+            <a:spAutoFit/>
+          </a:bodyPr>
+          <a:lstStyle/>
+          <a:p>
+            <a:r>
+              <a:rPr lang="en-US" dirty="0" smtClean="0"/>
+              <a:t>R2=.019</a:t>
+            </a:r>
+          </a:p>
+        </p:txBody>
+      </p:sp>
+      <p:sp>
+        <p:nvSpPr>
+          <p:cNvPr id="6" name="TextBox 5"/>
+          <p:cNvSpPr txBox="1"/>
+          <p:nvPr/>
+        </p:nvSpPr>
+        <p:spPr>
+          <a:xfrm>
+            <a:off x="10097567" y="1740093"/>
+            <a:ext cx="950901" cy="646331"/>
+          </a:xfrm>
+          <a:prstGeom prst="rect">
+            <a:avLst/>
+          </a:prstGeom>
+          <a:noFill/>
+        </p:spPr>
+        <p:txBody>
+          <a:bodyPr wrap="none" rtlCol="0">
+            <a:spAutoFit/>
+          </a:bodyPr>
+          <a:lstStyle/>
+          <a:p>
+            <a:r>
+              <a:rPr lang="en-US" dirty="0" smtClean="0"/>
+              <a:t>R2=.022</a:t>
+            </a:r>
+          </a:p>
+          <a:p>
+            <a:r>
+              <a:rPr lang="en-US" dirty="0" smtClean="0"/>
+              <a:t>p=0.13</a:t>
+            </a:r>
+          </a:p>
+        </p:txBody>
+      </p:sp>
+      <p:pic>
+        <p:nvPicPr>
+          <p:cNvPr id="13" name="Picture 12"/>
+          <p:cNvPicPr>
+            <a:picLocks noChangeAspect="1"/>
+          </p:cNvPicPr>
+          <p:nvPr/>
+        </p:nvPicPr>
+        <p:blipFill>
+          <a:blip r:embed="rId4"/>
+          <a:stretch>
+            <a:fillRect/>
+          </a:stretch>
+        </p:blipFill>
+        <p:spPr>
+          <a:xfrm>
+            <a:off x="5653907" y="3753228"/>
+            <a:ext cx="4328293" cy="2785684"/>
+          </a:xfrm>
+          <a:prstGeom prst="rect">
+            <a:avLst/>
+          </a:prstGeom>
+        </p:spPr>
+      </p:pic>
+      <p:pic>
+        <p:nvPicPr>
+          <p:cNvPr id="15" name="Picture 14"/>
+          <p:cNvPicPr>
+            <a:picLocks noChangeAspect="1"/>
+          </p:cNvPicPr>
+          <p:nvPr/>
+        </p:nvPicPr>
+        <p:blipFill>
+          <a:blip r:embed="rId5"/>
+          <a:stretch>
+            <a:fillRect/>
+          </a:stretch>
+        </p:blipFill>
+        <p:spPr>
+          <a:xfrm>
+            <a:off x="5487871" y="801666"/>
+            <a:ext cx="4494329" cy="2892544"/>
+          </a:xfrm>
+          <a:prstGeom prst="rect">
+            <a:avLst/>
+          </a:prstGeom>
+        </p:spPr>
+      </p:pic>
+    </p:spTree>
+    <p:extLst>
+      <p:ext uri="{BB962C8B-B14F-4D97-AF65-F5344CB8AC3E}">
+        <p14:creationId xmlns:p14="http://schemas.microsoft.com/office/powerpoint/2010/main" val="478118353"/>
       </p:ext>
     </p:extLst>
   </p:cSld>

--- a/RampV02Presentation.pptx
+++ b/RampV02Presentation.pptx
@@ -5,7 +5,7 @@
     <p:sldMasterId id="2147483648" r:id="rId1"/>
   </p:sldMasterIdLst>
   <p:notesMasterIdLst>
-    <p:notesMasterId r:id="rId36"/>
+    <p:notesMasterId r:id="rId38"/>
   </p:notesMasterIdLst>
   <p:sldIdLst>
     <p:sldId id="257" r:id="rId2"/>
@@ -42,6 +42,8 @@
     <p:sldId id="301" r:id="rId33"/>
     <p:sldId id="300" r:id="rId34"/>
     <p:sldId id="302" r:id="rId35"/>
+    <p:sldId id="303" r:id="rId36"/>
+    <p:sldId id="304" r:id="rId37"/>
   </p:sldIdLst>
   <p:sldSz cx="12192000" cy="6858000"/>
   <p:notesSz cx="6858000" cy="9144000"/>
@@ -230,7 +232,7 @@
           <a:p>
             <a:fld id="{EC555E39-7D87-4049-BF92-073AAA54E55E}" type="datetimeFigureOut">
               <a:rPr lang="en-US" smtClean="0"/>
-              <a:t>9/26/2018</a:t>
+              <a:t>9/27/2018</a:t>
             </a:fld>
             <a:endParaRPr lang="en-US"/>
           </a:p>
@@ -294,38 +296,37 @@
           <a:p>
             <a:pPr lvl="0"/>
             <a:r>
-              <a:rPr lang="en-US" smtClean="0"/>
+              <a:rPr lang="en-US"/>
               <a:t>Edit Master text styles</a:t>
             </a:r>
           </a:p>
           <a:p>
             <a:pPr lvl="1"/>
             <a:r>
-              <a:rPr lang="en-US" smtClean="0"/>
+              <a:rPr lang="en-US"/>
               <a:t>Second level</a:t>
             </a:r>
           </a:p>
           <a:p>
             <a:pPr lvl="2"/>
             <a:r>
-              <a:rPr lang="en-US" smtClean="0"/>
+              <a:rPr lang="en-US"/>
               <a:t>Third level</a:t>
             </a:r>
           </a:p>
           <a:p>
             <a:pPr lvl="3"/>
             <a:r>
-              <a:rPr lang="en-US" smtClean="0"/>
+              <a:rPr lang="en-US"/>
               <a:t>Fourth level</a:t>
             </a:r>
           </a:p>
           <a:p>
             <a:pPr lvl="4"/>
             <a:r>
-              <a:rPr lang="en-US" smtClean="0"/>
+              <a:rPr lang="en-US"/>
               <a:t>Fifth level</a:t>
             </a:r>
-            <a:endParaRPr lang="en-US"/>
           </a:p>
         </p:txBody>
       </p:sp>
@@ -645,7 +646,7 @@
           <a:p>
             <a:fld id="{A1666509-81FA-4D6F-B08C-10B2AAC7CE23}" type="datetime1">
               <a:rPr lang="en-US" smtClean="0"/>
-              <a:t>9/26/2018</a:t>
+              <a:t>9/27/2018</a:t>
             </a:fld>
             <a:endParaRPr lang="en-US"/>
           </a:p>
@@ -843,7 +844,7 @@
           <a:p>
             <a:fld id="{E740DBFC-6945-4827-86DE-13808C3F336E}" type="datetime1">
               <a:rPr lang="en-US" smtClean="0"/>
-              <a:t>9/26/2018</a:t>
+              <a:t>9/27/2018</a:t>
             </a:fld>
             <a:endParaRPr lang="en-US"/>
           </a:p>
@@ -1051,7 +1052,7 @@
           <a:p>
             <a:fld id="{DAB9A1D5-3B95-4310-9634-73181494B078}" type="datetime1">
               <a:rPr lang="en-US" smtClean="0"/>
-              <a:t>9/26/2018</a:t>
+              <a:t>9/27/2018</a:t>
             </a:fld>
             <a:endParaRPr lang="en-US"/>
           </a:p>
@@ -1249,7 +1250,7 @@
           <a:p>
             <a:fld id="{9376DACA-9D23-41FE-854E-D9B8AF7EC986}" type="datetime1">
               <a:rPr lang="en-US" smtClean="0"/>
-              <a:t>9/26/2018</a:t>
+              <a:t>9/27/2018</a:t>
             </a:fld>
             <a:endParaRPr lang="en-US"/>
           </a:p>
@@ -1524,7 +1525,7 @@
           <a:p>
             <a:fld id="{F63BE69C-B08A-44D1-AC4E-3F8AFBBBBBB1}" type="datetime1">
               <a:rPr lang="en-US" smtClean="0"/>
-              <a:t>9/26/2018</a:t>
+              <a:t>9/27/2018</a:t>
             </a:fld>
             <a:endParaRPr lang="en-US"/>
           </a:p>
@@ -1789,7 +1790,7 @@
           <a:p>
             <a:fld id="{0F643761-95CC-4DFE-8359-3EF31B15A2EB}" type="datetime1">
               <a:rPr lang="en-US" smtClean="0"/>
-              <a:t>9/26/2018</a:t>
+              <a:t>9/27/2018</a:t>
             </a:fld>
             <a:endParaRPr lang="en-US"/>
           </a:p>
@@ -2201,7 +2202,7 @@
           <a:p>
             <a:fld id="{4A3C521B-6B77-4096-9308-7D6490CF5CFF}" type="datetime1">
               <a:rPr lang="en-US" smtClean="0"/>
-              <a:t>9/26/2018</a:t>
+              <a:t>9/27/2018</a:t>
             </a:fld>
             <a:endParaRPr lang="en-US"/>
           </a:p>
@@ -2342,7 +2343,7 @@
           <a:p>
             <a:fld id="{70E2DC10-394D-4254-BF9F-333A350A2283}" type="datetime1">
               <a:rPr lang="en-US" smtClean="0"/>
-              <a:t>9/26/2018</a:t>
+              <a:t>9/27/2018</a:t>
             </a:fld>
             <a:endParaRPr lang="en-US"/>
           </a:p>
@@ -2455,7 +2456,7 @@
           <a:p>
             <a:fld id="{CB8B4E43-A141-4F9C-ADE6-081E306300A1}" type="datetime1">
               <a:rPr lang="en-US" smtClean="0"/>
-              <a:t>9/26/2018</a:t>
+              <a:t>9/27/2018</a:t>
             </a:fld>
             <a:endParaRPr lang="en-US"/>
           </a:p>
@@ -2766,7 +2767,7 @@
           <a:p>
             <a:fld id="{1F92A9CA-C140-4819-8B7E-EBC587372D1B}" type="datetime1">
               <a:rPr lang="en-US" smtClean="0"/>
-              <a:t>9/26/2018</a:t>
+              <a:t>9/27/2018</a:t>
             </a:fld>
             <a:endParaRPr lang="en-US"/>
           </a:p>
@@ -3054,7 +3055,7 @@
           <a:p>
             <a:fld id="{AED0ED8F-7B68-4061-86A8-7054EDBD706B}" type="datetime1">
               <a:rPr lang="en-US" smtClean="0"/>
-              <a:t>9/26/2018</a:t>
+              <a:t>9/27/2018</a:t>
             </a:fld>
             <a:endParaRPr lang="en-US"/>
           </a:p>
@@ -3295,7 +3296,7 @@
           <a:p>
             <a:fld id="{BC7CF0D8-75C2-4E11-A265-F56901DA04A9}" type="datetime1">
               <a:rPr lang="en-US" smtClean="0"/>
-              <a:t>9/26/2018</a:t>
+              <a:t>9/27/2018</a:t>
             </a:fld>
             <a:endParaRPr lang="en-US"/>
           </a:p>
@@ -8646,30 +8647,21 @@
           <a:lstStyle/>
           <a:p>
             <a:r>
-              <a:rPr lang="en-US" dirty="0" smtClean="0"/>
+              <a:rPr lang="en-US" dirty="0"/>
               <a:t>How often did</a:t>
             </a:r>
           </a:p>
           <a:p>
             <a:r>
               <a:rPr lang="en-US" dirty="0"/>
-              <a:t>t</a:t>
-            </a:r>
-            <a:r>
-              <a:rPr lang="en-US" dirty="0" smtClean="0"/>
-              <a:t>hey choose </a:t>
+              <a:t>they choose </a:t>
             </a:r>
           </a:p>
           <a:p>
             <a:r>
               <a:rPr lang="en-US" dirty="0"/>
-              <a:t>t</a:t>
-            </a:r>
-            <a:r>
-              <a:rPr lang="en-US" dirty="0" smtClean="0"/>
-              <a:t>o gamble</a:t>
-            </a:r>
-            <a:endParaRPr lang="en-US" dirty="0"/>
+              <a:t>to gamble</a:t>
+            </a:r>
           </a:p>
         </p:txBody>
       </p:sp>
@@ -8721,23 +8713,18 @@
           <a:p>
             <a:r>
               <a:rPr lang="en-US" dirty="0"/>
-              <a:t> </a:t>
-            </a:r>
-            <a:r>
-              <a:rPr lang="en-US" dirty="0" smtClean="0"/>
-              <a:t>gamble over</a:t>
-            </a:r>
-          </a:p>
-          <a:p>
-            <a:r>
-              <a:rPr lang="en-US" dirty="0" err="1" smtClean="0"/>
+              <a:t> gamble over</a:t>
+            </a:r>
+          </a:p>
+          <a:p>
+            <a:r>
+              <a:rPr lang="en-US" dirty="0" err="1"/>
               <a:t>gambleDelay</a:t>
             </a:r>
             <a:r>
-              <a:rPr lang="en-US" dirty="0" smtClean="0"/>
+              <a:rPr lang="en-US" dirty="0"/>
               <a:t>)</a:t>
             </a:r>
-            <a:endParaRPr lang="en-US" dirty="0"/>
           </a:p>
         </p:txBody>
       </p:sp>
@@ -8949,29 +8936,20 @@
           <a:p>
             <a:r>
               <a:rPr lang="en-US" dirty="0"/>
-              <a:t>Behavior </a:t>
-            </a:r>
-            <a:r>
-              <a:rPr lang="en-US" dirty="0" smtClean="0"/>
-              <a:t>(This</a:t>
-            </a:r>
-          </a:p>
-          <a:p>
-            <a:r>
-              <a:rPr lang="en-US" dirty="0" smtClean="0"/>
+              <a:t>Behavior (This</a:t>
+            </a:r>
+          </a:p>
+          <a:p>
+            <a:r>
+              <a:rPr lang="en-US" dirty="0"/>
               <a:t>row is same</a:t>
             </a:r>
           </a:p>
           <a:p>
             <a:r>
               <a:rPr lang="en-US" dirty="0"/>
-              <a:t>a</a:t>
-            </a:r>
-            <a:r>
-              <a:rPr lang="en-US" dirty="0" smtClean="0"/>
-              <a:t>s last page)</a:t>
-            </a:r>
-            <a:endParaRPr lang="en-US" dirty="0"/>
+              <a:t>as last page)</a:t>
+            </a:r>
           </a:p>
         </p:txBody>
       </p:sp>
@@ -9005,13 +8983,8 @@
           <a:p>
             <a:r>
               <a:rPr lang="en-US" dirty="0"/>
-              <a:t>Behavior </a:t>
-            </a:r>
-            <a:r>
-              <a:rPr lang="en-US" dirty="0" smtClean="0"/>
-              <a:t>RT</a:t>
-            </a:r>
-            <a:endParaRPr lang="en-US" dirty="0"/>
+              <a:t>Behavior RT</a:t>
+            </a:r>
           </a:p>
         </p:txBody>
       </p:sp>
@@ -9394,18 +9367,17 @@
           <a:lstStyle/>
           <a:p>
             <a:r>
-              <a:rPr lang="en-US" dirty="0" smtClean="0"/>
+              <a:rPr lang="en-US" dirty="0"/>
               <a:t>Bigger subgroup of participants who show </a:t>
             </a:r>
             <a:r>
-              <a:rPr lang="en-US" dirty="0" err="1" smtClean="0"/>
+              <a:rPr lang="en-US" dirty="0" err="1"/>
               <a:t>rtRAMP</a:t>
             </a:r>
             <a:r>
-              <a:rPr lang="en-US" dirty="0" smtClean="0"/>
+              <a:rPr lang="en-US" dirty="0"/>
               <a:t> (p&lt;.1; n=33)</a:t>
             </a:r>
-            <a:endParaRPr lang="en-US" dirty="0"/>
           </a:p>
         </p:txBody>
       </p:sp>
@@ -9574,18 +9546,17 @@
           <a:lstStyle/>
           <a:p>
             <a:r>
-              <a:rPr lang="en-US" dirty="0" smtClean="0"/>
+              <a:rPr lang="en-US" dirty="0"/>
               <a:t>How did </a:t>
             </a:r>
             <a:r>
-              <a:rPr lang="en-US" dirty="0" err="1" smtClean="0"/>
+              <a:rPr lang="en-US" dirty="0" err="1"/>
               <a:t>rtRAMP</a:t>
             </a:r>
             <a:r>
-              <a:rPr lang="en-US" dirty="0" smtClean="0"/>
+              <a:rPr lang="en-US" dirty="0"/>
               <a:t> subgroup (n=33 participants) respond to odds</a:t>
             </a:r>
-            <a:endParaRPr lang="en-US" dirty="0"/>
           </a:p>
         </p:txBody>
       </p:sp>
@@ -9612,14 +9583,13 @@
           <a:lstStyle/>
           <a:p>
             <a:r>
-              <a:rPr lang="en-US" dirty="0" err="1" smtClean="0"/>
+              <a:rPr lang="en-US" dirty="0" err="1"/>
               <a:t>OddsScore</a:t>
             </a:r>
             <a:r>
-              <a:rPr lang="en-US" dirty="0" smtClean="0"/>
+              <a:rPr lang="en-US" dirty="0"/>
               <a:t>=28.23</a:t>
             </a:r>
-            <a:endParaRPr lang="en-US" dirty="0"/>
           </a:p>
         </p:txBody>
       </p:sp>
@@ -9802,23 +9772,18 @@
           <a:p>
             <a:r>
               <a:rPr lang="en-US" dirty="0"/>
-              <a:t> </a:t>
-            </a:r>
-            <a:r>
-              <a:rPr lang="en-US" dirty="0" smtClean="0"/>
-              <a:t>gamble over</a:t>
-            </a:r>
-          </a:p>
-          <a:p>
-            <a:r>
-              <a:rPr lang="en-US" dirty="0" err="1" smtClean="0"/>
+              <a:t> gamble over</a:t>
+            </a:r>
+          </a:p>
+          <a:p>
+            <a:r>
+              <a:rPr lang="en-US" dirty="0" err="1"/>
               <a:t>gambleDelay</a:t>
             </a:r>
             <a:r>
-              <a:rPr lang="en-US" dirty="0" smtClean="0"/>
+              <a:rPr lang="en-US" dirty="0"/>
               <a:t>)</a:t>
             </a:r>
-            <a:endParaRPr lang="en-US" dirty="0"/>
           </a:p>
         </p:txBody>
       </p:sp>
@@ -9851,30 +9816,21 @@
           <a:lstStyle/>
           <a:p>
             <a:r>
-              <a:rPr lang="en-US" dirty="0" smtClean="0"/>
+              <a:rPr lang="en-US" dirty="0"/>
               <a:t>How often did</a:t>
             </a:r>
           </a:p>
           <a:p>
             <a:r>
               <a:rPr lang="en-US" dirty="0"/>
-              <a:t>t</a:t>
-            </a:r>
-            <a:r>
-              <a:rPr lang="en-US" dirty="0" smtClean="0"/>
-              <a:t>hey choose </a:t>
+              <a:t>they choose </a:t>
             </a:r>
           </a:p>
           <a:p>
             <a:r>
               <a:rPr lang="en-US" dirty="0"/>
-              <a:t>t</a:t>
-            </a:r>
-            <a:r>
-              <a:rPr lang="en-US" dirty="0" smtClean="0"/>
-              <a:t>o gamble</a:t>
-            </a:r>
-            <a:endParaRPr lang="en-US" dirty="0"/>
+              <a:t>to gamble</a:t>
+            </a:r>
           </a:p>
         </p:txBody>
       </p:sp>
@@ -10091,18 +10047,17 @@
           <a:lstStyle/>
           <a:p>
             <a:r>
-              <a:rPr lang="en-US" dirty="0" smtClean="0"/>
+              <a:rPr lang="en-US" dirty="0"/>
               <a:t>How did </a:t>
             </a:r>
             <a:r>
-              <a:rPr lang="en-US" dirty="0" err="1" smtClean="0"/>
+              <a:rPr lang="en-US" dirty="0" err="1"/>
               <a:t>rtRAMP</a:t>
             </a:r>
             <a:r>
-              <a:rPr lang="en-US" dirty="0" smtClean="0"/>
+              <a:rPr lang="en-US" dirty="0"/>
               <a:t> subgroup (n=33 participants) respond to odds</a:t>
             </a:r>
-            <a:endParaRPr lang="en-US" dirty="0"/>
           </a:p>
         </p:txBody>
       </p:sp>
@@ -10129,14 +10084,13 @@
           <a:lstStyle/>
           <a:p>
             <a:r>
-              <a:rPr lang="en-US" dirty="0" err="1" smtClean="0"/>
+              <a:rPr lang="en-US" dirty="0" err="1"/>
               <a:t>OddsScore</a:t>
             </a:r>
             <a:r>
-              <a:rPr lang="en-US" dirty="0" smtClean="0"/>
+              <a:rPr lang="en-US" dirty="0"/>
               <a:t>=28.23</a:t>
             </a:r>
-            <a:endParaRPr lang="en-US" dirty="0"/>
           </a:p>
         </p:txBody>
       </p:sp>
@@ -10319,23 +10273,18 @@
           <a:p>
             <a:r>
               <a:rPr lang="en-US" dirty="0"/>
-              <a:t> </a:t>
-            </a:r>
-            <a:r>
-              <a:rPr lang="en-US" dirty="0" smtClean="0"/>
-              <a:t>gamble over</a:t>
-            </a:r>
-          </a:p>
-          <a:p>
-            <a:r>
-              <a:rPr lang="en-US" dirty="0" err="1" smtClean="0"/>
+              <a:t> gamble over</a:t>
+            </a:r>
+          </a:p>
+          <a:p>
+            <a:r>
+              <a:rPr lang="en-US" dirty="0" err="1"/>
               <a:t>gambleDelay</a:t>
             </a:r>
             <a:r>
-              <a:rPr lang="en-US" dirty="0" smtClean="0"/>
+              <a:rPr lang="en-US" dirty="0"/>
               <a:t>)</a:t>
             </a:r>
-            <a:endParaRPr lang="en-US" dirty="0"/>
           </a:p>
         </p:txBody>
       </p:sp>
@@ -10368,10 +10317,9 @@
           <a:lstStyle/>
           <a:p>
             <a:r>
-              <a:rPr lang="en-US" dirty="0" smtClean="0"/>
+              <a:rPr lang="en-US" dirty="0"/>
               <a:t>Behavior RT</a:t>
             </a:r>
-            <a:endParaRPr lang="en-US" dirty="0"/>
           </a:p>
         </p:txBody>
       </p:sp>
@@ -10678,10 +10626,9 @@
           <a:lstStyle/>
           <a:p>
             <a:r>
-              <a:rPr lang="en-US" sz="1600" dirty="0" smtClean="0"/>
+              <a:rPr lang="en-US" sz="1600" dirty="0"/>
               <a:t>Comparing overall RTs between groups</a:t>
             </a:r>
-            <a:endParaRPr lang="en-US" sz="1600" dirty="0"/>
           </a:p>
         </p:txBody>
       </p:sp>
@@ -10731,35 +10678,34 @@
           <a:lstStyle/>
           <a:p>
             <a:r>
-              <a:rPr lang="en-US" sz="700" dirty="0" smtClean="0"/>
+              <a:rPr lang="en-US" sz="700" dirty="0"/>
               <a:t>When gambling</a:t>
             </a:r>
           </a:p>
           <a:p>
             <a:r>
-              <a:rPr lang="en-US" sz="700" dirty="0" smtClean="0"/>
+              <a:rPr lang="en-US" sz="700" dirty="0"/>
               <a:t>Red=</a:t>
             </a:r>
             <a:r>
-              <a:rPr lang="en-US" sz="700" dirty="0" err="1" smtClean="0"/>
+              <a:rPr lang="en-US" sz="700" dirty="0" err="1"/>
               <a:t>AllParticipants</a:t>
             </a:r>
-            <a:endParaRPr lang="en-US" sz="700" dirty="0" smtClean="0"/>
-          </a:p>
-          <a:p>
-            <a:r>
-              <a:rPr lang="en-US" sz="700" dirty="0" smtClean="0"/>
+            <a:endParaRPr lang="en-US" sz="700" dirty="0"/>
+          </a:p>
+          <a:p>
+            <a:r>
+              <a:rPr lang="en-US" sz="700" dirty="0"/>
               <a:t>Blue=RT </a:t>
             </a:r>
             <a:r>
-              <a:rPr lang="en-US" sz="700" dirty="0" err="1" smtClean="0"/>
+              <a:rPr lang="en-US" sz="700" dirty="0" err="1"/>
               <a:t>rampers</a:t>
             </a:r>
             <a:r>
-              <a:rPr lang="en-US" sz="700" dirty="0" smtClean="0"/>
+              <a:rPr lang="en-US" sz="700" dirty="0"/>
               <a:t> (n=33)</a:t>
             </a:r>
-            <a:endParaRPr lang="en-US" sz="700" dirty="0"/>
           </a:p>
         </p:txBody>
       </p:sp>
@@ -10786,35 +10732,34 @@
           <a:lstStyle/>
           <a:p>
             <a:r>
-              <a:rPr lang="en-US" sz="700" dirty="0" smtClean="0"/>
+              <a:rPr lang="en-US" sz="700" dirty="0"/>
               <a:t>When accepting sure thing</a:t>
             </a:r>
           </a:p>
           <a:p>
             <a:r>
-              <a:rPr lang="en-US" sz="700" dirty="0" smtClean="0"/>
+              <a:rPr lang="en-US" sz="700" dirty="0"/>
               <a:t>Red=</a:t>
             </a:r>
             <a:r>
-              <a:rPr lang="en-US" sz="700" dirty="0" err="1" smtClean="0"/>
+              <a:rPr lang="en-US" sz="700" dirty="0" err="1"/>
               <a:t>AllParticipants</a:t>
             </a:r>
-            <a:endParaRPr lang="en-US" sz="700" dirty="0" smtClean="0"/>
-          </a:p>
-          <a:p>
-            <a:r>
-              <a:rPr lang="en-US" sz="700" dirty="0" smtClean="0"/>
+            <a:endParaRPr lang="en-US" sz="700" dirty="0"/>
+          </a:p>
+          <a:p>
+            <a:r>
+              <a:rPr lang="en-US" sz="700" dirty="0"/>
               <a:t>Blue=RT </a:t>
             </a:r>
             <a:r>
-              <a:rPr lang="en-US" sz="700" dirty="0" err="1" smtClean="0"/>
+              <a:rPr lang="en-US" sz="700" dirty="0" err="1"/>
               <a:t>rampers</a:t>
             </a:r>
             <a:r>
-              <a:rPr lang="en-US" sz="700" dirty="0" smtClean="0"/>
+              <a:rPr lang="en-US" sz="700" dirty="0"/>
               <a:t> (n=33)</a:t>
             </a:r>
-            <a:endParaRPr lang="en-US" sz="700" dirty="0"/>
           </a:p>
         </p:txBody>
       </p:sp>
@@ -10841,27 +10786,26 @@
           <a:lstStyle/>
           <a:p>
             <a:r>
-              <a:rPr lang="en-US" sz="700" dirty="0" smtClean="0"/>
+              <a:rPr lang="en-US" sz="700" dirty="0"/>
               <a:t>When accepting sure thing</a:t>
             </a:r>
           </a:p>
           <a:p>
             <a:r>
-              <a:rPr lang="en-US" sz="700" dirty="0" smtClean="0"/>
+              <a:rPr lang="en-US" sz="700" dirty="0"/>
               <a:t>Red=</a:t>
             </a:r>
             <a:r>
-              <a:rPr lang="en-US" sz="700" dirty="0" err="1" smtClean="0"/>
+              <a:rPr lang="en-US" sz="700" dirty="0" err="1"/>
               <a:t>AllParticipants</a:t>
             </a:r>
-            <a:endParaRPr lang="en-US" sz="700" dirty="0" smtClean="0"/>
-          </a:p>
-          <a:p>
-            <a:r>
-              <a:rPr lang="en-US" sz="700" dirty="0" smtClean="0"/>
+            <a:endParaRPr lang="en-US" sz="700" dirty="0"/>
+          </a:p>
+          <a:p>
+            <a:r>
+              <a:rPr lang="en-US" sz="700" dirty="0"/>
               <a:t>Blue=logical Gamblers (n=33)</a:t>
             </a:r>
-            <a:endParaRPr lang="en-US" sz="700" dirty="0"/>
           </a:p>
         </p:txBody>
       </p:sp>
@@ -10888,27 +10832,26 @@
           <a:lstStyle/>
           <a:p>
             <a:r>
-              <a:rPr lang="en-US" sz="700" dirty="0" smtClean="0"/>
+              <a:rPr lang="en-US" sz="700" dirty="0"/>
               <a:t>When gambling</a:t>
             </a:r>
           </a:p>
           <a:p>
             <a:r>
-              <a:rPr lang="en-US" sz="700" dirty="0" smtClean="0"/>
+              <a:rPr lang="en-US" sz="700" dirty="0"/>
               <a:t>Red=</a:t>
             </a:r>
             <a:r>
-              <a:rPr lang="en-US" sz="700" dirty="0" err="1" smtClean="0"/>
+              <a:rPr lang="en-US" sz="700" dirty="0" err="1"/>
               <a:t>AllParticipants</a:t>
             </a:r>
-            <a:endParaRPr lang="en-US" sz="700" dirty="0" smtClean="0"/>
-          </a:p>
-          <a:p>
-            <a:r>
-              <a:rPr lang="en-US" sz="700" dirty="0" smtClean="0"/>
+            <a:endParaRPr lang="en-US" sz="700" dirty="0"/>
+          </a:p>
+          <a:p>
+            <a:r>
+              <a:rPr lang="en-US" sz="700" dirty="0"/>
               <a:t>Blue=logical Gamblers (n=33)</a:t>
             </a:r>
-            <a:endParaRPr lang="en-US" sz="700" dirty="0"/>
           </a:p>
         </p:txBody>
       </p:sp>
@@ -10935,35 +10878,34 @@
           <a:lstStyle/>
           <a:p>
             <a:r>
-              <a:rPr lang="en-US" sz="700" dirty="0" smtClean="0"/>
+              <a:rPr lang="en-US" sz="700" dirty="0"/>
               <a:t>When gambling</a:t>
             </a:r>
           </a:p>
           <a:p>
             <a:r>
-              <a:rPr lang="en-US" sz="700" dirty="0" smtClean="0"/>
+              <a:rPr lang="en-US" sz="700" dirty="0"/>
               <a:t>Red=</a:t>
             </a:r>
             <a:r>
-              <a:rPr lang="en-US" sz="700" dirty="0" err="1" smtClean="0"/>
+              <a:rPr lang="en-US" sz="700" dirty="0" err="1"/>
               <a:t>AllParticipants</a:t>
             </a:r>
-            <a:endParaRPr lang="en-US" sz="700" dirty="0" smtClean="0"/>
-          </a:p>
-          <a:p>
-            <a:r>
-              <a:rPr lang="en-US" sz="700" dirty="0" smtClean="0"/>
+            <a:endParaRPr lang="en-US" sz="700" dirty="0"/>
+          </a:p>
+          <a:p>
+            <a:r>
+              <a:rPr lang="en-US" sz="700" dirty="0"/>
               <a:t>Blue=gamble </a:t>
             </a:r>
             <a:r>
-              <a:rPr lang="en-US" sz="700" dirty="0" err="1" smtClean="0"/>
+              <a:rPr lang="en-US" sz="700" dirty="0" err="1"/>
               <a:t>rampers</a:t>
             </a:r>
             <a:r>
-              <a:rPr lang="en-US" sz="700" dirty="0" smtClean="0"/>
+              <a:rPr lang="en-US" sz="700" dirty="0"/>
               <a:t> (n=33)</a:t>
             </a:r>
-            <a:endParaRPr lang="en-US" sz="700" dirty="0"/>
           </a:p>
         </p:txBody>
       </p:sp>
@@ -10990,35 +10932,34 @@
           <a:lstStyle/>
           <a:p>
             <a:r>
-              <a:rPr lang="en-US" sz="700" dirty="0" smtClean="0"/>
+              <a:rPr lang="en-US" sz="700" dirty="0"/>
               <a:t>When accepting sure thing</a:t>
             </a:r>
           </a:p>
           <a:p>
             <a:r>
-              <a:rPr lang="en-US" sz="700" dirty="0" smtClean="0"/>
+              <a:rPr lang="en-US" sz="700" dirty="0"/>
               <a:t>Red=</a:t>
             </a:r>
             <a:r>
-              <a:rPr lang="en-US" sz="700" dirty="0" err="1" smtClean="0"/>
+              <a:rPr lang="en-US" sz="700" dirty="0" err="1"/>
               <a:t>AllParticipants</a:t>
             </a:r>
-            <a:endParaRPr lang="en-US" sz="700" dirty="0" smtClean="0"/>
-          </a:p>
-          <a:p>
-            <a:r>
-              <a:rPr lang="en-US" sz="700" dirty="0" smtClean="0"/>
+            <a:endParaRPr lang="en-US" sz="700" dirty="0"/>
+          </a:p>
+          <a:p>
+            <a:r>
+              <a:rPr lang="en-US" sz="700" dirty="0"/>
               <a:t>Blue=</a:t>
             </a:r>
             <a:r>
-              <a:rPr lang="en-US" sz="700" dirty="0" err="1" smtClean="0"/>
+              <a:rPr lang="en-US" sz="700" dirty="0" err="1"/>
               <a:t>gamblerampers</a:t>
             </a:r>
             <a:r>
-              <a:rPr lang="en-US" sz="700" dirty="0" smtClean="0"/>
+              <a:rPr lang="en-US" sz="700" dirty="0"/>
               <a:t>  (n=33)</a:t>
             </a:r>
-            <a:endParaRPr lang="en-US" sz="700" dirty="0"/>
           </a:p>
         </p:txBody>
       </p:sp>
@@ -11189,35 +11130,34 @@
           <a:lstStyle/>
           <a:p>
             <a:r>
-              <a:rPr lang="en-US" sz="700" dirty="0" smtClean="0"/>
+              <a:rPr lang="en-US" sz="700" dirty="0"/>
               <a:t>When gambling</a:t>
             </a:r>
           </a:p>
           <a:p>
             <a:r>
-              <a:rPr lang="en-US" sz="700" dirty="0" smtClean="0"/>
+              <a:rPr lang="en-US" sz="700" dirty="0"/>
               <a:t>Red=</a:t>
             </a:r>
             <a:r>
-              <a:rPr lang="en-US" sz="700" dirty="0" err="1" smtClean="0"/>
+              <a:rPr lang="en-US" sz="700" dirty="0" err="1"/>
               <a:t>AllParticipants</a:t>
             </a:r>
-            <a:endParaRPr lang="en-US" sz="700" dirty="0" smtClean="0"/>
-          </a:p>
-          <a:p>
-            <a:r>
-              <a:rPr lang="en-US" sz="700" dirty="0" smtClean="0"/>
+            <a:endParaRPr lang="en-US" sz="700" dirty="0"/>
+          </a:p>
+          <a:p>
+            <a:r>
+              <a:rPr lang="en-US" sz="700" dirty="0"/>
               <a:t>Blue=</a:t>
             </a:r>
             <a:r>
-              <a:rPr lang="en-US" sz="700" dirty="0" err="1" smtClean="0"/>
+              <a:rPr lang="en-US" sz="700" dirty="0" err="1"/>
               <a:t>atn</a:t>
             </a:r>
             <a:r>
-              <a:rPr lang="en-US" sz="700" dirty="0" smtClean="0"/>
+              <a:rPr lang="en-US" sz="700" dirty="0"/>
               <a:t> gamblers(n=54)</a:t>
             </a:r>
-            <a:endParaRPr lang="en-US" sz="700" dirty="0"/>
           </a:p>
         </p:txBody>
       </p:sp>
@@ -11244,20 +11184,20 @@
           <a:lstStyle/>
           <a:p>
             <a:r>
-              <a:rPr lang="en-US" sz="700" dirty="0" smtClean="0"/>
+              <a:rPr lang="en-US" sz="700" dirty="0"/>
               <a:t>When accepting sure thing</a:t>
             </a:r>
           </a:p>
           <a:p>
             <a:r>
-              <a:rPr lang="en-US" sz="700" dirty="0" smtClean="0"/>
+              <a:rPr lang="en-US" sz="700" dirty="0"/>
               <a:t>Red=</a:t>
             </a:r>
             <a:r>
-              <a:rPr lang="en-US" sz="700" dirty="0" err="1" smtClean="0"/>
+              <a:rPr lang="en-US" sz="700" dirty="0" err="1"/>
               <a:t>AllParticipants</a:t>
             </a:r>
-            <a:endParaRPr lang="en-US" sz="700" dirty="0" smtClean="0"/>
+            <a:endParaRPr lang="en-US" sz="700" dirty="0"/>
           </a:p>
           <a:p>
             <a:r>
@@ -11369,14 +11309,13 @@
           <a:lstStyle/>
           <a:p>
             <a:r>
-              <a:rPr lang="en-US" dirty="0" err="1" smtClean="0"/>
+              <a:rPr lang="en-US" dirty="0" err="1"/>
               <a:t>Atn</a:t>
             </a:r>
             <a:r>
-              <a:rPr lang="en-US" dirty="0" smtClean="0"/>
+              <a:rPr lang="en-US" dirty="0"/>
               <a:t> gamblers (participants who passed both catch trials (n=54 participants) </a:t>
             </a:r>
-            <a:endParaRPr lang="en-US" dirty="0"/>
           </a:p>
         </p:txBody>
       </p:sp>
@@ -11523,10 +11462,9 @@
           <a:lstStyle/>
           <a:p>
             <a:r>
-              <a:rPr lang="en-US" dirty="0" smtClean="0"/>
+              <a:rPr lang="en-US" dirty="0"/>
               <a:t>Past data set of all participants who showed decreasing RT ramp</a:t>
             </a:r>
-            <a:endParaRPr lang="en-US" dirty="0"/>
           </a:p>
         </p:txBody>
       </p:sp>
@@ -11695,10 +11633,9 @@
           <a:lstStyle/>
           <a:p>
             <a:r>
-              <a:rPr lang="en-US" dirty="0" smtClean="0"/>
+              <a:rPr lang="en-US" dirty="0"/>
               <a:t>Future steps?</a:t>
             </a:r>
-            <a:endParaRPr lang="en-US" dirty="0"/>
           </a:p>
         </p:txBody>
       </p:sp>
@@ -11718,39 +11655,38 @@
           <a:lstStyle/>
           <a:p>
             <a:r>
-              <a:rPr lang="en-US" dirty="0" smtClean="0"/>
+              <a:rPr lang="en-US" dirty="0"/>
               <a:t>Need to determine best way to correlate gambling ramp slope with </a:t>
             </a:r>
             <a:r>
-              <a:rPr lang="en-US" dirty="0" err="1" smtClean="0"/>
+              <a:rPr lang="en-US" dirty="0" err="1"/>
               <a:t>rt</a:t>
             </a:r>
             <a:r>
-              <a:rPr lang="en-US" dirty="0" smtClean="0"/>
+              <a:rPr lang="en-US" dirty="0"/>
               <a:t> ramp slope in meaningful way.</a:t>
             </a:r>
           </a:p>
           <a:p>
             <a:r>
-              <a:rPr lang="en-US" dirty="0" smtClean="0"/>
+              <a:rPr lang="en-US" dirty="0"/>
               <a:t>See how odds modulates this relationship in different subgroups.</a:t>
             </a:r>
           </a:p>
           <a:p>
             <a:r>
-              <a:rPr lang="en-US" dirty="0" smtClean="0"/>
+              <a:rPr lang="en-US" dirty="0"/>
               <a:t>Increase trials per participant? </a:t>
             </a:r>
+          </a:p>
+          <a:p>
+            <a:r>
+              <a:rPr lang="en-US" dirty="0"/>
+              <a:t>Increase number of trials that don’t have a gamble?</a:t>
+            </a:r>
+          </a:p>
+          <a:p>
             <a:endParaRPr lang="en-US" dirty="0"/>
-          </a:p>
-          <a:p>
-            <a:r>
-              <a:rPr lang="en-US" dirty="0" smtClean="0"/>
-              <a:t>Increase number of trials that don’t have a gamble?</a:t>
-            </a:r>
-          </a:p>
-          <a:p>
-            <a:endParaRPr lang="en-US" dirty="0" smtClean="0"/>
           </a:p>
         </p:txBody>
       </p:sp>
@@ -11830,19 +11766,19 @@
           <a:lstStyle/>
           <a:p>
             <a:r>
-              <a:rPr lang="en-US" sz="1600" dirty="0" smtClean="0"/>
+              <a:rPr lang="en-US" sz="1600" dirty="0"/>
               <a:t>Correlating </a:t>
             </a:r>
             <a:r>
-              <a:rPr lang="en-US" sz="1600" dirty="0" err="1" smtClean="0"/>
+              <a:rPr lang="en-US" sz="1600" dirty="0" err="1"/>
               <a:t>gambleSlopes</a:t>
             </a:r>
             <a:r>
-              <a:rPr lang="en-US" sz="1600" dirty="0" smtClean="0"/>
+              <a:rPr lang="en-US" sz="1600" dirty="0"/>
               <a:t> with </a:t>
             </a:r>
             <a:r>
-              <a:rPr lang="en-US" sz="1600" dirty="0" err="1" smtClean="0"/>
+              <a:rPr lang="en-US" sz="1600" dirty="0" err="1"/>
               <a:t>rtSlopes</a:t>
             </a:r>
             <a:endParaRPr lang="en-US" sz="1600" dirty="0"/>
@@ -11943,7 +11879,7 @@
           <a:lstStyle/>
           <a:p>
             <a:r>
-              <a:rPr lang="en-US" dirty="0" smtClean="0"/>
+              <a:rPr lang="en-US" dirty="0"/>
               <a:t>R2=.019</a:t>
             </a:r>
           </a:p>
@@ -11972,13 +11908,13 @@
           <a:lstStyle/>
           <a:p>
             <a:r>
-              <a:rPr lang="en-US" dirty="0" smtClean="0"/>
+              <a:rPr lang="en-US" dirty="0"/>
               <a:t>R2=.022</a:t>
             </a:r>
           </a:p>
           <a:p>
             <a:r>
-              <a:rPr lang="en-US" dirty="0" smtClean="0"/>
+              <a:rPr lang="en-US" dirty="0"/>
               <a:t>p=0.13</a:t>
             </a:r>
           </a:p>
@@ -12036,6 +11972,675 @@
     <p:extLst>
       <p:ext uri="{BB962C8B-B14F-4D97-AF65-F5344CB8AC3E}">
         <p14:creationId xmlns:p14="http://schemas.microsoft.com/office/powerpoint/2010/main" val="478118353"/>
+      </p:ext>
+    </p:extLst>
+  </p:cSld>
+  <p:clrMapOvr>
+    <a:masterClrMapping/>
+  </p:clrMapOvr>
+</p:sld>
+</file>
+
+<file path=ppt/slides/slide35.xml><?xml version="1.0" encoding="utf-8"?>
+<p:sld xmlns:a="http://schemas.openxmlformats.org/drawingml/2006/main" xmlns:r="http://schemas.openxmlformats.org/officeDocument/2006/relationships" xmlns:p="http://schemas.openxmlformats.org/presentationml/2006/main">
+  <p:cSld>
+    <p:spTree>
+      <p:nvGrpSpPr>
+        <p:cNvPr id="1" name=""/>
+        <p:cNvGrpSpPr/>
+        <p:nvPr/>
+      </p:nvGrpSpPr>
+      <p:grpSpPr>
+        <a:xfrm>
+          <a:off x="0" y="0"/>
+          <a:ext cx="0" cy="0"/>
+          <a:chOff x="0" y="0"/>
+          <a:chExt cx="0" cy="0"/>
+        </a:xfrm>
+      </p:grpSpPr>
+      <p:sp>
+        <p:nvSpPr>
+          <p:cNvPr id="4" name="Slide Number Placeholder 3">
+            <a:extLst>
+              <a:ext uri="{FF2B5EF4-FFF2-40B4-BE49-F238E27FC236}">
+                <a16:creationId xmlns:a16="http://schemas.microsoft.com/office/drawing/2014/main" id="{9DFD1BC7-7425-4372-A2ED-62B54D78510B}"/>
+              </a:ext>
+            </a:extLst>
+          </p:cNvPr>
+          <p:cNvSpPr>
+            <a:spLocks noGrp="1"/>
+          </p:cNvSpPr>
+          <p:nvPr>
+            <p:ph type="sldNum" sz="quarter" idx="12"/>
+          </p:nvPr>
+        </p:nvSpPr>
+        <p:spPr/>
+        <p:txBody>
+          <a:bodyPr/>
+          <a:lstStyle/>
+          <a:p>
+            <a:fld id="{C99E18DD-00CA-4CC1-A3F3-D24A5B61A133}" type="slidenum">
+              <a:rPr lang="en-US" smtClean="0"/>
+              <a:t>35</a:t>
+            </a:fld>
+            <a:endParaRPr lang="en-US"/>
+          </a:p>
+        </p:txBody>
+      </p:sp>
+      <p:sp>
+        <p:nvSpPr>
+          <p:cNvPr id="5" name="Title 1">
+            <a:extLst>
+              <a:ext uri="{FF2B5EF4-FFF2-40B4-BE49-F238E27FC236}">
+                <a16:creationId xmlns:a16="http://schemas.microsoft.com/office/drawing/2014/main" id="{920770D0-30FD-450D-9FF3-F56B81649E45}"/>
+              </a:ext>
+            </a:extLst>
+          </p:cNvPr>
+          <p:cNvSpPr txBox="1">
+            <a:spLocks/>
+          </p:cNvSpPr>
+          <p:nvPr/>
+        </p:nvSpPr>
+        <p:spPr>
+          <a:xfrm>
+            <a:off x="112560" y="0"/>
+            <a:ext cx="3584033" cy="801666"/>
+          </a:xfrm>
+          <a:prstGeom prst="rect">
+            <a:avLst/>
+          </a:prstGeom>
+        </p:spPr>
+        <p:txBody>
+          <a:bodyPr vert="horz" lIns="91440" tIns="45720" rIns="91440" bIns="45720" rtlCol="0" anchor="ctr">
+            <a:normAutofit/>
+          </a:bodyPr>
+          <a:lstStyle>
+            <a:lvl1pPr algn="l" defTabSz="914400" rtl="0" eaLnBrk="1" latinLnBrk="0" hangingPunct="1">
+              <a:lnSpc>
+                <a:spcPct val="90000"/>
+              </a:lnSpc>
+              <a:spcBef>
+                <a:spcPct val="0"/>
+              </a:spcBef>
+              <a:buNone/>
+              <a:defRPr sz="4400" kern="1200">
+                <a:solidFill>
+                  <a:schemeClr val="tx1"/>
+                </a:solidFill>
+                <a:latin typeface="+mj-lt"/>
+                <a:ea typeface="+mj-ea"/>
+                <a:cs typeface="+mj-cs"/>
+              </a:defRPr>
+            </a:lvl1pPr>
+          </a:lstStyle>
+          <a:p>
+            <a:r>
+              <a:rPr lang="en-US" sz="1600" dirty="0"/>
+              <a:t>Correlating </a:t>
+            </a:r>
+            <a:r>
+              <a:rPr lang="en-US" sz="1600" dirty="0" err="1"/>
+              <a:t>gambleSlopes</a:t>
+            </a:r>
+            <a:r>
+              <a:rPr lang="en-US" sz="1600" dirty="0"/>
+              <a:t> with </a:t>
+            </a:r>
+            <a:r>
+              <a:rPr lang="en-US" sz="1600" dirty="0" err="1"/>
+              <a:t>rtSlopes</a:t>
+            </a:r>
+            <a:r>
+              <a:rPr lang="en-US" sz="1600" dirty="0"/>
+              <a:t> in different </a:t>
+            </a:r>
+            <a:r>
+              <a:rPr lang="en-US" sz="1600" dirty="0" err="1"/>
+              <a:t>oddsConditions</a:t>
+            </a:r>
+            <a:r>
+              <a:rPr lang="en-US" sz="1600" dirty="0"/>
+              <a:t> for RT </a:t>
+            </a:r>
+            <a:r>
+              <a:rPr lang="en-US" sz="1600" dirty="0" err="1"/>
+              <a:t>rampers</a:t>
+            </a:r>
+            <a:endParaRPr lang="en-US" sz="1600" dirty="0"/>
+          </a:p>
+        </p:txBody>
+      </p:sp>
+      <p:pic>
+        <p:nvPicPr>
+          <p:cNvPr id="6" name="Picture 5">
+            <a:extLst>
+              <a:ext uri="{FF2B5EF4-FFF2-40B4-BE49-F238E27FC236}">
+                <a16:creationId xmlns:a16="http://schemas.microsoft.com/office/drawing/2014/main" id="{FA09DE7C-20D2-4232-A6CB-927C708063A6}"/>
+              </a:ext>
+            </a:extLst>
+          </p:cNvPr>
+          <p:cNvPicPr>
+            <a:picLocks noChangeAspect="1"/>
+          </p:cNvPicPr>
+          <p:nvPr/>
+        </p:nvPicPr>
+        <p:blipFill>
+          <a:blip r:embed="rId2"/>
+          <a:stretch>
+            <a:fillRect/>
+          </a:stretch>
+        </p:blipFill>
+        <p:spPr>
+          <a:xfrm>
+            <a:off x="473709" y="990526"/>
+            <a:ext cx="4479291" cy="2197626"/>
+          </a:xfrm>
+          <a:prstGeom prst="rect">
+            <a:avLst/>
+          </a:prstGeom>
+        </p:spPr>
+      </p:pic>
+      <p:pic>
+        <p:nvPicPr>
+          <p:cNvPr id="7" name="Picture 6">
+            <a:extLst>
+              <a:ext uri="{FF2B5EF4-FFF2-40B4-BE49-F238E27FC236}">
+                <a16:creationId xmlns:a16="http://schemas.microsoft.com/office/drawing/2014/main" id="{755D0B4C-07ED-43C3-AB09-DC68F248BBFF}"/>
+              </a:ext>
+            </a:extLst>
+          </p:cNvPr>
+          <p:cNvPicPr>
+            <a:picLocks noChangeAspect="1"/>
+          </p:cNvPicPr>
+          <p:nvPr/>
+        </p:nvPicPr>
+        <p:blipFill>
+          <a:blip r:embed="rId3"/>
+          <a:stretch>
+            <a:fillRect/>
+          </a:stretch>
+        </p:blipFill>
+        <p:spPr>
+          <a:xfrm>
+            <a:off x="3581401" y="3954973"/>
+            <a:ext cx="5266691" cy="2583939"/>
+          </a:xfrm>
+          <a:prstGeom prst="rect">
+            <a:avLst/>
+          </a:prstGeom>
+        </p:spPr>
+      </p:pic>
+      <p:sp>
+        <p:nvSpPr>
+          <p:cNvPr id="8" name="TextBox 7">
+            <a:extLst>
+              <a:ext uri="{FF2B5EF4-FFF2-40B4-BE49-F238E27FC236}">
+                <a16:creationId xmlns:a16="http://schemas.microsoft.com/office/drawing/2014/main" id="{E9C34D5F-8304-4C8B-B241-37E813B9D339}"/>
+              </a:ext>
+            </a:extLst>
+          </p:cNvPr>
+          <p:cNvSpPr txBox="1"/>
+          <p:nvPr/>
+        </p:nvSpPr>
+        <p:spPr>
+          <a:xfrm>
+            <a:off x="2175033" y="3059668"/>
+            <a:ext cx="1076641" cy="369332"/>
+          </a:xfrm>
+          <a:prstGeom prst="rect">
+            <a:avLst/>
+          </a:prstGeom>
+          <a:noFill/>
+        </p:spPr>
+        <p:txBody>
+          <a:bodyPr wrap="none" rtlCol="0">
+            <a:spAutoFit/>
+          </a:bodyPr>
+          <a:lstStyle/>
+          <a:p>
+            <a:r>
+              <a:rPr lang="en-US" dirty="0"/>
+              <a:t>Low odds</a:t>
+            </a:r>
+          </a:p>
+        </p:txBody>
+      </p:sp>
+      <p:sp>
+        <p:nvSpPr>
+          <p:cNvPr id="9" name="TextBox 8">
+            <a:extLst>
+              <a:ext uri="{FF2B5EF4-FFF2-40B4-BE49-F238E27FC236}">
+                <a16:creationId xmlns:a16="http://schemas.microsoft.com/office/drawing/2014/main" id="{0F3FB7BB-49D6-4E41-8322-355FDC7F53F7}"/>
+              </a:ext>
+            </a:extLst>
+          </p:cNvPr>
+          <p:cNvSpPr txBox="1"/>
+          <p:nvPr/>
+        </p:nvSpPr>
+        <p:spPr>
+          <a:xfrm>
+            <a:off x="5676425" y="6352143"/>
+            <a:ext cx="1064715" cy="369332"/>
+          </a:xfrm>
+          <a:prstGeom prst="rect">
+            <a:avLst/>
+          </a:prstGeom>
+          <a:noFill/>
+        </p:spPr>
+        <p:txBody>
+          <a:bodyPr wrap="none" rtlCol="0">
+            <a:spAutoFit/>
+          </a:bodyPr>
+          <a:lstStyle/>
+          <a:p>
+            <a:r>
+              <a:rPr lang="en-US" dirty="0"/>
+              <a:t>Mid odds</a:t>
+            </a:r>
+          </a:p>
+        </p:txBody>
+      </p:sp>
+      <p:sp>
+        <p:nvSpPr>
+          <p:cNvPr id="10" name="TextBox 9">
+            <a:extLst>
+              <a:ext uri="{FF2B5EF4-FFF2-40B4-BE49-F238E27FC236}">
+                <a16:creationId xmlns:a16="http://schemas.microsoft.com/office/drawing/2014/main" id="{4F5C9C86-289E-4F9A-8BE2-16FB882BC83E}"/>
+              </a:ext>
+            </a:extLst>
+          </p:cNvPr>
+          <p:cNvSpPr txBox="1"/>
+          <p:nvPr/>
+        </p:nvSpPr>
+        <p:spPr>
+          <a:xfrm>
+            <a:off x="8610600" y="3059668"/>
+            <a:ext cx="1120820" cy="369332"/>
+          </a:xfrm>
+          <a:prstGeom prst="rect">
+            <a:avLst/>
+          </a:prstGeom>
+          <a:noFill/>
+        </p:spPr>
+        <p:txBody>
+          <a:bodyPr wrap="none" rtlCol="0">
+            <a:spAutoFit/>
+          </a:bodyPr>
+          <a:lstStyle/>
+          <a:p>
+            <a:r>
+              <a:rPr lang="en-US" dirty="0"/>
+              <a:t>High odds</a:t>
+            </a:r>
+          </a:p>
+        </p:txBody>
+      </p:sp>
+      <p:pic>
+        <p:nvPicPr>
+          <p:cNvPr id="11" name="Picture 10">
+            <a:extLst>
+              <a:ext uri="{FF2B5EF4-FFF2-40B4-BE49-F238E27FC236}">
+                <a16:creationId xmlns:a16="http://schemas.microsoft.com/office/drawing/2014/main" id="{0E713052-7229-4563-B3B5-AF8B7446F1EB}"/>
+              </a:ext>
+            </a:extLst>
+          </p:cNvPr>
+          <p:cNvPicPr>
+            <a:picLocks noChangeAspect="1"/>
+          </p:cNvPicPr>
+          <p:nvPr/>
+        </p:nvPicPr>
+        <p:blipFill>
+          <a:blip r:embed="rId4"/>
+          <a:stretch>
+            <a:fillRect/>
+          </a:stretch>
+        </p:blipFill>
+        <p:spPr>
+          <a:xfrm>
+            <a:off x="6391320" y="494241"/>
+            <a:ext cx="5266691" cy="2583939"/>
+          </a:xfrm>
+          <a:prstGeom prst="rect">
+            <a:avLst/>
+          </a:prstGeom>
+        </p:spPr>
+      </p:pic>
+    </p:spTree>
+    <p:extLst>
+      <p:ext uri="{BB962C8B-B14F-4D97-AF65-F5344CB8AC3E}">
+        <p14:creationId xmlns:p14="http://schemas.microsoft.com/office/powerpoint/2010/main" val="2592667319"/>
+      </p:ext>
+    </p:extLst>
+  </p:cSld>
+  <p:clrMapOvr>
+    <a:masterClrMapping/>
+  </p:clrMapOvr>
+</p:sld>
+</file>
+
+<file path=ppt/slides/slide36.xml><?xml version="1.0" encoding="utf-8"?>
+<p:sld xmlns:a="http://schemas.openxmlformats.org/drawingml/2006/main" xmlns:r="http://schemas.openxmlformats.org/officeDocument/2006/relationships" xmlns:p="http://schemas.openxmlformats.org/presentationml/2006/main">
+  <p:cSld>
+    <p:spTree>
+      <p:nvGrpSpPr>
+        <p:cNvPr id="1" name=""/>
+        <p:cNvGrpSpPr/>
+        <p:nvPr/>
+      </p:nvGrpSpPr>
+      <p:grpSpPr>
+        <a:xfrm>
+          <a:off x="0" y="0"/>
+          <a:ext cx="0" cy="0"/>
+          <a:chOff x="0" y="0"/>
+          <a:chExt cx="0" cy="0"/>
+        </a:xfrm>
+      </p:grpSpPr>
+      <p:sp>
+        <p:nvSpPr>
+          <p:cNvPr id="4" name="Slide Number Placeholder 3">
+            <a:extLst>
+              <a:ext uri="{FF2B5EF4-FFF2-40B4-BE49-F238E27FC236}">
+                <a16:creationId xmlns:a16="http://schemas.microsoft.com/office/drawing/2014/main" id="{9DFD1BC7-7425-4372-A2ED-62B54D78510B}"/>
+              </a:ext>
+            </a:extLst>
+          </p:cNvPr>
+          <p:cNvSpPr>
+            <a:spLocks noGrp="1"/>
+          </p:cNvSpPr>
+          <p:nvPr>
+            <p:ph type="sldNum" sz="quarter" idx="12"/>
+          </p:nvPr>
+        </p:nvSpPr>
+        <p:spPr/>
+        <p:txBody>
+          <a:bodyPr/>
+          <a:lstStyle/>
+          <a:p>
+            <a:fld id="{C99E18DD-00CA-4CC1-A3F3-D24A5B61A133}" type="slidenum">
+              <a:rPr lang="en-US" smtClean="0"/>
+              <a:t>36</a:t>
+            </a:fld>
+            <a:endParaRPr lang="en-US"/>
+          </a:p>
+        </p:txBody>
+      </p:sp>
+      <p:sp>
+        <p:nvSpPr>
+          <p:cNvPr id="5" name="Title 1">
+            <a:extLst>
+              <a:ext uri="{FF2B5EF4-FFF2-40B4-BE49-F238E27FC236}">
+                <a16:creationId xmlns:a16="http://schemas.microsoft.com/office/drawing/2014/main" id="{920770D0-30FD-450D-9FF3-F56B81649E45}"/>
+              </a:ext>
+            </a:extLst>
+          </p:cNvPr>
+          <p:cNvSpPr txBox="1">
+            <a:spLocks/>
+          </p:cNvSpPr>
+          <p:nvPr/>
+        </p:nvSpPr>
+        <p:spPr>
+          <a:xfrm>
+            <a:off x="112560" y="0"/>
+            <a:ext cx="3584033" cy="801666"/>
+          </a:xfrm>
+          <a:prstGeom prst="rect">
+            <a:avLst/>
+          </a:prstGeom>
+        </p:spPr>
+        <p:txBody>
+          <a:bodyPr vert="horz" lIns="91440" tIns="45720" rIns="91440" bIns="45720" rtlCol="0" anchor="ctr">
+            <a:normAutofit/>
+          </a:bodyPr>
+          <a:lstStyle>
+            <a:lvl1pPr algn="l" defTabSz="914400" rtl="0" eaLnBrk="1" latinLnBrk="0" hangingPunct="1">
+              <a:lnSpc>
+                <a:spcPct val="90000"/>
+              </a:lnSpc>
+              <a:spcBef>
+                <a:spcPct val="0"/>
+              </a:spcBef>
+              <a:buNone/>
+              <a:defRPr sz="4400" kern="1200">
+                <a:solidFill>
+                  <a:schemeClr val="tx1"/>
+                </a:solidFill>
+                <a:latin typeface="+mj-lt"/>
+                <a:ea typeface="+mj-ea"/>
+                <a:cs typeface="+mj-cs"/>
+              </a:defRPr>
+            </a:lvl1pPr>
+          </a:lstStyle>
+          <a:p>
+            <a:r>
+              <a:rPr lang="en-US" sz="1600" dirty="0"/>
+              <a:t>Correlating </a:t>
+            </a:r>
+            <a:r>
+              <a:rPr lang="en-US" sz="1600" dirty="0" err="1"/>
+              <a:t>gambleSlopes</a:t>
+            </a:r>
+            <a:r>
+              <a:rPr lang="en-US" sz="1600" dirty="0"/>
+              <a:t> with </a:t>
+            </a:r>
+            <a:r>
+              <a:rPr lang="en-US" sz="1600" dirty="0" err="1"/>
+              <a:t>rtSlopes</a:t>
+            </a:r>
+            <a:r>
+              <a:rPr lang="en-US" sz="1600" dirty="0"/>
+              <a:t> in different </a:t>
+            </a:r>
+            <a:r>
+              <a:rPr lang="en-US" sz="1600" dirty="0" err="1"/>
+              <a:t>oddsConditions</a:t>
+            </a:r>
+            <a:r>
+              <a:rPr lang="en-US" sz="1600" dirty="0"/>
+              <a:t> for everyone</a:t>
+            </a:r>
+          </a:p>
+        </p:txBody>
+      </p:sp>
+      <p:sp>
+        <p:nvSpPr>
+          <p:cNvPr id="8" name="TextBox 7">
+            <a:extLst>
+              <a:ext uri="{FF2B5EF4-FFF2-40B4-BE49-F238E27FC236}">
+                <a16:creationId xmlns:a16="http://schemas.microsoft.com/office/drawing/2014/main" id="{E9C34D5F-8304-4C8B-B241-37E813B9D339}"/>
+              </a:ext>
+            </a:extLst>
+          </p:cNvPr>
+          <p:cNvSpPr txBox="1"/>
+          <p:nvPr/>
+        </p:nvSpPr>
+        <p:spPr>
+          <a:xfrm>
+            <a:off x="2175033" y="3059668"/>
+            <a:ext cx="1076641" cy="369332"/>
+          </a:xfrm>
+          <a:prstGeom prst="rect">
+            <a:avLst/>
+          </a:prstGeom>
+          <a:noFill/>
+        </p:spPr>
+        <p:txBody>
+          <a:bodyPr wrap="none" rtlCol="0">
+            <a:spAutoFit/>
+          </a:bodyPr>
+          <a:lstStyle/>
+          <a:p>
+            <a:r>
+              <a:rPr lang="en-US" dirty="0"/>
+              <a:t>Low odds</a:t>
+            </a:r>
+          </a:p>
+        </p:txBody>
+      </p:sp>
+      <p:sp>
+        <p:nvSpPr>
+          <p:cNvPr id="9" name="TextBox 8">
+            <a:extLst>
+              <a:ext uri="{FF2B5EF4-FFF2-40B4-BE49-F238E27FC236}">
+                <a16:creationId xmlns:a16="http://schemas.microsoft.com/office/drawing/2014/main" id="{0F3FB7BB-49D6-4E41-8322-355FDC7F53F7}"/>
+              </a:ext>
+            </a:extLst>
+          </p:cNvPr>
+          <p:cNvSpPr txBox="1"/>
+          <p:nvPr/>
+        </p:nvSpPr>
+        <p:spPr>
+          <a:xfrm>
+            <a:off x="5676425" y="6352143"/>
+            <a:ext cx="1064715" cy="369332"/>
+          </a:xfrm>
+          <a:prstGeom prst="rect">
+            <a:avLst/>
+          </a:prstGeom>
+          <a:noFill/>
+        </p:spPr>
+        <p:txBody>
+          <a:bodyPr wrap="none" rtlCol="0">
+            <a:spAutoFit/>
+          </a:bodyPr>
+          <a:lstStyle/>
+          <a:p>
+            <a:r>
+              <a:rPr lang="en-US" dirty="0"/>
+              <a:t>Mid odds</a:t>
+            </a:r>
+          </a:p>
+        </p:txBody>
+      </p:sp>
+      <p:sp>
+        <p:nvSpPr>
+          <p:cNvPr id="10" name="TextBox 9">
+            <a:extLst>
+              <a:ext uri="{FF2B5EF4-FFF2-40B4-BE49-F238E27FC236}">
+                <a16:creationId xmlns:a16="http://schemas.microsoft.com/office/drawing/2014/main" id="{4F5C9C86-289E-4F9A-8BE2-16FB882BC83E}"/>
+              </a:ext>
+            </a:extLst>
+          </p:cNvPr>
+          <p:cNvSpPr txBox="1"/>
+          <p:nvPr/>
+        </p:nvSpPr>
+        <p:spPr>
+          <a:xfrm>
+            <a:off x="8610600" y="3059668"/>
+            <a:ext cx="1120820" cy="369332"/>
+          </a:xfrm>
+          <a:prstGeom prst="rect">
+            <a:avLst/>
+          </a:prstGeom>
+          <a:noFill/>
+        </p:spPr>
+        <p:txBody>
+          <a:bodyPr wrap="none" rtlCol="0">
+            <a:spAutoFit/>
+          </a:bodyPr>
+          <a:lstStyle/>
+          <a:p>
+            <a:r>
+              <a:rPr lang="en-US" dirty="0"/>
+              <a:t>High odds</a:t>
+            </a:r>
+          </a:p>
+        </p:txBody>
+      </p:sp>
+      <p:pic>
+        <p:nvPicPr>
+          <p:cNvPr id="2" name="Picture 1">
+            <a:extLst>
+              <a:ext uri="{FF2B5EF4-FFF2-40B4-BE49-F238E27FC236}">
+                <a16:creationId xmlns:a16="http://schemas.microsoft.com/office/drawing/2014/main" id="{9816BBC4-7EF2-4922-A9B2-A721ADE12577}"/>
+              </a:ext>
+            </a:extLst>
+          </p:cNvPr>
+          <p:cNvPicPr>
+            <a:picLocks noChangeAspect="1"/>
+          </p:cNvPicPr>
+          <p:nvPr/>
+        </p:nvPicPr>
+        <p:blipFill>
+          <a:blip r:embed="rId2"/>
+          <a:stretch>
+            <a:fillRect/>
+          </a:stretch>
+        </p:blipFill>
+        <p:spPr>
+          <a:xfrm>
+            <a:off x="259865" y="731014"/>
+            <a:ext cx="4784091" cy="2347166"/>
+          </a:xfrm>
+          <a:prstGeom prst="rect">
+            <a:avLst/>
+          </a:prstGeom>
+        </p:spPr>
+      </p:pic>
+      <p:pic>
+        <p:nvPicPr>
+          <p:cNvPr id="12" name="Picture 11">
+            <a:extLst>
+              <a:ext uri="{FF2B5EF4-FFF2-40B4-BE49-F238E27FC236}">
+                <a16:creationId xmlns:a16="http://schemas.microsoft.com/office/drawing/2014/main" id="{F0135ECD-011B-4AC6-B1C0-657958806AB5}"/>
+              </a:ext>
+            </a:extLst>
+          </p:cNvPr>
+          <p:cNvPicPr>
+            <a:picLocks noChangeAspect="1"/>
+          </p:cNvPicPr>
+          <p:nvPr/>
+        </p:nvPicPr>
+        <p:blipFill>
+          <a:blip r:embed="rId3"/>
+          <a:stretch>
+            <a:fillRect/>
+          </a:stretch>
+        </p:blipFill>
+        <p:spPr>
+          <a:xfrm>
+            <a:off x="3696593" y="4004978"/>
+            <a:ext cx="4784088" cy="2347165"/>
+          </a:xfrm>
+          <a:prstGeom prst="rect">
+            <a:avLst/>
+          </a:prstGeom>
+        </p:spPr>
+      </p:pic>
+      <p:pic>
+        <p:nvPicPr>
+          <p:cNvPr id="13" name="Picture 12">
+            <a:extLst>
+              <a:ext uri="{FF2B5EF4-FFF2-40B4-BE49-F238E27FC236}">
+                <a16:creationId xmlns:a16="http://schemas.microsoft.com/office/drawing/2014/main" id="{73DCDFB0-82FE-4AE4-8FA6-81CDBA5CCA0C}"/>
+              </a:ext>
+            </a:extLst>
+          </p:cNvPr>
+          <p:cNvPicPr>
+            <a:picLocks noChangeAspect="1"/>
+          </p:cNvPicPr>
+          <p:nvPr/>
+        </p:nvPicPr>
+        <p:blipFill>
+          <a:blip r:embed="rId4"/>
+          <a:stretch>
+            <a:fillRect/>
+          </a:stretch>
+        </p:blipFill>
+        <p:spPr>
+          <a:xfrm>
+            <a:off x="6085718" y="358091"/>
+            <a:ext cx="5506465" cy="2701577"/>
+          </a:xfrm>
+          <a:prstGeom prst="rect">
+            <a:avLst/>
+          </a:prstGeom>
+        </p:spPr>
+      </p:pic>
+    </p:spTree>
+    <p:extLst>
+      <p:ext uri="{BB962C8B-B14F-4D97-AF65-F5344CB8AC3E}">
+        <p14:creationId xmlns:p14="http://schemas.microsoft.com/office/powerpoint/2010/main" val="2112435581"/>
       </p:ext>
     </p:extLst>
   </p:cSld>
